--- a/papers/Poster.pptx
+++ b/papers/Poster.pptx
@@ -208,7 +208,7 @@
           <a:p>
             <a:fld id="{B5519E66-4E48-4C2D-8002-E9D322655BD1}" type="datetimeFigureOut">
               <a:rPr lang="en-US" smtClean="0"/>
-              <a:t>12/7/2020</a:t>
+              <a:t>12/8/2020</a:t>
             </a:fld>
             <a:endParaRPr lang="en-US"/>
           </a:p>
@@ -705,7 +705,7 @@
           <a:p>
             <a:fld id="{BE98FA34-C55B-42E0-BDDE-ECBEC87106F0}" type="datetimeFigureOut">
               <a:rPr lang="en-US" smtClean="0"/>
-              <a:t>12/7/2020</a:t>
+              <a:t>12/8/2020</a:t>
             </a:fld>
             <a:endParaRPr lang="en-US"/>
           </a:p>
@@ -875,7 +875,7 @@
           <a:p>
             <a:fld id="{BE98FA34-C55B-42E0-BDDE-ECBEC87106F0}" type="datetimeFigureOut">
               <a:rPr lang="en-US" smtClean="0"/>
-              <a:t>12/7/2020</a:t>
+              <a:t>12/8/2020</a:t>
             </a:fld>
             <a:endParaRPr lang="en-US"/>
           </a:p>
@@ -1055,7 +1055,7 @@
           <a:p>
             <a:fld id="{BE98FA34-C55B-42E0-BDDE-ECBEC87106F0}" type="datetimeFigureOut">
               <a:rPr lang="en-US" smtClean="0"/>
-              <a:t>12/7/2020</a:t>
+              <a:t>12/8/2020</a:t>
             </a:fld>
             <a:endParaRPr lang="en-US"/>
           </a:p>
@@ -1225,7 +1225,7 @@
           <a:p>
             <a:fld id="{BE98FA34-C55B-42E0-BDDE-ECBEC87106F0}" type="datetimeFigureOut">
               <a:rPr lang="en-US" smtClean="0"/>
-              <a:t>12/7/2020</a:t>
+              <a:t>12/8/2020</a:t>
             </a:fld>
             <a:endParaRPr lang="en-US"/>
           </a:p>
@@ -1469,7 +1469,7 @@
           <a:p>
             <a:fld id="{BE98FA34-C55B-42E0-BDDE-ECBEC87106F0}" type="datetimeFigureOut">
               <a:rPr lang="en-US" smtClean="0"/>
-              <a:t>12/7/2020</a:t>
+              <a:t>12/8/2020</a:t>
             </a:fld>
             <a:endParaRPr lang="en-US"/>
           </a:p>
@@ -1701,7 +1701,7 @@
           <a:p>
             <a:fld id="{BE98FA34-C55B-42E0-BDDE-ECBEC87106F0}" type="datetimeFigureOut">
               <a:rPr lang="en-US" smtClean="0"/>
-              <a:t>12/7/2020</a:t>
+              <a:t>12/8/2020</a:t>
             </a:fld>
             <a:endParaRPr lang="en-US"/>
           </a:p>
@@ -2068,7 +2068,7 @@
           <a:p>
             <a:fld id="{BE98FA34-C55B-42E0-BDDE-ECBEC87106F0}" type="datetimeFigureOut">
               <a:rPr lang="en-US" smtClean="0"/>
-              <a:t>12/7/2020</a:t>
+              <a:t>12/8/2020</a:t>
             </a:fld>
             <a:endParaRPr lang="en-US"/>
           </a:p>
@@ -2186,7 +2186,7 @@
           <a:p>
             <a:fld id="{BE98FA34-C55B-42E0-BDDE-ECBEC87106F0}" type="datetimeFigureOut">
               <a:rPr lang="en-US" smtClean="0"/>
-              <a:t>12/7/2020</a:t>
+              <a:t>12/8/2020</a:t>
             </a:fld>
             <a:endParaRPr lang="en-US"/>
           </a:p>
@@ -2281,7 +2281,7 @@
           <a:p>
             <a:fld id="{BE98FA34-C55B-42E0-BDDE-ECBEC87106F0}" type="datetimeFigureOut">
               <a:rPr lang="en-US" smtClean="0"/>
-              <a:t>12/7/2020</a:t>
+              <a:t>12/8/2020</a:t>
             </a:fld>
             <a:endParaRPr lang="en-US"/>
           </a:p>
@@ -2558,7 +2558,7 @@
           <a:p>
             <a:fld id="{BE98FA34-C55B-42E0-BDDE-ECBEC87106F0}" type="datetimeFigureOut">
               <a:rPr lang="en-US" smtClean="0"/>
-              <a:t>12/7/2020</a:t>
+              <a:t>12/8/2020</a:t>
             </a:fld>
             <a:endParaRPr lang="en-US"/>
           </a:p>
@@ -2815,7 +2815,7 @@
           <a:p>
             <a:fld id="{BE98FA34-C55B-42E0-BDDE-ECBEC87106F0}" type="datetimeFigureOut">
               <a:rPr lang="en-US" smtClean="0"/>
-              <a:t>12/7/2020</a:t>
+              <a:t>12/8/2020</a:t>
             </a:fld>
             <a:endParaRPr lang="en-US"/>
           </a:p>
@@ -3028,7 +3028,7 @@
           <a:p>
             <a:fld id="{BE98FA34-C55B-42E0-BDDE-ECBEC87106F0}" type="datetimeFigureOut">
               <a:rPr lang="en-US" smtClean="0"/>
-              <a:t>12/7/2020</a:t>
+              <a:t>12/8/2020</a:t>
             </a:fld>
             <a:endParaRPr lang="en-US"/>
           </a:p>
@@ -3878,7 +3878,7 @@
           <a:p>
             <a:pPr algn="just"/>
             <a:r>
-              <a:rPr lang="vi-VN" sz="1800" b="0" i="0" u="none" strike="noStrike">
+              <a:rPr lang="vi-VN" sz="1800" b="0" i="0" u="none" strike="noStrike" dirty="0">
                 <a:solidFill>
                   <a:srgbClr val="000000"/>
                 </a:solidFill>
@@ -3887,7 +3887,7 @@
               </a:rPr>
               <a:t>Mỹ thuật điểm ảnh (Pixel Art) là một loại nghệ thuật kỹ thuật số được sử dụng phổ biến trong các trò chơi điện tử và các biểu tượng của chương trình máy tính. Hầu hết các ấn phẩm này đều rất hạn chế về kích thước và màu sắc. Do đó, nhóm chúng tôi muốn tạo ra một thuật toán có thể chuyển đổi một hình ảnh bất kỳ thành một hình ảnh có các đặc trưng của mỹ thuật điểm ảnh.</a:t>
             </a:r>
-            <a:endParaRPr lang="en-US" sz="1600">
+            <a:endParaRPr lang="en-US" sz="1600" dirty="0">
               <a:latin typeface="+mj-lt"/>
             </a:endParaRPr>
           </a:p>
@@ -4361,6 +4361,2983 @@
           </a:prstGeom>
         </p:spPr>
       </p:pic>
+      <p:sp>
+        <p:nvSpPr>
+          <p:cNvPr id="27" name="TextBox 26">
+            <a:extLst>
+              <a:ext uri="{FF2B5EF4-FFF2-40B4-BE49-F238E27FC236}">
+                <a16:creationId xmlns:a16="http://schemas.microsoft.com/office/drawing/2014/main" id="{58B133E6-CE55-4AFA-A5F7-0D6C002C662E}"/>
+              </a:ext>
+            </a:extLst>
+          </p:cNvPr>
+          <p:cNvSpPr txBox="1"/>
+          <p:nvPr/>
+        </p:nvSpPr>
+        <p:spPr>
+          <a:xfrm>
+            <a:off x="6654800" y="3331264"/>
+            <a:ext cx="7988300" cy="4247317"/>
+          </a:xfrm>
+          <a:prstGeom prst="rect">
+            <a:avLst/>
+          </a:prstGeom>
+          <a:noFill/>
+        </p:spPr>
+        <p:txBody>
+          <a:bodyPr wrap="square" rtlCol="0">
+            <a:spAutoFit/>
+          </a:bodyPr>
+          <a:lstStyle/>
+          <a:p>
+            <a:pPr algn="just"/>
+            <a:r>
+              <a:rPr lang="en-US" dirty="0" err="1">
+                <a:latin typeface="Arial" panose="020B0604020202020204" pitchFamily="34" charset="0"/>
+                <a:cs typeface="Arial" panose="020B0604020202020204" pitchFamily="34" charset="0"/>
+              </a:rPr>
+              <a:t>Bằng</a:t>
+            </a:r>
+            <a:r>
+              <a:rPr lang="en-US" dirty="0">
+                <a:latin typeface="Arial" panose="020B0604020202020204" pitchFamily="34" charset="0"/>
+                <a:cs typeface="Arial" panose="020B0604020202020204" pitchFamily="34" charset="0"/>
+              </a:rPr>
+              <a:t> </a:t>
+            </a:r>
+            <a:r>
+              <a:rPr lang="en-US" dirty="0" err="1">
+                <a:latin typeface="Arial" panose="020B0604020202020204" pitchFamily="34" charset="0"/>
+                <a:cs typeface="Arial" panose="020B0604020202020204" pitchFamily="34" charset="0"/>
+              </a:rPr>
+              <a:t>cách</a:t>
+            </a:r>
+            <a:r>
+              <a:rPr lang="en-US" dirty="0">
+                <a:latin typeface="Arial" panose="020B0604020202020204" pitchFamily="34" charset="0"/>
+                <a:cs typeface="Arial" panose="020B0604020202020204" pitchFamily="34" charset="0"/>
+              </a:rPr>
+              <a:t> </a:t>
+            </a:r>
+            <a:r>
+              <a:rPr lang="en-US" dirty="0" err="1">
+                <a:latin typeface="Arial" panose="020B0604020202020204" pitchFamily="34" charset="0"/>
+                <a:cs typeface="Arial" panose="020B0604020202020204" pitchFamily="34" charset="0"/>
+              </a:rPr>
+              <a:t>sử</a:t>
+            </a:r>
+            <a:r>
+              <a:rPr lang="en-US" dirty="0">
+                <a:latin typeface="Arial" panose="020B0604020202020204" pitchFamily="34" charset="0"/>
+                <a:cs typeface="Arial" panose="020B0604020202020204" pitchFamily="34" charset="0"/>
+              </a:rPr>
+              <a:t> </a:t>
+            </a:r>
+            <a:r>
+              <a:rPr lang="en-US" dirty="0" err="1">
+                <a:latin typeface="Arial" panose="020B0604020202020204" pitchFamily="34" charset="0"/>
+                <a:cs typeface="Arial" panose="020B0604020202020204" pitchFamily="34" charset="0"/>
+              </a:rPr>
+              <a:t>dụng</a:t>
+            </a:r>
+            <a:r>
+              <a:rPr lang="en-US" dirty="0">
+                <a:latin typeface="Arial" panose="020B0604020202020204" pitchFamily="34" charset="0"/>
+                <a:cs typeface="Arial" panose="020B0604020202020204" pitchFamily="34" charset="0"/>
+              </a:rPr>
+              <a:t> </a:t>
+            </a:r>
+            <a:r>
+              <a:rPr lang="en-US" dirty="0" err="1">
+                <a:latin typeface="Arial" panose="020B0604020202020204" pitchFamily="34" charset="0"/>
+                <a:cs typeface="Arial" panose="020B0604020202020204" pitchFamily="34" charset="0"/>
+              </a:rPr>
+              <a:t>các</a:t>
+            </a:r>
+            <a:r>
+              <a:rPr lang="en-US" dirty="0">
+                <a:latin typeface="Arial" panose="020B0604020202020204" pitchFamily="34" charset="0"/>
+                <a:cs typeface="Arial" panose="020B0604020202020204" pitchFamily="34" charset="0"/>
+              </a:rPr>
+              <a:t> </a:t>
+            </a:r>
+            <a:r>
+              <a:rPr lang="en-US" dirty="0" err="1">
+                <a:latin typeface="Arial" panose="020B0604020202020204" pitchFamily="34" charset="0"/>
+                <a:cs typeface="Arial" panose="020B0604020202020204" pitchFamily="34" charset="0"/>
+              </a:rPr>
+              <a:t>hàm</a:t>
+            </a:r>
+            <a:r>
+              <a:rPr lang="en-US" dirty="0">
+                <a:latin typeface="Arial" panose="020B0604020202020204" pitchFamily="34" charset="0"/>
+                <a:cs typeface="Arial" panose="020B0604020202020204" pitchFamily="34" charset="0"/>
+              </a:rPr>
+              <a:t> </a:t>
+            </a:r>
+            <a:r>
+              <a:rPr lang="en-US" dirty="0" err="1">
+                <a:latin typeface="Arial" panose="020B0604020202020204" pitchFamily="34" charset="0"/>
+                <a:cs typeface="Arial" panose="020B0604020202020204" pitchFamily="34" charset="0"/>
+              </a:rPr>
+              <a:t>Thị</a:t>
+            </a:r>
+            <a:r>
+              <a:rPr lang="en-US" dirty="0">
+                <a:latin typeface="Arial" panose="020B0604020202020204" pitchFamily="34" charset="0"/>
+                <a:cs typeface="Arial" panose="020B0604020202020204" pitchFamily="34" charset="0"/>
+              </a:rPr>
+              <a:t> </a:t>
+            </a:r>
+            <a:r>
+              <a:rPr lang="en-US" dirty="0" err="1">
+                <a:latin typeface="Arial" panose="020B0604020202020204" pitchFamily="34" charset="0"/>
+                <a:cs typeface="Arial" panose="020B0604020202020204" pitchFamily="34" charset="0"/>
+              </a:rPr>
+              <a:t>giác</a:t>
+            </a:r>
+            <a:r>
+              <a:rPr lang="en-US" dirty="0">
+                <a:latin typeface="Arial" panose="020B0604020202020204" pitchFamily="34" charset="0"/>
+                <a:cs typeface="Arial" panose="020B0604020202020204" pitchFamily="34" charset="0"/>
+              </a:rPr>
+              <a:t> </a:t>
+            </a:r>
+            <a:r>
+              <a:rPr lang="en-US" dirty="0" err="1">
+                <a:latin typeface="Arial" panose="020B0604020202020204" pitchFamily="34" charset="0"/>
+                <a:cs typeface="Arial" panose="020B0604020202020204" pitchFamily="34" charset="0"/>
+              </a:rPr>
+              <a:t>máy</a:t>
+            </a:r>
+            <a:r>
+              <a:rPr lang="en-US" dirty="0">
+                <a:latin typeface="Arial" panose="020B0604020202020204" pitchFamily="34" charset="0"/>
+                <a:cs typeface="Arial" panose="020B0604020202020204" pitchFamily="34" charset="0"/>
+              </a:rPr>
+              <a:t> </a:t>
+            </a:r>
+            <a:r>
+              <a:rPr lang="en-US" dirty="0" err="1">
+                <a:latin typeface="Arial" panose="020B0604020202020204" pitchFamily="34" charset="0"/>
+                <a:cs typeface="Arial" panose="020B0604020202020204" pitchFamily="34" charset="0"/>
+              </a:rPr>
+              <a:t>tính</a:t>
+            </a:r>
+            <a:r>
+              <a:rPr lang="en-US" dirty="0">
+                <a:latin typeface="Arial" panose="020B0604020202020204" pitchFamily="34" charset="0"/>
+                <a:cs typeface="Arial" panose="020B0604020202020204" pitchFamily="34" charset="0"/>
+              </a:rPr>
+              <a:t> c</a:t>
+            </a:r>
+            <a:r>
+              <a:rPr lang="vi-VN" dirty="0">
+                <a:latin typeface="Arial" panose="020B0604020202020204" pitchFamily="34" charset="0"/>
+                <a:cs typeface="Arial" panose="020B0604020202020204" pitchFamily="34" charset="0"/>
+              </a:rPr>
+              <a:t>ơ</a:t>
+            </a:r>
+            <a:r>
+              <a:rPr lang="en-US" dirty="0">
+                <a:latin typeface="Arial" panose="020B0604020202020204" pitchFamily="34" charset="0"/>
+                <a:cs typeface="Arial" panose="020B0604020202020204" pitchFamily="34" charset="0"/>
+              </a:rPr>
+              <a:t> </a:t>
+            </a:r>
+            <a:r>
+              <a:rPr lang="en-US" dirty="0" err="1">
+                <a:latin typeface="Arial" panose="020B0604020202020204" pitchFamily="34" charset="0"/>
+                <a:cs typeface="Arial" panose="020B0604020202020204" pitchFamily="34" charset="0"/>
+              </a:rPr>
+              <a:t>bản</a:t>
+            </a:r>
+            <a:r>
+              <a:rPr lang="en-US" dirty="0">
+                <a:latin typeface="Arial" panose="020B0604020202020204" pitchFamily="34" charset="0"/>
+                <a:cs typeface="Arial" panose="020B0604020202020204" pitchFamily="34" charset="0"/>
+              </a:rPr>
+              <a:t> </a:t>
+            </a:r>
+            <a:r>
+              <a:rPr lang="en-US" dirty="0" err="1">
+                <a:latin typeface="Arial" panose="020B0604020202020204" pitchFamily="34" charset="0"/>
+                <a:cs typeface="Arial" panose="020B0604020202020204" pitchFamily="34" charset="0"/>
+              </a:rPr>
+              <a:t>cho</a:t>
+            </a:r>
+            <a:r>
+              <a:rPr lang="en-US" dirty="0">
+                <a:latin typeface="Arial" panose="020B0604020202020204" pitchFamily="34" charset="0"/>
+                <a:cs typeface="Arial" panose="020B0604020202020204" pitchFamily="34" charset="0"/>
+              </a:rPr>
+              <a:t> </a:t>
+            </a:r>
+            <a:r>
+              <a:rPr lang="en-US" dirty="0" err="1">
+                <a:latin typeface="Arial" panose="020B0604020202020204" pitchFamily="34" charset="0"/>
+                <a:cs typeface="Arial" panose="020B0604020202020204" pitchFamily="34" charset="0"/>
+              </a:rPr>
+              <a:t>quá</a:t>
+            </a:r>
+            <a:r>
+              <a:rPr lang="en-US" dirty="0">
+                <a:latin typeface="Arial" panose="020B0604020202020204" pitchFamily="34" charset="0"/>
+                <a:cs typeface="Arial" panose="020B0604020202020204" pitchFamily="34" charset="0"/>
+              </a:rPr>
+              <a:t> </a:t>
+            </a:r>
+            <a:r>
+              <a:rPr lang="en-US" dirty="0" err="1">
+                <a:latin typeface="Arial" panose="020B0604020202020204" pitchFamily="34" charset="0"/>
+                <a:cs typeface="Arial" panose="020B0604020202020204" pitchFamily="34" charset="0"/>
+              </a:rPr>
+              <a:t>trình</a:t>
+            </a:r>
+            <a:r>
+              <a:rPr lang="en-US" dirty="0">
+                <a:latin typeface="Arial" panose="020B0604020202020204" pitchFamily="34" charset="0"/>
+                <a:cs typeface="Arial" panose="020B0604020202020204" pitchFamily="34" charset="0"/>
+              </a:rPr>
+              <a:t> </a:t>
+            </a:r>
+            <a:r>
+              <a:rPr lang="en-US" dirty="0" err="1">
+                <a:latin typeface="Arial" panose="020B0604020202020204" pitchFamily="34" charset="0"/>
+                <a:cs typeface="Arial" panose="020B0604020202020204" pitchFamily="34" charset="0"/>
+              </a:rPr>
+              <a:t>tiền</a:t>
+            </a:r>
+            <a:r>
+              <a:rPr lang="en-US" dirty="0">
+                <a:latin typeface="Arial" panose="020B0604020202020204" pitchFamily="34" charset="0"/>
+                <a:cs typeface="Arial" panose="020B0604020202020204" pitchFamily="34" charset="0"/>
+              </a:rPr>
+              <a:t> </a:t>
+            </a:r>
+            <a:r>
+              <a:rPr lang="en-US" dirty="0" err="1">
+                <a:latin typeface="Arial" panose="020B0604020202020204" pitchFamily="34" charset="0"/>
+                <a:cs typeface="Arial" panose="020B0604020202020204" pitchFamily="34" charset="0"/>
+              </a:rPr>
+              <a:t>xử</a:t>
+            </a:r>
+            <a:r>
+              <a:rPr lang="en-US" dirty="0">
+                <a:latin typeface="Arial" panose="020B0604020202020204" pitchFamily="34" charset="0"/>
+                <a:cs typeface="Arial" panose="020B0604020202020204" pitchFamily="34" charset="0"/>
+              </a:rPr>
+              <a:t> </a:t>
+            </a:r>
+            <a:r>
+              <a:rPr lang="en-US" dirty="0" err="1">
+                <a:latin typeface="Arial" panose="020B0604020202020204" pitchFamily="34" charset="0"/>
+                <a:cs typeface="Arial" panose="020B0604020202020204" pitchFamily="34" charset="0"/>
+              </a:rPr>
+              <a:t>lý</a:t>
+            </a:r>
+            <a:r>
+              <a:rPr lang="en-US" dirty="0">
+                <a:latin typeface="Arial" panose="020B0604020202020204" pitchFamily="34" charset="0"/>
+                <a:cs typeface="Arial" panose="020B0604020202020204" pitchFamily="34" charset="0"/>
+              </a:rPr>
+              <a:t> </a:t>
+            </a:r>
+            <a:r>
+              <a:rPr lang="en-US" dirty="0" err="1">
+                <a:latin typeface="Arial" panose="020B0604020202020204" pitchFamily="34" charset="0"/>
+                <a:cs typeface="Arial" panose="020B0604020202020204" pitchFamily="34" charset="0"/>
+              </a:rPr>
+              <a:t>cùng</a:t>
+            </a:r>
+            <a:r>
+              <a:rPr lang="en-US" dirty="0">
+                <a:latin typeface="Arial" panose="020B0604020202020204" pitchFamily="34" charset="0"/>
+                <a:cs typeface="Arial" panose="020B0604020202020204" pitchFamily="34" charset="0"/>
+              </a:rPr>
+              <a:t> </a:t>
+            </a:r>
+            <a:r>
+              <a:rPr lang="en-US" dirty="0" err="1">
+                <a:latin typeface="Arial" panose="020B0604020202020204" pitchFamily="34" charset="0"/>
+                <a:cs typeface="Arial" panose="020B0604020202020204" pitchFamily="34" charset="0"/>
+              </a:rPr>
+              <a:t>với</a:t>
+            </a:r>
+            <a:r>
+              <a:rPr lang="en-US" dirty="0">
+                <a:latin typeface="Arial" panose="020B0604020202020204" pitchFamily="34" charset="0"/>
+                <a:cs typeface="Arial" panose="020B0604020202020204" pitchFamily="34" charset="0"/>
+              </a:rPr>
+              <a:t> </a:t>
+            </a:r>
+            <a:r>
+              <a:rPr lang="en-US" dirty="0" err="1">
+                <a:latin typeface="Arial" panose="020B0604020202020204" pitchFamily="34" charset="0"/>
+                <a:cs typeface="Arial" panose="020B0604020202020204" pitchFamily="34" charset="0"/>
+              </a:rPr>
+              <a:t>sử</a:t>
+            </a:r>
+            <a:r>
+              <a:rPr lang="en-US" dirty="0">
+                <a:latin typeface="Arial" panose="020B0604020202020204" pitchFamily="34" charset="0"/>
+                <a:cs typeface="Arial" panose="020B0604020202020204" pitchFamily="34" charset="0"/>
+              </a:rPr>
+              <a:t> </a:t>
+            </a:r>
+            <a:r>
+              <a:rPr lang="en-US" dirty="0" err="1">
+                <a:latin typeface="Arial" panose="020B0604020202020204" pitchFamily="34" charset="0"/>
+                <a:cs typeface="Arial" panose="020B0604020202020204" pitchFamily="34" charset="0"/>
+              </a:rPr>
+              <a:t>dụng</a:t>
+            </a:r>
+            <a:r>
+              <a:rPr lang="en-US" dirty="0">
+                <a:latin typeface="Arial" panose="020B0604020202020204" pitchFamily="34" charset="0"/>
+                <a:cs typeface="Arial" panose="020B0604020202020204" pitchFamily="34" charset="0"/>
+              </a:rPr>
+              <a:t> </a:t>
+            </a:r>
+            <a:r>
+              <a:rPr lang="en-US" dirty="0" err="1">
+                <a:latin typeface="Arial" panose="020B0604020202020204" pitchFamily="34" charset="0"/>
+                <a:cs typeface="Arial" panose="020B0604020202020204" pitchFamily="34" charset="0"/>
+              </a:rPr>
+              <a:t>các</a:t>
+            </a:r>
+            <a:r>
+              <a:rPr lang="en-US" dirty="0">
+                <a:latin typeface="Arial" panose="020B0604020202020204" pitchFamily="34" charset="0"/>
+                <a:cs typeface="Arial" panose="020B0604020202020204" pitchFamily="34" charset="0"/>
+              </a:rPr>
+              <a:t> </a:t>
+            </a:r>
+            <a:r>
+              <a:rPr lang="en-US" dirty="0" err="1">
+                <a:latin typeface="Arial" panose="020B0604020202020204" pitchFamily="34" charset="0"/>
+                <a:cs typeface="Arial" panose="020B0604020202020204" pitchFamily="34" charset="0"/>
+              </a:rPr>
+              <a:t>tích</a:t>
+            </a:r>
+            <a:r>
+              <a:rPr lang="en-US" dirty="0">
+                <a:latin typeface="Arial" panose="020B0604020202020204" pitchFamily="34" charset="0"/>
+                <a:cs typeface="Arial" panose="020B0604020202020204" pitchFamily="34" charset="0"/>
+              </a:rPr>
+              <a:t> </a:t>
+            </a:r>
+            <a:r>
+              <a:rPr lang="en-US" dirty="0" err="1">
+                <a:latin typeface="Arial" panose="020B0604020202020204" pitchFamily="34" charset="0"/>
+                <a:cs typeface="Arial" panose="020B0604020202020204" pitchFamily="34" charset="0"/>
+              </a:rPr>
+              <a:t>chập</a:t>
+            </a:r>
+            <a:r>
+              <a:rPr lang="en-US" dirty="0">
+                <a:latin typeface="Arial" panose="020B0604020202020204" pitchFamily="34" charset="0"/>
+                <a:cs typeface="Arial" panose="020B0604020202020204" pitchFamily="34" charset="0"/>
+              </a:rPr>
+              <a:t> đ</a:t>
+            </a:r>
+            <a:r>
+              <a:rPr lang="vi-VN" dirty="0">
+                <a:latin typeface="Arial" panose="020B0604020202020204" pitchFamily="34" charset="0"/>
+                <a:cs typeface="Arial" panose="020B0604020202020204" pitchFamily="34" charset="0"/>
+              </a:rPr>
+              <a:t>ơ</a:t>
+            </a:r>
+            <a:r>
+              <a:rPr lang="en-US" dirty="0">
+                <a:latin typeface="Arial" panose="020B0604020202020204" pitchFamily="34" charset="0"/>
+                <a:cs typeface="Arial" panose="020B0604020202020204" pitchFamily="34" charset="0"/>
+              </a:rPr>
+              <a:t>n </a:t>
+            </a:r>
+            <a:r>
+              <a:rPr lang="en-US" dirty="0" err="1">
+                <a:latin typeface="Arial" panose="020B0604020202020204" pitchFamily="34" charset="0"/>
+                <a:cs typeface="Arial" panose="020B0604020202020204" pitchFamily="34" charset="0"/>
+              </a:rPr>
+              <a:t>giản</a:t>
+            </a:r>
+            <a:r>
+              <a:rPr lang="en-US" dirty="0">
+                <a:latin typeface="Arial" panose="020B0604020202020204" pitchFamily="34" charset="0"/>
+                <a:cs typeface="Arial" panose="020B0604020202020204" pitchFamily="34" charset="0"/>
+              </a:rPr>
+              <a:t> </a:t>
+            </a:r>
+            <a:r>
+              <a:rPr lang="en-US" dirty="0" err="1">
+                <a:latin typeface="Arial" panose="020B0604020202020204" pitchFamily="34" charset="0"/>
+                <a:cs typeface="Arial" panose="020B0604020202020204" pitchFamily="34" charset="0"/>
+              </a:rPr>
+              <a:t>cho</a:t>
+            </a:r>
+            <a:r>
+              <a:rPr lang="en-US" dirty="0">
+                <a:latin typeface="Arial" panose="020B0604020202020204" pitchFamily="34" charset="0"/>
+                <a:cs typeface="Arial" panose="020B0604020202020204" pitchFamily="34" charset="0"/>
+              </a:rPr>
+              <a:t> </a:t>
+            </a:r>
+            <a:r>
+              <a:rPr lang="en-US" dirty="0" err="1">
+                <a:latin typeface="Arial" panose="020B0604020202020204" pitchFamily="34" charset="0"/>
+                <a:cs typeface="Arial" panose="020B0604020202020204" pitchFamily="34" charset="0"/>
+              </a:rPr>
+              <a:t>ảnh</a:t>
+            </a:r>
+            <a:r>
+              <a:rPr lang="en-US" dirty="0">
+                <a:latin typeface="Arial" panose="020B0604020202020204" pitchFamily="34" charset="0"/>
+                <a:cs typeface="Arial" panose="020B0604020202020204" pitchFamily="34" charset="0"/>
+              </a:rPr>
+              <a:t>, </a:t>
+            </a:r>
+            <a:r>
+              <a:rPr lang="en-US" dirty="0" err="1">
+                <a:latin typeface="Arial" panose="020B0604020202020204" pitchFamily="34" charset="0"/>
+                <a:cs typeface="Arial" panose="020B0604020202020204" pitchFamily="34" charset="0"/>
+              </a:rPr>
+              <a:t>các</a:t>
+            </a:r>
+            <a:r>
+              <a:rPr lang="en-US" dirty="0">
+                <a:latin typeface="Arial" panose="020B0604020202020204" pitchFamily="34" charset="0"/>
+                <a:cs typeface="Arial" panose="020B0604020202020204" pitchFamily="34" charset="0"/>
+              </a:rPr>
+              <a:t> </a:t>
+            </a:r>
+            <a:r>
+              <a:rPr lang="en-US" dirty="0" err="1">
+                <a:latin typeface="Arial" panose="020B0604020202020204" pitchFamily="34" charset="0"/>
+                <a:cs typeface="Arial" panose="020B0604020202020204" pitchFamily="34" charset="0"/>
+              </a:rPr>
+              <a:t>vùng</a:t>
+            </a:r>
+            <a:r>
+              <a:rPr lang="en-US" dirty="0">
+                <a:latin typeface="Arial" panose="020B0604020202020204" pitchFamily="34" charset="0"/>
+                <a:cs typeface="Arial" panose="020B0604020202020204" pitchFamily="34" charset="0"/>
+              </a:rPr>
+              <a:t> đ</a:t>
+            </a:r>
+            <a:r>
+              <a:rPr lang="vi-VN" dirty="0">
+                <a:latin typeface="Arial" panose="020B0604020202020204" pitchFamily="34" charset="0"/>
+                <a:cs typeface="Arial" panose="020B0604020202020204" pitchFamily="34" charset="0"/>
+              </a:rPr>
+              <a:t>ư</a:t>
+            </a:r>
+            <a:r>
+              <a:rPr lang="en-US" dirty="0" err="1">
+                <a:latin typeface="Arial" panose="020B0604020202020204" pitchFamily="34" charset="0"/>
+                <a:cs typeface="Arial" panose="020B0604020202020204" pitchFamily="34" charset="0"/>
+              </a:rPr>
+              <a:t>ợc</a:t>
+            </a:r>
+            <a:r>
+              <a:rPr lang="en-US" dirty="0">
+                <a:latin typeface="Arial" panose="020B0604020202020204" pitchFamily="34" charset="0"/>
+                <a:cs typeface="Arial" panose="020B0604020202020204" pitchFamily="34" charset="0"/>
+              </a:rPr>
+              <a:t> </a:t>
+            </a:r>
+            <a:r>
+              <a:rPr lang="en-US" dirty="0" err="1">
+                <a:latin typeface="Arial" panose="020B0604020202020204" pitchFamily="34" charset="0"/>
+                <a:cs typeface="Arial" panose="020B0604020202020204" pitchFamily="34" charset="0"/>
+              </a:rPr>
+              <a:t>downsampled</a:t>
+            </a:r>
+            <a:r>
+              <a:rPr lang="en-US" dirty="0">
+                <a:latin typeface="Arial" panose="020B0604020202020204" pitchFamily="34" charset="0"/>
+                <a:cs typeface="Arial" panose="020B0604020202020204" pitchFamily="34" charset="0"/>
+              </a:rPr>
+              <a:t> đ</a:t>
+            </a:r>
+            <a:r>
+              <a:rPr lang="vi-VN" dirty="0">
+                <a:latin typeface="Arial" panose="020B0604020202020204" pitchFamily="34" charset="0"/>
+                <a:cs typeface="Arial" panose="020B0604020202020204" pitchFamily="34" charset="0"/>
+              </a:rPr>
+              <a:t>ư</a:t>
+            </a:r>
+            <a:r>
+              <a:rPr lang="en-US" dirty="0" err="1">
+                <a:latin typeface="Arial" panose="020B0604020202020204" pitchFamily="34" charset="0"/>
+                <a:cs typeface="Arial" panose="020B0604020202020204" pitchFamily="34" charset="0"/>
+              </a:rPr>
+              <a:t>ợc</a:t>
+            </a:r>
+            <a:r>
+              <a:rPr lang="en-US" dirty="0">
+                <a:latin typeface="Arial" panose="020B0604020202020204" pitchFamily="34" charset="0"/>
+                <a:cs typeface="Arial" panose="020B0604020202020204" pitchFamily="34" charset="0"/>
+              </a:rPr>
+              <a:t>  </a:t>
+            </a:r>
+            <a:r>
+              <a:rPr lang="en-US" dirty="0" err="1">
+                <a:latin typeface="Arial" panose="020B0604020202020204" pitchFamily="34" charset="0"/>
+                <a:cs typeface="Arial" panose="020B0604020202020204" pitchFamily="34" charset="0"/>
+              </a:rPr>
+              <a:t>tính</a:t>
+            </a:r>
+            <a:r>
+              <a:rPr lang="en-US" dirty="0">
+                <a:latin typeface="Arial" panose="020B0604020202020204" pitchFamily="34" charset="0"/>
+                <a:cs typeface="Arial" panose="020B0604020202020204" pitchFamily="34" charset="0"/>
+              </a:rPr>
+              <a:t> </a:t>
+            </a:r>
+            <a:r>
+              <a:rPr lang="en-US" dirty="0" err="1">
+                <a:latin typeface="Arial" panose="020B0604020202020204" pitchFamily="34" charset="0"/>
+                <a:cs typeface="Arial" panose="020B0604020202020204" pitchFamily="34" charset="0"/>
+              </a:rPr>
+              <a:t>toán</a:t>
+            </a:r>
+            <a:r>
+              <a:rPr lang="en-US" dirty="0">
+                <a:latin typeface="Arial" panose="020B0604020202020204" pitchFamily="34" charset="0"/>
+                <a:cs typeface="Arial" panose="020B0604020202020204" pitchFamily="34" charset="0"/>
+              </a:rPr>
+              <a:t> </a:t>
+            </a:r>
+            <a:r>
+              <a:rPr lang="en-US" dirty="0" err="1">
+                <a:latin typeface="Arial" panose="020B0604020202020204" pitchFamily="34" charset="0"/>
+                <a:cs typeface="Arial" panose="020B0604020202020204" pitchFamily="34" charset="0"/>
+              </a:rPr>
+              <a:t>dựa</a:t>
+            </a:r>
+            <a:r>
+              <a:rPr lang="en-US" dirty="0">
+                <a:latin typeface="Arial" panose="020B0604020202020204" pitchFamily="34" charset="0"/>
+                <a:cs typeface="Arial" panose="020B0604020202020204" pitchFamily="34" charset="0"/>
+              </a:rPr>
+              <a:t> </a:t>
+            </a:r>
+            <a:r>
+              <a:rPr lang="en-US" dirty="0" err="1">
+                <a:latin typeface="Arial" panose="020B0604020202020204" pitchFamily="34" charset="0"/>
+                <a:cs typeface="Arial" panose="020B0604020202020204" pitchFamily="34" charset="0"/>
+              </a:rPr>
+              <a:t>vào</a:t>
+            </a:r>
+            <a:r>
+              <a:rPr lang="en-US" dirty="0">
+                <a:latin typeface="Arial" panose="020B0604020202020204" pitchFamily="34" charset="0"/>
+                <a:cs typeface="Arial" panose="020B0604020202020204" pitchFamily="34" charset="0"/>
+              </a:rPr>
+              <a:t> </a:t>
+            </a:r>
+            <a:r>
+              <a:rPr lang="en-US" dirty="0" err="1">
+                <a:latin typeface="Arial" panose="020B0604020202020204" pitchFamily="34" charset="0"/>
+                <a:cs typeface="Arial" panose="020B0604020202020204" pitchFamily="34" charset="0"/>
+              </a:rPr>
+              <a:t>độ</a:t>
+            </a:r>
+            <a:r>
+              <a:rPr lang="en-US" dirty="0">
+                <a:latin typeface="Arial" panose="020B0604020202020204" pitchFamily="34" charset="0"/>
+                <a:cs typeface="Arial" panose="020B0604020202020204" pitchFamily="34" charset="0"/>
+              </a:rPr>
+              <a:t> </a:t>
+            </a:r>
+            <a:r>
+              <a:rPr lang="en-US" dirty="0" err="1">
+                <a:latin typeface="Arial" panose="020B0604020202020204" pitchFamily="34" charset="0"/>
+                <a:cs typeface="Arial" panose="020B0604020202020204" pitchFamily="34" charset="0"/>
+              </a:rPr>
+              <a:t>lớn</a:t>
+            </a:r>
+            <a:r>
+              <a:rPr lang="en-US" dirty="0">
+                <a:latin typeface="Arial" panose="020B0604020202020204" pitchFamily="34" charset="0"/>
+                <a:cs typeface="Arial" panose="020B0604020202020204" pitchFamily="34" charset="0"/>
+              </a:rPr>
+              <a:t> </a:t>
+            </a:r>
+            <a:r>
+              <a:rPr lang="en-US" dirty="0" err="1">
+                <a:latin typeface="Arial" panose="020B0604020202020204" pitchFamily="34" charset="0"/>
+                <a:cs typeface="Arial" panose="020B0604020202020204" pitchFamily="34" charset="0"/>
+              </a:rPr>
+              <a:t>và</a:t>
+            </a:r>
+            <a:r>
+              <a:rPr lang="en-US" dirty="0">
+                <a:latin typeface="Arial" panose="020B0604020202020204" pitchFamily="34" charset="0"/>
+                <a:cs typeface="Arial" panose="020B0604020202020204" pitchFamily="34" charset="0"/>
+              </a:rPr>
+              <a:t> h</a:t>
+            </a:r>
+            <a:r>
+              <a:rPr lang="vi-VN" dirty="0">
+                <a:latin typeface="Arial" panose="020B0604020202020204" pitchFamily="34" charset="0"/>
+                <a:cs typeface="Arial" panose="020B0604020202020204" pitchFamily="34" charset="0"/>
+              </a:rPr>
+              <a:t>ư</a:t>
+            </a:r>
+            <a:r>
+              <a:rPr lang="en-US" dirty="0" err="1">
+                <a:latin typeface="Arial" panose="020B0604020202020204" pitchFamily="34" charset="0"/>
+                <a:cs typeface="Arial" panose="020B0604020202020204" pitchFamily="34" charset="0"/>
+              </a:rPr>
+              <a:t>ớng</a:t>
+            </a:r>
+            <a:r>
+              <a:rPr lang="en-US" dirty="0">
+                <a:latin typeface="Arial" panose="020B0604020202020204" pitchFamily="34" charset="0"/>
+                <a:cs typeface="Arial" panose="020B0604020202020204" pitchFamily="34" charset="0"/>
+              </a:rPr>
+              <a:t> gradient </a:t>
+            </a:r>
+            <a:r>
+              <a:rPr lang="en-US" dirty="0" err="1">
+                <a:latin typeface="Arial" panose="020B0604020202020204" pitchFamily="34" charset="0"/>
+                <a:cs typeface="Arial" panose="020B0604020202020204" pitchFamily="34" charset="0"/>
+              </a:rPr>
+              <a:t>của</a:t>
+            </a:r>
+            <a:r>
+              <a:rPr lang="en-US" dirty="0">
+                <a:latin typeface="Arial" panose="020B0604020202020204" pitchFamily="34" charset="0"/>
+                <a:cs typeface="Arial" panose="020B0604020202020204" pitchFamily="34" charset="0"/>
+              </a:rPr>
+              <a:t> </a:t>
+            </a:r>
+            <a:r>
+              <a:rPr lang="en-US" dirty="0" err="1">
+                <a:latin typeface="Arial" panose="020B0604020202020204" pitchFamily="34" charset="0"/>
+                <a:cs typeface="Arial" panose="020B0604020202020204" pitchFamily="34" charset="0"/>
+              </a:rPr>
+              <a:t>chúng</a:t>
+            </a:r>
+            <a:r>
+              <a:rPr lang="en-US" dirty="0">
+                <a:latin typeface="Arial" panose="020B0604020202020204" pitchFamily="34" charset="0"/>
+                <a:cs typeface="Arial" panose="020B0604020202020204" pitchFamily="34" charset="0"/>
+              </a:rPr>
+              <a:t>.	 </a:t>
+            </a:r>
+            <a:r>
+              <a:rPr lang="en-US" dirty="0" err="1">
+                <a:latin typeface="Arial" panose="020B0604020202020204" pitchFamily="34" charset="0"/>
+                <a:cs typeface="Arial" panose="020B0604020202020204" pitchFamily="34" charset="0"/>
+              </a:rPr>
+              <a:t>Hàm</a:t>
+            </a:r>
+            <a:r>
+              <a:rPr lang="en-US" dirty="0">
+                <a:latin typeface="Arial" panose="020B0604020202020204" pitchFamily="34" charset="0"/>
+                <a:cs typeface="Arial" panose="020B0604020202020204" pitchFamily="34" charset="0"/>
+              </a:rPr>
+              <a:t> </a:t>
+            </a:r>
+            <a:r>
+              <a:rPr lang="en-US" dirty="0" err="1">
+                <a:latin typeface="Arial" panose="020B0604020202020204" pitchFamily="34" charset="0"/>
+                <a:cs typeface="Arial" panose="020B0604020202020204" pitchFamily="34" charset="0"/>
+              </a:rPr>
+              <a:t>này</a:t>
+            </a:r>
+            <a:r>
+              <a:rPr lang="en-US" dirty="0">
+                <a:latin typeface="Arial" panose="020B0604020202020204" pitchFamily="34" charset="0"/>
+                <a:cs typeface="Arial" panose="020B0604020202020204" pitchFamily="34" charset="0"/>
+              </a:rPr>
+              <a:t> đ</a:t>
+            </a:r>
+            <a:r>
+              <a:rPr lang="vi-VN" dirty="0">
+                <a:latin typeface="Arial" panose="020B0604020202020204" pitchFamily="34" charset="0"/>
+                <a:cs typeface="Arial" panose="020B0604020202020204" pitchFamily="34" charset="0"/>
+              </a:rPr>
+              <a:t>ư</a:t>
+            </a:r>
+            <a:r>
+              <a:rPr lang="en-US" dirty="0" err="1">
+                <a:latin typeface="Arial" panose="020B0604020202020204" pitchFamily="34" charset="0"/>
+                <a:cs typeface="Arial" panose="020B0604020202020204" pitchFamily="34" charset="0"/>
+              </a:rPr>
+              <a:t>ợc</a:t>
+            </a:r>
+            <a:r>
+              <a:rPr lang="en-US" dirty="0">
+                <a:latin typeface="Arial" panose="020B0604020202020204" pitchFamily="34" charset="0"/>
+                <a:cs typeface="Arial" panose="020B0604020202020204" pitchFamily="34" charset="0"/>
+              </a:rPr>
+              <a:t> </a:t>
+            </a:r>
+            <a:r>
+              <a:rPr lang="en-US" dirty="0" err="1">
+                <a:latin typeface="Arial" panose="020B0604020202020204" pitchFamily="34" charset="0"/>
+                <a:cs typeface="Arial" panose="020B0604020202020204" pitchFamily="34" charset="0"/>
+              </a:rPr>
+              <a:t>dựa</a:t>
+            </a:r>
+            <a:r>
+              <a:rPr lang="en-US" dirty="0">
+                <a:latin typeface="Arial" panose="020B0604020202020204" pitchFamily="34" charset="0"/>
+                <a:cs typeface="Arial" panose="020B0604020202020204" pitchFamily="34" charset="0"/>
+              </a:rPr>
+              <a:t> </a:t>
+            </a:r>
+            <a:r>
+              <a:rPr lang="en-US" dirty="0" err="1">
+                <a:latin typeface="Arial" panose="020B0604020202020204" pitchFamily="34" charset="0"/>
+                <a:cs typeface="Arial" panose="020B0604020202020204" pitchFamily="34" charset="0"/>
+              </a:rPr>
+              <a:t>trên</a:t>
+            </a:r>
+            <a:r>
+              <a:rPr lang="en-US" dirty="0">
+                <a:latin typeface="Arial" panose="020B0604020202020204" pitchFamily="34" charset="0"/>
+                <a:cs typeface="Arial" panose="020B0604020202020204" pitchFamily="34" charset="0"/>
+              </a:rPr>
+              <a:t> </a:t>
+            </a:r>
+            <a:r>
+              <a:rPr lang="en-US" dirty="0" err="1">
+                <a:latin typeface="Arial" panose="020B0604020202020204" pitchFamily="34" charset="0"/>
+                <a:cs typeface="Arial" panose="020B0604020202020204" pitchFamily="34" charset="0"/>
+              </a:rPr>
+              <a:t>ph</a:t>
+            </a:r>
+            <a:r>
+              <a:rPr lang="vi-VN" dirty="0">
+                <a:latin typeface="Arial" panose="020B0604020202020204" pitchFamily="34" charset="0"/>
+                <a:cs typeface="Arial" panose="020B0604020202020204" pitchFamily="34" charset="0"/>
+              </a:rPr>
+              <a:t>ư</a:t>
+            </a:r>
+            <a:r>
+              <a:rPr lang="en-US" dirty="0" err="1">
+                <a:latin typeface="Arial" panose="020B0604020202020204" pitchFamily="34" charset="0"/>
+                <a:cs typeface="Arial" panose="020B0604020202020204" pitchFamily="34" charset="0"/>
+              </a:rPr>
+              <a:t>ơng</a:t>
+            </a:r>
+            <a:r>
+              <a:rPr lang="en-US" dirty="0">
+                <a:latin typeface="Arial" panose="020B0604020202020204" pitchFamily="34" charset="0"/>
+                <a:cs typeface="Arial" panose="020B0604020202020204" pitchFamily="34" charset="0"/>
+              </a:rPr>
+              <a:t> </a:t>
+            </a:r>
+            <a:r>
+              <a:rPr lang="en-US" dirty="0" err="1">
+                <a:latin typeface="Arial" panose="020B0604020202020204" pitchFamily="34" charset="0"/>
+                <a:cs typeface="Arial" panose="020B0604020202020204" pitchFamily="34" charset="0"/>
+              </a:rPr>
+              <a:t>pháp</a:t>
+            </a:r>
+            <a:r>
+              <a:rPr lang="en-US" dirty="0">
+                <a:latin typeface="Arial" panose="020B0604020202020204" pitchFamily="34" charset="0"/>
+                <a:cs typeface="Arial" panose="020B0604020202020204" pitchFamily="34" charset="0"/>
+              </a:rPr>
+              <a:t> Histogram of Oriented Gradients (</a:t>
+            </a:r>
+            <a:r>
+              <a:rPr lang="en-US" dirty="0" err="1">
+                <a:latin typeface="Arial" panose="020B0604020202020204" pitchFamily="34" charset="0"/>
+                <a:cs typeface="Arial" panose="020B0604020202020204" pitchFamily="34" charset="0"/>
+              </a:rPr>
+              <a:t>tạm</a:t>
+            </a:r>
+            <a:r>
+              <a:rPr lang="en-US" dirty="0">
+                <a:latin typeface="Arial" panose="020B0604020202020204" pitchFamily="34" charset="0"/>
+                <a:cs typeface="Arial" panose="020B0604020202020204" pitchFamily="34" charset="0"/>
+              </a:rPr>
+              <a:t> </a:t>
+            </a:r>
+            <a:r>
+              <a:rPr lang="en-US" dirty="0" err="1">
+                <a:latin typeface="Arial" panose="020B0604020202020204" pitchFamily="34" charset="0"/>
+                <a:cs typeface="Arial" panose="020B0604020202020204" pitchFamily="34" charset="0"/>
+              </a:rPr>
+              <a:t>dịch</a:t>
+            </a:r>
+            <a:r>
+              <a:rPr lang="en-US" dirty="0">
+                <a:latin typeface="Arial" panose="020B0604020202020204" pitchFamily="34" charset="0"/>
+                <a:cs typeface="Arial" panose="020B0604020202020204" pitchFamily="34" charset="0"/>
+              </a:rPr>
+              <a:t>: </a:t>
+            </a:r>
+            <a:r>
+              <a:rPr lang="en-US" dirty="0" err="1">
+                <a:latin typeface="Arial" panose="020B0604020202020204" pitchFamily="34" charset="0"/>
+                <a:cs typeface="Arial" panose="020B0604020202020204" pitchFamily="34" charset="0"/>
+              </a:rPr>
+              <a:t>Biển</a:t>
+            </a:r>
+            <a:r>
+              <a:rPr lang="en-US" dirty="0">
+                <a:latin typeface="Arial" panose="020B0604020202020204" pitchFamily="34" charset="0"/>
+                <a:cs typeface="Arial" panose="020B0604020202020204" pitchFamily="34" charset="0"/>
+              </a:rPr>
+              <a:t> </a:t>
+            </a:r>
+            <a:r>
+              <a:rPr lang="en-US" dirty="0" err="1">
+                <a:latin typeface="Arial" panose="020B0604020202020204" pitchFamily="34" charset="0"/>
+                <a:cs typeface="Arial" panose="020B0604020202020204" pitchFamily="34" charset="0"/>
+              </a:rPr>
+              <a:t>đồ</a:t>
+            </a:r>
+            <a:r>
+              <a:rPr lang="en-US" dirty="0">
+                <a:latin typeface="Arial" panose="020B0604020202020204" pitchFamily="34" charset="0"/>
+                <a:cs typeface="Arial" panose="020B0604020202020204" pitchFamily="34" charset="0"/>
+              </a:rPr>
+              <a:t> Gradients </a:t>
+            </a:r>
+            <a:r>
+              <a:rPr lang="en-US" dirty="0" err="1">
+                <a:latin typeface="Arial" panose="020B0604020202020204" pitchFamily="34" charset="0"/>
+                <a:cs typeface="Arial" panose="020B0604020202020204" pitchFamily="34" charset="0"/>
+              </a:rPr>
+              <a:t>định</a:t>
+            </a:r>
+            <a:r>
+              <a:rPr lang="en-US" dirty="0">
+                <a:latin typeface="Arial" panose="020B0604020202020204" pitchFamily="34" charset="0"/>
+                <a:cs typeface="Arial" panose="020B0604020202020204" pitchFamily="34" charset="0"/>
+              </a:rPr>
+              <a:t> h</a:t>
+            </a:r>
+            <a:r>
+              <a:rPr lang="vi-VN" dirty="0">
+                <a:latin typeface="Arial" panose="020B0604020202020204" pitchFamily="34" charset="0"/>
+                <a:cs typeface="Arial" panose="020B0604020202020204" pitchFamily="34" charset="0"/>
+              </a:rPr>
+              <a:t>ư</a:t>
+            </a:r>
+            <a:r>
+              <a:rPr lang="en-US" dirty="0" err="1">
+                <a:latin typeface="Arial" panose="020B0604020202020204" pitchFamily="34" charset="0"/>
+                <a:cs typeface="Arial" panose="020B0604020202020204" pitchFamily="34" charset="0"/>
+              </a:rPr>
+              <a:t>ớng</a:t>
+            </a:r>
+            <a:r>
+              <a:rPr lang="en-US" dirty="0">
+                <a:latin typeface="Arial" panose="020B0604020202020204" pitchFamily="34" charset="0"/>
+                <a:cs typeface="Arial" panose="020B0604020202020204" pitchFamily="34" charset="0"/>
+              </a:rPr>
+              <a:t>). </a:t>
+            </a:r>
+            <a:r>
+              <a:rPr lang="en-US" dirty="0" err="1">
+                <a:latin typeface="Arial" panose="020B0604020202020204" pitchFamily="34" charset="0"/>
+                <a:cs typeface="Arial" panose="020B0604020202020204" pitchFamily="34" charset="0"/>
+              </a:rPr>
+              <a:t>Khi</a:t>
+            </a:r>
+            <a:r>
+              <a:rPr lang="en-US" dirty="0">
+                <a:latin typeface="Arial" panose="020B0604020202020204" pitchFamily="34" charset="0"/>
+                <a:cs typeface="Arial" panose="020B0604020202020204" pitchFamily="34" charset="0"/>
+              </a:rPr>
+              <a:t> </a:t>
+            </a:r>
+            <a:r>
+              <a:rPr lang="en-US" dirty="0" err="1">
+                <a:latin typeface="Arial" panose="020B0604020202020204" pitchFamily="34" charset="0"/>
+                <a:cs typeface="Arial" panose="020B0604020202020204" pitchFamily="34" charset="0"/>
+              </a:rPr>
+              <a:t>xử</a:t>
+            </a:r>
+            <a:r>
+              <a:rPr lang="en-US" dirty="0">
+                <a:latin typeface="Arial" panose="020B0604020202020204" pitchFamily="34" charset="0"/>
+                <a:cs typeface="Arial" panose="020B0604020202020204" pitchFamily="34" charset="0"/>
+              </a:rPr>
+              <a:t> </a:t>
+            </a:r>
+            <a:r>
+              <a:rPr lang="en-US" dirty="0" err="1">
+                <a:latin typeface="Arial" panose="020B0604020202020204" pitchFamily="34" charset="0"/>
+                <a:cs typeface="Arial" panose="020B0604020202020204" pitchFamily="34" charset="0"/>
+              </a:rPr>
+              <a:t>lý</a:t>
+            </a:r>
+            <a:r>
+              <a:rPr lang="en-US" dirty="0">
+                <a:latin typeface="Arial" panose="020B0604020202020204" pitchFamily="34" charset="0"/>
+                <a:cs typeface="Arial" panose="020B0604020202020204" pitchFamily="34" charset="0"/>
+              </a:rPr>
+              <a:t> </a:t>
+            </a:r>
+            <a:r>
+              <a:rPr lang="en-US" dirty="0" err="1">
+                <a:latin typeface="Arial" panose="020B0604020202020204" pitchFamily="34" charset="0"/>
+                <a:cs typeface="Arial" panose="020B0604020202020204" pitchFamily="34" charset="0"/>
+              </a:rPr>
+              <a:t>xong</a:t>
+            </a:r>
+            <a:r>
+              <a:rPr lang="en-US" dirty="0">
+                <a:latin typeface="Arial" panose="020B0604020202020204" pitchFamily="34" charset="0"/>
+                <a:cs typeface="Arial" panose="020B0604020202020204" pitchFamily="34" charset="0"/>
+              </a:rPr>
+              <a:t>, </a:t>
+            </a:r>
+            <a:r>
+              <a:rPr lang="en-US" dirty="0" err="1">
+                <a:latin typeface="Arial" panose="020B0604020202020204" pitchFamily="34" charset="0"/>
+                <a:cs typeface="Arial" panose="020B0604020202020204" pitchFamily="34" charset="0"/>
+              </a:rPr>
+              <a:t>một</a:t>
+            </a:r>
+            <a:r>
+              <a:rPr lang="en-US" dirty="0">
+                <a:latin typeface="Arial" panose="020B0604020202020204" pitchFamily="34" charset="0"/>
+                <a:cs typeface="Arial" panose="020B0604020202020204" pitchFamily="34" charset="0"/>
+              </a:rPr>
+              <a:t> model  Bayesian Gaussian Mixture (</a:t>
+            </a:r>
+            <a:r>
+              <a:rPr lang="en-US" dirty="0" err="1">
+                <a:latin typeface="Arial" panose="020B0604020202020204" pitchFamily="34" charset="0"/>
+                <a:cs typeface="Arial" panose="020B0604020202020204" pitchFamily="34" charset="0"/>
+              </a:rPr>
+              <a:t>thay</a:t>
+            </a:r>
+            <a:r>
+              <a:rPr lang="en-US" dirty="0">
+                <a:latin typeface="Arial" panose="020B0604020202020204" pitchFamily="34" charset="0"/>
+                <a:cs typeface="Arial" panose="020B0604020202020204" pitchFamily="34" charset="0"/>
+              </a:rPr>
+              <a:t> </a:t>
+            </a:r>
+            <a:r>
+              <a:rPr lang="en-US" dirty="0" err="1">
+                <a:latin typeface="Arial" panose="020B0604020202020204" pitchFamily="34" charset="0"/>
+                <a:cs typeface="Arial" panose="020B0604020202020204" pitchFamily="34" charset="0"/>
+              </a:rPr>
+              <a:t>vì</a:t>
+            </a:r>
+            <a:r>
+              <a:rPr lang="en-US" dirty="0">
+                <a:latin typeface="Arial" panose="020B0604020202020204" pitchFamily="34" charset="0"/>
+                <a:cs typeface="Arial" panose="020B0604020202020204" pitchFamily="34" charset="0"/>
+              </a:rPr>
+              <a:t> K-means </a:t>
+            </a:r>
+            <a:r>
+              <a:rPr lang="en-US" dirty="0" err="1">
+                <a:latin typeface="Arial" panose="020B0604020202020204" pitchFamily="34" charset="0"/>
+                <a:cs typeface="Arial" panose="020B0604020202020204" pitchFamily="34" charset="0"/>
+              </a:rPr>
+              <a:t>thông</a:t>
+            </a:r>
+            <a:r>
+              <a:rPr lang="en-US" dirty="0">
+                <a:latin typeface="Arial" panose="020B0604020202020204" pitchFamily="34" charset="0"/>
+                <a:cs typeface="Arial" panose="020B0604020202020204" pitchFamily="34" charset="0"/>
+              </a:rPr>
+              <a:t> </a:t>
+            </a:r>
+            <a:r>
+              <a:rPr lang="en-US" dirty="0" err="1">
+                <a:latin typeface="Arial" panose="020B0604020202020204" pitchFamily="34" charset="0"/>
+                <a:cs typeface="Arial" panose="020B0604020202020204" pitchFamily="34" charset="0"/>
+              </a:rPr>
+              <a:t>th</a:t>
+            </a:r>
+            <a:r>
+              <a:rPr lang="vi-VN" dirty="0">
+                <a:latin typeface="Arial" panose="020B0604020202020204" pitchFamily="34" charset="0"/>
+                <a:cs typeface="Arial" panose="020B0604020202020204" pitchFamily="34" charset="0"/>
+              </a:rPr>
+              <a:t>ư</a:t>
+            </a:r>
+            <a:r>
+              <a:rPr lang="en-US" dirty="0" err="1">
+                <a:latin typeface="Arial" panose="020B0604020202020204" pitchFamily="34" charset="0"/>
+                <a:cs typeface="Arial" panose="020B0604020202020204" pitchFamily="34" charset="0"/>
+              </a:rPr>
+              <a:t>ờng</a:t>
+            </a:r>
+            <a:r>
+              <a:rPr lang="en-US" dirty="0">
+                <a:latin typeface="Arial" panose="020B0604020202020204" pitchFamily="34" charset="0"/>
+                <a:cs typeface="Arial" panose="020B0604020202020204" pitchFamily="34" charset="0"/>
+              </a:rPr>
+              <a:t>) đ</a:t>
+            </a:r>
+            <a:r>
+              <a:rPr lang="vi-VN" dirty="0">
+                <a:latin typeface="Arial" panose="020B0604020202020204" pitchFamily="34" charset="0"/>
+                <a:cs typeface="Arial" panose="020B0604020202020204" pitchFamily="34" charset="0"/>
+              </a:rPr>
+              <a:t>ư</a:t>
+            </a:r>
+            <a:r>
+              <a:rPr lang="en-US" dirty="0" err="1">
+                <a:latin typeface="Arial" panose="020B0604020202020204" pitchFamily="34" charset="0"/>
+                <a:cs typeface="Arial" panose="020B0604020202020204" pitchFamily="34" charset="0"/>
+              </a:rPr>
+              <a:t>ợc</a:t>
+            </a:r>
+            <a:r>
+              <a:rPr lang="en-US" dirty="0">
+                <a:latin typeface="Arial" panose="020B0604020202020204" pitchFamily="34" charset="0"/>
+                <a:cs typeface="Arial" panose="020B0604020202020204" pitchFamily="34" charset="0"/>
+              </a:rPr>
+              <a:t> </a:t>
+            </a:r>
+            <a:r>
+              <a:rPr lang="en-US" dirty="0" err="1">
+                <a:latin typeface="Arial" panose="020B0604020202020204" pitchFamily="34" charset="0"/>
+                <a:cs typeface="Arial" panose="020B0604020202020204" pitchFamily="34" charset="0"/>
+              </a:rPr>
+              <a:t>điều</a:t>
+            </a:r>
+            <a:r>
+              <a:rPr lang="en-US" dirty="0">
+                <a:latin typeface="Arial" panose="020B0604020202020204" pitchFamily="34" charset="0"/>
+                <a:cs typeface="Arial" panose="020B0604020202020204" pitchFamily="34" charset="0"/>
+              </a:rPr>
+              <a:t> </a:t>
+            </a:r>
+            <a:r>
+              <a:rPr lang="en-US" dirty="0" err="1">
+                <a:latin typeface="Arial" panose="020B0604020202020204" pitchFamily="34" charset="0"/>
+                <a:cs typeface="Arial" panose="020B0604020202020204" pitchFamily="34" charset="0"/>
+              </a:rPr>
+              <a:t>chỉnh</a:t>
+            </a:r>
+            <a:r>
+              <a:rPr lang="en-US" dirty="0">
+                <a:latin typeface="Arial" panose="020B0604020202020204" pitchFamily="34" charset="0"/>
+                <a:cs typeface="Arial" panose="020B0604020202020204" pitchFamily="34" charset="0"/>
+              </a:rPr>
+              <a:t> </a:t>
+            </a:r>
+            <a:r>
+              <a:rPr lang="en-US" dirty="0" err="1">
+                <a:latin typeface="Arial" panose="020B0604020202020204" pitchFamily="34" charset="0"/>
+                <a:cs typeface="Arial" panose="020B0604020202020204" pitchFamily="34" charset="0"/>
+              </a:rPr>
+              <a:t>để</a:t>
+            </a:r>
+            <a:r>
+              <a:rPr lang="en-US" dirty="0">
+                <a:latin typeface="Arial" panose="020B0604020202020204" pitchFamily="34" charset="0"/>
+                <a:cs typeface="Arial" panose="020B0604020202020204" pitchFamily="34" charset="0"/>
+              </a:rPr>
+              <a:t> </a:t>
+            </a:r>
+            <a:r>
+              <a:rPr lang="en-US" dirty="0" err="1">
+                <a:latin typeface="Arial" panose="020B0604020202020204" pitchFamily="34" charset="0"/>
+                <a:cs typeface="Arial" panose="020B0604020202020204" pitchFamily="34" charset="0"/>
+              </a:rPr>
+              <a:t>tìm</a:t>
+            </a:r>
+            <a:r>
+              <a:rPr lang="en-US" dirty="0">
+                <a:latin typeface="Arial" panose="020B0604020202020204" pitchFamily="34" charset="0"/>
+                <a:cs typeface="Arial" panose="020B0604020202020204" pitchFamily="34" charset="0"/>
+              </a:rPr>
+              <a:t> </a:t>
+            </a:r>
+            <a:r>
+              <a:rPr lang="en-US" dirty="0" err="1">
+                <a:latin typeface="Arial" panose="020B0604020202020204" pitchFamily="34" charset="0"/>
+                <a:cs typeface="Arial" panose="020B0604020202020204" pitchFamily="34" charset="0"/>
+              </a:rPr>
+              <a:t>một</a:t>
+            </a:r>
+            <a:r>
+              <a:rPr lang="en-US" dirty="0">
+                <a:latin typeface="Arial" panose="020B0604020202020204" pitchFamily="34" charset="0"/>
+                <a:cs typeface="Arial" panose="020B0604020202020204" pitchFamily="34" charset="0"/>
+              </a:rPr>
+              <a:t> </a:t>
+            </a:r>
+            <a:r>
+              <a:rPr lang="en-US" dirty="0" err="1">
+                <a:latin typeface="Arial" panose="020B0604020202020204" pitchFamily="34" charset="0"/>
+                <a:cs typeface="Arial" panose="020B0604020202020204" pitchFamily="34" charset="0"/>
+              </a:rPr>
+              <a:t>bảng</a:t>
+            </a:r>
+            <a:r>
+              <a:rPr lang="en-US" dirty="0">
+                <a:latin typeface="Arial" panose="020B0604020202020204" pitchFamily="34" charset="0"/>
+                <a:cs typeface="Arial" panose="020B0604020202020204" pitchFamily="34" charset="0"/>
+              </a:rPr>
+              <a:t> </a:t>
+            </a:r>
+            <a:r>
+              <a:rPr lang="en-US" dirty="0" err="1">
+                <a:latin typeface="Arial" panose="020B0604020202020204" pitchFamily="34" charset="0"/>
+                <a:cs typeface="Arial" panose="020B0604020202020204" pitchFamily="34" charset="0"/>
+              </a:rPr>
+              <a:t>màu</a:t>
+            </a:r>
+            <a:r>
+              <a:rPr lang="en-US" dirty="0">
+                <a:latin typeface="Arial" panose="020B0604020202020204" pitchFamily="34" charset="0"/>
+                <a:cs typeface="Arial" panose="020B0604020202020204" pitchFamily="34" charset="0"/>
+              </a:rPr>
+              <a:t> t</a:t>
+            </a:r>
+            <a:r>
+              <a:rPr lang="vi-VN" dirty="0">
+                <a:latin typeface="Arial" panose="020B0604020202020204" pitchFamily="34" charset="0"/>
+                <a:cs typeface="Arial" panose="020B0604020202020204" pitchFamily="34" charset="0"/>
+              </a:rPr>
+              <a:t>ư</a:t>
+            </a:r>
+            <a:r>
+              <a:rPr lang="en-US" dirty="0" err="1">
+                <a:latin typeface="Arial" panose="020B0604020202020204" pitchFamily="34" charset="0"/>
+                <a:cs typeface="Arial" panose="020B0604020202020204" pitchFamily="34" charset="0"/>
+              </a:rPr>
+              <a:t>ơng</a:t>
+            </a:r>
+            <a:r>
+              <a:rPr lang="en-US" dirty="0">
+                <a:latin typeface="Arial" panose="020B0604020202020204" pitchFamily="34" charset="0"/>
+                <a:cs typeface="Arial" panose="020B0604020202020204" pitchFamily="34" charset="0"/>
+              </a:rPr>
+              <a:t> </a:t>
+            </a:r>
+            <a:r>
+              <a:rPr lang="en-US" dirty="0" err="1">
+                <a:latin typeface="Arial" panose="020B0604020202020204" pitchFamily="34" charset="0"/>
+                <a:cs typeface="Arial" panose="020B0604020202020204" pitchFamily="34" charset="0"/>
+              </a:rPr>
+              <a:t>ứng</a:t>
+            </a:r>
+            <a:r>
+              <a:rPr lang="en-US" dirty="0">
+                <a:latin typeface="Arial" panose="020B0604020202020204" pitchFamily="34" charset="0"/>
+                <a:cs typeface="Arial" panose="020B0604020202020204" pitchFamily="34" charset="0"/>
+              </a:rPr>
+              <a:t> </a:t>
+            </a:r>
+            <a:r>
+              <a:rPr lang="en-US" dirty="0" err="1">
+                <a:latin typeface="Arial" panose="020B0604020202020204" pitchFamily="34" charset="0"/>
+                <a:cs typeface="Arial" panose="020B0604020202020204" pitchFamily="34" charset="0"/>
+              </a:rPr>
+              <a:t>nh</a:t>
+            </a:r>
+            <a:r>
+              <a:rPr lang="vi-VN" dirty="0">
+                <a:latin typeface="Arial" panose="020B0604020202020204" pitchFamily="34" charset="0"/>
+                <a:cs typeface="Arial" panose="020B0604020202020204" pitchFamily="34" charset="0"/>
+              </a:rPr>
+              <a:t>ư</a:t>
+            </a:r>
+            <a:r>
+              <a:rPr lang="en-US" dirty="0">
+                <a:latin typeface="Arial" panose="020B0604020202020204" pitchFamily="34" charset="0"/>
+                <a:cs typeface="Arial" panose="020B0604020202020204" pitchFamily="34" charset="0"/>
+              </a:rPr>
+              <a:t>ng </a:t>
+            </a:r>
+            <a:r>
+              <a:rPr lang="en-US" dirty="0" err="1">
+                <a:latin typeface="Arial" panose="020B0604020202020204" pitchFamily="34" charset="0"/>
+                <a:cs typeface="Arial" panose="020B0604020202020204" pitchFamily="34" charset="0"/>
+              </a:rPr>
+              <a:t>có</a:t>
+            </a:r>
+            <a:r>
+              <a:rPr lang="en-US" dirty="0">
+                <a:latin typeface="Arial" panose="020B0604020202020204" pitchFamily="34" charset="0"/>
+                <a:cs typeface="Arial" panose="020B0604020202020204" pitchFamily="34" charset="0"/>
+              </a:rPr>
+              <a:t> c</a:t>
+            </a:r>
+            <a:r>
+              <a:rPr lang="vi-VN" dirty="0">
+                <a:latin typeface="Arial" panose="020B0604020202020204" pitchFamily="34" charset="0"/>
+                <a:cs typeface="Arial" panose="020B0604020202020204" pitchFamily="34" charset="0"/>
+              </a:rPr>
+              <a:t>ư</a:t>
+            </a:r>
+            <a:r>
+              <a:rPr lang="en-US" dirty="0" err="1">
+                <a:latin typeface="Arial" panose="020B0604020202020204" pitchFamily="34" charset="0"/>
+                <a:cs typeface="Arial" panose="020B0604020202020204" pitchFamily="34" charset="0"/>
+              </a:rPr>
+              <a:t>ờng</a:t>
+            </a:r>
+            <a:r>
+              <a:rPr lang="en-US" dirty="0">
+                <a:latin typeface="Arial" panose="020B0604020202020204" pitchFamily="34" charset="0"/>
+                <a:cs typeface="Arial" panose="020B0604020202020204" pitchFamily="34" charset="0"/>
+              </a:rPr>
+              <a:t> </a:t>
+            </a:r>
+            <a:r>
+              <a:rPr lang="en-US" dirty="0" err="1">
+                <a:latin typeface="Arial" panose="020B0604020202020204" pitchFamily="34" charset="0"/>
+                <a:cs typeface="Arial" panose="020B0604020202020204" pitchFamily="34" charset="0"/>
+              </a:rPr>
+              <a:t>độ</a:t>
+            </a:r>
+            <a:r>
+              <a:rPr lang="en-US" dirty="0">
+                <a:latin typeface="Arial" panose="020B0604020202020204" pitchFamily="34" charset="0"/>
+                <a:cs typeface="Arial" panose="020B0604020202020204" pitchFamily="34" charset="0"/>
+              </a:rPr>
+              <a:t> đ</a:t>
+            </a:r>
+            <a:r>
+              <a:rPr lang="vi-VN" dirty="0">
+                <a:latin typeface="Arial" panose="020B0604020202020204" pitchFamily="34" charset="0"/>
+                <a:cs typeface="Arial" panose="020B0604020202020204" pitchFamily="34" charset="0"/>
+              </a:rPr>
+              <a:t>ư</a:t>
+            </a:r>
+            <a:r>
+              <a:rPr lang="en-US" dirty="0" err="1">
+                <a:latin typeface="Arial" panose="020B0604020202020204" pitchFamily="34" charset="0"/>
+                <a:cs typeface="Arial" panose="020B0604020202020204" pitchFamily="34" charset="0"/>
+              </a:rPr>
+              <a:t>ợc</a:t>
+            </a:r>
+            <a:r>
+              <a:rPr lang="en-US" dirty="0">
+                <a:latin typeface="Arial" panose="020B0604020202020204" pitchFamily="34" charset="0"/>
+                <a:cs typeface="Arial" panose="020B0604020202020204" pitchFamily="34" charset="0"/>
+              </a:rPr>
+              <a:t> </a:t>
+            </a:r>
+            <a:r>
+              <a:rPr lang="en-US" dirty="0" err="1">
+                <a:latin typeface="Arial" panose="020B0604020202020204" pitchFamily="34" charset="0"/>
+                <a:cs typeface="Arial" panose="020B0604020202020204" pitchFamily="34" charset="0"/>
+              </a:rPr>
+              <a:t>giảm</a:t>
+            </a:r>
+            <a:r>
+              <a:rPr lang="en-US" dirty="0">
+                <a:latin typeface="Arial" panose="020B0604020202020204" pitchFamily="34" charset="0"/>
+                <a:cs typeface="Arial" panose="020B0604020202020204" pitchFamily="34" charset="0"/>
+              </a:rPr>
+              <a:t> </a:t>
+            </a:r>
+            <a:r>
+              <a:rPr lang="en-US" dirty="0" err="1">
+                <a:latin typeface="Arial" panose="020B0604020202020204" pitchFamily="34" charset="0"/>
+                <a:cs typeface="Arial" panose="020B0604020202020204" pitchFamily="34" charset="0"/>
+              </a:rPr>
+              <a:t>đi</a:t>
+            </a:r>
+            <a:r>
+              <a:rPr lang="en-US" dirty="0">
+                <a:latin typeface="Arial" panose="020B0604020202020204" pitchFamily="34" charset="0"/>
+                <a:cs typeface="Arial" panose="020B0604020202020204" pitchFamily="34" charset="0"/>
+              </a:rPr>
+              <a:t>. </a:t>
+            </a:r>
+            <a:r>
+              <a:rPr lang="en-US" dirty="0" err="1">
+                <a:latin typeface="Arial" panose="020B0604020202020204" pitchFamily="34" charset="0"/>
+                <a:cs typeface="Arial" panose="020B0604020202020204" pitchFamily="34" charset="0"/>
+              </a:rPr>
+              <a:t>Sử</a:t>
+            </a:r>
+            <a:r>
+              <a:rPr lang="en-US" dirty="0">
+                <a:latin typeface="Arial" panose="020B0604020202020204" pitchFamily="34" charset="0"/>
+                <a:cs typeface="Arial" panose="020B0604020202020204" pitchFamily="34" charset="0"/>
+              </a:rPr>
+              <a:t> </a:t>
+            </a:r>
+            <a:r>
+              <a:rPr lang="en-US" dirty="0" err="1">
+                <a:latin typeface="Arial" panose="020B0604020202020204" pitchFamily="34" charset="0"/>
+                <a:cs typeface="Arial" panose="020B0604020202020204" pitchFamily="34" charset="0"/>
+              </a:rPr>
+              <a:t>dụng</a:t>
+            </a:r>
+            <a:r>
+              <a:rPr lang="en-US" dirty="0">
+                <a:latin typeface="Arial" panose="020B0604020202020204" pitchFamily="34" charset="0"/>
+                <a:cs typeface="Arial" panose="020B0604020202020204" pitchFamily="34" charset="0"/>
+              </a:rPr>
+              <a:t> </a:t>
+            </a:r>
+            <a:r>
+              <a:rPr lang="en-US" dirty="0" err="1">
+                <a:latin typeface="Arial" panose="020B0604020202020204" pitchFamily="34" charset="0"/>
+                <a:cs typeface="Arial" panose="020B0604020202020204" pitchFamily="34" charset="0"/>
+              </a:rPr>
+              <a:t>các</a:t>
+            </a:r>
+            <a:r>
+              <a:rPr lang="en-US" dirty="0">
+                <a:latin typeface="Arial" panose="020B0604020202020204" pitchFamily="34" charset="0"/>
+                <a:cs typeface="Arial" panose="020B0604020202020204" pitchFamily="34" charset="0"/>
+              </a:rPr>
+              <a:t> </a:t>
+            </a:r>
+            <a:r>
+              <a:rPr lang="en-US" dirty="0" err="1">
+                <a:latin typeface="Arial" panose="020B0604020202020204" pitchFamily="34" charset="0"/>
+                <a:cs typeface="Arial" panose="020B0604020202020204" pitchFamily="34" charset="0"/>
+              </a:rPr>
+              <a:t>điểm</a:t>
+            </a:r>
+            <a:r>
+              <a:rPr lang="en-US" dirty="0">
+                <a:latin typeface="Arial" panose="020B0604020202020204" pitchFamily="34" charset="0"/>
+                <a:cs typeface="Arial" panose="020B0604020202020204" pitchFamily="34" charset="0"/>
+              </a:rPr>
+              <a:t> </a:t>
+            </a:r>
+            <a:r>
+              <a:rPr lang="en-US" dirty="0" err="1">
+                <a:latin typeface="Arial" panose="020B0604020202020204" pitchFamily="34" charset="0"/>
+                <a:cs typeface="Arial" panose="020B0604020202020204" pitchFamily="34" charset="0"/>
+              </a:rPr>
+              <a:t>trung</a:t>
+            </a:r>
+            <a:r>
+              <a:rPr lang="en-US" dirty="0">
+                <a:latin typeface="Arial" panose="020B0604020202020204" pitchFamily="34" charset="0"/>
+                <a:cs typeface="Arial" panose="020B0604020202020204" pitchFamily="34" charset="0"/>
+              </a:rPr>
+              <a:t> </a:t>
+            </a:r>
+            <a:r>
+              <a:rPr lang="en-US" dirty="0" err="1">
+                <a:latin typeface="Arial" panose="020B0604020202020204" pitchFamily="34" charset="0"/>
+                <a:cs typeface="Arial" panose="020B0604020202020204" pitchFamily="34" charset="0"/>
+              </a:rPr>
+              <a:t>tâm</a:t>
+            </a:r>
+            <a:r>
+              <a:rPr lang="en-US" dirty="0">
+                <a:latin typeface="Arial" panose="020B0604020202020204" pitchFamily="34" charset="0"/>
+                <a:cs typeface="Arial" panose="020B0604020202020204" pitchFamily="34" charset="0"/>
+              </a:rPr>
+              <a:t> </a:t>
+            </a:r>
+            <a:r>
+              <a:rPr lang="en-US" dirty="0" err="1">
+                <a:latin typeface="Arial" panose="020B0604020202020204" pitchFamily="34" charset="0"/>
+                <a:cs typeface="Arial" panose="020B0604020202020204" pitchFamily="34" charset="0"/>
+              </a:rPr>
+              <a:t>của</a:t>
+            </a:r>
+            <a:r>
+              <a:rPr lang="en-US" dirty="0">
+                <a:latin typeface="Arial" panose="020B0604020202020204" pitchFamily="34" charset="0"/>
+                <a:cs typeface="Arial" panose="020B0604020202020204" pitchFamily="34" charset="0"/>
+              </a:rPr>
+              <a:t> </a:t>
+            </a:r>
+            <a:r>
+              <a:rPr lang="en-US" dirty="0" err="1">
+                <a:latin typeface="Arial" panose="020B0604020202020204" pitchFamily="34" charset="0"/>
+                <a:cs typeface="Arial" panose="020B0604020202020204" pitchFamily="34" charset="0"/>
+              </a:rPr>
+              <a:t>các</a:t>
+            </a:r>
+            <a:r>
+              <a:rPr lang="en-US" dirty="0">
+                <a:latin typeface="Arial" panose="020B0604020202020204" pitchFamily="34" charset="0"/>
+                <a:cs typeface="Arial" panose="020B0604020202020204" pitchFamily="34" charset="0"/>
+              </a:rPr>
+              <a:t> Gaussian </a:t>
+            </a:r>
+            <a:r>
+              <a:rPr lang="en-US" dirty="0" err="1">
+                <a:latin typeface="Arial" panose="020B0604020202020204" pitchFamily="34" charset="0"/>
+                <a:cs typeface="Arial" panose="020B0604020202020204" pitchFamily="34" charset="0"/>
+              </a:rPr>
+              <a:t>chồng</a:t>
+            </a:r>
+            <a:r>
+              <a:rPr lang="en-US" dirty="0">
+                <a:latin typeface="Arial" panose="020B0604020202020204" pitchFamily="34" charset="0"/>
+                <a:cs typeface="Arial" panose="020B0604020202020204" pitchFamily="34" charset="0"/>
+              </a:rPr>
+              <a:t> </a:t>
+            </a:r>
+            <a:r>
+              <a:rPr lang="en-US" dirty="0" err="1">
+                <a:latin typeface="Arial" panose="020B0604020202020204" pitchFamily="34" charset="0"/>
+                <a:cs typeface="Arial" panose="020B0604020202020204" pitchFamily="34" charset="0"/>
+              </a:rPr>
+              <a:t>lên</a:t>
+            </a:r>
+            <a:r>
+              <a:rPr lang="en-US" dirty="0">
+                <a:latin typeface="Arial" panose="020B0604020202020204" pitchFamily="34" charset="0"/>
+                <a:cs typeface="Arial" panose="020B0604020202020204" pitchFamily="34" charset="0"/>
+              </a:rPr>
+              <a:t> </a:t>
+            </a:r>
+            <a:r>
+              <a:rPr lang="en-US" dirty="0" err="1">
+                <a:latin typeface="Arial" panose="020B0604020202020204" pitchFamily="34" charset="0"/>
+                <a:cs typeface="Arial" panose="020B0604020202020204" pitchFamily="34" charset="0"/>
+              </a:rPr>
+              <a:t>nhau</a:t>
+            </a:r>
+            <a:r>
+              <a:rPr lang="en-US" dirty="0">
+                <a:latin typeface="Arial" panose="020B0604020202020204" pitchFamily="34" charset="0"/>
+                <a:cs typeface="Arial" panose="020B0604020202020204" pitchFamily="34" charset="0"/>
+              </a:rPr>
+              <a:t> </a:t>
+            </a:r>
+            <a:r>
+              <a:rPr lang="en-US" dirty="0" err="1">
+                <a:latin typeface="Arial" panose="020B0604020202020204" pitchFamily="34" charset="0"/>
+                <a:cs typeface="Arial" panose="020B0604020202020204" pitchFamily="34" charset="0"/>
+              </a:rPr>
+              <a:t>nh</a:t>
+            </a:r>
+            <a:r>
+              <a:rPr lang="vi-VN" dirty="0">
+                <a:latin typeface="Arial" panose="020B0604020202020204" pitchFamily="34" charset="0"/>
+                <a:cs typeface="Arial" panose="020B0604020202020204" pitchFamily="34" charset="0"/>
+              </a:rPr>
+              <a:t>ư</a:t>
+            </a:r>
+            <a:r>
+              <a:rPr lang="en-US" dirty="0">
+                <a:latin typeface="Arial" panose="020B0604020202020204" pitchFamily="34" charset="0"/>
+                <a:cs typeface="Arial" panose="020B0604020202020204" pitchFamily="34" charset="0"/>
+              </a:rPr>
+              <a:t> </a:t>
+            </a:r>
+            <a:r>
+              <a:rPr lang="en-US" dirty="0" err="1">
+                <a:latin typeface="Arial" panose="020B0604020202020204" pitchFamily="34" charset="0"/>
+                <a:cs typeface="Arial" panose="020B0604020202020204" pitchFamily="34" charset="0"/>
+              </a:rPr>
+              <a:t>màu</a:t>
+            </a:r>
+            <a:r>
+              <a:rPr lang="en-US" dirty="0">
+                <a:latin typeface="Arial" panose="020B0604020202020204" pitchFamily="34" charset="0"/>
+                <a:cs typeface="Arial" panose="020B0604020202020204" pitchFamily="34" charset="0"/>
+              </a:rPr>
+              <a:t> “</a:t>
+            </a:r>
+            <a:r>
+              <a:rPr lang="en-US" dirty="0" err="1">
+                <a:latin typeface="Arial" panose="020B0604020202020204" pitchFamily="34" charset="0"/>
+                <a:cs typeface="Arial" panose="020B0604020202020204" pitchFamily="34" charset="0"/>
+              </a:rPr>
+              <a:t>trung</a:t>
+            </a:r>
+            <a:r>
+              <a:rPr lang="en-US" dirty="0">
+                <a:latin typeface="Arial" panose="020B0604020202020204" pitchFamily="34" charset="0"/>
+                <a:cs typeface="Arial" panose="020B0604020202020204" pitchFamily="34" charset="0"/>
+              </a:rPr>
+              <a:t> </a:t>
+            </a:r>
+            <a:r>
+              <a:rPr lang="en-US" dirty="0" err="1">
+                <a:latin typeface="Arial" panose="020B0604020202020204" pitchFamily="34" charset="0"/>
+                <a:cs typeface="Arial" panose="020B0604020202020204" pitchFamily="34" charset="0"/>
+              </a:rPr>
+              <a:t>bình</a:t>
+            </a:r>
+            <a:r>
+              <a:rPr lang="en-US" dirty="0">
+                <a:latin typeface="Arial" panose="020B0604020202020204" pitchFamily="34" charset="0"/>
+                <a:cs typeface="Arial" panose="020B0604020202020204" pitchFamily="34" charset="0"/>
+              </a:rPr>
+              <a:t>” </a:t>
+            </a:r>
+            <a:r>
+              <a:rPr lang="en-US" dirty="0" err="1">
+                <a:latin typeface="Arial" panose="020B0604020202020204" pitchFamily="34" charset="0"/>
+                <a:cs typeface="Arial" panose="020B0604020202020204" pitchFamily="34" charset="0"/>
+              </a:rPr>
+              <a:t>là</a:t>
+            </a:r>
+            <a:r>
+              <a:rPr lang="en-US" dirty="0">
+                <a:latin typeface="Arial" panose="020B0604020202020204" pitchFamily="34" charset="0"/>
+                <a:cs typeface="Arial" panose="020B0604020202020204" pitchFamily="34" charset="0"/>
+              </a:rPr>
+              <a:t> </a:t>
+            </a:r>
+            <a:r>
+              <a:rPr lang="en-US" dirty="0" err="1">
+                <a:latin typeface="Arial" panose="020B0604020202020204" pitchFamily="34" charset="0"/>
+                <a:cs typeface="Arial" panose="020B0604020202020204" pitchFamily="34" charset="0"/>
+              </a:rPr>
+              <a:t>một</a:t>
+            </a:r>
+            <a:r>
+              <a:rPr lang="en-US" dirty="0">
+                <a:latin typeface="Arial" panose="020B0604020202020204" pitchFamily="34" charset="0"/>
+                <a:cs typeface="Arial" panose="020B0604020202020204" pitchFamily="34" charset="0"/>
+              </a:rPr>
+              <a:t> </a:t>
+            </a:r>
+            <a:r>
+              <a:rPr lang="en-US" dirty="0" err="1">
+                <a:latin typeface="Arial" panose="020B0604020202020204" pitchFamily="34" charset="0"/>
+                <a:cs typeface="Arial" panose="020B0604020202020204" pitchFamily="34" charset="0"/>
+              </a:rPr>
+              <a:t>lựa</a:t>
+            </a:r>
+            <a:r>
+              <a:rPr lang="en-US" dirty="0">
+                <a:latin typeface="Arial" panose="020B0604020202020204" pitchFamily="34" charset="0"/>
+                <a:cs typeface="Arial" panose="020B0604020202020204" pitchFamily="34" charset="0"/>
+              </a:rPr>
+              <a:t> </a:t>
+            </a:r>
+            <a:r>
+              <a:rPr lang="en-US" dirty="0" err="1">
+                <a:latin typeface="Arial" panose="020B0604020202020204" pitchFamily="34" charset="0"/>
+                <a:cs typeface="Arial" panose="020B0604020202020204" pitchFamily="34" charset="0"/>
+              </a:rPr>
+              <a:t>chọn</a:t>
+            </a:r>
+            <a:r>
+              <a:rPr lang="en-US" dirty="0">
+                <a:latin typeface="Arial" panose="020B0604020202020204" pitchFamily="34" charset="0"/>
+                <a:cs typeface="Arial" panose="020B0604020202020204" pitchFamily="34" charset="0"/>
+              </a:rPr>
+              <a:t> </a:t>
+            </a:r>
+            <a:r>
+              <a:rPr lang="en-US" dirty="0" err="1">
+                <a:latin typeface="Arial" panose="020B0604020202020204" pitchFamily="34" charset="0"/>
+                <a:cs typeface="Arial" panose="020B0604020202020204" pitchFamily="34" charset="0"/>
+              </a:rPr>
+              <a:t>tốt</a:t>
+            </a:r>
+            <a:r>
+              <a:rPr lang="en-US" dirty="0">
+                <a:latin typeface="Arial" panose="020B0604020202020204" pitchFamily="34" charset="0"/>
+                <a:cs typeface="Arial" panose="020B0604020202020204" pitchFamily="34" charset="0"/>
+              </a:rPr>
+              <a:t> h</a:t>
+            </a:r>
+            <a:r>
+              <a:rPr lang="vi-VN" dirty="0">
+                <a:latin typeface="Arial" panose="020B0604020202020204" pitchFamily="34" charset="0"/>
+                <a:cs typeface="Arial" panose="020B0604020202020204" pitchFamily="34" charset="0"/>
+              </a:rPr>
+              <a:t>ơ</a:t>
+            </a:r>
+            <a:r>
+              <a:rPr lang="en-US" dirty="0">
+                <a:latin typeface="Arial" panose="020B0604020202020204" pitchFamily="34" charset="0"/>
+                <a:cs typeface="Arial" panose="020B0604020202020204" pitchFamily="34" charset="0"/>
+              </a:rPr>
+              <a:t>n </a:t>
+            </a:r>
+            <a:r>
+              <a:rPr lang="en-US" dirty="0" err="1">
+                <a:latin typeface="Arial" panose="020B0604020202020204" pitchFamily="34" charset="0"/>
+                <a:cs typeface="Arial" panose="020B0604020202020204" pitchFamily="34" charset="0"/>
+              </a:rPr>
+              <a:t>vì</a:t>
+            </a:r>
+            <a:r>
+              <a:rPr lang="en-US" dirty="0">
+                <a:latin typeface="Arial" panose="020B0604020202020204" pitchFamily="34" charset="0"/>
+                <a:cs typeface="Arial" panose="020B0604020202020204" pitchFamily="34" charset="0"/>
+              </a:rPr>
+              <a:t> </a:t>
+            </a:r>
+            <a:r>
+              <a:rPr lang="en-US" dirty="0" err="1">
+                <a:latin typeface="Arial" panose="020B0604020202020204" pitchFamily="34" charset="0"/>
+                <a:cs typeface="Arial" panose="020B0604020202020204" pitchFamily="34" charset="0"/>
+              </a:rPr>
+              <a:t>các</a:t>
+            </a:r>
+            <a:r>
+              <a:rPr lang="en-US" dirty="0">
+                <a:latin typeface="Arial" panose="020B0604020202020204" pitchFamily="34" charset="0"/>
+                <a:cs typeface="Arial" panose="020B0604020202020204" pitchFamily="34" charset="0"/>
+              </a:rPr>
+              <a:t> </a:t>
+            </a:r>
+            <a:r>
+              <a:rPr lang="en-US" dirty="0" err="1">
+                <a:latin typeface="Arial" panose="020B0604020202020204" pitchFamily="34" charset="0"/>
+                <a:cs typeface="Arial" panose="020B0604020202020204" pitchFamily="34" charset="0"/>
+              </a:rPr>
+              <a:t>cụm</a:t>
+            </a:r>
+            <a:r>
+              <a:rPr lang="en-US" dirty="0">
+                <a:latin typeface="Arial" panose="020B0604020202020204" pitchFamily="34" charset="0"/>
+                <a:cs typeface="Arial" panose="020B0604020202020204" pitchFamily="34" charset="0"/>
+              </a:rPr>
+              <a:t> </a:t>
+            </a:r>
+            <a:r>
+              <a:rPr lang="en-US" dirty="0" err="1">
+                <a:latin typeface="Arial" panose="020B0604020202020204" pitchFamily="34" charset="0"/>
+                <a:cs typeface="Arial" panose="020B0604020202020204" pitchFamily="34" charset="0"/>
+              </a:rPr>
+              <a:t>điểm</a:t>
+            </a:r>
+            <a:r>
+              <a:rPr lang="en-US" dirty="0">
+                <a:latin typeface="Arial" panose="020B0604020202020204" pitchFamily="34" charset="0"/>
+                <a:cs typeface="Arial" panose="020B0604020202020204" pitchFamily="34" charset="0"/>
+              </a:rPr>
+              <a:t> </a:t>
+            </a:r>
+            <a:r>
+              <a:rPr lang="en-US" dirty="0" err="1">
+                <a:latin typeface="Arial" panose="020B0604020202020204" pitchFamily="34" charset="0"/>
+                <a:cs typeface="Arial" panose="020B0604020202020204" pitchFamily="34" charset="0"/>
+              </a:rPr>
+              <a:t>trung</a:t>
+            </a:r>
+            <a:r>
+              <a:rPr lang="en-US" dirty="0">
+                <a:latin typeface="Arial" panose="020B0604020202020204" pitchFamily="34" charset="0"/>
+                <a:cs typeface="Arial" panose="020B0604020202020204" pitchFamily="34" charset="0"/>
+              </a:rPr>
+              <a:t> </a:t>
+            </a:r>
+            <a:r>
+              <a:rPr lang="en-US" dirty="0" err="1">
+                <a:latin typeface="Arial" panose="020B0604020202020204" pitchFamily="34" charset="0"/>
+                <a:cs typeface="Arial" panose="020B0604020202020204" pitchFamily="34" charset="0"/>
+              </a:rPr>
+              <a:t>tâm</a:t>
+            </a:r>
+            <a:r>
+              <a:rPr lang="en-US" dirty="0">
+                <a:latin typeface="Arial" panose="020B0604020202020204" pitchFamily="34" charset="0"/>
+                <a:cs typeface="Arial" panose="020B0604020202020204" pitchFamily="34" charset="0"/>
+              </a:rPr>
+              <a:t> </a:t>
+            </a:r>
+            <a:r>
+              <a:rPr lang="en-US" dirty="0" err="1">
+                <a:latin typeface="Arial" panose="020B0604020202020204" pitchFamily="34" charset="0"/>
+                <a:cs typeface="Arial" panose="020B0604020202020204" pitchFamily="34" charset="0"/>
+              </a:rPr>
+              <a:t>dành</a:t>
+            </a:r>
+            <a:r>
+              <a:rPr lang="en-US" dirty="0">
+                <a:latin typeface="Arial" panose="020B0604020202020204" pitchFamily="34" charset="0"/>
+                <a:cs typeface="Arial" panose="020B0604020202020204" pitchFamily="34" charset="0"/>
+              </a:rPr>
+              <a:t> </a:t>
+            </a:r>
+            <a:r>
+              <a:rPr lang="en-US" dirty="0" err="1">
+                <a:latin typeface="Arial" panose="020B0604020202020204" pitchFamily="34" charset="0"/>
+                <a:cs typeface="Arial" panose="020B0604020202020204" pitchFamily="34" charset="0"/>
+              </a:rPr>
+              <a:t>cho</a:t>
+            </a:r>
+            <a:r>
+              <a:rPr lang="en-US" dirty="0">
+                <a:latin typeface="Arial" panose="020B0604020202020204" pitchFamily="34" charset="0"/>
+                <a:cs typeface="Arial" panose="020B0604020202020204" pitchFamily="34" charset="0"/>
+              </a:rPr>
+              <a:t> </a:t>
+            </a:r>
+            <a:r>
+              <a:rPr lang="en-US" dirty="0" err="1">
+                <a:latin typeface="Arial" panose="020B0604020202020204" pitchFamily="34" charset="0"/>
+                <a:cs typeface="Arial" panose="020B0604020202020204" pitchFamily="34" charset="0"/>
+              </a:rPr>
+              <a:t>các</a:t>
+            </a:r>
+            <a:r>
+              <a:rPr lang="en-US" dirty="0">
+                <a:latin typeface="Arial" panose="020B0604020202020204" pitchFamily="34" charset="0"/>
+                <a:cs typeface="Arial" panose="020B0604020202020204" pitchFamily="34" charset="0"/>
+              </a:rPr>
+              <a:t> </a:t>
+            </a:r>
+            <a:r>
+              <a:rPr lang="en-US" dirty="0" err="1">
+                <a:latin typeface="Arial" panose="020B0604020202020204" pitchFamily="34" charset="0"/>
+                <a:cs typeface="Arial" panose="020B0604020202020204" pitchFamily="34" charset="0"/>
+              </a:rPr>
+              <a:t>màu</a:t>
+            </a:r>
+            <a:r>
+              <a:rPr lang="en-US" dirty="0">
+                <a:latin typeface="Arial" panose="020B0604020202020204" pitchFamily="34" charset="0"/>
+                <a:cs typeface="Arial" panose="020B0604020202020204" pitchFamily="34" charset="0"/>
+              </a:rPr>
+              <a:t> </a:t>
+            </a:r>
+            <a:r>
+              <a:rPr lang="en-US" dirty="0" err="1">
+                <a:latin typeface="Arial" panose="020B0604020202020204" pitchFamily="34" charset="0"/>
+                <a:cs typeface="Arial" panose="020B0604020202020204" pitchFamily="34" charset="0"/>
+              </a:rPr>
+              <a:t>hiếm</a:t>
+            </a:r>
+            <a:r>
+              <a:rPr lang="en-US" dirty="0">
+                <a:latin typeface="Arial" panose="020B0604020202020204" pitchFamily="34" charset="0"/>
+                <a:cs typeface="Arial" panose="020B0604020202020204" pitchFamily="34" charset="0"/>
+              </a:rPr>
+              <a:t> </a:t>
+            </a:r>
+            <a:r>
+              <a:rPr lang="en-US" dirty="0" err="1">
+                <a:latin typeface="Arial" panose="020B0604020202020204" pitchFamily="34" charset="0"/>
+                <a:cs typeface="Arial" panose="020B0604020202020204" pitchFamily="34" charset="0"/>
+              </a:rPr>
+              <a:t>sẽ</a:t>
+            </a:r>
+            <a:r>
+              <a:rPr lang="en-US" dirty="0">
+                <a:latin typeface="Arial" panose="020B0604020202020204" pitchFamily="34" charset="0"/>
+                <a:cs typeface="Arial" panose="020B0604020202020204" pitchFamily="34" charset="0"/>
+              </a:rPr>
+              <a:t> </a:t>
+            </a:r>
+            <a:r>
+              <a:rPr lang="en-US" dirty="0" err="1">
+                <a:latin typeface="Arial" panose="020B0604020202020204" pitchFamily="34" charset="0"/>
+                <a:cs typeface="Arial" panose="020B0604020202020204" pitchFamily="34" charset="0"/>
+              </a:rPr>
+              <a:t>ít</a:t>
+            </a:r>
+            <a:r>
+              <a:rPr lang="en-US" dirty="0">
+                <a:latin typeface="Arial" panose="020B0604020202020204" pitchFamily="34" charset="0"/>
+                <a:cs typeface="Arial" panose="020B0604020202020204" pitchFamily="34" charset="0"/>
+              </a:rPr>
+              <a:t> </a:t>
+            </a:r>
+            <a:r>
+              <a:rPr lang="en-US" dirty="0" err="1">
+                <a:latin typeface="Arial" panose="020B0604020202020204" pitchFamily="34" charset="0"/>
+                <a:cs typeface="Arial" panose="020B0604020202020204" pitchFamily="34" charset="0"/>
+              </a:rPr>
+              <a:t>ảnh</a:t>
+            </a:r>
+            <a:r>
+              <a:rPr lang="en-US" dirty="0">
+                <a:latin typeface="Arial" panose="020B0604020202020204" pitchFamily="34" charset="0"/>
+                <a:cs typeface="Arial" panose="020B0604020202020204" pitchFamily="34" charset="0"/>
+              </a:rPr>
+              <a:t> h</a:t>
+            </a:r>
+            <a:r>
+              <a:rPr lang="vi-VN" dirty="0">
+                <a:latin typeface="Arial" panose="020B0604020202020204" pitchFamily="34" charset="0"/>
+                <a:cs typeface="Arial" panose="020B0604020202020204" pitchFamily="34" charset="0"/>
+              </a:rPr>
+              <a:t>ư</a:t>
+            </a:r>
+            <a:r>
+              <a:rPr lang="en-US" dirty="0" err="1">
+                <a:latin typeface="Arial" panose="020B0604020202020204" pitchFamily="34" charset="0"/>
+                <a:cs typeface="Arial" panose="020B0604020202020204" pitchFamily="34" charset="0"/>
+              </a:rPr>
+              <a:t>ởng</a:t>
+            </a:r>
+            <a:r>
+              <a:rPr lang="en-US" dirty="0">
+                <a:latin typeface="Arial" panose="020B0604020202020204" pitchFamily="34" charset="0"/>
+                <a:cs typeface="Arial" panose="020B0604020202020204" pitchFamily="34" charset="0"/>
+              </a:rPr>
+              <a:t> </a:t>
+            </a:r>
+            <a:r>
+              <a:rPr lang="en-US" dirty="0" err="1">
+                <a:latin typeface="Arial" panose="020B0604020202020204" pitchFamily="34" charset="0"/>
+                <a:cs typeface="Arial" panose="020B0604020202020204" pitchFamily="34" charset="0"/>
+              </a:rPr>
+              <a:t>tới</a:t>
+            </a:r>
+            <a:r>
+              <a:rPr lang="en-US" dirty="0">
+                <a:latin typeface="Arial" panose="020B0604020202020204" pitchFamily="34" charset="0"/>
+                <a:cs typeface="Arial" panose="020B0604020202020204" pitchFamily="34" charset="0"/>
+              </a:rPr>
+              <a:t> </a:t>
+            </a:r>
+            <a:r>
+              <a:rPr lang="en-US" dirty="0" err="1">
+                <a:latin typeface="Arial" panose="020B0604020202020204" pitchFamily="34" charset="0"/>
+                <a:cs typeface="Arial" panose="020B0604020202020204" pitchFamily="34" charset="0"/>
+              </a:rPr>
+              <a:t>bảng</a:t>
+            </a:r>
+            <a:r>
+              <a:rPr lang="en-US" dirty="0">
+                <a:latin typeface="Arial" panose="020B0604020202020204" pitchFamily="34" charset="0"/>
+                <a:cs typeface="Arial" panose="020B0604020202020204" pitchFamily="34" charset="0"/>
+              </a:rPr>
+              <a:t> </a:t>
+            </a:r>
+            <a:r>
+              <a:rPr lang="en-US" dirty="0" err="1">
+                <a:latin typeface="Arial" panose="020B0604020202020204" pitchFamily="34" charset="0"/>
+                <a:cs typeface="Arial" panose="020B0604020202020204" pitchFamily="34" charset="0"/>
+              </a:rPr>
+              <a:t>màu</a:t>
+            </a:r>
+            <a:r>
+              <a:rPr lang="en-US" dirty="0">
+                <a:latin typeface="Arial" panose="020B0604020202020204" pitchFamily="34" charset="0"/>
+                <a:cs typeface="Arial" panose="020B0604020202020204" pitchFamily="34" charset="0"/>
+              </a:rPr>
+              <a:t> h</a:t>
+            </a:r>
+            <a:r>
+              <a:rPr lang="vi-VN" dirty="0">
+                <a:latin typeface="Arial" panose="020B0604020202020204" pitchFamily="34" charset="0"/>
+                <a:cs typeface="Arial" panose="020B0604020202020204" pitchFamily="34" charset="0"/>
+              </a:rPr>
+              <a:t>ơ</a:t>
+            </a:r>
+            <a:r>
+              <a:rPr lang="en-US" dirty="0">
+                <a:latin typeface="Arial" panose="020B0604020202020204" pitchFamily="34" charset="0"/>
+                <a:cs typeface="Arial" panose="020B0604020202020204" pitchFamily="34" charset="0"/>
+              </a:rPr>
+              <a:t>n do </a:t>
+            </a:r>
+            <a:r>
+              <a:rPr lang="en-US" dirty="0" err="1">
+                <a:latin typeface="Arial" panose="020B0604020202020204" pitchFamily="34" charset="0"/>
+                <a:cs typeface="Arial" panose="020B0604020202020204" pitchFamily="34" charset="0"/>
+              </a:rPr>
+              <a:t>hiệp</a:t>
+            </a:r>
+            <a:r>
+              <a:rPr lang="en-US" dirty="0">
+                <a:latin typeface="Arial" panose="020B0604020202020204" pitchFamily="34" charset="0"/>
+                <a:cs typeface="Arial" panose="020B0604020202020204" pitchFamily="34" charset="0"/>
+              </a:rPr>
+              <a:t> </a:t>
+            </a:r>
+            <a:r>
+              <a:rPr lang="en-US" dirty="0" err="1">
+                <a:latin typeface="Arial" panose="020B0604020202020204" pitchFamily="34" charset="0"/>
+                <a:cs typeface="Arial" panose="020B0604020202020204" pitchFamily="34" charset="0"/>
+              </a:rPr>
+              <a:t>ph</a:t>
+            </a:r>
+            <a:r>
+              <a:rPr lang="vi-VN" dirty="0">
+                <a:latin typeface="Arial" panose="020B0604020202020204" pitchFamily="34" charset="0"/>
+                <a:cs typeface="Arial" panose="020B0604020202020204" pitchFamily="34" charset="0"/>
+              </a:rPr>
+              <a:t>ư</a:t>
+            </a:r>
+            <a:r>
+              <a:rPr lang="en-US" dirty="0" err="1">
+                <a:latin typeface="Arial" panose="020B0604020202020204" pitchFamily="34" charset="0"/>
+                <a:cs typeface="Arial" panose="020B0604020202020204" pitchFamily="34" charset="0"/>
+              </a:rPr>
+              <a:t>ơng</a:t>
+            </a:r>
+            <a:r>
+              <a:rPr lang="en-US" dirty="0">
+                <a:latin typeface="Arial" panose="020B0604020202020204" pitchFamily="34" charset="0"/>
+                <a:cs typeface="Arial" panose="020B0604020202020204" pitchFamily="34" charset="0"/>
+              </a:rPr>
+              <a:t> </a:t>
+            </a:r>
+            <a:r>
+              <a:rPr lang="en-US" dirty="0" err="1">
+                <a:latin typeface="Arial" panose="020B0604020202020204" pitchFamily="34" charset="0"/>
+                <a:cs typeface="Arial" panose="020B0604020202020204" pitchFamily="34" charset="0"/>
+              </a:rPr>
+              <a:t>sai</a:t>
+            </a:r>
+            <a:r>
+              <a:rPr lang="en-US" dirty="0">
+                <a:latin typeface="Arial" panose="020B0604020202020204" pitchFamily="34" charset="0"/>
+                <a:cs typeface="Arial" panose="020B0604020202020204" pitchFamily="34" charset="0"/>
+              </a:rPr>
+              <a:t> </a:t>
+            </a:r>
+            <a:r>
+              <a:rPr lang="en-US" dirty="0" err="1">
+                <a:latin typeface="Arial" panose="020B0604020202020204" pitchFamily="34" charset="0"/>
+                <a:cs typeface="Arial" panose="020B0604020202020204" pitchFamily="34" charset="0"/>
+              </a:rPr>
+              <a:t>của</a:t>
+            </a:r>
+            <a:r>
+              <a:rPr lang="en-US" dirty="0">
+                <a:latin typeface="Arial" panose="020B0604020202020204" pitchFamily="34" charset="0"/>
+                <a:cs typeface="Arial" panose="020B0604020202020204" pitchFamily="34" charset="0"/>
+              </a:rPr>
+              <a:t> </a:t>
+            </a:r>
+            <a:r>
+              <a:rPr lang="en-US" dirty="0" err="1">
+                <a:latin typeface="Arial" panose="020B0604020202020204" pitchFamily="34" charset="0"/>
+                <a:cs typeface="Arial" panose="020B0604020202020204" pitchFamily="34" charset="0"/>
+              </a:rPr>
+              <a:t>chúng</a:t>
+            </a:r>
+            <a:r>
+              <a:rPr lang="en-US" dirty="0">
+                <a:latin typeface="Arial" panose="020B0604020202020204" pitchFamily="34" charset="0"/>
+                <a:cs typeface="Arial" panose="020B0604020202020204" pitchFamily="34" charset="0"/>
+              </a:rPr>
+              <a:t> </a:t>
+            </a:r>
+            <a:r>
+              <a:rPr lang="en-US" dirty="0" err="1">
+                <a:latin typeface="Arial" panose="020B0604020202020204" pitchFamily="34" charset="0"/>
+                <a:cs typeface="Arial" panose="020B0604020202020204" pitchFamily="34" charset="0"/>
+              </a:rPr>
+              <a:t>nhỏ</a:t>
+            </a:r>
+            <a:r>
+              <a:rPr lang="en-US" dirty="0">
+                <a:latin typeface="Arial" panose="020B0604020202020204" pitchFamily="34" charset="0"/>
+                <a:cs typeface="Arial" panose="020B0604020202020204" pitchFamily="34" charset="0"/>
+              </a:rPr>
+              <a:t> h</a:t>
+            </a:r>
+            <a:r>
+              <a:rPr lang="vi-VN" dirty="0">
+                <a:latin typeface="Arial" panose="020B0604020202020204" pitchFamily="34" charset="0"/>
+                <a:cs typeface="Arial" panose="020B0604020202020204" pitchFamily="34" charset="0"/>
+              </a:rPr>
+              <a:t>ơ</a:t>
+            </a:r>
+            <a:r>
+              <a:rPr lang="en-US" dirty="0">
+                <a:latin typeface="Arial" panose="020B0604020202020204" pitchFamily="34" charset="0"/>
+                <a:cs typeface="Arial" panose="020B0604020202020204" pitchFamily="34" charset="0"/>
+              </a:rPr>
+              <a:t>n (</a:t>
+            </a:r>
+            <a:r>
+              <a:rPr lang="en-US" dirty="0" err="1">
+                <a:latin typeface="Arial" panose="020B0604020202020204" pitchFamily="34" charset="0"/>
+                <a:cs typeface="Arial" panose="020B0604020202020204" pitchFamily="34" charset="0"/>
+              </a:rPr>
+              <a:t>cho</a:t>
+            </a:r>
+            <a:r>
+              <a:rPr lang="en-US" dirty="0">
+                <a:latin typeface="Arial" panose="020B0604020202020204" pitchFamily="34" charset="0"/>
+                <a:cs typeface="Arial" panose="020B0604020202020204" pitchFamily="34" charset="0"/>
+              </a:rPr>
+              <a:t> </a:t>
+            </a:r>
+            <a:r>
+              <a:rPr lang="en-US" dirty="0" err="1">
+                <a:latin typeface="Arial" panose="020B0604020202020204" pitchFamily="34" charset="0"/>
+                <a:cs typeface="Arial" panose="020B0604020202020204" pitchFamily="34" charset="0"/>
+              </a:rPr>
+              <a:t>phép</a:t>
+            </a:r>
+            <a:r>
+              <a:rPr lang="en-US" dirty="0">
+                <a:latin typeface="Arial" panose="020B0604020202020204" pitchFamily="34" charset="0"/>
+                <a:cs typeface="Arial" panose="020B0604020202020204" pitchFamily="34" charset="0"/>
+              </a:rPr>
+              <a:t> </a:t>
+            </a:r>
+            <a:r>
+              <a:rPr lang="en-US" dirty="0" err="1">
+                <a:latin typeface="Arial" panose="020B0604020202020204" pitchFamily="34" charset="0"/>
+                <a:cs typeface="Arial" panose="020B0604020202020204" pitchFamily="34" charset="0"/>
+              </a:rPr>
+              <a:t>những</a:t>
+            </a:r>
+            <a:r>
+              <a:rPr lang="en-US" dirty="0">
+                <a:latin typeface="Arial" panose="020B0604020202020204" pitchFamily="34" charset="0"/>
+                <a:cs typeface="Arial" panose="020B0604020202020204" pitchFamily="34" charset="0"/>
+              </a:rPr>
+              <a:t> Gaussian </a:t>
+            </a:r>
+            <a:r>
+              <a:rPr lang="en-US" dirty="0" err="1">
+                <a:latin typeface="Arial" panose="020B0604020202020204" pitchFamily="34" charset="0"/>
+                <a:cs typeface="Arial" panose="020B0604020202020204" pitchFamily="34" charset="0"/>
+              </a:rPr>
+              <a:t>có</a:t>
+            </a:r>
+            <a:r>
+              <a:rPr lang="en-US" dirty="0">
+                <a:latin typeface="Arial" panose="020B0604020202020204" pitchFamily="34" charset="0"/>
+                <a:cs typeface="Arial" panose="020B0604020202020204" pitchFamily="34" charset="0"/>
+              </a:rPr>
+              <a:t> </a:t>
+            </a:r>
+            <a:r>
+              <a:rPr lang="en-US" dirty="0" err="1">
+                <a:latin typeface="Arial" panose="020B0604020202020204" pitchFamily="34" charset="0"/>
+                <a:cs typeface="Arial" panose="020B0604020202020204" pitchFamily="34" charset="0"/>
+              </a:rPr>
+              <a:t>hiệp</a:t>
+            </a:r>
+            <a:r>
+              <a:rPr lang="en-US" dirty="0">
+                <a:latin typeface="Arial" panose="020B0604020202020204" pitchFamily="34" charset="0"/>
+                <a:cs typeface="Arial" panose="020B0604020202020204" pitchFamily="34" charset="0"/>
+              </a:rPr>
+              <a:t> </a:t>
+            </a:r>
+            <a:r>
+              <a:rPr lang="en-US" dirty="0" err="1">
+                <a:latin typeface="Arial" panose="020B0604020202020204" pitchFamily="34" charset="0"/>
+                <a:cs typeface="Arial" panose="020B0604020202020204" pitchFamily="34" charset="0"/>
+              </a:rPr>
+              <a:t>ph</a:t>
+            </a:r>
+            <a:r>
+              <a:rPr lang="vi-VN" dirty="0">
+                <a:latin typeface="Arial" panose="020B0604020202020204" pitchFamily="34" charset="0"/>
+                <a:cs typeface="Arial" panose="020B0604020202020204" pitchFamily="34" charset="0"/>
+              </a:rPr>
+              <a:t>ư</a:t>
+            </a:r>
+            <a:r>
+              <a:rPr lang="en-US" dirty="0" err="1">
+                <a:latin typeface="Arial" panose="020B0604020202020204" pitchFamily="34" charset="0"/>
+                <a:cs typeface="Arial" panose="020B0604020202020204" pitchFamily="34" charset="0"/>
+              </a:rPr>
+              <a:t>ơng</a:t>
+            </a:r>
+            <a:r>
+              <a:rPr lang="en-US" dirty="0">
+                <a:latin typeface="Arial" panose="020B0604020202020204" pitchFamily="34" charset="0"/>
+                <a:cs typeface="Arial" panose="020B0604020202020204" pitchFamily="34" charset="0"/>
+              </a:rPr>
+              <a:t> </a:t>
+            </a:r>
+            <a:r>
+              <a:rPr lang="en-US" dirty="0" err="1">
+                <a:latin typeface="Arial" panose="020B0604020202020204" pitchFamily="34" charset="0"/>
+                <a:cs typeface="Arial" panose="020B0604020202020204" pitchFamily="34" charset="0"/>
+              </a:rPr>
+              <a:t>sai</a:t>
+            </a:r>
+            <a:r>
+              <a:rPr lang="en-US" dirty="0">
+                <a:latin typeface="Arial" panose="020B0604020202020204" pitchFamily="34" charset="0"/>
+                <a:cs typeface="Arial" panose="020B0604020202020204" pitchFamily="34" charset="0"/>
+              </a:rPr>
+              <a:t> </a:t>
+            </a:r>
+            <a:r>
+              <a:rPr lang="en-US" dirty="0" err="1">
+                <a:latin typeface="Arial" panose="020B0604020202020204" pitchFamily="34" charset="0"/>
+                <a:cs typeface="Arial" panose="020B0604020202020204" pitchFamily="34" charset="0"/>
+              </a:rPr>
+              <a:t>lớn</a:t>
+            </a:r>
+            <a:r>
+              <a:rPr lang="en-US" dirty="0">
+                <a:latin typeface="Arial" panose="020B0604020202020204" pitchFamily="34" charset="0"/>
+                <a:cs typeface="Arial" panose="020B0604020202020204" pitchFamily="34" charset="0"/>
+              </a:rPr>
+              <a:t> h</a:t>
+            </a:r>
+            <a:r>
+              <a:rPr lang="vi-VN" dirty="0">
+                <a:latin typeface="Arial" panose="020B0604020202020204" pitchFamily="34" charset="0"/>
+                <a:cs typeface="Arial" panose="020B0604020202020204" pitchFamily="34" charset="0"/>
+              </a:rPr>
+              <a:t>ơ</a:t>
+            </a:r>
+            <a:r>
+              <a:rPr lang="en-US" dirty="0">
+                <a:latin typeface="Arial" panose="020B0604020202020204" pitchFamily="34" charset="0"/>
+                <a:cs typeface="Arial" panose="020B0604020202020204" pitchFamily="34" charset="0"/>
+              </a:rPr>
+              <a:t>n </a:t>
+            </a:r>
+            <a:r>
+              <a:rPr lang="en-US" dirty="0" err="1">
+                <a:latin typeface="Arial" panose="020B0604020202020204" pitchFamily="34" charset="0"/>
+                <a:cs typeface="Arial" panose="020B0604020202020204" pitchFamily="34" charset="0"/>
+              </a:rPr>
+              <a:t>gây</a:t>
+            </a:r>
+            <a:r>
+              <a:rPr lang="en-US" dirty="0">
+                <a:latin typeface="Arial" panose="020B0604020202020204" pitchFamily="34" charset="0"/>
+                <a:cs typeface="Arial" panose="020B0604020202020204" pitchFamily="34" charset="0"/>
+              </a:rPr>
+              <a:t> </a:t>
+            </a:r>
+            <a:r>
+              <a:rPr lang="en-US" dirty="0" err="1">
+                <a:latin typeface="Arial" panose="020B0604020202020204" pitchFamily="34" charset="0"/>
+                <a:cs typeface="Arial" panose="020B0604020202020204" pitchFamily="34" charset="0"/>
+              </a:rPr>
+              <a:t>ảnh</a:t>
+            </a:r>
+            <a:r>
+              <a:rPr lang="en-US" dirty="0">
+                <a:latin typeface="Arial" panose="020B0604020202020204" pitchFamily="34" charset="0"/>
+                <a:cs typeface="Arial" panose="020B0604020202020204" pitchFamily="34" charset="0"/>
+              </a:rPr>
+              <a:t> h</a:t>
+            </a:r>
+            <a:r>
+              <a:rPr lang="vi-VN" dirty="0">
+                <a:latin typeface="Arial" panose="020B0604020202020204" pitchFamily="34" charset="0"/>
+                <a:cs typeface="Arial" panose="020B0604020202020204" pitchFamily="34" charset="0"/>
+              </a:rPr>
+              <a:t>ư</a:t>
+            </a:r>
+            <a:r>
+              <a:rPr lang="en-US" dirty="0" err="1">
+                <a:latin typeface="Arial" panose="020B0604020202020204" pitchFamily="34" charset="0"/>
+                <a:cs typeface="Arial" panose="020B0604020202020204" pitchFamily="34" charset="0"/>
+              </a:rPr>
+              <a:t>ởng</a:t>
+            </a:r>
+            <a:r>
+              <a:rPr lang="en-US" dirty="0">
+                <a:latin typeface="Arial" panose="020B0604020202020204" pitchFamily="34" charset="0"/>
+                <a:cs typeface="Arial" panose="020B0604020202020204" pitchFamily="34" charset="0"/>
+              </a:rPr>
+              <a:t> </a:t>
+            </a:r>
+            <a:r>
+              <a:rPr lang="en-US" dirty="0" err="1">
+                <a:latin typeface="Arial" panose="020B0604020202020204" pitchFamily="34" charset="0"/>
+                <a:cs typeface="Arial" panose="020B0604020202020204" pitchFamily="34" charset="0"/>
+              </a:rPr>
+              <a:t>nhiều</a:t>
+            </a:r>
+            <a:r>
+              <a:rPr lang="en-US" dirty="0">
+                <a:latin typeface="Arial" panose="020B0604020202020204" pitchFamily="34" charset="0"/>
+                <a:cs typeface="Arial" panose="020B0604020202020204" pitchFamily="34" charset="0"/>
+              </a:rPr>
+              <a:t> h</a:t>
+            </a:r>
+            <a:r>
+              <a:rPr lang="vi-VN" dirty="0">
+                <a:latin typeface="Arial" panose="020B0604020202020204" pitchFamily="34" charset="0"/>
+                <a:cs typeface="Arial" panose="020B0604020202020204" pitchFamily="34" charset="0"/>
+              </a:rPr>
+              <a:t>ơ</a:t>
+            </a:r>
+            <a:r>
+              <a:rPr lang="en-US" dirty="0">
+                <a:latin typeface="Arial" panose="020B0604020202020204" pitchFamily="34" charset="0"/>
+                <a:cs typeface="Arial" panose="020B0604020202020204" pitchFamily="34" charset="0"/>
+              </a:rPr>
+              <a:t>n).</a:t>
+            </a:r>
+            <a:r>
+              <a:rPr lang="en-US" dirty="0" err="1">
+                <a:latin typeface="Arial" panose="020B0604020202020204" pitchFamily="34" charset="0"/>
+                <a:cs typeface="Arial" panose="020B0604020202020204" pitchFamily="34" charset="0"/>
+              </a:rPr>
+              <a:t>Vì</a:t>
+            </a:r>
+            <a:r>
+              <a:rPr lang="en-US" dirty="0">
+                <a:latin typeface="Arial" panose="020B0604020202020204" pitchFamily="34" charset="0"/>
+                <a:cs typeface="Arial" panose="020B0604020202020204" pitchFamily="34" charset="0"/>
+              </a:rPr>
+              <a:t> </a:t>
+            </a:r>
+            <a:r>
+              <a:rPr lang="en-US" dirty="0" err="1">
+                <a:latin typeface="Arial" panose="020B0604020202020204" pitchFamily="34" charset="0"/>
+                <a:cs typeface="Arial" panose="020B0604020202020204" pitchFamily="34" charset="0"/>
+              </a:rPr>
+              <a:t>nó</a:t>
+            </a:r>
+            <a:r>
+              <a:rPr lang="en-US" dirty="0">
+                <a:latin typeface="Arial" panose="020B0604020202020204" pitchFamily="34" charset="0"/>
+                <a:cs typeface="Arial" panose="020B0604020202020204" pitchFamily="34" charset="0"/>
+              </a:rPr>
+              <a:t> </a:t>
+            </a:r>
+            <a:r>
+              <a:rPr lang="en-US" dirty="0" err="1">
+                <a:latin typeface="Arial" panose="020B0604020202020204" pitchFamily="34" charset="0"/>
+                <a:cs typeface="Arial" panose="020B0604020202020204" pitchFamily="34" charset="0"/>
+              </a:rPr>
+              <a:t>cũng</a:t>
+            </a:r>
+            <a:r>
+              <a:rPr lang="en-US" dirty="0">
+                <a:latin typeface="Arial" panose="020B0604020202020204" pitchFamily="34" charset="0"/>
+                <a:cs typeface="Arial" panose="020B0604020202020204" pitchFamily="34" charset="0"/>
+              </a:rPr>
+              <a:t> đ</a:t>
+            </a:r>
+            <a:r>
+              <a:rPr lang="vi-VN" dirty="0">
+                <a:latin typeface="Arial" panose="020B0604020202020204" pitchFamily="34" charset="0"/>
+                <a:cs typeface="Arial" panose="020B0604020202020204" pitchFamily="34" charset="0"/>
+              </a:rPr>
+              <a:t>ư</a:t>
+            </a:r>
+            <a:r>
+              <a:rPr lang="en-US" dirty="0" err="1">
+                <a:latin typeface="Arial" panose="020B0604020202020204" pitchFamily="34" charset="0"/>
+                <a:cs typeface="Arial" panose="020B0604020202020204" pitchFamily="34" charset="0"/>
+              </a:rPr>
+              <a:t>ợc</a:t>
+            </a:r>
+            <a:r>
+              <a:rPr lang="en-US" dirty="0">
+                <a:latin typeface="Arial" panose="020B0604020202020204" pitchFamily="34" charset="0"/>
+                <a:cs typeface="Arial" panose="020B0604020202020204" pitchFamily="34" charset="0"/>
+              </a:rPr>
+              <a:t> </a:t>
+            </a:r>
+            <a:r>
+              <a:rPr lang="en-US" dirty="0" err="1">
+                <a:latin typeface="Arial" panose="020B0604020202020204" pitchFamily="34" charset="0"/>
+                <a:cs typeface="Arial" panose="020B0604020202020204" pitchFamily="34" charset="0"/>
+              </a:rPr>
+              <a:t>dùng</a:t>
+            </a:r>
+            <a:r>
+              <a:rPr lang="en-US" dirty="0">
+                <a:latin typeface="Arial" panose="020B0604020202020204" pitchFamily="34" charset="0"/>
+                <a:cs typeface="Arial" panose="020B0604020202020204" pitchFamily="34" charset="0"/>
+              </a:rPr>
+              <a:t> </a:t>
+            </a:r>
+            <a:r>
+              <a:rPr lang="en-US" dirty="0" err="1">
+                <a:latin typeface="Arial" panose="020B0604020202020204" pitchFamily="34" charset="0"/>
+                <a:cs typeface="Arial" panose="020B0604020202020204" pitchFamily="34" charset="0"/>
+              </a:rPr>
+              <a:t>để</a:t>
+            </a:r>
+            <a:r>
+              <a:rPr lang="en-US" dirty="0">
+                <a:latin typeface="Arial" panose="020B0604020202020204" pitchFamily="34" charset="0"/>
+                <a:cs typeface="Arial" panose="020B0604020202020204" pitchFamily="34" charset="0"/>
+              </a:rPr>
+              <a:t> </a:t>
+            </a:r>
+            <a:r>
+              <a:rPr lang="en-US" dirty="0" err="1">
+                <a:latin typeface="Arial" panose="020B0604020202020204" pitchFamily="34" charset="0"/>
+                <a:cs typeface="Arial" panose="020B0604020202020204" pitchFamily="34" charset="0"/>
+              </a:rPr>
+              <a:t>dự</a:t>
+            </a:r>
+            <a:r>
+              <a:rPr lang="en-US" dirty="0">
+                <a:latin typeface="Arial" panose="020B0604020202020204" pitchFamily="34" charset="0"/>
+                <a:cs typeface="Arial" panose="020B0604020202020204" pitchFamily="34" charset="0"/>
+              </a:rPr>
+              <a:t> </a:t>
+            </a:r>
+            <a:r>
+              <a:rPr lang="en-US" dirty="0" err="1">
+                <a:latin typeface="Arial" panose="020B0604020202020204" pitchFamily="34" charset="0"/>
+                <a:cs typeface="Arial" panose="020B0604020202020204" pitchFamily="34" charset="0"/>
+              </a:rPr>
+              <a:t>đoán</a:t>
+            </a:r>
+            <a:r>
+              <a:rPr lang="en-US" dirty="0">
+                <a:latin typeface="Arial" panose="020B0604020202020204" pitchFamily="34" charset="0"/>
+                <a:cs typeface="Arial" panose="020B0604020202020204" pitchFamily="34" charset="0"/>
+              </a:rPr>
+              <a:t> </a:t>
+            </a:r>
+            <a:r>
+              <a:rPr lang="en-US" dirty="0" err="1">
+                <a:latin typeface="Arial" panose="020B0604020202020204" pitchFamily="34" charset="0"/>
+                <a:cs typeface="Arial" panose="020B0604020202020204" pitchFamily="34" charset="0"/>
+              </a:rPr>
+              <a:t>xác</a:t>
+            </a:r>
+            <a:r>
+              <a:rPr lang="en-US" dirty="0">
+                <a:latin typeface="Arial" panose="020B0604020202020204" pitchFamily="34" charset="0"/>
+                <a:cs typeface="Arial" panose="020B0604020202020204" pitchFamily="34" charset="0"/>
+              </a:rPr>
+              <a:t> </a:t>
+            </a:r>
+            <a:r>
+              <a:rPr lang="en-US" dirty="0" err="1">
+                <a:latin typeface="Arial" panose="020B0604020202020204" pitchFamily="34" charset="0"/>
+                <a:cs typeface="Arial" panose="020B0604020202020204" pitchFamily="34" charset="0"/>
+              </a:rPr>
+              <a:t>xuất</a:t>
+            </a:r>
+            <a:r>
+              <a:rPr lang="en-US" dirty="0">
+                <a:latin typeface="Arial" panose="020B0604020202020204" pitchFamily="34" charset="0"/>
+                <a:cs typeface="Arial" panose="020B0604020202020204" pitchFamily="34" charset="0"/>
+              </a:rPr>
+              <a:t> </a:t>
+            </a:r>
+            <a:r>
+              <a:rPr lang="en-US" dirty="0" err="1">
+                <a:latin typeface="Arial" panose="020B0604020202020204" pitchFamily="34" charset="0"/>
+                <a:cs typeface="Arial" panose="020B0604020202020204" pitchFamily="34" charset="0"/>
+              </a:rPr>
+              <a:t>nên</a:t>
+            </a:r>
+            <a:r>
+              <a:rPr lang="en-US" dirty="0">
+                <a:latin typeface="Arial" panose="020B0604020202020204" pitchFamily="34" charset="0"/>
+                <a:cs typeface="Arial" panose="020B0604020202020204" pitchFamily="34" charset="0"/>
+              </a:rPr>
+              <a:t> </a:t>
+            </a:r>
+            <a:r>
+              <a:rPr lang="en-US" dirty="0" err="1">
+                <a:latin typeface="Arial" panose="020B0604020202020204" pitchFamily="34" charset="0"/>
+                <a:cs typeface="Arial" panose="020B0604020202020204" pitchFamily="34" charset="0"/>
+              </a:rPr>
+              <a:t>việc</a:t>
+            </a:r>
+            <a:r>
+              <a:rPr lang="en-US" dirty="0">
+                <a:latin typeface="Arial" panose="020B0604020202020204" pitchFamily="34" charset="0"/>
+                <a:cs typeface="Arial" panose="020B0604020202020204" pitchFamily="34" charset="0"/>
+              </a:rPr>
+              <a:t> </a:t>
+            </a:r>
+            <a:r>
+              <a:rPr lang="en-US" dirty="0" err="1">
+                <a:latin typeface="Arial" panose="020B0604020202020204" pitchFamily="34" charset="0"/>
+                <a:cs typeface="Arial" panose="020B0604020202020204" pitchFamily="34" charset="0"/>
+              </a:rPr>
+              <a:t>dò</a:t>
+            </a:r>
+            <a:r>
+              <a:rPr lang="en-US" dirty="0">
+                <a:latin typeface="Arial" panose="020B0604020202020204" pitchFamily="34" charset="0"/>
+                <a:cs typeface="Arial" panose="020B0604020202020204" pitchFamily="34" charset="0"/>
+              </a:rPr>
+              <a:t> </a:t>
+            </a:r>
+            <a:r>
+              <a:rPr lang="en-US" dirty="0" err="1">
+                <a:latin typeface="Arial" panose="020B0604020202020204" pitchFamily="34" charset="0"/>
+                <a:cs typeface="Arial" panose="020B0604020202020204" pitchFamily="34" charset="0"/>
+              </a:rPr>
+              <a:t>lặp</a:t>
+            </a:r>
+            <a:r>
+              <a:rPr lang="en-US" dirty="0">
+                <a:latin typeface="Arial" panose="020B0604020202020204" pitchFamily="34" charset="0"/>
+                <a:cs typeface="Arial" panose="020B0604020202020204" pitchFamily="34" charset="0"/>
+              </a:rPr>
+              <a:t> </a:t>
+            </a:r>
+            <a:r>
+              <a:rPr lang="en-US" dirty="0" err="1">
+                <a:latin typeface="Arial" panose="020B0604020202020204" pitchFamily="34" charset="0"/>
+                <a:cs typeface="Arial" panose="020B0604020202020204" pitchFamily="34" charset="0"/>
+              </a:rPr>
+              <a:t>đi</a:t>
+            </a:r>
+            <a:r>
+              <a:rPr lang="en-US" dirty="0">
+                <a:latin typeface="Arial" panose="020B0604020202020204" pitchFamily="34" charset="0"/>
+                <a:cs typeface="Arial" panose="020B0604020202020204" pitchFamily="34" charset="0"/>
+              </a:rPr>
+              <a:t> </a:t>
+            </a:r>
+            <a:r>
+              <a:rPr lang="en-US" dirty="0" err="1">
+                <a:latin typeface="Arial" panose="020B0604020202020204" pitchFamily="34" charset="0"/>
+                <a:cs typeface="Arial" panose="020B0604020202020204" pitchFamily="34" charset="0"/>
+              </a:rPr>
+              <a:t>lặp</a:t>
+            </a:r>
+            <a:r>
+              <a:rPr lang="en-US" dirty="0">
+                <a:latin typeface="Arial" panose="020B0604020202020204" pitchFamily="34" charset="0"/>
+                <a:cs typeface="Arial" panose="020B0604020202020204" pitchFamily="34" charset="0"/>
+              </a:rPr>
+              <a:t> </a:t>
+            </a:r>
+            <a:r>
+              <a:rPr lang="en-US" dirty="0" err="1">
+                <a:latin typeface="Arial" panose="020B0604020202020204" pitchFamily="34" charset="0"/>
+                <a:cs typeface="Arial" panose="020B0604020202020204" pitchFamily="34" charset="0"/>
+              </a:rPr>
+              <a:t>lại</a:t>
+            </a:r>
+            <a:r>
+              <a:rPr lang="en-US" dirty="0">
+                <a:latin typeface="Arial" panose="020B0604020202020204" pitchFamily="34" charset="0"/>
+                <a:cs typeface="Arial" panose="020B0604020202020204" pitchFamily="34" charset="0"/>
+              </a:rPr>
+              <a:t> </a:t>
+            </a:r>
+            <a:r>
+              <a:rPr lang="en-US" dirty="0" err="1">
+                <a:latin typeface="Arial" panose="020B0604020202020204" pitchFamily="34" charset="0"/>
+                <a:cs typeface="Arial" panose="020B0604020202020204" pitchFamily="34" charset="0"/>
+              </a:rPr>
+              <a:t>từ</a:t>
+            </a:r>
+            <a:r>
+              <a:rPr lang="en-US" dirty="0">
+                <a:latin typeface="Arial" panose="020B0604020202020204" pitchFamily="34" charset="0"/>
+                <a:cs typeface="Arial" panose="020B0604020202020204" pitchFamily="34" charset="0"/>
+              </a:rPr>
+              <a:t> </a:t>
+            </a:r>
+            <a:r>
+              <a:rPr lang="en-US" dirty="0" err="1">
+                <a:latin typeface="Arial" panose="020B0604020202020204" pitchFamily="34" charset="0"/>
+                <a:cs typeface="Arial" panose="020B0604020202020204" pitchFamily="34" charset="0"/>
+              </a:rPr>
+              <a:t>dự</a:t>
+            </a:r>
+            <a:r>
+              <a:rPr lang="en-US" dirty="0">
+                <a:latin typeface="Arial" panose="020B0604020202020204" pitchFamily="34" charset="0"/>
+                <a:cs typeface="Arial" panose="020B0604020202020204" pitchFamily="34" charset="0"/>
+              </a:rPr>
+              <a:t> </a:t>
+            </a:r>
+            <a:r>
+              <a:rPr lang="en-US" dirty="0" err="1">
+                <a:latin typeface="Arial" panose="020B0604020202020204" pitchFamily="34" charset="0"/>
+                <a:cs typeface="Arial" panose="020B0604020202020204" pitchFamily="34" charset="0"/>
+              </a:rPr>
+              <a:t>đoán</a:t>
+            </a:r>
+            <a:r>
+              <a:rPr lang="en-US" dirty="0">
+                <a:latin typeface="Arial" panose="020B0604020202020204" pitchFamily="34" charset="0"/>
+                <a:cs typeface="Arial" panose="020B0604020202020204" pitchFamily="34" charset="0"/>
+              </a:rPr>
+              <a:t> </a:t>
+            </a:r>
+            <a:r>
+              <a:rPr lang="en-US" dirty="0" err="1">
+                <a:latin typeface="Arial" panose="020B0604020202020204" pitchFamily="34" charset="0"/>
+                <a:cs typeface="Arial" panose="020B0604020202020204" pitchFamily="34" charset="0"/>
+              </a:rPr>
+              <a:t>tốt</a:t>
+            </a:r>
+            <a:r>
+              <a:rPr lang="en-US" dirty="0">
+                <a:latin typeface="Arial" panose="020B0604020202020204" pitchFamily="34" charset="0"/>
+                <a:cs typeface="Arial" panose="020B0604020202020204" pitchFamily="34" charset="0"/>
+              </a:rPr>
+              <a:t> </a:t>
+            </a:r>
+            <a:r>
+              <a:rPr lang="en-US" dirty="0" err="1">
+                <a:latin typeface="Arial" panose="020B0604020202020204" pitchFamily="34" charset="0"/>
+                <a:cs typeface="Arial" panose="020B0604020202020204" pitchFamily="34" charset="0"/>
+              </a:rPr>
+              <a:t>nhất</a:t>
+            </a:r>
+            <a:r>
+              <a:rPr lang="en-US" dirty="0">
+                <a:latin typeface="Arial" panose="020B0604020202020204" pitchFamily="34" charset="0"/>
+                <a:cs typeface="Arial" panose="020B0604020202020204" pitchFamily="34" charset="0"/>
+              </a:rPr>
+              <a:t> </a:t>
+            </a:r>
+            <a:r>
+              <a:rPr lang="en-US" dirty="0" err="1">
+                <a:latin typeface="Arial" panose="020B0604020202020204" pitchFamily="34" charset="0"/>
+                <a:cs typeface="Arial" panose="020B0604020202020204" pitchFamily="34" charset="0"/>
+              </a:rPr>
+              <a:t>cho</a:t>
+            </a:r>
+            <a:r>
+              <a:rPr lang="en-US" dirty="0">
+                <a:latin typeface="Arial" panose="020B0604020202020204" pitchFamily="34" charset="0"/>
+                <a:cs typeface="Arial" panose="020B0604020202020204" pitchFamily="34" charset="0"/>
+              </a:rPr>
+              <a:t> </a:t>
+            </a:r>
+            <a:r>
+              <a:rPr lang="en-US" dirty="0" err="1">
+                <a:latin typeface="Arial" panose="020B0604020202020204" pitchFamily="34" charset="0"/>
+                <a:cs typeface="Arial" panose="020B0604020202020204" pitchFamily="34" charset="0"/>
+              </a:rPr>
+              <a:t>tới</a:t>
+            </a:r>
+            <a:r>
+              <a:rPr lang="en-US" dirty="0">
+                <a:latin typeface="Arial" panose="020B0604020202020204" pitchFamily="34" charset="0"/>
+                <a:cs typeface="Arial" panose="020B0604020202020204" pitchFamily="34" charset="0"/>
+              </a:rPr>
+              <a:t> </a:t>
+            </a:r>
+            <a:r>
+              <a:rPr lang="en-US" dirty="0" err="1">
+                <a:latin typeface="Arial" panose="020B0604020202020204" pitchFamily="34" charset="0"/>
+                <a:cs typeface="Arial" panose="020B0604020202020204" pitchFamily="34" charset="0"/>
+              </a:rPr>
+              <a:t>tốt</a:t>
+            </a:r>
+            <a:r>
+              <a:rPr lang="en-US" dirty="0">
+                <a:latin typeface="Arial" panose="020B0604020202020204" pitchFamily="34" charset="0"/>
+                <a:cs typeface="Arial" panose="020B0604020202020204" pitchFamily="34" charset="0"/>
+              </a:rPr>
+              <a:t> </a:t>
+            </a:r>
+            <a:r>
+              <a:rPr lang="en-US" dirty="0" err="1">
+                <a:latin typeface="Arial" panose="020B0604020202020204" pitchFamily="34" charset="0"/>
+                <a:cs typeface="Arial" panose="020B0604020202020204" pitchFamily="34" charset="0"/>
+              </a:rPr>
+              <a:t>thứ</a:t>
+            </a:r>
+            <a:r>
+              <a:rPr lang="en-US" dirty="0">
+                <a:latin typeface="Arial" panose="020B0604020202020204" pitchFamily="34" charset="0"/>
+                <a:cs typeface="Arial" panose="020B0604020202020204" pitchFamily="34" charset="0"/>
+              </a:rPr>
+              <a:t> </a:t>
+            </a:r>
+            <a:r>
+              <a:rPr lang="en-US" dirty="0" err="1">
+                <a:latin typeface="Arial" panose="020B0604020202020204" pitchFamily="34" charset="0"/>
+                <a:cs typeface="Arial" panose="020B0604020202020204" pitchFamily="34" charset="0"/>
+              </a:rPr>
+              <a:t>hai</a:t>
+            </a:r>
+            <a:r>
+              <a:rPr lang="en-US" dirty="0">
+                <a:latin typeface="Arial" panose="020B0604020202020204" pitchFamily="34" charset="0"/>
+                <a:cs typeface="Arial" panose="020B0604020202020204" pitchFamily="34" charset="0"/>
+              </a:rPr>
+              <a:t> qua </a:t>
+            </a:r>
+            <a:r>
+              <a:rPr lang="en-US" dirty="0" err="1">
+                <a:latin typeface="Arial" panose="020B0604020202020204" pitchFamily="34" charset="0"/>
+                <a:cs typeface="Arial" panose="020B0604020202020204" pitchFamily="34" charset="0"/>
+              </a:rPr>
+              <a:t>một</a:t>
+            </a:r>
+            <a:r>
+              <a:rPr lang="en-US" dirty="0">
+                <a:latin typeface="Arial" panose="020B0604020202020204" pitchFamily="34" charset="0"/>
+                <a:cs typeface="Arial" panose="020B0604020202020204" pitchFamily="34" charset="0"/>
+              </a:rPr>
+              <a:t> </a:t>
+            </a:r>
+            <a:r>
+              <a:rPr lang="en-US" dirty="0" err="1">
+                <a:latin typeface="Arial" panose="020B0604020202020204" pitchFamily="34" charset="0"/>
+                <a:cs typeface="Arial" panose="020B0604020202020204" pitchFamily="34" charset="0"/>
+              </a:rPr>
+              <a:t>giới</a:t>
+            </a:r>
+            <a:r>
+              <a:rPr lang="en-US" dirty="0">
+                <a:latin typeface="Arial" panose="020B0604020202020204" pitchFamily="34" charset="0"/>
+                <a:cs typeface="Arial" panose="020B0604020202020204" pitchFamily="34" charset="0"/>
+              </a:rPr>
+              <a:t> </a:t>
+            </a:r>
+            <a:r>
+              <a:rPr lang="en-US" dirty="0" err="1">
+                <a:latin typeface="Arial" panose="020B0604020202020204" pitchFamily="34" charset="0"/>
+                <a:cs typeface="Arial" panose="020B0604020202020204" pitchFamily="34" charset="0"/>
+              </a:rPr>
+              <a:t>hạn</a:t>
+            </a:r>
+            <a:r>
+              <a:rPr lang="en-US" dirty="0">
+                <a:latin typeface="Arial" panose="020B0604020202020204" pitchFamily="34" charset="0"/>
+                <a:cs typeface="Arial" panose="020B0604020202020204" pitchFamily="34" charset="0"/>
+              </a:rPr>
+              <a:t> </a:t>
+            </a:r>
+            <a:r>
+              <a:rPr lang="en-US" dirty="0" err="1">
+                <a:latin typeface="Arial" panose="020B0604020202020204" pitchFamily="34" charset="0"/>
+                <a:cs typeface="Arial" panose="020B0604020202020204" pitchFamily="34" charset="0"/>
+              </a:rPr>
+              <a:t>nhất</a:t>
+            </a:r>
+            <a:r>
+              <a:rPr lang="en-US" dirty="0">
+                <a:latin typeface="Arial" panose="020B0604020202020204" pitchFamily="34" charset="0"/>
+                <a:cs typeface="Arial" panose="020B0604020202020204" pitchFamily="34" charset="0"/>
+              </a:rPr>
+              <a:t> </a:t>
+            </a:r>
+            <a:r>
+              <a:rPr lang="en-US" dirty="0" err="1">
+                <a:latin typeface="Arial" panose="020B0604020202020204" pitchFamily="34" charset="0"/>
+                <a:cs typeface="Arial" panose="020B0604020202020204" pitchFamily="34" charset="0"/>
+              </a:rPr>
+              <a:t>định</a:t>
+            </a:r>
+            <a:r>
+              <a:rPr lang="en-US" dirty="0">
+                <a:latin typeface="Arial" panose="020B0604020202020204" pitchFamily="34" charset="0"/>
+                <a:cs typeface="Arial" panose="020B0604020202020204" pitchFamily="34" charset="0"/>
+              </a:rPr>
+              <a:t> </a:t>
+            </a:r>
+            <a:r>
+              <a:rPr lang="en-US" dirty="0" err="1">
+                <a:latin typeface="Arial" panose="020B0604020202020204" pitchFamily="34" charset="0"/>
+                <a:cs typeface="Arial" panose="020B0604020202020204" pitchFamily="34" charset="0"/>
+              </a:rPr>
+              <a:t>cho</a:t>
+            </a:r>
+            <a:r>
+              <a:rPr lang="en-US" dirty="0">
+                <a:latin typeface="Arial" panose="020B0604020202020204" pitchFamily="34" charset="0"/>
+                <a:cs typeface="Arial" panose="020B0604020202020204" pitchFamily="34" charset="0"/>
+              </a:rPr>
+              <a:t> </a:t>
+            </a:r>
+            <a:r>
+              <a:rPr lang="en-US" dirty="0" err="1">
+                <a:latin typeface="Arial" panose="020B0604020202020204" pitchFamily="34" charset="0"/>
+                <a:cs typeface="Arial" panose="020B0604020202020204" pitchFamily="34" charset="0"/>
+              </a:rPr>
+              <a:t>phép</a:t>
+            </a:r>
+            <a:r>
+              <a:rPr lang="en-US" dirty="0">
+                <a:latin typeface="Arial" panose="020B0604020202020204" pitchFamily="34" charset="0"/>
+                <a:cs typeface="Arial" panose="020B0604020202020204" pitchFamily="34" charset="0"/>
+              </a:rPr>
+              <a:t> </a:t>
+            </a:r>
+            <a:r>
+              <a:rPr lang="en-US" dirty="0" err="1">
+                <a:latin typeface="Arial" panose="020B0604020202020204" pitchFamily="34" charset="0"/>
+                <a:cs typeface="Arial" panose="020B0604020202020204" pitchFamily="34" charset="0"/>
+              </a:rPr>
+              <a:t>việc</a:t>
+            </a:r>
+            <a:r>
+              <a:rPr lang="en-US" dirty="0">
+                <a:latin typeface="Arial" panose="020B0604020202020204" pitchFamily="34" charset="0"/>
+                <a:cs typeface="Arial" panose="020B0604020202020204" pitchFamily="34" charset="0"/>
+              </a:rPr>
+              <a:t> </a:t>
+            </a:r>
+            <a:r>
+              <a:rPr lang="en-US" dirty="0" err="1">
+                <a:latin typeface="Arial" panose="020B0604020202020204" pitchFamily="34" charset="0"/>
+                <a:cs typeface="Arial" panose="020B0604020202020204" pitchFamily="34" charset="0"/>
+              </a:rPr>
+              <a:t>phối</a:t>
+            </a:r>
+            <a:r>
+              <a:rPr lang="en-US" dirty="0">
+                <a:latin typeface="Arial" panose="020B0604020202020204" pitchFamily="34" charset="0"/>
+                <a:cs typeface="Arial" panose="020B0604020202020204" pitchFamily="34" charset="0"/>
+              </a:rPr>
+              <a:t> </a:t>
+            </a:r>
+            <a:r>
+              <a:rPr lang="en-US" dirty="0" err="1">
+                <a:latin typeface="Arial" panose="020B0604020202020204" pitchFamily="34" charset="0"/>
+                <a:cs typeface="Arial" panose="020B0604020202020204" pitchFamily="34" charset="0"/>
+              </a:rPr>
+              <a:t>màu</a:t>
+            </a:r>
+            <a:r>
+              <a:rPr lang="en-US" dirty="0">
+                <a:latin typeface="Arial" panose="020B0604020202020204" pitchFamily="34" charset="0"/>
+                <a:cs typeface="Arial" panose="020B0604020202020204" pitchFamily="34" charset="0"/>
+              </a:rPr>
+              <a:t> đ</a:t>
+            </a:r>
+            <a:r>
+              <a:rPr lang="vi-VN" dirty="0">
+                <a:latin typeface="Arial" panose="020B0604020202020204" pitchFamily="34" charset="0"/>
+                <a:cs typeface="Arial" panose="020B0604020202020204" pitchFamily="34" charset="0"/>
+              </a:rPr>
+              <a:t>ơ</a:t>
+            </a:r>
+            <a:r>
+              <a:rPr lang="en-US" dirty="0">
+                <a:latin typeface="Arial" panose="020B0604020202020204" pitchFamily="34" charset="0"/>
+                <a:cs typeface="Arial" panose="020B0604020202020204" pitchFamily="34" charset="0"/>
+              </a:rPr>
+              <a:t>n </a:t>
+            </a:r>
+            <a:r>
+              <a:rPr lang="en-US" dirty="0" err="1">
+                <a:latin typeface="Arial" panose="020B0604020202020204" pitchFamily="34" charset="0"/>
+                <a:cs typeface="Arial" panose="020B0604020202020204" pitchFamily="34" charset="0"/>
+              </a:rPr>
+              <a:t>giản</a:t>
+            </a:r>
+            <a:r>
+              <a:rPr lang="en-US" dirty="0">
+                <a:latin typeface="Arial" panose="020B0604020202020204" pitchFamily="34" charset="0"/>
+                <a:cs typeface="Arial" panose="020B0604020202020204" pitchFamily="34" charset="0"/>
+              </a:rPr>
+              <a:t> </a:t>
+            </a:r>
+            <a:r>
+              <a:rPr lang="en-US" dirty="0" err="1">
+                <a:latin typeface="Arial" panose="020B0604020202020204" pitchFamily="34" charset="0"/>
+                <a:cs typeface="Arial" panose="020B0604020202020204" pitchFamily="34" charset="0"/>
+              </a:rPr>
+              <a:t>xảy</a:t>
+            </a:r>
+            <a:r>
+              <a:rPr lang="en-US" dirty="0">
+                <a:latin typeface="Arial" panose="020B0604020202020204" pitchFamily="34" charset="0"/>
+                <a:cs typeface="Arial" panose="020B0604020202020204" pitchFamily="34" charset="0"/>
+              </a:rPr>
+              <a:t> ra. </a:t>
+            </a:r>
+            <a:r>
+              <a:rPr lang="en-US" dirty="0" err="1">
+                <a:latin typeface="Arial" panose="020B0604020202020204" pitchFamily="34" charset="0"/>
+                <a:cs typeface="Arial" panose="020B0604020202020204" pitchFamily="34" charset="0"/>
+              </a:rPr>
+              <a:t>Phân</a:t>
+            </a:r>
+            <a:r>
+              <a:rPr lang="en-US" dirty="0">
+                <a:latin typeface="Arial" panose="020B0604020202020204" pitchFamily="34" charset="0"/>
+                <a:cs typeface="Arial" panose="020B0604020202020204" pitchFamily="34" charset="0"/>
+              </a:rPr>
+              <a:t> </a:t>
+            </a:r>
+            <a:r>
+              <a:rPr lang="en-US" dirty="0" err="1">
+                <a:latin typeface="Arial" panose="020B0604020202020204" pitchFamily="34" charset="0"/>
+                <a:cs typeface="Arial" panose="020B0604020202020204" pitchFamily="34" charset="0"/>
+              </a:rPr>
+              <a:t>phối</a:t>
+            </a:r>
+            <a:r>
+              <a:rPr lang="en-US" dirty="0">
+                <a:latin typeface="Arial" panose="020B0604020202020204" pitchFamily="34" charset="0"/>
+                <a:cs typeface="Arial" panose="020B0604020202020204" pitchFamily="34" charset="0"/>
+              </a:rPr>
+              <a:t> Dirichlet </a:t>
+            </a:r>
+            <a:r>
+              <a:rPr lang="en-US" dirty="0" err="1">
+                <a:latin typeface="Arial" panose="020B0604020202020204" pitchFamily="34" charset="0"/>
+                <a:cs typeface="Arial" panose="020B0604020202020204" pitchFamily="34" charset="0"/>
+              </a:rPr>
+              <a:t>cũng</a:t>
+            </a:r>
+            <a:r>
+              <a:rPr lang="en-US" dirty="0">
+                <a:latin typeface="Arial" panose="020B0604020202020204" pitchFamily="34" charset="0"/>
+                <a:cs typeface="Arial" panose="020B0604020202020204" pitchFamily="34" charset="0"/>
+              </a:rPr>
+              <a:t> </a:t>
+            </a:r>
+            <a:r>
+              <a:rPr lang="en-US" dirty="0" err="1">
+                <a:latin typeface="Arial" panose="020B0604020202020204" pitchFamily="34" charset="0"/>
+                <a:cs typeface="Arial" panose="020B0604020202020204" pitchFamily="34" charset="0"/>
+              </a:rPr>
+              <a:t>sẽ</a:t>
+            </a:r>
+            <a:r>
+              <a:rPr lang="en-US" dirty="0">
+                <a:latin typeface="Arial" panose="020B0604020202020204" pitchFamily="34" charset="0"/>
+                <a:cs typeface="Arial" panose="020B0604020202020204" pitchFamily="34" charset="0"/>
+              </a:rPr>
+              <a:t> </a:t>
+            </a:r>
+            <a:r>
+              <a:rPr lang="en-US" dirty="0" err="1">
+                <a:latin typeface="Arial" panose="020B0604020202020204" pitchFamily="34" charset="0"/>
+                <a:cs typeface="Arial" panose="020B0604020202020204" pitchFamily="34" charset="0"/>
+              </a:rPr>
+              <a:t>ít</a:t>
+            </a:r>
+            <a:r>
+              <a:rPr lang="en-US" dirty="0">
+                <a:latin typeface="Arial" panose="020B0604020202020204" pitchFamily="34" charset="0"/>
+                <a:cs typeface="Arial" panose="020B0604020202020204" pitchFamily="34" charset="0"/>
+              </a:rPr>
+              <a:t> </a:t>
+            </a:r>
+            <a:r>
+              <a:rPr lang="en-US" dirty="0" err="1">
+                <a:latin typeface="Arial" panose="020B0604020202020204" pitchFamily="34" charset="0"/>
+                <a:cs typeface="Arial" panose="020B0604020202020204" pitchFamily="34" charset="0"/>
+              </a:rPr>
+              <a:t>chú</a:t>
+            </a:r>
+            <a:r>
+              <a:rPr lang="en-US" dirty="0">
+                <a:latin typeface="Arial" panose="020B0604020202020204" pitchFamily="34" charset="0"/>
+                <a:cs typeface="Arial" panose="020B0604020202020204" pitchFamily="34" charset="0"/>
+              </a:rPr>
+              <a:t> </a:t>
+            </a:r>
+            <a:r>
+              <a:rPr lang="en-US" dirty="0" err="1">
+                <a:latin typeface="Arial" panose="020B0604020202020204" pitchFamily="34" charset="0"/>
+                <a:cs typeface="Arial" panose="020B0604020202020204" pitchFamily="34" charset="0"/>
+              </a:rPr>
+              <a:t>trọng</a:t>
+            </a:r>
+            <a:r>
+              <a:rPr lang="en-US" dirty="0">
+                <a:latin typeface="Arial" panose="020B0604020202020204" pitchFamily="34" charset="0"/>
+                <a:cs typeface="Arial" panose="020B0604020202020204" pitchFamily="34" charset="0"/>
+              </a:rPr>
+              <a:t> </a:t>
+            </a:r>
+            <a:r>
+              <a:rPr lang="en-US" dirty="0" err="1">
+                <a:latin typeface="Arial" panose="020B0604020202020204" pitchFamily="34" charset="0"/>
+                <a:cs typeface="Arial" panose="020B0604020202020204" pitchFamily="34" charset="0"/>
+              </a:rPr>
+              <a:t>vào</a:t>
+            </a:r>
+            <a:r>
+              <a:rPr lang="en-US" dirty="0">
+                <a:latin typeface="Arial" panose="020B0604020202020204" pitchFamily="34" charset="0"/>
+                <a:cs typeface="Arial" panose="020B0604020202020204" pitchFamily="34" charset="0"/>
+              </a:rPr>
+              <a:t> </a:t>
+            </a:r>
+            <a:r>
+              <a:rPr lang="en-US" dirty="0" err="1">
+                <a:latin typeface="Arial" panose="020B0604020202020204" pitchFamily="34" charset="0"/>
+                <a:cs typeface="Arial" panose="020B0604020202020204" pitchFamily="34" charset="0"/>
+              </a:rPr>
+              <a:t>các</a:t>
+            </a:r>
+            <a:r>
+              <a:rPr lang="en-US" dirty="0">
+                <a:latin typeface="Arial" panose="020B0604020202020204" pitchFamily="34" charset="0"/>
+                <a:cs typeface="Arial" panose="020B0604020202020204" pitchFamily="34" charset="0"/>
+              </a:rPr>
+              <a:t> </a:t>
+            </a:r>
+            <a:r>
+              <a:rPr lang="en-US" dirty="0" err="1">
+                <a:latin typeface="Arial" panose="020B0604020202020204" pitchFamily="34" charset="0"/>
+                <a:cs typeface="Arial" panose="020B0604020202020204" pitchFamily="34" charset="0"/>
+              </a:rPr>
+              <a:t>cụm</a:t>
+            </a:r>
+            <a:r>
+              <a:rPr lang="en-US" dirty="0">
+                <a:latin typeface="Arial" panose="020B0604020202020204" pitchFamily="34" charset="0"/>
+                <a:cs typeface="Arial" panose="020B0604020202020204" pitchFamily="34" charset="0"/>
+              </a:rPr>
+              <a:t> </a:t>
+            </a:r>
+            <a:r>
+              <a:rPr lang="en-US" dirty="0" err="1">
+                <a:latin typeface="Arial" panose="020B0604020202020204" pitchFamily="34" charset="0"/>
+                <a:cs typeface="Arial" panose="020B0604020202020204" pitchFamily="34" charset="0"/>
+              </a:rPr>
+              <a:t>không</a:t>
+            </a:r>
+            <a:r>
+              <a:rPr lang="en-US" dirty="0">
+                <a:latin typeface="Arial" panose="020B0604020202020204" pitchFamily="34" charset="0"/>
+                <a:cs typeface="Arial" panose="020B0604020202020204" pitchFamily="34" charset="0"/>
+              </a:rPr>
+              <a:t> </a:t>
+            </a:r>
+            <a:r>
+              <a:rPr lang="en-US" dirty="0" err="1">
+                <a:latin typeface="Arial" panose="020B0604020202020204" pitchFamily="34" charset="0"/>
+                <a:cs typeface="Arial" panose="020B0604020202020204" pitchFamily="34" charset="0"/>
+              </a:rPr>
+              <a:t>cần</a:t>
+            </a:r>
+            <a:r>
+              <a:rPr lang="en-US" dirty="0">
+                <a:latin typeface="Arial" panose="020B0604020202020204" pitchFamily="34" charset="0"/>
+                <a:cs typeface="Arial" panose="020B0604020202020204" pitchFamily="34" charset="0"/>
+              </a:rPr>
+              <a:t> </a:t>
+            </a:r>
+            <a:r>
+              <a:rPr lang="en-US" dirty="0" err="1">
+                <a:latin typeface="Arial" panose="020B0604020202020204" pitchFamily="34" charset="0"/>
+                <a:cs typeface="Arial" panose="020B0604020202020204" pitchFamily="34" charset="0"/>
+              </a:rPr>
+              <a:t>thiết</a:t>
+            </a:r>
+            <a:endParaRPr lang="en-US" dirty="0">
+              <a:latin typeface="Arial" panose="020B0604020202020204" pitchFamily="34" charset="0"/>
+              <a:cs typeface="Arial" panose="020B0604020202020204" pitchFamily="34" charset="0"/>
+            </a:endParaRPr>
+          </a:p>
+        </p:txBody>
+      </p:sp>
+      <p:sp>
+        <p:nvSpPr>
+          <p:cNvPr id="28" name="TextBox 27">
+            <a:extLst>
+              <a:ext uri="{FF2B5EF4-FFF2-40B4-BE49-F238E27FC236}">
+                <a16:creationId xmlns:a16="http://schemas.microsoft.com/office/drawing/2014/main" id="{947A72C2-A7D6-4F48-AC53-C6F7BCFD9B23}"/>
+              </a:ext>
+            </a:extLst>
+          </p:cNvPr>
+          <p:cNvSpPr txBox="1"/>
+          <p:nvPr/>
+        </p:nvSpPr>
+        <p:spPr>
+          <a:xfrm>
+            <a:off x="6719992" y="8630323"/>
+            <a:ext cx="7988300" cy="369332"/>
+          </a:xfrm>
+          <a:prstGeom prst="rect">
+            <a:avLst/>
+          </a:prstGeom>
+          <a:noFill/>
+        </p:spPr>
+        <p:txBody>
+          <a:bodyPr wrap="square" rtlCol="0">
+            <a:spAutoFit/>
+          </a:bodyPr>
+          <a:lstStyle/>
+          <a:p>
+            <a:pPr algn="just"/>
+            <a:endParaRPr lang="en-US" dirty="0">
+              <a:latin typeface="Arial" panose="020B0604020202020204" pitchFamily="34" charset="0"/>
+              <a:cs typeface="Arial" panose="020B0604020202020204" pitchFamily="34" charset="0"/>
+            </a:endParaRPr>
+          </a:p>
+        </p:txBody>
+      </p:sp>
     </p:spTree>
     <p:extLst>
       <p:ext uri="{BB962C8B-B14F-4D97-AF65-F5344CB8AC3E}">

--- a/papers/Poster.pptx
+++ b/papers/Poster.pptx
@@ -208,7 +208,7 @@
           <a:p>
             <a:fld id="{B5519E66-4E48-4C2D-8002-E9D322655BD1}" type="datetimeFigureOut">
               <a:rPr lang="en-US" smtClean="0"/>
-              <a:t>12/8/2020</a:t>
+              <a:t>12/9/2020</a:t>
             </a:fld>
             <a:endParaRPr lang="en-US"/>
           </a:p>
@@ -705,7 +705,7 @@
           <a:p>
             <a:fld id="{BE98FA34-C55B-42E0-BDDE-ECBEC87106F0}" type="datetimeFigureOut">
               <a:rPr lang="en-US" smtClean="0"/>
-              <a:t>12/8/2020</a:t>
+              <a:t>12/9/2020</a:t>
             </a:fld>
             <a:endParaRPr lang="en-US"/>
           </a:p>
@@ -875,7 +875,7 @@
           <a:p>
             <a:fld id="{BE98FA34-C55B-42E0-BDDE-ECBEC87106F0}" type="datetimeFigureOut">
               <a:rPr lang="en-US" smtClean="0"/>
-              <a:t>12/8/2020</a:t>
+              <a:t>12/9/2020</a:t>
             </a:fld>
             <a:endParaRPr lang="en-US"/>
           </a:p>
@@ -1055,7 +1055,7 @@
           <a:p>
             <a:fld id="{BE98FA34-C55B-42E0-BDDE-ECBEC87106F0}" type="datetimeFigureOut">
               <a:rPr lang="en-US" smtClean="0"/>
-              <a:t>12/8/2020</a:t>
+              <a:t>12/9/2020</a:t>
             </a:fld>
             <a:endParaRPr lang="en-US"/>
           </a:p>
@@ -1225,7 +1225,7 @@
           <a:p>
             <a:fld id="{BE98FA34-C55B-42E0-BDDE-ECBEC87106F0}" type="datetimeFigureOut">
               <a:rPr lang="en-US" smtClean="0"/>
-              <a:t>12/8/2020</a:t>
+              <a:t>12/9/2020</a:t>
             </a:fld>
             <a:endParaRPr lang="en-US"/>
           </a:p>
@@ -1469,7 +1469,7 @@
           <a:p>
             <a:fld id="{BE98FA34-C55B-42E0-BDDE-ECBEC87106F0}" type="datetimeFigureOut">
               <a:rPr lang="en-US" smtClean="0"/>
-              <a:t>12/8/2020</a:t>
+              <a:t>12/9/2020</a:t>
             </a:fld>
             <a:endParaRPr lang="en-US"/>
           </a:p>
@@ -1701,7 +1701,7 @@
           <a:p>
             <a:fld id="{BE98FA34-C55B-42E0-BDDE-ECBEC87106F0}" type="datetimeFigureOut">
               <a:rPr lang="en-US" smtClean="0"/>
-              <a:t>12/8/2020</a:t>
+              <a:t>12/9/2020</a:t>
             </a:fld>
             <a:endParaRPr lang="en-US"/>
           </a:p>
@@ -2068,7 +2068,7 @@
           <a:p>
             <a:fld id="{BE98FA34-C55B-42E0-BDDE-ECBEC87106F0}" type="datetimeFigureOut">
               <a:rPr lang="en-US" smtClean="0"/>
-              <a:t>12/8/2020</a:t>
+              <a:t>12/9/2020</a:t>
             </a:fld>
             <a:endParaRPr lang="en-US"/>
           </a:p>
@@ -2186,7 +2186,7 @@
           <a:p>
             <a:fld id="{BE98FA34-C55B-42E0-BDDE-ECBEC87106F0}" type="datetimeFigureOut">
               <a:rPr lang="en-US" smtClean="0"/>
-              <a:t>12/8/2020</a:t>
+              <a:t>12/9/2020</a:t>
             </a:fld>
             <a:endParaRPr lang="en-US"/>
           </a:p>
@@ -2281,7 +2281,7 @@
           <a:p>
             <a:fld id="{BE98FA34-C55B-42E0-BDDE-ECBEC87106F0}" type="datetimeFigureOut">
               <a:rPr lang="en-US" smtClean="0"/>
-              <a:t>12/8/2020</a:t>
+              <a:t>12/9/2020</a:t>
             </a:fld>
             <a:endParaRPr lang="en-US"/>
           </a:p>
@@ -2558,7 +2558,7 @@
           <a:p>
             <a:fld id="{BE98FA34-C55B-42E0-BDDE-ECBEC87106F0}" type="datetimeFigureOut">
               <a:rPr lang="en-US" smtClean="0"/>
-              <a:t>12/8/2020</a:t>
+              <a:t>12/9/2020</a:t>
             </a:fld>
             <a:endParaRPr lang="en-US"/>
           </a:p>
@@ -2815,7 +2815,7 @@
           <a:p>
             <a:fld id="{BE98FA34-C55B-42E0-BDDE-ECBEC87106F0}" type="datetimeFigureOut">
               <a:rPr lang="en-US" smtClean="0"/>
-              <a:t>12/8/2020</a:t>
+              <a:t>12/9/2020</a:t>
             </a:fld>
             <a:endParaRPr lang="en-US"/>
           </a:p>
@@ -3028,7 +3028,7 @@
           <a:p>
             <a:fld id="{BE98FA34-C55B-42E0-BDDE-ECBEC87106F0}" type="datetimeFigureOut">
               <a:rPr lang="en-US" smtClean="0"/>
-              <a:t>12/8/2020</a:t>
+              <a:t>12/9/2020</a:t>
             </a:fld>
             <a:endParaRPr lang="en-US"/>
           </a:p>
@@ -4157,7 +4157,7 @@
           <a:lstStyle/>
           <a:p>
             <a:pPr algn="ctr"/>
-            <a:endParaRPr lang="en-US"/>
+            <a:endParaRPr lang="en-US" dirty="0"/>
           </a:p>
         </p:txBody>
       </p:sp>
@@ -7118,187 +7118,8 @@
                 <a:latin typeface="Arial" panose="020B0604020202020204" pitchFamily="34" charset="0"/>
                 <a:cs typeface="Arial" panose="020B0604020202020204" pitchFamily="34" charset="0"/>
               </a:rPr>
-              <a:t> ra. </a:t>
-            </a:r>
-            <a:r>
-              <a:rPr lang="en-US" dirty="0" err="1">
-                <a:latin typeface="Arial" panose="020B0604020202020204" pitchFamily="34" charset="0"/>
-                <a:cs typeface="Arial" panose="020B0604020202020204" pitchFamily="34" charset="0"/>
-              </a:rPr>
-              <a:t>Phân</a:t>
-            </a:r>
-            <a:r>
-              <a:rPr lang="en-US" dirty="0">
-                <a:latin typeface="Arial" panose="020B0604020202020204" pitchFamily="34" charset="0"/>
-                <a:cs typeface="Arial" panose="020B0604020202020204" pitchFamily="34" charset="0"/>
-              </a:rPr>
-              <a:t> </a:t>
-            </a:r>
-            <a:r>
-              <a:rPr lang="en-US" dirty="0" err="1">
-                <a:latin typeface="Arial" panose="020B0604020202020204" pitchFamily="34" charset="0"/>
-                <a:cs typeface="Arial" panose="020B0604020202020204" pitchFamily="34" charset="0"/>
-              </a:rPr>
-              <a:t>phối</a:t>
-            </a:r>
-            <a:r>
-              <a:rPr lang="en-US" dirty="0">
-                <a:latin typeface="Arial" panose="020B0604020202020204" pitchFamily="34" charset="0"/>
-                <a:cs typeface="Arial" panose="020B0604020202020204" pitchFamily="34" charset="0"/>
-              </a:rPr>
-              <a:t> Dirichlet </a:t>
-            </a:r>
-            <a:r>
-              <a:rPr lang="en-US" dirty="0" err="1">
-                <a:latin typeface="Arial" panose="020B0604020202020204" pitchFamily="34" charset="0"/>
-                <a:cs typeface="Arial" panose="020B0604020202020204" pitchFamily="34" charset="0"/>
-              </a:rPr>
-              <a:t>cũng</a:t>
-            </a:r>
-            <a:r>
-              <a:rPr lang="en-US" dirty="0">
-                <a:latin typeface="Arial" panose="020B0604020202020204" pitchFamily="34" charset="0"/>
-                <a:cs typeface="Arial" panose="020B0604020202020204" pitchFamily="34" charset="0"/>
-              </a:rPr>
-              <a:t> </a:t>
-            </a:r>
-            <a:r>
-              <a:rPr lang="en-US" dirty="0" err="1">
-                <a:latin typeface="Arial" panose="020B0604020202020204" pitchFamily="34" charset="0"/>
-                <a:cs typeface="Arial" panose="020B0604020202020204" pitchFamily="34" charset="0"/>
-              </a:rPr>
-              <a:t>sẽ</a:t>
-            </a:r>
-            <a:r>
-              <a:rPr lang="en-US" dirty="0">
-                <a:latin typeface="Arial" panose="020B0604020202020204" pitchFamily="34" charset="0"/>
-                <a:cs typeface="Arial" panose="020B0604020202020204" pitchFamily="34" charset="0"/>
-              </a:rPr>
-              <a:t> </a:t>
-            </a:r>
-            <a:r>
-              <a:rPr lang="en-US" dirty="0" err="1">
-                <a:latin typeface="Arial" panose="020B0604020202020204" pitchFamily="34" charset="0"/>
-                <a:cs typeface="Arial" panose="020B0604020202020204" pitchFamily="34" charset="0"/>
-              </a:rPr>
-              <a:t>ít</a:t>
-            </a:r>
-            <a:r>
-              <a:rPr lang="en-US" dirty="0">
-                <a:latin typeface="Arial" panose="020B0604020202020204" pitchFamily="34" charset="0"/>
-                <a:cs typeface="Arial" panose="020B0604020202020204" pitchFamily="34" charset="0"/>
-              </a:rPr>
-              <a:t> </a:t>
-            </a:r>
-            <a:r>
-              <a:rPr lang="en-US" dirty="0" err="1">
-                <a:latin typeface="Arial" panose="020B0604020202020204" pitchFamily="34" charset="0"/>
-                <a:cs typeface="Arial" panose="020B0604020202020204" pitchFamily="34" charset="0"/>
-              </a:rPr>
-              <a:t>chú</a:t>
-            </a:r>
-            <a:r>
-              <a:rPr lang="en-US" dirty="0">
-                <a:latin typeface="Arial" panose="020B0604020202020204" pitchFamily="34" charset="0"/>
-                <a:cs typeface="Arial" panose="020B0604020202020204" pitchFamily="34" charset="0"/>
-              </a:rPr>
-              <a:t> </a:t>
-            </a:r>
-            <a:r>
-              <a:rPr lang="en-US" dirty="0" err="1">
-                <a:latin typeface="Arial" panose="020B0604020202020204" pitchFamily="34" charset="0"/>
-                <a:cs typeface="Arial" panose="020B0604020202020204" pitchFamily="34" charset="0"/>
-              </a:rPr>
-              <a:t>trọng</a:t>
-            </a:r>
-            <a:r>
-              <a:rPr lang="en-US" dirty="0">
-                <a:latin typeface="Arial" panose="020B0604020202020204" pitchFamily="34" charset="0"/>
-                <a:cs typeface="Arial" panose="020B0604020202020204" pitchFamily="34" charset="0"/>
-              </a:rPr>
-              <a:t> </a:t>
-            </a:r>
-            <a:r>
-              <a:rPr lang="en-US" dirty="0" err="1">
-                <a:latin typeface="Arial" panose="020B0604020202020204" pitchFamily="34" charset="0"/>
-                <a:cs typeface="Arial" panose="020B0604020202020204" pitchFamily="34" charset="0"/>
-              </a:rPr>
-              <a:t>vào</a:t>
-            </a:r>
-            <a:r>
-              <a:rPr lang="en-US" dirty="0">
-                <a:latin typeface="Arial" panose="020B0604020202020204" pitchFamily="34" charset="0"/>
-                <a:cs typeface="Arial" panose="020B0604020202020204" pitchFamily="34" charset="0"/>
-              </a:rPr>
-              <a:t> </a:t>
-            </a:r>
-            <a:r>
-              <a:rPr lang="en-US" dirty="0" err="1">
-                <a:latin typeface="Arial" panose="020B0604020202020204" pitchFamily="34" charset="0"/>
-                <a:cs typeface="Arial" panose="020B0604020202020204" pitchFamily="34" charset="0"/>
-              </a:rPr>
-              <a:t>các</a:t>
-            </a:r>
-            <a:r>
-              <a:rPr lang="en-US" dirty="0">
-                <a:latin typeface="Arial" panose="020B0604020202020204" pitchFamily="34" charset="0"/>
-                <a:cs typeface="Arial" panose="020B0604020202020204" pitchFamily="34" charset="0"/>
-              </a:rPr>
-              <a:t> </a:t>
-            </a:r>
-            <a:r>
-              <a:rPr lang="en-US" dirty="0" err="1">
-                <a:latin typeface="Arial" panose="020B0604020202020204" pitchFamily="34" charset="0"/>
-                <a:cs typeface="Arial" panose="020B0604020202020204" pitchFamily="34" charset="0"/>
-              </a:rPr>
-              <a:t>cụm</a:t>
-            </a:r>
-            <a:r>
-              <a:rPr lang="en-US" dirty="0">
-                <a:latin typeface="Arial" panose="020B0604020202020204" pitchFamily="34" charset="0"/>
-                <a:cs typeface="Arial" panose="020B0604020202020204" pitchFamily="34" charset="0"/>
-              </a:rPr>
-              <a:t> </a:t>
-            </a:r>
-            <a:r>
-              <a:rPr lang="en-US" dirty="0" err="1">
-                <a:latin typeface="Arial" panose="020B0604020202020204" pitchFamily="34" charset="0"/>
-                <a:cs typeface="Arial" panose="020B0604020202020204" pitchFamily="34" charset="0"/>
-              </a:rPr>
-              <a:t>không</a:t>
-            </a:r>
-            <a:r>
-              <a:rPr lang="en-US" dirty="0">
-                <a:latin typeface="Arial" panose="020B0604020202020204" pitchFamily="34" charset="0"/>
-                <a:cs typeface="Arial" panose="020B0604020202020204" pitchFamily="34" charset="0"/>
-              </a:rPr>
-              <a:t> </a:t>
-            </a:r>
-            <a:r>
-              <a:rPr lang="en-US" dirty="0" err="1">
-                <a:latin typeface="Arial" panose="020B0604020202020204" pitchFamily="34" charset="0"/>
-                <a:cs typeface="Arial" panose="020B0604020202020204" pitchFamily="34" charset="0"/>
-              </a:rPr>
-              <a:t>cần</a:t>
-            </a:r>
-            <a:r>
-              <a:rPr lang="en-US" dirty="0">
-                <a:latin typeface="Arial" panose="020B0604020202020204" pitchFamily="34" charset="0"/>
-                <a:cs typeface="Arial" panose="020B0604020202020204" pitchFamily="34" charset="0"/>
-              </a:rPr>
-              <a:t> </a:t>
-            </a:r>
-            <a:r>
-              <a:rPr lang="en-US" dirty="0" err="1">
-                <a:latin typeface="Arial" panose="020B0604020202020204" pitchFamily="34" charset="0"/>
-                <a:cs typeface="Arial" panose="020B0604020202020204" pitchFamily="34" charset="0"/>
-              </a:rPr>
-              <a:t>thiết</a:t>
-            </a:r>
-            <a:endParaRPr lang="en-US" dirty="0">
-              <a:latin typeface="Arial" panose="020B0604020202020204" pitchFamily="34" charset="0"/>
-              <a:cs typeface="Arial" panose="020B0604020202020204" pitchFamily="34" charset="0"/>
-            </a:endParaRPr>
+              <a:t> ra. Phân phối Dirichlet cũng sẽ ít chú trọng vào các cụm không cần thiết.</a:t>
+            </a:r>
           </a:p>
         </p:txBody>
       </p:sp>
@@ -7331,6 +7152,282 @@
           <a:lstStyle/>
           <a:p>
             <a:pPr algn="just"/>
+            <a:endParaRPr lang="en-US" dirty="0">
+              <a:latin typeface="Arial" panose="020B0604020202020204" pitchFamily="34" charset="0"/>
+              <a:cs typeface="Arial" panose="020B0604020202020204" pitchFamily="34" charset="0"/>
+            </a:endParaRPr>
+          </a:p>
+        </p:txBody>
+      </p:sp>
+      <p:sp>
+        <p:nvSpPr>
+          <p:cNvPr id="29" name="TextBox 28">
+            <a:extLst>
+              <a:ext uri="{FF2B5EF4-FFF2-40B4-BE49-F238E27FC236}">
+                <a16:creationId xmlns:a16="http://schemas.microsoft.com/office/drawing/2014/main" id="{8BB5C575-A3D3-4F33-839E-2E831F6B592E}"/>
+              </a:ext>
+            </a:extLst>
+          </p:cNvPr>
+          <p:cNvSpPr txBox="1"/>
+          <p:nvPr/>
+        </p:nvSpPr>
+        <p:spPr>
+          <a:xfrm>
+            <a:off x="6654800" y="8564474"/>
+            <a:ext cx="7988300" cy="2031325"/>
+          </a:xfrm>
+          <a:prstGeom prst="rect">
+            <a:avLst/>
+          </a:prstGeom>
+          <a:noFill/>
+        </p:spPr>
+        <p:txBody>
+          <a:bodyPr wrap="square" rtlCol="0">
+            <a:spAutoFit/>
+          </a:bodyPr>
+          <a:lstStyle/>
+          <a:p>
+            <a:pPr algn="just"/>
+            <a:r>
+              <a:rPr lang="en-US" dirty="0">
+                <a:latin typeface="Arial" panose="020B0604020202020204" pitchFamily="34" charset="0"/>
+                <a:cs typeface="Arial" panose="020B0604020202020204" pitchFamily="34" charset="0"/>
+              </a:rPr>
+              <a:t>Insert </a:t>
+            </a:r>
+            <a:r>
+              <a:rPr lang="en-US" dirty="0" err="1">
+                <a:latin typeface="Arial" panose="020B0604020202020204" pitchFamily="34" charset="0"/>
+                <a:cs typeface="Arial" panose="020B0604020202020204" pitchFamily="34" charset="0"/>
+              </a:rPr>
+              <a:t>img</a:t>
+            </a:r>
+            <a:r>
+              <a:rPr lang="en-US" dirty="0">
+                <a:latin typeface="Arial" panose="020B0604020202020204" pitchFamily="34" charset="0"/>
+                <a:cs typeface="Arial" panose="020B0604020202020204" pitchFamily="34" charset="0"/>
+              </a:rPr>
+              <a:t>-testing</a:t>
+            </a:r>
+          </a:p>
+          <a:p>
+            <a:pPr algn="just"/>
+            <a:endParaRPr lang="en-US" dirty="0">
+              <a:latin typeface="Arial" panose="020B0604020202020204" pitchFamily="34" charset="0"/>
+              <a:cs typeface="Arial" panose="020B0604020202020204" pitchFamily="34" charset="0"/>
+            </a:endParaRPr>
+          </a:p>
+          <a:p>
+            <a:pPr algn="just"/>
+            <a:r>
+              <a:rPr lang="en-US" dirty="0">
+                <a:latin typeface="Arial" panose="020B0604020202020204" pitchFamily="34" charset="0"/>
+                <a:cs typeface="Arial" panose="020B0604020202020204" pitchFamily="34" charset="0"/>
+              </a:rPr>
+              <a:t>Đây là kết quả thử nghiệm khi thay đổi factor ở 3 số khác nhau.</a:t>
+            </a:r>
+          </a:p>
+          <a:p>
+            <a:pPr algn="just"/>
+            <a:endParaRPr lang="en-US" dirty="0">
+              <a:latin typeface="Arial" panose="020B0604020202020204" pitchFamily="34" charset="0"/>
+              <a:cs typeface="Arial" panose="020B0604020202020204" pitchFamily="34" charset="0"/>
+            </a:endParaRPr>
+          </a:p>
+          <a:p>
+            <a:pPr algn="just"/>
+            <a:r>
+              <a:rPr lang="en-US" dirty="0">
+                <a:latin typeface="Arial" panose="020B0604020202020204" pitchFamily="34" charset="0"/>
+                <a:cs typeface="Arial" panose="020B0604020202020204" pitchFamily="34" charset="0"/>
+              </a:rPr>
+              <a:t>Chạy thử trên demo của nhóm, đính kèm link </a:t>
+            </a:r>
+            <a:r>
+              <a:rPr lang="en-US" dirty="0" err="1">
+                <a:latin typeface="Arial" panose="020B0604020202020204" pitchFamily="34" charset="0"/>
+                <a:cs typeface="Arial" panose="020B0604020202020204" pitchFamily="34" charset="0"/>
+              </a:rPr>
+              <a:t>github</a:t>
+            </a:r>
+            <a:r>
+              <a:rPr lang="en-US" dirty="0">
+                <a:latin typeface="Arial" panose="020B0604020202020204" pitchFamily="34" charset="0"/>
+                <a:cs typeface="Arial" panose="020B0604020202020204" pitchFamily="34" charset="0"/>
+              </a:rPr>
+              <a:t> ở d</a:t>
+            </a:r>
+            <a:r>
+              <a:rPr lang="vi-VN" dirty="0" err="1">
+                <a:latin typeface="Arial" panose="020B0604020202020204" pitchFamily="34" charset="0"/>
+                <a:cs typeface="Arial" panose="020B0604020202020204" pitchFamily="34" charset="0"/>
+              </a:rPr>
+              <a:t>ưới</a:t>
+            </a:r>
+            <a:r>
+              <a:rPr lang="vi-VN" dirty="0">
+                <a:latin typeface="Arial" panose="020B0604020202020204" pitchFamily="34" charset="0"/>
+                <a:cs typeface="Arial" panose="020B0604020202020204" pitchFamily="34" charset="0"/>
+              </a:rPr>
+              <a:t>:</a:t>
+            </a:r>
+          </a:p>
+          <a:p>
+            <a:pPr algn="just"/>
+            <a:endParaRPr lang="vi-VN" dirty="0">
+              <a:latin typeface="Arial" panose="020B0604020202020204" pitchFamily="34" charset="0"/>
+              <a:cs typeface="Arial" panose="020B0604020202020204" pitchFamily="34" charset="0"/>
+            </a:endParaRPr>
+          </a:p>
+          <a:p>
+            <a:pPr algn="just"/>
+            <a:r>
+              <a:rPr lang="en-US" dirty="0">
+                <a:latin typeface="Arial" panose="020B0604020202020204" pitchFamily="34" charset="0"/>
+                <a:cs typeface="Arial" panose="020B0604020202020204" pitchFamily="34" charset="0"/>
+              </a:rPr>
+              <a:t>https://github.com/truongduchainguyen/Pixelate-Me</a:t>
+            </a:r>
+          </a:p>
+        </p:txBody>
+      </p:sp>
+      <p:sp>
+        <p:nvSpPr>
+          <p:cNvPr id="32" name="TextBox 31">
+            <a:extLst>
+              <a:ext uri="{FF2B5EF4-FFF2-40B4-BE49-F238E27FC236}">
+                <a16:creationId xmlns:a16="http://schemas.microsoft.com/office/drawing/2014/main" id="{5DADB8DC-8BEB-440F-A08F-02F2FDE29901}"/>
+              </a:ext>
+            </a:extLst>
+          </p:cNvPr>
+          <p:cNvSpPr txBox="1"/>
+          <p:nvPr/>
+        </p:nvSpPr>
+        <p:spPr>
+          <a:xfrm>
+            <a:off x="6654800" y="13886689"/>
+            <a:ext cx="7988300" cy="2862322"/>
+          </a:xfrm>
+          <a:prstGeom prst="rect">
+            <a:avLst/>
+          </a:prstGeom>
+          <a:noFill/>
+        </p:spPr>
+        <p:txBody>
+          <a:bodyPr wrap="square" rtlCol="0">
+            <a:spAutoFit/>
+          </a:bodyPr>
+          <a:lstStyle/>
+          <a:p>
+            <a:pPr algn="just"/>
+            <a:r>
+              <a:rPr lang="en-US" dirty="0">
+                <a:latin typeface="Arial" panose="020B0604020202020204" pitchFamily="34" charset="0"/>
+                <a:cs typeface="Arial" panose="020B0604020202020204" pitchFamily="34" charset="0"/>
+              </a:rPr>
+              <a:t>Bằng việc sử dụng </a:t>
+            </a:r>
+            <a:r>
+              <a:rPr lang="en-US" dirty="0" err="1">
+                <a:latin typeface="Arial" panose="020B0604020202020204" pitchFamily="34" charset="0"/>
+                <a:cs typeface="Arial" panose="020B0604020202020204" pitchFamily="34" charset="0"/>
+              </a:rPr>
+              <a:t>ph</a:t>
+            </a:r>
+            <a:r>
+              <a:rPr lang="vi-VN" dirty="0">
+                <a:latin typeface="Arial" panose="020B0604020202020204" pitchFamily="34" charset="0"/>
+                <a:cs typeface="Arial" panose="020B0604020202020204" pitchFamily="34" charset="0"/>
+              </a:rPr>
+              <a:t>ương pháp đã đề cập ở trên, về cơ bản đã hoàn thành được mục tiêu nhóm đề ra  ban đầu, đó là điểm ảnh hóa một ảnh bất kỳ bằng cách đổi màu của các nhóm điểm ảnh thành màu có cường độ giảm đi cùng với đó là </a:t>
+            </a:r>
+            <a:r>
+              <a:rPr lang="vi-VN" dirty="0" err="1">
+                <a:latin typeface="Arial" panose="020B0604020202020204" pitchFamily="34" charset="0"/>
+                <a:cs typeface="Arial" panose="020B0604020202020204" pitchFamily="34" charset="0"/>
+              </a:rPr>
+              <a:t>downsampling</a:t>
+            </a:r>
+            <a:r>
+              <a:rPr lang="vi-VN" dirty="0">
+                <a:latin typeface="Arial" panose="020B0604020202020204" pitchFamily="34" charset="0"/>
+                <a:cs typeface="Arial" panose="020B0604020202020204" pitchFamily="34" charset="0"/>
+              </a:rPr>
+              <a:t> các vùng ảnh bằng những tính toán dựa vào độ lớn và hướng </a:t>
+            </a:r>
+            <a:r>
+              <a:rPr lang="vi-VN" dirty="0" err="1">
+                <a:latin typeface="Arial" panose="020B0604020202020204" pitchFamily="34" charset="0"/>
+                <a:cs typeface="Arial" panose="020B0604020202020204" pitchFamily="34" charset="0"/>
+              </a:rPr>
+              <a:t>gradient</a:t>
+            </a:r>
+            <a:r>
+              <a:rPr lang="vi-VN" dirty="0">
+                <a:latin typeface="Arial" panose="020B0604020202020204" pitchFamily="34" charset="0"/>
+                <a:cs typeface="Arial" panose="020B0604020202020204" pitchFamily="34" charset="0"/>
+              </a:rPr>
+              <a:t> của những vùng đó.</a:t>
+            </a:r>
+          </a:p>
+          <a:p>
+            <a:pPr algn="just"/>
+            <a:endParaRPr lang="vi-VN" dirty="0">
+              <a:latin typeface="Arial" panose="020B0604020202020204" pitchFamily="34" charset="0"/>
+              <a:cs typeface="Arial" panose="020B0604020202020204" pitchFamily="34" charset="0"/>
+            </a:endParaRPr>
+          </a:p>
+          <a:p>
+            <a:pPr algn="just"/>
+            <a:r>
+              <a:rPr lang="vi-VN" dirty="0">
+                <a:latin typeface="Arial" panose="020B0604020202020204" pitchFamily="34" charset="0"/>
+                <a:cs typeface="Arial" panose="020B0604020202020204" pitchFamily="34" charset="0"/>
+              </a:rPr>
+              <a:t>Mục tiêu tiếp theo nhóm hướng tới chính là điểm ảnh hóa </a:t>
+            </a:r>
+            <a:r>
+              <a:rPr lang="vi-VN" dirty="0" err="1">
+                <a:latin typeface="Arial" panose="020B0604020202020204" pitchFamily="34" charset="0"/>
+                <a:cs typeface="Arial" panose="020B0604020202020204" pitchFamily="34" charset="0"/>
+              </a:rPr>
+              <a:t>video</a:t>
+            </a:r>
+            <a:r>
+              <a:rPr lang="vi-VN" dirty="0">
+                <a:latin typeface="Arial" panose="020B0604020202020204" pitchFamily="34" charset="0"/>
+                <a:cs typeface="Arial" panose="020B0604020202020204" pitchFamily="34" charset="0"/>
+              </a:rPr>
+              <a:t> hay xa hơn là xử lý thời gian thực thông qua việc điểm ảnh hóa </a:t>
+            </a:r>
+            <a:r>
+              <a:rPr lang="vi-VN" dirty="0" err="1">
+                <a:latin typeface="Arial" panose="020B0604020202020204" pitchFamily="34" charset="0"/>
+                <a:cs typeface="Arial" panose="020B0604020202020204" pitchFamily="34" charset="0"/>
+              </a:rPr>
+              <a:t>video</a:t>
+            </a:r>
+            <a:r>
+              <a:rPr lang="vi-VN" dirty="0">
+                <a:latin typeface="Arial" panose="020B0604020202020204" pitchFamily="34" charset="0"/>
+                <a:cs typeface="Arial" panose="020B0604020202020204" pitchFamily="34" charset="0"/>
+              </a:rPr>
+              <a:t> </a:t>
+            </a:r>
+            <a:r>
+              <a:rPr lang="vi-VN" dirty="0" err="1">
+                <a:latin typeface="Arial" panose="020B0604020202020204" pitchFamily="34" charset="0"/>
+                <a:cs typeface="Arial" panose="020B0604020202020204" pitchFamily="34" charset="0"/>
+              </a:rPr>
+              <a:t>livestream</a:t>
+            </a:r>
+            <a:r>
+              <a:rPr lang="vi-VN" dirty="0">
+                <a:latin typeface="Arial" panose="020B0604020202020204" pitchFamily="34" charset="0"/>
+                <a:cs typeface="Arial" panose="020B0604020202020204" pitchFamily="34" charset="0"/>
+              </a:rPr>
+              <a:t> nhằm tiếp tục đề tài cũng như là thỏa lòng đam mê của nhóm dành cho nghệ thuật điểm ảnh</a:t>
+            </a:r>
             <a:endParaRPr lang="en-US" dirty="0">
               <a:latin typeface="Arial" panose="020B0604020202020204" pitchFamily="34" charset="0"/>
               <a:cs typeface="Arial" panose="020B0604020202020204" pitchFamily="34" charset="0"/>

--- a/papers/Poster.pptx
+++ b/papers/Poster.pptx
@@ -208,7 +208,7 @@
           <a:p>
             <a:fld id="{B5519E66-4E48-4C2D-8002-E9D322655BD1}" type="datetimeFigureOut">
               <a:rPr lang="en-US" smtClean="0"/>
-              <a:t>12/9/2020</a:t>
+              <a:t>12/17/2020</a:t>
             </a:fld>
             <a:endParaRPr lang="en-US"/>
           </a:p>
@@ -705,7 +705,7 @@
           <a:p>
             <a:fld id="{BE98FA34-C55B-42E0-BDDE-ECBEC87106F0}" type="datetimeFigureOut">
               <a:rPr lang="en-US" smtClean="0"/>
-              <a:t>12/9/2020</a:t>
+              <a:t>12/17/2020</a:t>
             </a:fld>
             <a:endParaRPr lang="en-US"/>
           </a:p>
@@ -875,7 +875,7 @@
           <a:p>
             <a:fld id="{BE98FA34-C55B-42E0-BDDE-ECBEC87106F0}" type="datetimeFigureOut">
               <a:rPr lang="en-US" smtClean="0"/>
-              <a:t>12/9/2020</a:t>
+              <a:t>12/17/2020</a:t>
             </a:fld>
             <a:endParaRPr lang="en-US"/>
           </a:p>
@@ -1055,7 +1055,7 @@
           <a:p>
             <a:fld id="{BE98FA34-C55B-42E0-BDDE-ECBEC87106F0}" type="datetimeFigureOut">
               <a:rPr lang="en-US" smtClean="0"/>
-              <a:t>12/9/2020</a:t>
+              <a:t>12/17/2020</a:t>
             </a:fld>
             <a:endParaRPr lang="en-US"/>
           </a:p>
@@ -1225,7 +1225,7 @@
           <a:p>
             <a:fld id="{BE98FA34-C55B-42E0-BDDE-ECBEC87106F0}" type="datetimeFigureOut">
               <a:rPr lang="en-US" smtClean="0"/>
-              <a:t>12/9/2020</a:t>
+              <a:t>12/17/2020</a:t>
             </a:fld>
             <a:endParaRPr lang="en-US"/>
           </a:p>
@@ -1469,7 +1469,7 @@
           <a:p>
             <a:fld id="{BE98FA34-C55B-42E0-BDDE-ECBEC87106F0}" type="datetimeFigureOut">
               <a:rPr lang="en-US" smtClean="0"/>
-              <a:t>12/9/2020</a:t>
+              <a:t>12/17/2020</a:t>
             </a:fld>
             <a:endParaRPr lang="en-US"/>
           </a:p>
@@ -1701,7 +1701,7 @@
           <a:p>
             <a:fld id="{BE98FA34-C55B-42E0-BDDE-ECBEC87106F0}" type="datetimeFigureOut">
               <a:rPr lang="en-US" smtClean="0"/>
-              <a:t>12/9/2020</a:t>
+              <a:t>12/17/2020</a:t>
             </a:fld>
             <a:endParaRPr lang="en-US"/>
           </a:p>
@@ -2068,7 +2068,7 @@
           <a:p>
             <a:fld id="{BE98FA34-C55B-42E0-BDDE-ECBEC87106F0}" type="datetimeFigureOut">
               <a:rPr lang="en-US" smtClean="0"/>
-              <a:t>12/9/2020</a:t>
+              <a:t>12/17/2020</a:t>
             </a:fld>
             <a:endParaRPr lang="en-US"/>
           </a:p>
@@ -2186,7 +2186,7 @@
           <a:p>
             <a:fld id="{BE98FA34-C55B-42E0-BDDE-ECBEC87106F0}" type="datetimeFigureOut">
               <a:rPr lang="en-US" smtClean="0"/>
-              <a:t>12/9/2020</a:t>
+              <a:t>12/17/2020</a:t>
             </a:fld>
             <a:endParaRPr lang="en-US"/>
           </a:p>
@@ -2281,7 +2281,7 @@
           <a:p>
             <a:fld id="{BE98FA34-C55B-42E0-BDDE-ECBEC87106F0}" type="datetimeFigureOut">
               <a:rPr lang="en-US" smtClean="0"/>
-              <a:t>12/9/2020</a:t>
+              <a:t>12/17/2020</a:t>
             </a:fld>
             <a:endParaRPr lang="en-US"/>
           </a:p>
@@ -2558,7 +2558,7 @@
           <a:p>
             <a:fld id="{BE98FA34-C55B-42E0-BDDE-ECBEC87106F0}" type="datetimeFigureOut">
               <a:rPr lang="en-US" smtClean="0"/>
-              <a:t>12/9/2020</a:t>
+              <a:t>12/17/2020</a:t>
             </a:fld>
             <a:endParaRPr lang="en-US"/>
           </a:p>
@@ -2815,7 +2815,7 @@
           <a:p>
             <a:fld id="{BE98FA34-C55B-42E0-BDDE-ECBEC87106F0}" type="datetimeFigureOut">
               <a:rPr lang="en-US" smtClean="0"/>
-              <a:t>12/9/2020</a:t>
+              <a:t>12/17/2020</a:t>
             </a:fld>
             <a:endParaRPr lang="en-US"/>
           </a:p>
@@ -3028,7 +3028,7 @@
           <a:p>
             <a:fld id="{BE98FA34-C55B-42E0-BDDE-ECBEC87106F0}" type="datetimeFigureOut">
               <a:rPr lang="en-US" smtClean="0"/>
-              <a:t>12/9/2020</a:t>
+              <a:t>12/17/2020</a:t>
             </a:fld>
             <a:endParaRPr lang="en-US"/>
           </a:p>
@@ -3825,8 +3825,8 @@
         </p:nvSpPr>
         <p:spPr>
           <a:xfrm>
-            <a:off x="444500" y="2804126"/>
-            <a:ext cx="2882900" cy="461665"/>
+            <a:off x="444500" y="2642010"/>
+            <a:ext cx="2882900" cy="623782"/>
           </a:xfrm>
           <a:prstGeom prst="rect">
             <a:avLst/>
@@ -3834,8 +3834,8 @@
           <a:noFill/>
         </p:spPr>
         <p:txBody>
-          <a:bodyPr wrap="square" rtlCol="0">
-            <a:spAutoFit/>
+          <a:bodyPr wrap="square" rtlCol="0" anchor="b">
+            <a:noAutofit/>
           </a:bodyPr>
           <a:lstStyle/>
           <a:p>
@@ -3893,183 +3893,246 @@
           </a:p>
         </p:txBody>
       </p:sp>
-      <p:pic>
-        <p:nvPicPr>
-          <p:cNvPr id="1026" name="Picture 2" descr="Jaebum Joo">
+      <p:grpSp>
+        <p:nvGrpSpPr>
+          <p:cNvPr id="33" name="Group 32">
             <a:extLst>
               <a:ext uri="{FF2B5EF4-FFF2-40B4-BE49-F238E27FC236}">
-                <a16:creationId xmlns:a16="http://schemas.microsoft.com/office/drawing/2014/main" id="{8246344A-E36C-43A6-9941-0F33B54109B0}"/>
+                <a16:creationId xmlns:a16="http://schemas.microsoft.com/office/drawing/2014/main" id="{E656D683-08E6-4F1A-9F3D-10C7AEA7C5B8}"/>
               </a:ext>
             </a:extLst>
           </p:cNvPr>
-          <p:cNvPicPr>
-            <a:picLocks noChangeAspect="1" noChangeArrowheads="1"/>
-          </p:cNvPicPr>
+          <p:cNvGrpSpPr/>
           <p:nvPr/>
-        </p:nvPicPr>
-        <p:blipFill rotWithShape="1">
-          <a:blip r:embed="rId4">
-            <a:extLst>
-              <a:ext uri="{28A0092B-C50C-407E-A947-70E740481C1C}">
-                <a14:useLocalDpi xmlns:a14="http://schemas.microsoft.com/office/drawing/2010/main" val="0"/>
-              </a:ext>
-            </a:extLst>
-          </a:blip>
-          <a:srcRect l="16667" r="16667"/>
-          <a:stretch/>
-        </p:blipFill>
-        <p:spPr bwMode="auto">
+        </p:nvGrpSpPr>
+        <p:grpSpPr>
           <a:xfrm>
-            <a:off x="3362464" y="6192381"/>
-            <a:ext cx="1743949" cy="1743949"/>
+            <a:off x="1027686" y="5851114"/>
+            <a:ext cx="4078727" cy="2290982"/>
+            <a:chOff x="1027686" y="6381850"/>
+            <a:chExt cx="4078727" cy="2290982"/>
           </a:xfrm>
-          <a:prstGeom prst="rect">
-            <a:avLst/>
-          </a:prstGeom>
-          <a:noFill/>
-          <a:extLst>
-            <a:ext uri="{909E8E84-426E-40DD-AFC4-6F175D3DCCD1}">
-              <a14:hiddenFill xmlns:a14="http://schemas.microsoft.com/office/drawing/2010/main">
-                <a:solidFill>
-                  <a:srgbClr val="FFFFFF"/>
-                </a:solidFill>
-              </a14:hiddenFill>
-            </a:ext>
-          </a:extLst>
-        </p:spPr>
-      </p:pic>
-      <p:pic>
-        <p:nvPicPr>
-          <p:cNvPr id="1030" name="Picture 6" descr="Vincent van Gogh - Paintings, Quotes &amp; Death - Biography">
-            <a:extLst>
-              <a:ext uri="{FF2B5EF4-FFF2-40B4-BE49-F238E27FC236}">
-                <a16:creationId xmlns:a16="http://schemas.microsoft.com/office/drawing/2014/main" id="{0DAECD43-F862-461F-99D1-EF133EF80DEA}"/>
-              </a:ext>
-            </a:extLst>
-          </p:cNvPr>
-          <p:cNvPicPr>
-            <a:picLocks noChangeAspect="1" noChangeArrowheads="1"/>
-          </p:cNvPicPr>
-          <p:nvPr/>
-        </p:nvPicPr>
-        <p:blipFill>
-          <a:blip r:embed="rId5">
-            <a:extLst>
-              <a:ext uri="{28A0092B-C50C-407E-A947-70E740481C1C}">
-                <a14:useLocalDpi xmlns:a14="http://schemas.microsoft.com/office/drawing/2010/main" val="0"/>
-              </a:ext>
-            </a:extLst>
-          </a:blip>
-          <a:srcRect/>
-          <a:stretch>
-            <a:fillRect/>
-          </a:stretch>
-        </p:blipFill>
-        <p:spPr bwMode="auto">
-          <a:xfrm>
-            <a:off x="1027688" y="6192382"/>
-            <a:ext cx="1743949" cy="1743949"/>
-          </a:xfrm>
-          <a:prstGeom prst="rect">
-            <a:avLst/>
-          </a:prstGeom>
-          <a:noFill/>
-          <a:extLst>
-            <a:ext uri="{909E8E84-426E-40DD-AFC4-6F175D3DCCD1}">
-              <a14:hiddenFill xmlns:a14="http://schemas.microsoft.com/office/drawing/2010/main">
-                <a:solidFill>
-                  <a:srgbClr val="FFFFFF"/>
-                </a:solidFill>
-              </a14:hiddenFill>
-            </a:ext>
-          </a:extLst>
-        </p:spPr>
-      </p:pic>
-      <p:sp>
-        <p:nvSpPr>
-          <p:cNvPr id="16" name="TextBox 15">
-            <a:extLst>
-              <a:ext uri="{FF2B5EF4-FFF2-40B4-BE49-F238E27FC236}">
-                <a16:creationId xmlns:a16="http://schemas.microsoft.com/office/drawing/2014/main" id="{C63E8E6E-89D4-4616-A8C8-7688594D2413}"/>
-              </a:ext>
-            </a:extLst>
-          </p:cNvPr>
-          <p:cNvSpPr txBox="1"/>
-          <p:nvPr/>
-        </p:nvSpPr>
-        <p:spPr>
-          <a:xfrm>
-            <a:off x="1027686" y="7936330"/>
-            <a:ext cx="1743952" cy="523220"/>
-          </a:xfrm>
-          <a:prstGeom prst="rect">
-            <a:avLst/>
-          </a:prstGeom>
-          <a:noFill/>
-        </p:spPr>
-        <p:txBody>
-          <a:bodyPr wrap="square" rtlCol="0">
-            <a:spAutoFit/>
-          </a:bodyPr>
-          <a:lstStyle/>
-          <a:p>
-            <a:pPr algn="ctr"/>
-            <a:r>
-              <a:rPr lang="en-US" sz="1400">
-                <a:latin typeface="+mj-lt"/>
-              </a:rPr>
-              <a:t>Chân dung tự họa</a:t>
-            </a:r>
-          </a:p>
-          <a:p>
-            <a:pPr algn="ctr"/>
-            <a:r>
-              <a:rPr lang="en-US" sz="1400">
-                <a:latin typeface="+mj-lt"/>
-              </a:rPr>
-              <a:t>Van Gogh</a:t>
-            </a:r>
-          </a:p>
-        </p:txBody>
-      </p:sp>
-      <p:sp>
-        <p:nvSpPr>
-          <p:cNvPr id="20" name="TextBox 19">
-            <a:extLst>
-              <a:ext uri="{FF2B5EF4-FFF2-40B4-BE49-F238E27FC236}">
-                <a16:creationId xmlns:a16="http://schemas.microsoft.com/office/drawing/2014/main" id="{8A8A4099-9B23-47B1-99DF-853B3757008A}"/>
-              </a:ext>
-            </a:extLst>
-          </p:cNvPr>
-          <p:cNvSpPr txBox="1"/>
-          <p:nvPr/>
-        </p:nvSpPr>
-        <p:spPr>
-          <a:xfrm>
-            <a:off x="3362461" y="7936330"/>
-            <a:ext cx="1743952" cy="523220"/>
-          </a:xfrm>
-          <a:prstGeom prst="rect">
-            <a:avLst/>
-          </a:prstGeom>
-          <a:noFill/>
-        </p:spPr>
-        <p:txBody>
-          <a:bodyPr wrap="square" rtlCol="0">
-            <a:spAutoFit/>
-          </a:bodyPr>
-          <a:lstStyle/>
-          <a:p>
-            <a:pPr algn="ctr"/>
-            <a:r>
-              <a:rPr lang="en-US" sz="1400">
-                <a:latin typeface="+mj-lt"/>
-              </a:rPr>
-              <a:t>Chân dung điểm ảnh Van Gogh</a:t>
-            </a:r>
-          </a:p>
-        </p:txBody>
-      </p:sp>
+        </p:grpSpPr>
+        <p:grpSp>
+          <p:nvGrpSpPr>
+            <p:cNvPr id="30" name="Group 29">
+              <a:extLst>
+                <a:ext uri="{FF2B5EF4-FFF2-40B4-BE49-F238E27FC236}">
+                  <a16:creationId xmlns:a16="http://schemas.microsoft.com/office/drawing/2014/main" id="{7F468CE5-28F5-49FB-8A62-93FDFDE41D6A}"/>
+                </a:ext>
+              </a:extLst>
+            </p:cNvPr>
+            <p:cNvGrpSpPr/>
+            <p:nvPr/>
+          </p:nvGrpSpPr>
+          <p:grpSpPr>
+            <a:xfrm>
+              <a:off x="1027686" y="6381850"/>
+              <a:ext cx="1743952" cy="2290982"/>
+              <a:chOff x="1027686" y="6381850"/>
+              <a:chExt cx="1743952" cy="2290982"/>
+            </a:xfrm>
+          </p:grpSpPr>
+          <p:pic>
+            <p:nvPicPr>
+              <p:cNvPr id="1030" name="Picture 6" descr="Vincent van Gogh - Paintings, Quotes &amp; Death - Biography">
+                <a:extLst>
+                  <a:ext uri="{FF2B5EF4-FFF2-40B4-BE49-F238E27FC236}">
+                    <a16:creationId xmlns:a16="http://schemas.microsoft.com/office/drawing/2014/main" id="{0DAECD43-F862-461F-99D1-EF133EF80DEA}"/>
+                  </a:ext>
+                </a:extLst>
+              </p:cNvPr>
+              <p:cNvPicPr>
+                <a:picLocks noChangeAspect="1" noChangeArrowheads="1"/>
+              </p:cNvPicPr>
+              <p:nvPr/>
+            </p:nvPicPr>
+            <p:blipFill>
+              <a:blip r:embed="rId4">
+                <a:extLst>
+                  <a:ext uri="{28A0092B-C50C-407E-A947-70E740481C1C}">
+                    <a14:useLocalDpi xmlns:a14="http://schemas.microsoft.com/office/drawing/2010/main" val="0"/>
+                  </a:ext>
+                </a:extLst>
+              </a:blip>
+              <a:srcRect/>
+              <a:stretch>
+                <a:fillRect/>
+              </a:stretch>
+            </p:blipFill>
+            <p:spPr bwMode="auto">
+              <a:xfrm>
+                <a:off x="1027688" y="6928883"/>
+                <a:ext cx="1743949" cy="1743949"/>
+              </a:xfrm>
+              <a:prstGeom prst="rect">
+                <a:avLst/>
+              </a:prstGeom>
+              <a:noFill/>
+              <a:extLst>
+                <a:ext uri="{909E8E84-426E-40DD-AFC4-6F175D3DCCD1}">
+                  <a14:hiddenFill xmlns:a14="http://schemas.microsoft.com/office/drawing/2010/main">
+                    <a:solidFill>
+                      <a:srgbClr val="FFFFFF"/>
+                    </a:solidFill>
+                  </a14:hiddenFill>
+                </a:ext>
+              </a:extLst>
+            </p:spPr>
+          </p:pic>
+          <p:sp>
+            <p:nvSpPr>
+              <p:cNvPr id="16" name="TextBox 15">
+                <a:extLst>
+                  <a:ext uri="{FF2B5EF4-FFF2-40B4-BE49-F238E27FC236}">
+                    <a16:creationId xmlns:a16="http://schemas.microsoft.com/office/drawing/2014/main" id="{C63E8E6E-89D4-4616-A8C8-7688594D2413}"/>
+                  </a:ext>
+                </a:extLst>
+              </p:cNvPr>
+              <p:cNvSpPr txBox="1"/>
+              <p:nvPr/>
+            </p:nvSpPr>
+            <p:spPr>
+              <a:xfrm>
+                <a:off x="1027686" y="6381850"/>
+                <a:ext cx="1743952" cy="523220"/>
+              </a:xfrm>
+              <a:prstGeom prst="rect">
+                <a:avLst/>
+              </a:prstGeom>
+              <a:noFill/>
+            </p:spPr>
+            <p:txBody>
+              <a:bodyPr wrap="square" rtlCol="0">
+                <a:spAutoFit/>
+              </a:bodyPr>
+              <a:lstStyle/>
+              <a:p>
+                <a:pPr algn="ctr"/>
+                <a:r>
+                  <a:rPr lang="en-US" sz="1400">
+                    <a:latin typeface="+mj-lt"/>
+                  </a:rPr>
+                  <a:t>Chân dung tự họa</a:t>
+                </a:r>
+              </a:p>
+              <a:p>
+                <a:pPr algn="ctr"/>
+                <a:r>
+                  <a:rPr lang="en-US" sz="1400">
+                    <a:latin typeface="+mj-lt"/>
+                  </a:rPr>
+                  <a:t>Van Gogh</a:t>
+                </a:r>
+              </a:p>
+            </p:txBody>
+          </p:sp>
+        </p:grpSp>
+        <p:grpSp>
+          <p:nvGrpSpPr>
+            <p:cNvPr id="31" name="Group 30">
+              <a:extLst>
+                <a:ext uri="{FF2B5EF4-FFF2-40B4-BE49-F238E27FC236}">
+                  <a16:creationId xmlns:a16="http://schemas.microsoft.com/office/drawing/2014/main" id="{D7886EAE-8F16-42F0-8C4F-DF9489AFE02C}"/>
+                </a:ext>
+              </a:extLst>
+            </p:cNvPr>
+            <p:cNvGrpSpPr/>
+            <p:nvPr/>
+          </p:nvGrpSpPr>
+          <p:grpSpPr>
+            <a:xfrm>
+              <a:off x="3362461" y="6405662"/>
+              <a:ext cx="1743952" cy="2267169"/>
+              <a:chOff x="3362461" y="6405662"/>
+              <a:chExt cx="1743952" cy="2267169"/>
+            </a:xfrm>
+          </p:grpSpPr>
+          <p:pic>
+            <p:nvPicPr>
+              <p:cNvPr id="1026" name="Picture 2" descr="Jaebum Joo">
+                <a:extLst>
+                  <a:ext uri="{FF2B5EF4-FFF2-40B4-BE49-F238E27FC236}">
+                    <a16:creationId xmlns:a16="http://schemas.microsoft.com/office/drawing/2014/main" id="{8246344A-E36C-43A6-9941-0F33B54109B0}"/>
+                  </a:ext>
+                </a:extLst>
+              </p:cNvPr>
+              <p:cNvPicPr>
+                <a:picLocks noChangeAspect="1" noChangeArrowheads="1"/>
+              </p:cNvPicPr>
+              <p:nvPr/>
+            </p:nvPicPr>
+            <p:blipFill rotWithShape="1">
+              <a:blip r:embed="rId5">
+                <a:extLst>
+                  <a:ext uri="{28A0092B-C50C-407E-A947-70E740481C1C}">
+                    <a14:useLocalDpi xmlns:a14="http://schemas.microsoft.com/office/drawing/2010/main" val="0"/>
+                  </a:ext>
+                </a:extLst>
+              </a:blip>
+              <a:srcRect l="16667" r="16667"/>
+              <a:stretch/>
+            </p:blipFill>
+            <p:spPr bwMode="auto">
+              <a:xfrm>
+                <a:off x="3362464" y="6928882"/>
+                <a:ext cx="1743949" cy="1743949"/>
+              </a:xfrm>
+              <a:prstGeom prst="rect">
+                <a:avLst/>
+              </a:prstGeom>
+              <a:noFill/>
+              <a:extLst>
+                <a:ext uri="{909E8E84-426E-40DD-AFC4-6F175D3DCCD1}">
+                  <a14:hiddenFill xmlns:a14="http://schemas.microsoft.com/office/drawing/2010/main">
+                    <a:solidFill>
+                      <a:srgbClr val="FFFFFF"/>
+                    </a:solidFill>
+                  </a14:hiddenFill>
+                </a:ext>
+              </a:extLst>
+            </p:spPr>
+          </p:pic>
+          <p:sp>
+            <p:nvSpPr>
+              <p:cNvPr id="20" name="TextBox 19">
+                <a:extLst>
+                  <a:ext uri="{FF2B5EF4-FFF2-40B4-BE49-F238E27FC236}">
+                    <a16:creationId xmlns:a16="http://schemas.microsoft.com/office/drawing/2014/main" id="{8A8A4099-9B23-47B1-99DF-853B3757008A}"/>
+                  </a:ext>
+                </a:extLst>
+              </p:cNvPr>
+              <p:cNvSpPr txBox="1"/>
+              <p:nvPr/>
+            </p:nvSpPr>
+            <p:spPr>
+              <a:xfrm>
+                <a:off x="3362461" y="6405662"/>
+                <a:ext cx="1743952" cy="523220"/>
+              </a:xfrm>
+              <a:prstGeom prst="rect">
+                <a:avLst/>
+              </a:prstGeom>
+              <a:noFill/>
+            </p:spPr>
+            <p:txBody>
+              <a:bodyPr wrap="square" rtlCol="0">
+                <a:spAutoFit/>
+              </a:bodyPr>
+              <a:lstStyle/>
+              <a:p>
+                <a:pPr algn="ctr"/>
+                <a:r>
+                  <a:rPr lang="en-US" sz="1400">
+                    <a:latin typeface="+mj-lt"/>
+                  </a:rPr>
+                  <a:t>Chân dung điểm ảnh Van Gogh</a:t>
+                </a:r>
+              </a:p>
+            </p:txBody>
+          </p:sp>
+        </p:grpSp>
+      </p:grpSp>
       <p:sp>
         <p:nvSpPr>
           <p:cNvPr id="21" name="TextBox 20">
@@ -4084,8 +4147,8 @@
         </p:nvSpPr>
         <p:spPr>
           <a:xfrm>
-            <a:off x="6654800" y="2803031"/>
-            <a:ext cx="2882900" cy="461665"/>
+            <a:off x="6654800" y="2646190"/>
+            <a:ext cx="2882900" cy="618507"/>
           </a:xfrm>
           <a:prstGeom prst="rect">
             <a:avLst/>
@@ -4093,8 +4156,8 @@
           <a:noFill/>
         </p:spPr>
         <p:txBody>
-          <a:bodyPr wrap="square" rtlCol="0">
-            <a:spAutoFit/>
+          <a:bodyPr wrap="square" rtlCol="0" anchor="b">
+            <a:noAutofit/>
           </a:bodyPr>
           <a:lstStyle/>
           <a:p>
@@ -4217,10 +4280,10 @@
       </p:sp>
       <p:sp>
         <p:nvSpPr>
-          <p:cNvPr id="24" name="TextBox 23">
+          <p:cNvPr id="27" name="TextBox 26">
             <a:extLst>
               <a:ext uri="{FF2B5EF4-FFF2-40B4-BE49-F238E27FC236}">
-                <a16:creationId xmlns:a16="http://schemas.microsoft.com/office/drawing/2014/main" id="{81BF1280-59D3-4F7A-BCA7-3C48BB2A1C97}"/>
+                <a16:creationId xmlns:a16="http://schemas.microsoft.com/office/drawing/2014/main" id="{58B133E6-CE55-4AFA-A5F7-0D6C002C662E}"/>
               </a:ext>
             </a:extLst>
           </p:cNvPr>
@@ -4229,8 +4292,8 @@
         </p:nvSpPr>
         <p:spPr>
           <a:xfrm>
-            <a:off x="6654800" y="8100212"/>
-            <a:ext cx="2882900" cy="461665"/>
+            <a:off x="6654800" y="3331264"/>
+            <a:ext cx="7988300" cy="4247317"/>
           </a:xfrm>
           <a:prstGeom prst="rect">
             <a:avLst/>
@@ -4243,21 +4306,2606 @@
           </a:bodyPr>
           <a:lstStyle/>
           <a:p>
-            <a:r>
-              <a:rPr lang="en-US" sz="2400" b="1">
-                <a:latin typeface="+mj-lt"/>
-              </a:rPr>
-              <a:t>Thử nghiệm</a:t>
-            </a:r>
-          </a:p>
-        </p:txBody>
-      </p:sp>
-      <p:sp>
-        <p:nvSpPr>
-          <p:cNvPr id="25" name="TextBox 24">
+            <a:pPr algn="just"/>
+            <a:r>
+              <a:rPr lang="en-US" dirty="0" err="1">
+                <a:latin typeface="Arial" panose="020B0604020202020204" pitchFamily="34" charset="0"/>
+                <a:cs typeface="Arial" panose="020B0604020202020204" pitchFamily="34" charset="0"/>
+              </a:rPr>
+              <a:t>Bằng</a:t>
+            </a:r>
+            <a:r>
+              <a:rPr lang="en-US" dirty="0">
+                <a:latin typeface="Arial" panose="020B0604020202020204" pitchFamily="34" charset="0"/>
+                <a:cs typeface="Arial" panose="020B0604020202020204" pitchFamily="34" charset="0"/>
+              </a:rPr>
+              <a:t> </a:t>
+            </a:r>
+            <a:r>
+              <a:rPr lang="en-US" dirty="0" err="1">
+                <a:latin typeface="Arial" panose="020B0604020202020204" pitchFamily="34" charset="0"/>
+                <a:cs typeface="Arial" panose="020B0604020202020204" pitchFamily="34" charset="0"/>
+              </a:rPr>
+              <a:t>cách</a:t>
+            </a:r>
+            <a:r>
+              <a:rPr lang="en-US" dirty="0">
+                <a:latin typeface="Arial" panose="020B0604020202020204" pitchFamily="34" charset="0"/>
+                <a:cs typeface="Arial" panose="020B0604020202020204" pitchFamily="34" charset="0"/>
+              </a:rPr>
+              <a:t> </a:t>
+            </a:r>
+            <a:r>
+              <a:rPr lang="en-US" dirty="0" err="1">
+                <a:latin typeface="Arial" panose="020B0604020202020204" pitchFamily="34" charset="0"/>
+                <a:cs typeface="Arial" panose="020B0604020202020204" pitchFamily="34" charset="0"/>
+              </a:rPr>
+              <a:t>sử</a:t>
+            </a:r>
+            <a:r>
+              <a:rPr lang="en-US" dirty="0">
+                <a:latin typeface="Arial" panose="020B0604020202020204" pitchFamily="34" charset="0"/>
+                <a:cs typeface="Arial" panose="020B0604020202020204" pitchFamily="34" charset="0"/>
+              </a:rPr>
+              <a:t> </a:t>
+            </a:r>
+            <a:r>
+              <a:rPr lang="en-US" dirty="0" err="1">
+                <a:latin typeface="Arial" panose="020B0604020202020204" pitchFamily="34" charset="0"/>
+                <a:cs typeface="Arial" panose="020B0604020202020204" pitchFamily="34" charset="0"/>
+              </a:rPr>
+              <a:t>dụng</a:t>
+            </a:r>
+            <a:r>
+              <a:rPr lang="en-US" dirty="0">
+                <a:latin typeface="Arial" panose="020B0604020202020204" pitchFamily="34" charset="0"/>
+                <a:cs typeface="Arial" panose="020B0604020202020204" pitchFamily="34" charset="0"/>
+              </a:rPr>
+              <a:t> </a:t>
+            </a:r>
+            <a:r>
+              <a:rPr lang="en-US" dirty="0" err="1">
+                <a:latin typeface="Arial" panose="020B0604020202020204" pitchFamily="34" charset="0"/>
+                <a:cs typeface="Arial" panose="020B0604020202020204" pitchFamily="34" charset="0"/>
+              </a:rPr>
+              <a:t>các</a:t>
+            </a:r>
+            <a:r>
+              <a:rPr lang="en-US" dirty="0">
+                <a:latin typeface="Arial" panose="020B0604020202020204" pitchFamily="34" charset="0"/>
+                <a:cs typeface="Arial" panose="020B0604020202020204" pitchFamily="34" charset="0"/>
+              </a:rPr>
+              <a:t> </a:t>
+            </a:r>
+            <a:r>
+              <a:rPr lang="en-US" dirty="0" err="1">
+                <a:latin typeface="Arial" panose="020B0604020202020204" pitchFamily="34" charset="0"/>
+                <a:cs typeface="Arial" panose="020B0604020202020204" pitchFamily="34" charset="0"/>
+              </a:rPr>
+              <a:t>hàm</a:t>
+            </a:r>
+            <a:r>
+              <a:rPr lang="en-US" dirty="0">
+                <a:latin typeface="Arial" panose="020B0604020202020204" pitchFamily="34" charset="0"/>
+                <a:cs typeface="Arial" panose="020B0604020202020204" pitchFamily="34" charset="0"/>
+              </a:rPr>
+              <a:t> </a:t>
+            </a:r>
+            <a:r>
+              <a:rPr lang="en-US" dirty="0" err="1">
+                <a:latin typeface="Arial" panose="020B0604020202020204" pitchFamily="34" charset="0"/>
+                <a:cs typeface="Arial" panose="020B0604020202020204" pitchFamily="34" charset="0"/>
+              </a:rPr>
+              <a:t>Thị</a:t>
+            </a:r>
+            <a:r>
+              <a:rPr lang="en-US" dirty="0">
+                <a:latin typeface="Arial" panose="020B0604020202020204" pitchFamily="34" charset="0"/>
+                <a:cs typeface="Arial" panose="020B0604020202020204" pitchFamily="34" charset="0"/>
+              </a:rPr>
+              <a:t> </a:t>
+            </a:r>
+            <a:r>
+              <a:rPr lang="en-US" dirty="0" err="1">
+                <a:latin typeface="Arial" panose="020B0604020202020204" pitchFamily="34" charset="0"/>
+                <a:cs typeface="Arial" panose="020B0604020202020204" pitchFamily="34" charset="0"/>
+              </a:rPr>
+              <a:t>giác</a:t>
+            </a:r>
+            <a:r>
+              <a:rPr lang="en-US" dirty="0">
+                <a:latin typeface="Arial" panose="020B0604020202020204" pitchFamily="34" charset="0"/>
+                <a:cs typeface="Arial" panose="020B0604020202020204" pitchFamily="34" charset="0"/>
+              </a:rPr>
+              <a:t> </a:t>
+            </a:r>
+            <a:r>
+              <a:rPr lang="en-US" dirty="0" err="1">
+                <a:latin typeface="Arial" panose="020B0604020202020204" pitchFamily="34" charset="0"/>
+                <a:cs typeface="Arial" panose="020B0604020202020204" pitchFamily="34" charset="0"/>
+              </a:rPr>
+              <a:t>máy</a:t>
+            </a:r>
+            <a:r>
+              <a:rPr lang="en-US" dirty="0">
+                <a:latin typeface="Arial" panose="020B0604020202020204" pitchFamily="34" charset="0"/>
+                <a:cs typeface="Arial" panose="020B0604020202020204" pitchFamily="34" charset="0"/>
+              </a:rPr>
+              <a:t> </a:t>
+            </a:r>
+            <a:r>
+              <a:rPr lang="en-US" dirty="0" err="1">
+                <a:latin typeface="Arial" panose="020B0604020202020204" pitchFamily="34" charset="0"/>
+                <a:cs typeface="Arial" panose="020B0604020202020204" pitchFamily="34" charset="0"/>
+              </a:rPr>
+              <a:t>tính</a:t>
+            </a:r>
+            <a:r>
+              <a:rPr lang="en-US" dirty="0">
+                <a:latin typeface="Arial" panose="020B0604020202020204" pitchFamily="34" charset="0"/>
+                <a:cs typeface="Arial" panose="020B0604020202020204" pitchFamily="34" charset="0"/>
+              </a:rPr>
+              <a:t> c</a:t>
+            </a:r>
+            <a:r>
+              <a:rPr lang="vi-VN" dirty="0">
+                <a:latin typeface="Arial" panose="020B0604020202020204" pitchFamily="34" charset="0"/>
+                <a:cs typeface="Arial" panose="020B0604020202020204" pitchFamily="34" charset="0"/>
+              </a:rPr>
+              <a:t>ơ</a:t>
+            </a:r>
+            <a:r>
+              <a:rPr lang="en-US" dirty="0">
+                <a:latin typeface="Arial" panose="020B0604020202020204" pitchFamily="34" charset="0"/>
+                <a:cs typeface="Arial" panose="020B0604020202020204" pitchFamily="34" charset="0"/>
+              </a:rPr>
+              <a:t> </a:t>
+            </a:r>
+            <a:r>
+              <a:rPr lang="en-US" dirty="0" err="1">
+                <a:latin typeface="Arial" panose="020B0604020202020204" pitchFamily="34" charset="0"/>
+                <a:cs typeface="Arial" panose="020B0604020202020204" pitchFamily="34" charset="0"/>
+              </a:rPr>
+              <a:t>bản</a:t>
+            </a:r>
+            <a:r>
+              <a:rPr lang="en-US" dirty="0">
+                <a:latin typeface="Arial" panose="020B0604020202020204" pitchFamily="34" charset="0"/>
+                <a:cs typeface="Arial" panose="020B0604020202020204" pitchFamily="34" charset="0"/>
+              </a:rPr>
+              <a:t> </a:t>
+            </a:r>
+            <a:r>
+              <a:rPr lang="en-US" dirty="0" err="1">
+                <a:latin typeface="Arial" panose="020B0604020202020204" pitchFamily="34" charset="0"/>
+                <a:cs typeface="Arial" panose="020B0604020202020204" pitchFamily="34" charset="0"/>
+              </a:rPr>
+              <a:t>cho</a:t>
+            </a:r>
+            <a:r>
+              <a:rPr lang="en-US" dirty="0">
+                <a:latin typeface="Arial" panose="020B0604020202020204" pitchFamily="34" charset="0"/>
+                <a:cs typeface="Arial" panose="020B0604020202020204" pitchFamily="34" charset="0"/>
+              </a:rPr>
+              <a:t> </a:t>
+            </a:r>
+            <a:r>
+              <a:rPr lang="en-US" dirty="0" err="1">
+                <a:latin typeface="Arial" panose="020B0604020202020204" pitchFamily="34" charset="0"/>
+                <a:cs typeface="Arial" panose="020B0604020202020204" pitchFamily="34" charset="0"/>
+              </a:rPr>
+              <a:t>quá</a:t>
+            </a:r>
+            <a:r>
+              <a:rPr lang="en-US" dirty="0">
+                <a:latin typeface="Arial" panose="020B0604020202020204" pitchFamily="34" charset="0"/>
+                <a:cs typeface="Arial" panose="020B0604020202020204" pitchFamily="34" charset="0"/>
+              </a:rPr>
+              <a:t> </a:t>
+            </a:r>
+            <a:r>
+              <a:rPr lang="en-US" dirty="0" err="1">
+                <a:latin typeface="Arial" panose="020B0604020202020204" pitchFamily="34" charset="0"/>
+                <a:cs typeface="Arial" panose="020B0604020202020204" pitchFamily="34" charset="0"/>
+              </a:rPr>
+              <a:t>trình</a:t>
+            </a:r>
+            <a:r>
+              <a:rPr lang="en-US" dirty="0">
+                <a:latin typeface="Arial" panose="020B0604020202020204" pitchFamily="34" charset="0"/>
+                <a:cs typeface="Arial" panose="020B0604020202020204" pitchFamily="34" charset="0"/>
+              </a:rPr>
+              <a:t> </a:t>
+            </a:r>
+            <a:r>
+              <a:rPr lang="en-US" dirty="0" err="1">
+                <a:latin typeface="Arial" panose="020B0604020202020204" pitchFamily="34" charset="0"/>
+                <a:cs typeface="Arial" panose="020B0604020202020204" pitchFamily="34" charset="0"/>
+              </a:rPr>
+              <a:t>tiền</a:t>
+            </a:r>
+            <a:r>
+              <a:rPr lang="en-US" dirty="0">
+                <a:latin typeface="Arial" panose="020B0604020202020204" pitchFamily="34" charset="0"/>
+                <a:cs typeface="Arial" panose="020B0604020202020204" pitchFamily="34" charset="0"/>
+              </a:rPr>
+              <a:t> </a:t>
+            </a:r>
+            <a:r>
+              <a:rPr lang="en-US" dirty="0" err="1">
+                <a:latin typeface="Arial" panose="020B0604020202020204" pitchFamily="34" charset="0"/>
+                <a:cs typeface="Arial" panose="020B0604020202020204" pitchFamily="34" charset="0"/>
+              </a:rPr>
+              <a:t>xử</a:t>
+            </a:r>
+            <a:r>
+              <a:rPr lang="en-US" dirty="0">
+                <a:latin typeface="Arial" panose="020B0604020202020204" pitchFamily="34" charset="0"/>
+                <a:cs typeface="Arial" panose="020B0604020202020204" pitchFamily="34" charset="0"/>
+              </a:rPr>
+              <a:t> </a:t>
+            </a:r>
+            <a:r>
+              <a:rPr lang="en-US" err="1">
+                <a:latin typeface="Arial" panose="020B0604020202020204" pitchFamily="34" charset="0"/>
+                <a:cs typeface="Arial" panose="020B0604020202020204" pitchFamily="34" charset="0"/>
+              </a:rPr>
+              <a:t>lý</a:t>
+            </a:r>
+            <a:r>
+              <a:rPr lang="en-US">
+                <a:latin typeface="Arial" panose="020B0604020202020204" pitchFamily="34" charset="0"/>
+                <a:cs typeface="Arial" panose="020B0604020202020204" pitchFamily="34" charset="0"/>
+              </a:rPr>
+              <a:t> cùng với sử dụng các tích chập đ</a:t>
+            </a:r>
+            <a:r>
+              <a:rPr lang="vi-VN">
+                <a:latin typeface="Arial" panose="020B0604020202020204" pitchFamily="34" charset="0"/>
+                <a:cs typeface="Arial" panose="020B0604020202020204" pitchFamily="34" charset="0"/>
+              </a:rPr>
+              <a:t>ơ</a:t>
+            </a:r>
+            <a:r>
+              <a:rPr lang="en-US">
+                <a:latin typeface="Arial" panose="020B0604020202020204" pitchFamily="34" charset="0"/>
+                <a:cs typeface="Arial" panose="020B0604020202020204" pitchFamily="34" charset="0"/>
+              </a:rPr>
+              <a:t>n giản cho ảnh, </a:t>
+            </a:r>
+            <a:r>
+              <a:rPr lang="en-US" dirty="0" err="1">
+                <a:latin typeface="Arial" panose="020B0604020202020204" pitchFamily="34" charset="0"/>
+                <a:cs typeface="Arial" panose="020B0604020202020204" pitchFamily="34" charset="0"/>
+              </a:rPr>
+              <a:t>các</a:t>
+            </a:r>
+            <a:r>
+              <a:rPr lang="en-US" dirty="0">
+                <a:latin typeface="Arial" panose="020B0604020202020204" pitchFamily="34" charset="0"/>
+                <a:cs typeface="Arial" panose="020B0604020202020204" pitchFamily="34" charset="0"/>
+              </a:rPr>
+              <a:t> </a:t>
+            </a:r>
+            <a:r>
+              <a:rPr lang="en-US" dirty="0" err="1">
+                <a:latin typeface="Arial" panose="020B0604020202020204" pitchFamily="34" charset="0"/>
+                <a:cs typeface="Arial" panose="020B0604020202020204" pitchFamily="34" charset="0"/>
+              </a:rPr>
+              <a:t>vùng</a:t>
+            </a:r>
+            <a:r>
+              <a:rPr lang="en-US" dirty="0">
+                <a:latin typeface="Arial" panose="020B0604020202020204" pitchFamily="34" charset="0"/>
+                <a:cs typeface="Arial" panose="020B0604020202020204" pitchFamily="34" charset="0"/>
+              </a:rPr>
+              <a:t> đ</a:t>
+            </a:r>
+            <a:r>
+              <a:rPr lang="vi-VN" dirty="0">
+                <a:latin typeface="Arial" panose="020B0604020202020204" pitchFamily="34" charset="0"/>
+                <a:cs typeface="Arial" panose="020B0604020202020204" pitchFamily="34" charset="0"/>
+              </a:rPr>
+              <a:t>ư</a:t>
+            </a:r>
+            <a:r>
+              <a:rPr lang="en-US" dirty="0" err="1">
+                <a:latin typeface="Arial" panose="020B0604020202020204" pitchFamily="34" charset="0"/>
+                <a:cs typeface="Arial" panose="020B0604020202020204" pitchFamily="34" charset="0"/>
+              </a:rPr>
+              <a:t>ợc</a:t>
+            </a:r>
+            <a:r>
+              <a:rPr lang="en-US" dirty="0">
+                <a:latin typeface="Arial" panose="020B0604020202020204" pitchFamily="34" charset="0"/>
+                <a:cs typeface="Arial" panose="020B0604020202020204" pitchFamily="34" charset="0"/>
+              </a:rPr>
+              <a:t> </a:t>
+            </a:r>
+            <a:r>
+              <a:rPr lang="en-US" dirty="0" err="1">
+                <a:latin typeface="Arial" panose="020B0604020202020204" pitchFamily="34" charset="0"/>
+                <a:cs typeface="Arial" panose="020B0604020202020204" pitchFamily="34" charset="0"/>
+              </a:rPr>
+              <a:t>downsampled</a:t>
+            </a:r>
+            <a:r>
+              <a:rPr lang="en-US" dirty="0">
+                <a:latin typeface="Arial" panose="020B0604020202020204" pitchFamily="34" charset="0"/>
+                <a:cs typeface="Arial" panose="020B0604020202020204" pitchFamily="34" charset="0"/>
+              </a:rPr>
+              <a:t> đ</a:t>
+            </a:r>
+            <a:r>
+              <a:rPr lang="vi-VN" dirty="0">
+                <a:latin typeface="Arial" panose="020B0604020202020204" pitchFamily="34" charset="0"/>
+                <a:cs typeface="Arial" panose="020B0604020202020204" pitchFamily="34" charset="0"/>
+              </a:rPr>
+              <a:t>ư</a:t>
+            </a:r>
+            <a:r>
+              <a:rPr lang="en-US" dirty="0" err="1">
+                <a:latin typeface="Arial" panose="020B0604020202020204" pitchFamily="34" charset="0"/>
+                <a:cs typeface="Arial" panose="020B0604020202020204" pitchFamily="34" charset="0"/>
+              </a:rPr>
+              <a:t>ợc</a:t>
+            </a:r>
+            <a:r>
+              <a:rPr lang="en-US" dirty="0">
+                <a:latin typeface="Arial" panose="020B0604020202020204" pitchFamily="34" charset="0"/>
+                <a:cs typeface="Arial" panose="020B0604020202020204" pitchFamily="34" charset="0"/>
+              </a:rPr>
+              <a:t>  </a:t>
+            </a:r>
+            <a:r>
+              <a:rPr lang="en-US" dirty="0" err="1">
+                <a:latin typeface="Arial" panose="020B0604020202020204" pitchFamily="34" charset="0"/>
+                <a:cs typeface="Arial" panose="020B0604020202020204" pitchFamily="34" charset="0"/>
+              </a:rPr>
+              <a:t>tính</a:t>
+            </a:r>
+            <a:r>
+              <a:rPr lang="en-US" dirty="0">
+                <a:latin typeface="Arial" panose="020B0604020202020204" pitchFamily="34" charset="0"/>
+                <a:cs typeface="Arial" panose="020B0604020202020204" pitchFamily="34" charset="0"/>
+              </a:rPr>
+              <a:t> </a:t>
+            </a:r>
+            <a:r>
+              <a:rPr lang="en-US" dirty="0" err="1">
+                <a:latin typeface="Arial" panose="020B0604020202020204" pitchFamily="34" charset="0"/>
+                <a:cs typeface="Arial" panose="020B0604020202020204" pitchFamily="34" charset="0"/>
+              </a:rPr>
+              <a:t>toán</a:t>
+            </a:r>
+            <a:r>
+              <a:rPr lang="en-US" dirty="0">
+                <a:latin typeface="Arial" panose="020B0604020202020204" pitchFamily="34" charset="0"/>
+                <a:cs typeface="Arial" panose="020B0604020202020204" pitchFamily="34" charset="0"/>
+              </a:rPr>
+              <a:t> </a:t>
+            </a:r>
+            <a:r>
+              <a:rPr lang="en-US" dirty="0" err="1">
+                <a:latin typeface="Arial" panose="020B0604020202020204" pitchFamily="34" charset="0"/>
+                <a:cs typeface="Arial" panose="020B0604020202020204" pitchFamily="34" charset="0"/>
+              </a:rPr>
+              <a:t>dựa</a:t>
+            </a:r>
+            <a:r>
+              <a:rPr lang="en-US" dirty="0">
+                <a:latin typeface="Arial" panose="020B0604020202020204" pitchFamily="34" charset="0"/>
+                <a:cs typeface="Arial" panose="020B0604020202020204" pitchFamily="34" charset="0"/>
+              </a:rPr>
+              <a:t> </a:t>
+            </a:r>
+            <a:r>
+              <a:rPr lang="en-US" dirty="0" err="1">
+                <a:latin typeface="Arial" panose="020B0604020202020204" pitchFamily="34" charset="0"/>
+                <a:cs typeface="Arial" panose="020B0604020202020204" pitchFamily="34" charset="0"/>
+              </a:rPr>
+              <a:t>vào</a:t>
+            </a:r>
+            <a:r>
+              <a:rPr lang="en-US" dirty="0">
+                <a:latin typeface="Arial" panose="020B0604020202020204" pitchFamily="34" charset="0"/>
+                <a:cs typeface="Arial" panose="020B0604020202020204" pitchFamily="34" charset="0"/>
+              </a:rPr>
+              <a:t> </a:t>
+            </a:r>
+            <a:r>
+              <a:rPr lang="en-US" dirty="0" err="1">
+                <a:latin typeface="Arial" panose="020B0604020202020204" pitchFamily="34" charset="0"/>
+                <a:cs typeface="Arial" panose="020B0604020202020204" pitchFamily="34" charset="0"/>
+              </a:rPr>
+              <a:t>độ</a:t>
+            </a:r>
+            <a:r>
+              <a:rPr lang="en-US" dirty="0">
+                <a:latin typeface="Arial" panose="020B0604020202020204" pitchFamily="34" charset="0"/>
+                <a:cs typeface="Arial" panose="020B0604020202020204" pitchFamily="34" charset="0"/>
+              </a:rPr>
+              <a:t> </a:t>
+            </a:r>
+            <a:r>
+              <a:rPr lang="en-US" dirty="0" err="1">
+                <a:latin typeface="Arial" panose="020B0604020202020204" pitchFamily="34" charset="0"/>
+                <a:cs typeface="Arial" panose="020B0604020202020204" pitchFamily="34" charset="0"/>
+              </a:rPr>
+              <a:t>lớn</a:t>
+            </a:r>
+            <a:r>
+              <a:rPr lang="en-US" dirty="0">
+                <a:latin typeface="Arial" panose="020B0604020202020204" pitchFamily="34" charset="0"/>
+                <a:cs typeface="Arial" panose="020B0604020202020204" pitchFamily="34" charset="0"/>
+              </a:rPr>
+              <a:t> </a:t>
+            </a:r>
+            <a:r>
+              <a:rPr lang="en-US" dirty="0" err="1">
+                <a:latin typeface="Arial" panose="020B0604020202020204" pitchFamily="34" charset="0"/>
+                <a:cs typeface="Arial" panose="020B0604020202020204" pitchFamily="34" charset="0"/>
+              </a:rPr>
+              <a:t>và</a:t>
+            </a:r>
+            <a:r>
+              <a:rPr lang="en-US" dirty="0">
+                <a:latin typeface="Arial" panose="020B0604020202020204" pitchFamily="34" charset="0"/>
+                <a:cs typeface="Arial" panose="020B0604020202020204" pitchFamily="34" charset="0"/>
+              </a:rPr>
+              <a:t> h</a:t>
+            </a:r>
+            <a:r>
+              <a:rPr lang="vi-VN">
+                <a:latin typeface="Arial" panose="020B0604020202020204" pitchFamily="34" charset="0"/>
+                <a:cs typeface="Arial" panose="020B0604020202020204" pitchFamily="34" charset="0"/>
+              </a:rPr>
+              <a:t>ư</a:t>
+            </a:r>
+            <a:r>
+              <a:rPr lang="en-US">
+                <a:latin typeface="Arial" panose="020B0604020202020204" pitchFamily="34" charset="0"/>
+                <a:cs typeface="Arial" panose="020B0604020202020204" pitchFamily="34" charset="0"/>
+              </a:rPr>
+              <a:t>ớng </a:t>
+            </a:r>
+            <a:r>
+              <a:rPr lang="en-US" dirty="0">
+                <a:latin typeface="Arial" panose="020B0604020202020204" pitchFamily="34" charset="0"/>
+                <a:cs typeface="Arial" panose="020B0604020202020204" pitchFamily="34" charset="0"/>
+              </a:rPr>
+              <a:t>gradient </a:t>
+            </a:r>
+            <a:r>
+              <a:rPr lang="en-US" dirty="0" err="1">
+                <a:latin typeface="Arial" panose="020B0604020202020204" pitchFamily="34" charset="0"/>
+                <a:cs typeface="Arial" panose="020B0604020202020204" pitchFamily="34" charset="0"/>
+              </a:rPr>
+              <a:t>của</a:t>
+            </a:r>
+            <a:r>
+              <a:rPr lang="en-US" dirty="0">
+                <a:latin typeface="Arial" panose="020B0604020202020204" pitchFamily="34" charset="0"/>
+                <a:cs typeface="Arial" panose="020B0604020202020204" pitchFamily="34" charset="0"/>
+              </a:rPr>
+              <a:t> </a:t>
+            </a:r>
+            <a:r>
+              <a:rPr lang="en-US" dirty="0" err="1">
+                <a:latin typeface="Arial" panose="020B0604020202020204" pitchFamily="34" charset="0"/>
+                <a:cs typeface="Arial" panose="020B0604020202020204" pitchFamily="34" charset="0"/>
+              </a:rPr>
+              <a:t>chúng</a:t>
+            </a:r>
+            <a:r>
+              <a:rPr lang="en-US" dirty="0">
+                <a:latin typeface="Arial" panose="020B0604020202020204" pitchFamily="34" charset="0"/>
+                <a:cs typeface="Arial" panose="020B0604020202020204" pitchFamily="34" charset="0"/>
+              </a:rPr>
+              <a:t>.	 </a:t>
+            </a:r>
+            <a:r>
+              <a:rPr lang="en-US" dirty="0" err="1">
+                <a:latin typeface="Arial" panose="020B0604020202020204" pitchFamily="34" charset="0"/>
+                <a:cs typeface="Arial" panose="020B0604020202020204" pitchFamily="34" charset="0"/>
+              </a:rPr>
+              <a:t>Hàm</a:t>
+            </a:r>
+            <a:r>
+              <a:rPr lang="en-US" dirty="0">
+                <a:latin typeface="Arial" panose="020B0604020202020204" pitchFamily="34" charset="0"/>
+                <a:cs typeface="Arial" panose="020B0604020202020204" pitchFamily="34" charset="0"/>
+              </a:rPr>
+              <a:t> </a:t>
+            </a:r>
+            <a:r>
+              <a:rPr lang="en-US" dirty="0" err="1">
+                <a:latin typeface="Arial" panose="020B0604020202020204" pitchFamily="34" charset="0"/>
+                <a:cs typeface="Arial" panose="020B0604020202020204" pitchFamily="34" charset="0"/>
+              </a:rPr>
+              <a:t>này</a:t>
+            </a:r>
+            <a:r>
+              <a:rPr lang="en-US" dirty="0">
+                <a:latin typeface="Arial" panose="020B0604020202020204" pitchFamily="34" charset="0"/>
+                <a:cs typeface="Arial" panose="020B0604020202020204" pitchFamily="34" charset="0"/>
+              </a:rPr>
+              <a:t> đ</a:t>
+            </a:r>
+            <a:r>
+              <a:rPr lang="vi-VN" dirty="0">
+                <a:latin typeface="Arial" panose="020B0604020202020204" pitchFamily="34" charset="0"/>
+                <a:cs typeface="Arial" panose="020B0604020202020204" pitchFamily="34" charset="0"/>
+              </a:rPr>
+              <a:t>ư</a:t>
+            </a:r>
+            <a:r>
+              <a:rPr lang="en-US" dirty="0" err="1">
+                <a:latin typeface="Arial" panose="020B0604020202020204" pitchFamily="34" charset="0"/>
+                <a:cs typeface="Arial" panose="020B0604020202020204" pitchFamily="34" charset="0"/>
+              </a:rPr>
+              <a:t>ợc</a:t>
+            </a:r>
+            <a:r>
+              <a:rPr lang="en-US" dirty="0">
+                <a:latin typeface="Arial" panose="020B0604020202020204" pitchFamily="34" charset="0"/>
+                <a:cs typeface="Arial" panose="020B0604020202020204" pitchFamily="34" charset="0"/>
+              </a:rPr>
+              <a:t> </a:t>
+            </a:r>
+            <a:r>
+              <a:rPr lang="en-US" dirty="0" err="1">
+                <a:latin typeface="Arial" panose="020B0604020202020204" pitchFamily="34" charset="0"/>
+                <a:cs typeface="Arial" panose="020B0604020202020204" pitchFamily="34" charset="0"/>
+              </a:rPr>
+              <a:t>dựa</a:t>
+            </a:r>
+            <a:r>
+              <a:rPr lang="en-US" dirty="0">
+                <a:latin typeface="Arial" panose="020B0604020202020204" pitchFamily="34" charset="0"/>
+                <a:cs typeface="Arial" panose="020B0604020202020204" pitchFamily="34" charset="0"/>
+              </a:rPr>
+              <a:t> </a:t>
+            </a:r>
+            <a:r>
+              <a:rPr lang="en-US" dirty="0" err="1">
+                <a:latin typeface="Arial" panose="020B0604020202020204" pitchFamily="34" charset="0"/>
+                <a:cs typeface="Arial" panose="020B0604020202020204" pitchFamily="34" charset="0"/>
+              </a:rPr>
+              <a:t>trên</a:t>
+            </a:r>
+            <a:r>
+              <a:rPr lang="en-US" dirty="0">
+                <a:latin typeface="Arial" panose="020B0604020202020204" pitchFamily="34" charset="0"/>
+                <a:cs typeface="Arial" panose="020B0604020202020204" pitchFamily="34" charset="0"/>
+              </a:rPr>
+              <a:t> </a:t>
+            </a:r>
+            <a:r>
+              <a:rPr lang="en-US" dirty="0" err="1">
+                <a:latin typeface="Arial" panose="020B0604020202020204" pitchFamily="34" charset="0"/>
+                <a:cs typeface="Arial" panose="020B0604020202020204" pitchFamily="34" charset="0"/>
+              </a:rPr>
+              <a:t>ph</a:t>
+            </a:r>
+            <a:r>
+              <a:rPr lang="vi-VN" dirty="0">
+                <a:latin typeface="Arial" panose="020B0604020202020204" pitchFamily="34" charset="0"/>
+                <a:cs typeface="Arial" panose="020B0604020202020204" pitchFamily="34" charset="0"/>
+              </a:rPr>
+              <a:t>ư</a:t>
+            </a:r>
+            <a:r>
+              <a:rPr lang="en-US" dirty="0" err="1">
+                <a:latin typeface="Arial" panose="020B0604020202020204" pitchFamily="34" charset="0"/>
+                <a:cs typeface="Arial" panose="020B0604020202020204" pitchFamily="34" charset="0"/>
+              </a:rPr>
+              <a:t>ơng</a:t>
+            </a:r>
+            <a:r>
+              <a:rPr lang="en-US" dirty="0">
+                <a:latin typeface="Arial" panose="020B0604020202020204" pitchFamily="34" charset="0"/>
+                <a:cs typeface="Arial" panose="020B0604020202020204" pitchFamily="34" charset="0"/>
+              </a:rPr>
+              <a:t> </a:t>
+            </a:r>
+            <a:r>
+              <a:rPr lang="en-US" dirty="0" err="1">
+                <a:latin typeface="Arial" panose="020B0604020202020204" pitchFamily="34" charset="0"/>
+                <a:cs typeface="Arial" panose="020B0604020202020204" pitchFamily="34" charset="0"/>
+              </a:rPr>
+              <a:t>pháp</a:t>
+            </a:r>
+            <a:r>
+              <a:rPr lang="en-US" dirty="0">
+                <a:latin typeface="Arial" panose="020B0604020202020204" pitchFamily="34" charset="0"/>
+                <a:cs typeface="Arial" panose="020B0604020202020204" pitchFamily="34" charset="0"/>
+              </a:rPr>
+              <a:t> Histogram of Oriented Gradients (</a:t>
+            </a:r>
+            <a:r>
+              <a:rPr lang="en-US" dirty="0" err="1">
+                <a:latin typeface="Arial" panose="020B0604020202020204" pitchFamily="34" charset="0"/>
+                <a:cs typeface="Arial" panose="020B0604020202020204" pitchFamily="34" charset="0"/>
+              </a:rPr>
+              <a:t>tạm</a:t>
+            </a:r>
+            <a:r>
+              <a:rPr lang="en-US" dirty="0">
+                <a:latin typeface="Arial" panose="020B0604020202020204" pitchFamily="34" charset="0"/>
+                <a:cs typeface="Arial" panose="020B0604020202020204" pitchFamily="34" charset="0"/>
+              </a:rPr>
+              <a:t> </a:t>
+            </a:r>
+            <a:r>
+              <a:rPr lang="en-US" dirty="0" err="1">
+                <a:latin typeface="Arial" panose="020B0604020202020204" pitchFamily="34" charset="0"/>
+                <a:cs typeface="Arial" panose="020B0604020202020204" pitchFamily="34" charset="0"/>
+              </a:rPr>
+              <a:t>dịch</a:t>
+            </a:r>
+            <a:r>
+              <a:rPr lang="en-US" dirty="0">
+                <a:latin typeface="Arial" panose="020B0604020202020204" pitchFamily="34" charset="0"/>
+                <a:cs typeface="Arial" panose="020B0604020202020204" pitchFamily="34" charset="0"/>
+              </a:rPr>
+              <a:t>: </a:t>
+            </a:r>
+            <a:r>
+              <a:rPr lang="en-US" dirty="0" err="1">
+                <a:latin typeface="Arial" panose="020B0604020202020204" pitchFamily="34" charset="0"/>
+                <a:cs typeface="Arial" panose="020B0604020202020204" pitchFamily="34" charset="0"/>
+              </a:rPr>
+              <a:t>Biển</a:t>
+            </a:r>
+            <a:r>
+              <a:rPr lang="en-US" dirty="0">
+                <a:latin typeface="Arial" panose="020B0604020202020204" pitchFamily="34" charset="0"/>
+                <a:cs typeface="Arial" panose="020B0604020202020204" pitchFamily="34" charset="0"/>
+              </a:rPr>
+              <a:t> </a:t>
+            </a:r>
+            <a:r>
+              <a:rPr lang="en-US" dirty="0" err="1">
+                <a:latin typeface="Arial" panose="020B0604020202020204" pitchFamily="34" charset="0"/>
+                <a:cs typeface="Arial" panose="020B0604020202020204" pitchFamily="34" charset="0"/>
+              </a:rPr>
+              <a:t>đồ</a:t>
+            </a:r>
+            <a:r>
+              <a:rPr lang="en-US" dirty="0">
+                <a:latin typeface="Arial" panose="020B0604020202020204" pitchFamily="34" charset="0"/>
+                <a:cs typeface="Arial" panose="020B0604020202020204" pitchFamily="34" charset="0"/>
+              </a:rPr>
+              <a:t> Gradients </a:t>
+            </a:r>
+            <a:r>
+              <a:rPr lang="en-US" dirty="0" err="1">
+                <a:latin typeface="Arial" panose="020B0604020202020204" pitchFamily="34" charset="0"/>
+                <a:cs typeface="Arial" panose="020B0604020202020204" pitchFamily="34" charset="0"/>
+              </a:rPr>
+              <a:t>định</a:t>
+            </a:r>
+            <a:r>
+              <a:rPr lang="en-US" dirty="0">
+                <a:latin typeface="Arial" panose="020B0604020202020204" pitchFamily="34" charset="0"/>
+                <a:cs typeface="Arial" panose="020B0604020202020204" pitchFamily="34" charset="0"/>
+              </a:rPr>
+              <a:t> h</a:t>
+            </a:r>
+            <a:r>
+              <a:rPr lang="vi-VN" dirty="0">
+                <a:latin typeface="Arial" panose="020B0604020202020204" pitchFamily="34" charset="0"/>
+                <a:cs typeface="Arial" panose="020B0604020202020204" pitchFamily="34" charset="0"/>
+              </a:rPr>
+              <a:t>ư</a:t>
+            </a:r>
+            <a:r>
+              <a:rPr lang="en-US" dirty="0" err="1">
+                <a:latin typeface="Arial" panose="020B0604020202020204" pitchFamily="34" charset="0"/>
+                <a:cs typeface="Arial" panose="020B0604020202020204" pitchFamily="34" charset="0"/>
+              </a:rPr>
+              <a:t>ớng</a:t>
+            </a:r>
+            <a:r>
+              <a:rPr lang="en-US" dirty="0">
+                <a:latin typeface="Arial" panose="020B0604020202020204" pitchFamily="34" charset="0"/>
+                <a:cs typeface="Arial" panose="020B0604020202020204" pitchFamily="34" charset="0"/>
+              </a:rPr>
+              <a:t>). </a:t>
+            </a:r>
+            <a:r>
+              <a:rPr lang="en-US" dirty="0" err="1">
+                <a:latin typeface="Arial" panose="020B0604020202020204" pitchFamily="34" charset="0"/>
+                <a:cs typeface="Arial" panose="020B0604020202020204" pitchFamily="34" charset="0"/>
+              </a:rPr>
+              <a:t>Khi</a:t>
+            </a:r>
+            <a:r>
+              <a:rPr lang="en-US" dirty="0">
+                <a:latin typeface="Arial" panose="020B0604020202020204" pitchFamily="34" charset="0"/>
+                <a:cs typeface="Arial" panose="020B0604020202020204" pitchFamily="34" charset="0"/>
+              </a:rPr>
+              <a:t> </a:t>
+            </a:r>
+            <a:r>
+              <a:rPr lang="en-US" dirty="0" err="1">
+                <a:latin typeface="Arial" panose="020B0604020202020204" pitchFamily="34" charset="0"/>
+                <a:cs typeface="Arial" panose="020B0604020202020204" pitchFamily="34" charset="0"/>
+              </a:rPr>
+              <a:t>xử</a:t>
+            </a:r>
+            <a:r>
+              <a:rPr lang="en-US" dirty="0">
+                <a:latin typeface="Arial" panose="020B0604020202020204" pitchFamily="34" charset="0"/>
+                <a:cs typeface="Arial" panose="020B0604020202020204" pitchFamily="34" charset="0"/>
+              </a:rPr>
+              <a:t> </a:t>
+            </a:r>
+            <a:r>
+              <a:rPr lang="en-US" dirty="0" err="1">
+                <a:latin typeface="Arial" panose="020B0604020202020204" pitchFamily="34" charset="0"/>
+                <a:cs typeface="Arial" panose="020B0604020202020204" pitchFamily="34" charset="0"/>
+              </a:rPr>
+              <a:t>lý</a:t>
+            </a:r>
+            <a:r>
+              <a:rPr lang="en-US" dirty="0">
+                <a:latin typeface="Arial" panose="020B0604020202020204" pitchFamily="34" charset="0"/>
+                <a:cs typeface="Arial" panose="020B0604020202020204" pitchFamily="34" charset="0"/>
+              </a:rPr>
+              <a:t> </a:t>
+            </a:r>
+            <a:r>
+              <a:rPr lang="en-US" dirty="0" err="1">
+                <a:latin typeface="Arial" panose="020B0604020202020204" pitchFamily="34" charset="0"/>
+                <a:cs typeface="Arial" panose="020B0604020202020204" pitchFamily="34" charset="0"/>
+              </a:rPr>
+              <a:t>xong</a:t>
+            </a:r>
+            <a:r>
+              <a:rPr lang="en-US" dirty="0">
+                <a:latin typeface="Arial" panose="020B0604020202020204" pitchFamily="34" charset="0"/>
+                <a:cs typeface="Arial" panose="020B0604020202020204" pitchFamily="34" charset="0"/>
+              </a:rPr>
+              <a:t>, </a:t>
+            </a:r>
+            <a:r>
+              <a:rPr lang="en-US" dirty="0" err="1">
+                <a:latin typeface="Arial" panose="020B0604020202020204" pitchFamily="34" charset="0"/>
+                <a:cs typeface="Arial" panose="020B0604020202020204" pitchFamily="34" charset="0"/>
+              </a:rPr>
+              <a:t>một</a:t>
+            </a:r>
+            <a:r>
+              <a:rPr lang="en-US" dirty="0">
+                <a:latin typeface="Arial" panose="020B0604020202020204" pitchFamily="34" charset="0"/>
+                <a:cs typeface="Arial" panose="020B0604020202020204" pitchFamily="34" charset="0"/>
+              </a:rPr>
+              <a:t> model  Bayesian Gaussian Mixture (</a:t>
+            </a:r>
+            <a:r>
+              <a:rPr lang="en-US" dirty="0" err="1">
+                <a:latin typeface="Arial" panose="020B0604020202020204" pitchFamily="34" charset="0"/>
+                <a:cs typeface="Arial" panose="020B0604020202020204" pitchFamily="34" charset="0"/>
+              </a:rPr>
+              <a:t>thay</a:t>
+            </a:r>
+            <a:r>
+              <a:rPr lang="en-US" dirty="0">
+                <a:latin typeface="Arial" panose="020B0604020202020204" pitchFamily="34" charset="0"/>
+                <a:cs typeface="Arial" panose="020B0604020202020204" pitchFamily="34" charset="0"/>
+              </a:rPr>
+              <a:t> </a:t>
+            </a:r>
+            <a:r>
+              <a:rPr lang="en-US" dirty="0" err="1">
+                <a:latin typeface="Arial" panose="020B0604020202020204" pitchFamily="34" charset="0"/>
+                <a:cs typeface="Arial" panose="020B0604020202020204" pitchFamily="34" charset="0"/>
+              </a:rPr>
+              <a:t>vì</a:t>
+            </a:r>
+            <a:r>
+              <a:rPr lang="en-US" dirty="0">
+                <a:latin typeface="Arial" panose="020B0604020202020204" pitchFamily="34" charset="0"/>
+                <a:cs typeface="Arial" panose="020B0604020202020204" pitchFamily="34" charset="0"/>
+              </a:rPr>
+              <a:t> K-means </a:t>
+            </a:r>
+            <a:r>
+              <a:rPr lang="en-US" dirty="0" err="1">
+                <a:latin typeface="Arial" panose="020B0604020202020204" pitchFamily="34" charset="0"/>
+                <a:cs typeface="Arial" panose="020B0604020202020204" pitchFamily="34" charset="0"/>
+              </a:rPr>
+              <a:t>thông</a:t>
+            </a:r>
+            <a:r>
+              <a:rPr lang="en-US" dirty="0">
+                <a:latin typeface="Arial" panose="020B0604020202020204" pitchFamily="34" charset="0"/>
+                <a:cs typeface="Arial" panose="020B0604020202020204" pitchFamily="34" charset="0"/>
+              </a:rPr>
+              <a:t> </a:t>
+            </a:r>
+            <a:r>
+              <a:rPr lang="en-US" dirty="0" err="1">
+                <a:latin typeface="Arial" panose="020B0604020202020204" pitchFamily="34" charset="0"/>
+                <a:cs typeface="Arial" panose="020B0604020202020204" pitchFamily="34" charset="0"/>
+              </a:rPr>
+              <a:t>th</a:t>
+            </a:r>
+            <a:r>
+              <a:rPr lang="vi-VN" dirty="0">
+                <a:latin typeface="Arial" panose="020B0604020202020204" pitchFamily="34" charset="0"/>
+                <a:cs typeface="Arial" panose="020B0604020202020204" pitchFamily="34" charset="0"/>
+              </a:rPr>
+              <a:t>ư</a:t>
+            </a:r>
+            <a:r>
+              <a:rPr lang="en-US" dirty="0" err="1">
+                <a:latin typeface="Arial" panose="020B0604020202020204" pitchFamily="34" charset="0"/>
+                <a:cs typeface="Arial" panose="020B0604020202020204" pitchFamily="34" charset="0"/>
+              </a:rPr>
+              <a:t>ờng</a:t>
+            </a:r>
+            <a:r>
+              <a:rPr lang="en-US" dirty="0">
+                <a:latin typeface="Arial" panose="020B0604020202020204" pitchFamily="34" charset="0"/>
+                <a:cs typeface="Arial" panose="020B0604020202020204" pitchFamily="34" charset="0"/>
+              </a:rPr>
+              <a:t>) đ</a:t>
+            </a:r>
+            <a:r>
+              <a:rPr lang="vi-VN" dirty="0">
+                <a:latin typeface="Arial" panose="020B0604020202020204" pitchFamily="34" charset="0"/>
+                <a:cs typeface="Arial" panose="020B0604020202020204" pitchFamily="34" charset="0"/>
+              </a:rPr>
+              <a:t>ư</a:t>
+            </a:r>
+            <a:r>
+              <a:rPr lang="en-US" dirty="0" err="1">
+                <a:latin typeface="Arial" panose="020B0604020202020204" pitchFamily="34" charset="0"/>
+                <a:cs typeface="Arial" panose="020B0604020202020204" pitchFamily="34" charset="0"/>
+              </a:rPr>
+              <a:t>ợc</a:t>
+            </a:r>
+            <a:r>
+              <a:rPr lang="en-US" dirty="0">
+                <a:latin typeface="Arial" panose="020B0604020202020204" pitchFamily="34" charset="0"/>
+                <a:cs typeface="Arial" panose="020B0604020202020204" pitchFamily="34" charset="0"/>
+              </a:rPr>
+              <a:t> </a:t>
+            </a:r>
+            <a:r>
+              <a:rPr lang="en-US" dirty="0" err="1">
+                <a:latin typeface="Arial" panose="020B0604020202020204" pitchFamily="34" charset="0"/>
+                <a:cs typeface="Arial" panose="020B0604020202020204" pitchFamily="34" charset="0"/>
+              </a:rPr>
+              <a:t>điều</a:t>
+            </a:r>
+            <a:r>
+              <a:rPr lang="en-US" dirty="0">
+                <a:latin typeface="Arial" panose="020B0604020202020204" pitchFamily="34" charset="0"/>
+                <a:cs typeface="Arial" panose="020B0604020202020204" pitchFamily="34" charset="0"/>
+              </a:rPr>
+              <a:t> </a:t>
+            </a:r>
+            <a:r>
+              <a:rPr lang="en-US" dirty="0" err="1">
+                <a:latin typeface="Arial" panose="020B0604020202020204" pitchFamily="34" charset="0"/>
+                <a:cs typeface="Arial" panose="020B0604020202020204" pitchFamily="34" charset="0"/>
+              </a:rPr>
+              <a:t>chỉnh</a:t>
+            </a:r>
+            <a:r>
+              <a:rPr lang="en-US" dirty="0">
+                <a:latin typeface="Arial" panose="020B0604020202020204" pitchFamily="34" charset="0"/>
+                <a:cs typeface="Arial" panose="020B0604020202020204" pitchFamily="34" charset="0"/>
+              </a:rPr>
+              <a:t> </a:t>
+            </a:r>
+            <a:r>
+              <a:rPr lang="en-US" dirty="0" err="1">
+                <a:latin typeface="Arial" panose="020B0604020202020204" pitchFamily="34" charset="0"/>
+                <a:cs typeface="Arial" panose="020B0604020202020204" pitchFamily="34" charset="0"/>
+              </a:rPr>
+              <a:t>để</a:t>
+            </a:r>
+            <a:r>
+              <a:rPr lang="en-US" dirty="0">
+                <a:latin typeface="Arial" panose="020B0604020202020204" pitchFamily="34" charset="0"/>
+                <a:cs typeface="Arial" panose="020B0604020202020204" pitchFamily="34" charset="0"/>
+              </a:rPr>
+              <a:t> </a:t>
+            </a:r>
+            <a:r>
+              <a:rPr lang="en-US" dirty="0" err="1">
+                <a:latin typeface="Arial" panose="020B0604020202020204" pitchFamily="34" charset="0"/>
+                <a:cs typeface="Arial" panose="020B0604020202020204" pitchFamily="34" charset="0"/>
+              </a:rPr>
+              <a:t>tìm</a:t>
+            </a:r>
+            <a:r>
+              <a:rPr lang="en-US" dirty="0">
+                <a:latin typeface="Arial" panose="020B0604020202020204" pitchFamily="34" charset="0"/>
+                <a:cs typeface="Arial" panose="020B0604020202020204" pitchFamily="34" charset="0"/>
+              </a:rPr>
+              <a:t> </a:t>
+            </a:r>
+            <a:r>
+              <a:rPr lang="en-US" dirty="0" err="1">
+                <a:latin typeface="Arial" panose="020B0604020202020204" pitchFamily="34" charset="0"/>
+                <a:cs typeface="Arial" panose="020B0604020202020204" pitchFamily="34" charset="0"/>
+              </a:rPr>
+              <a:t>một</a:t>
+            </a:r>
+            <a:r>
+              <a:rPr lang="en-US" dirty="0">
+                <a:latin typeface="Arial" panose="020B0604020202020204" pitchFamily="34" charset="0"/>
+                <a:cs typeface="Arial" panose="020B0604020202020204" pitchFamily="34" charset="0"/>
+              </a:rPr>
+              <a:t> </a:t>
+            </a:r>
+            <a:r>
+              <a:rPr lang="en-US" dirty="0" err="1">
+                <a:latin typeface="Arial" panose="020B0604020202020204" pitchFamily="34" charset="0"/>
+                <a:cs typeface="Arial" panose="020B0604020202020204" pitchFamily="34" charset="0"/>
+              </a:rPr>
+              <a:t>bảng</a:t>
+            </a:r>
+            <a:r>
+              <a:rPr lang="en-US" dirty="0">
+                <a:latin typeface="Arial" panose="020B0604020202020204" pitchFamily="34" charset="0"/>
+                <a:cs typeface="Arial" panose="020B0604020202020204" pitchFamily="34" charset="0"/>
+              </a:rPr>
+              <a:t> </a:t>
+            </a:r>
+            <a:r>
+              <a:rPr lang="en-US" dirty="0" err="1">
+                <a:latin typeface="Arial" panose="020B0604020202020204" pitchFamily="34" charset="0"/>
+                <a:cs typeface="Arial" panose="020B0604020202020204" pitchFamily="34" charset="0"/>
+              </a:rPr>
+              <a:t>màu</a:t>
+            </a:r>
+            <a:r>
+              <a:rPr lang="en-US" dirty="0">
+                <a:latin typeface="Arial" panose="020B0604020202020204" pitchFamily="34" charset="0"/>
+                <a:cs typeface="Arial" panose="020B0604020202020204" pitchFamily="34" charset="0"/>
+              </a:rPr>
+              <a:t> t</a:t>
+            </a:r>
+            <a:r>
+              <a:rPr lang="vi-VN" dirty="0">
+                <a:latin typeface="Arial" panose="020B0604020202020204" pitchFamily="34" charset="0"/>
+                <a:cs typeface="Arial" panose="020B0604020202020204" pitchFamily="34" charset="0"/>
+              </a:rPr>
+              <a:t>ư</a:t>
+            </a:r>
+            <a:r>
+              <a:rPr lang="en-US" dirty="0" err="1">
+                <a:latin typeface="Arial" panose="020B0604020202020204" pitchFamily="34" charset="0"/>
+                <a:cs typeface="Arial" panose="020B0604020202020204" pitchFamily="34" charset="0"/>
+              </a:rPr>
+              <a:t>ơng</a:t>
+            </a:r>
+            <a:r>
+              <a:rPr lang="en-US" dirty="0">
+                <a:latin typeface="Arial" panose="020B0604020202020204" pitchFamily="34" charset="0"/>
+                <a:cs typeface="Arial" panose="020B0604020202020204" pitchFamily="34" charset="0"/>
+              </a:rPr>
+              <a:t> </a:t>
+            </a:r>
+            <a:r>
+              <a:rPr lang="en-US" dirty="0" err="1">
+                <a:latin typeface="Arial" panose="020B0604020202020204" pitchFamily="34" charset="0"/>
+                <a:cs typeface="Arial" panose="020B0604020202020204" pitchFamily="34" charset="0"/>
+              </a:rPr>
+              <a:t>ứng</a:t>
+            </a:r>
+            <a:r>
+              <a:rPr lang="en-US" dirty="0">
+                <a:latin typeface="Arial" panose="020B0604020202020204" pitchFamily="34" charset="0"/>
+                <a:cs typeface="Arial" panose="020B0604020202020204" pitchFamily="34" charset="0"/>
+              </a:rPr>
+              <a:t> </a:t>
+            </a:r>
+            <a:r>
+              <a:rPr lang="en-US" dirty="0" err="1">
+                <a:latin typeface="Arial" panose="020B0604020202020204" pitchFamily="34" charset="0"/>
+                <a:cs typeface="Arial" panose="020B0604020202020204" pitchFamily="34" charset="0"/>
+              </a:rPr>
+              <a:t>nh</a:t>
+            </a:r>
+            <a:r>
+              <a:rPr lang="vi-VN" dirty="0">
+                <a:latin typeface="Arial" panose="020B0604020202020204" pitchFamily="34" charset="0"/>
+                <a:cs typeface="Arial" panose="020B0604020202020204" pitchFamily="34" charset="0"/>
+              </a:rPr>
+              <a:t>ư</a:t>
+            </a:r>
+            <a:r>
+              <a:rPr lang="en-US" dirty="0">
+                <a:latin typeface="Arial" panose="020B0604020202020204" pitchFamily="34" charset="0"/>
+                <a:cs typeface="Arial" panose="020B0604020202020204" pitchFamily="34" charset="0"/>
+              </a:rPr>
+              <a:t>ng </a:t>
+            </a:r>
+            <a:r>
+              <a:rPr lang="en-US" dirty="0" err="1">
+                <a:latin typeface="Arial" panose="020B0604020202020204" pitchFamily="34" charset="0"/>
+                <a:cs typeface="Arial" panose="020B0604020202020204" pitchFamily="34" charset="0"/>
+              </a:rPr>
+              <a:t>có</a:t>
+            </a:r>
+            <a:r>
+              <a:rPr lang="en-US" dirty="0">
+                <a:latin typeface="Arial" panose="020B0604020202020204" pitchFamily="34" charset="0"/>
+                <a:cs typeface="Arial" panose="020B0604020202020204" pitchFamily="34" charset="0"/>
+              </a:rPr>
+              <a:t> c</a:t>
+            </a:r>
+            <a:r>
+              <a:rPr lang="vi-VN" dirty="0">
+                <a:latin typeface="Arial" panose="020B0604020202020204" pitchFamily="34" charset="0"/>
+                <a:cs typeface="Arial" panose="020B0604020202020204" pitchFamily="34" charset="0"/>
+              </a:rPr>
+              <a:t>ư</a:t>
+            </a:r>
+            <a:r>
+              <a:rPr lang="en-US" dirty="0" err="1">
+                <a:latin typeface="Arial" panose="020B0604020202020204" pitchFamily="34" charset="0"/>
+                <a:cs typeface="Arial" panose="020B0604020202020204" pitchFamily="34" charset="0"/>
+              </a:rPr>
+              <a:t>ờng</a:t>
+            </a:r>
+            <a:r>
+              <a:rPr lang="en-US" dirty="0">
+                <a:latin typeface="Arial" panose="020B0604020202020204" pitchFamily="34" charset="0"/>
+                <a:cs typeface="Arial" panose="020B0604020202020204" pitchFamily="34" charset="0"/>
+              </a:rPr>
+              <a:t> </a:t>
+            </a:r>
+            <a:r>
+              <a:rPr lang="en-US" dirty="0" err="1">
+                <a:latin typeface="Arial" panose="020B0604020202020204" pitchFamily="34" charset="0"/>
+                <a:cs typeface="Arial" panose="020B0604020202020204" pitchFamily="34" charset="0"/>
+              </a:rPr>
+              <a:t>độ</a:t>
+            </a:r>
+            <a:r>
+              <a:rPr lang="en-US" dirty="0">
+                <a:latin typeface="Arial" panose="020B0604020202020204" pitchFamily="34" charset="0"/>
+                <a:cs typeface="Arial" panose="020B0604020202020204" pitchFamily="34" charset="0"/>
+              </a:rPr>
+              <a:t> đ</a:t>
+            </a:r>
+            <a:r>
+              <a:rPr lang="vi-VN" dirty="0">
+                <a:latin typeface="Arial" panose="020B0604020202020204" pitchFamily="34" charset="0"/>
+                <a:cs typeface="Arial" panose="020B0604020202020204" pitchFamily="34" charset="0"/>
+              </a:rPr>
+              <a:t>ư</a:t>
+            </a:r>
+            <a:r>
+              <a:rPr lang="en-US" dirty="0" err="1">
+                <a:latin typeface="Arial" panose="020B0604020202020204" pitchFamily="34" charset="0"/>
+                <a:cs typeface="Arial" panose="020B0604020202020204" pitchFamily="34" charset="0"/>
+              </a:rPr>
+              <a:t>ợc</a:t>
+            </a:r>
+            <a:r>
+              <a:rPr lang="en-US" dirty="0">
+                <a:latin typeface="Arial" panose="020B0604020202020204" pitchFamily="34" charset="0"/>
+                <a:cs typeface="Arial" panose="020B0604020202020204" pitchFamily="34" charset="0"/>
+              </a:rPr>
+              <a:t> </a:t>
+            </a:r>
+            <a:r>
+              <a:rPr lang="en-US" dirty="0" err="1">
+                <a:latin typeface="Arial" panose="020B0604020202020204" pitchFamily="34" charset="0"/>
+                <a:cs typeface="Arial" panose="020B0604020202020204" pitchFamily="34" charset="0"/>
+              </a:rPr>
+              <a:t>giảm</a:t>
+            </a:r>
+            <a:r>
+              <a:rPr lang="en-US" dirty="0">
+                <a:latin typeface="Arial" panose="020B0604020202020204" pitchFamily="34" charset="0"/>
+                <a:cs typeface="Arial" panose="020B0604020202020204" pitchFamily="34" charset="0"/>
+              </a:rPr>
+              <a:t> </a:t>
+            </a:r>
+            <a:r>
+              <a:rPr lang="en-US" dirty="0" err="1">
+                <a:latin typeface="Arial" panose="020B0604020202020204" pitchFamily="34" charset="0"/>
+                <a:cs typeface="Arial" panose="020B0604020202020204" pitchFamily="34" charset="0"/>
+              </a:rPr>
+              <a:t>đi</a:t>
+            </a:r>
+            <a:r>
+              <a:rPr lang="en-US" dirty="0">
+                <a:latin typeface="Arial" panose="020B0604020202020204" pitchFamily="34" charset="0"/>
+                <a:cs typeface="Arial" panose="020B0604020202020204" pitchFamily="34" charset="0"/>
+              </a:rPr>
+              <a:t>. </a:t>
+            </a:r>
+            <a:r>
+              <a:rPr lang="en-US" dirty="0" err="1">
+                <a:latin typeface="Arial" panose="020B0604020202020204" pitchFamily="34" charset="0"/>
+                <a:cs typeface="Arial" panose="020B0604020202020204" pitchFamily="34" charset="0"/>
+              </a:rPr>
+              <a:t>Sử</a:t>
+            </a:r>
+            <a:r>
+              <a:rPr lang="en-US" dirty="0">
+                <a:latin typeface="Arial" panose="020B0604020202020204" pitchFamily="34" charset="0"/>
+                <a:cs typeface="Arial" panose="020B0604020202020204" pitchFamily="34" charset="0"/>
+              </a:rPr>
+              <a:t> </a:t>
+            </a:r>
+            <a:r>
+              <a:rPr lang="en-US" dirty="0" err="1">
+                <a:latin typeface="Arial" panose="020B0604020202020204" pitchFamily="34" charset="0"/>
+                <a:cs typeface="Arial" panose="020B0604020202020204" pitchFamily="34" charset="0"/>
+              </a:rPr>
+              <a:t>dụng</a:t>
+            </a:r>
+            <a:r>
+              <a:rPr lang="en-US" dirty="0">
+                <a:latin typeface="Arial" panose="020B0604020202020204" pitchFamily="34" charset="0"/>
+                <a:cs typeface="Arial" panose="020B0604020202020204" pitchFamily="34" charset="0"/>
+              </a:rPr>
+              <a:t> </a:t>
+            </a:r>
+            <a:r>
+              <a:rPr lang="en-US" dirty="0" err="1">
+                <a:latin typeface="Arial" panose="020B0604020202020204" pitchFamily="34" charset="0"/>
+                <a:cs typeface="Arial" panose="020B0604020202020204" pitchFamily="34" charset="0"/>
+              </a:rPr>
+              <a:t>các</a:t>
+            </a:r>
+            <a:r>
+              <a:rPr lang="en-US" dirty="0">
+                <a:latin typeface="Arial" panose="020B0604020202020204" pitchFamily="34" charset="0"/>
+                <a:cs typeface="Arial" panose="020B0604020202020204" pitchFamily="34" charset="0"/>
+              </a:rPr>
+              <a:t> </a:t>
+            </a:r>
+            <a:r>
+              <a:rPr lang="en-US" dirty="0" err="1">
+                <a:latin typeface="Arial" panose="020B0604020202020204" pitchFamily="34" charset="0"/>
+                <a:cs typeface="Arial" panose="020B0604020202020204" pitchFamily="34" charset="0"/>
+              </a:rPr>
+              <a:t>điểm</a:t>
+            </a:r>
+            <a:r>
+              <a:rPr lang="en-US" dirty="0">
+                <a:latin typeface="Arial" panose="020B0604020202020204" pitchFamily="34" charset="0"/>
+                <a:cs typeface="Arial" panose="020B0604020202020204" pitchFamily="34" charset="0"/>
+              </a:rPr>
+              <a:t> </a:t>
+            </a:r>
+            <a:r>
+              <a:rPr lang="en-US" dirty="0" err="1">
+                <a:latin typeface="Arial" panose="020B0604020202020204" pitchFamily="34" charset="0"/>
+                <a:cs typeface="Arial" panose="020B0604020202020204" pitchFamily="34" charset="0"/>
+              </a:rPr>
+              <a:t>trung</a:t>
+            </a:r>
+            <a:r>
+              <a:rPr lang="en-US" dirty="0">
+                <a:latin typeface="Arial" panose="020B0604020202020204" pitchFamily="34" charset="0"/>
+                <a:cs typeface="Arial" panose="020B0604020202020204" pitchFamily="34" charset="0"/>
+              </a:rPr>
+              <a:t> </a:t>
+            </a:r>
+            <a:r>
+              <a:rPr lang="en-US" dirty="0" err="1">
+                <a:latin typeface="Arial" panose="020B0604020202020204" pitchFamily="34" charset="0"/>
+                <a:cs typeface="Arial" panose="020B0604020202020204" pitchFamily="34" charset="0"/>
+              </a:rPr>
+              <a:t>tâm</a:t>
+            </a:r>
+            <a:r>
+              <a:rPr lang="en-US" dirty="0">
+                <a:latin typeface="Arial" panose="020B0604020202020204" pitchFamily="34" charset="0"/>
+                <a:cs typeface="Arial" panose="020B0604020202020204" pitchFamily="34" charset="0"/>
+              </a:rPr>
+              <a:t> </a:t>
+            </a:r>
+            <a:r>
+              <a:rPr lang="en-US" dirty="0" err="1">
+                <a:latin typeface="Arial" panose="020B0604020202020204" pitchFamily="34" charset="0"/>
+                <a:cs typeface="Arial" panose="020B0604020202020204" pitchFamily="34" charset="0"/>
+              </a:rPr>
+              <a:t>của</a:t>
+            </a:r>
+            <a:r>
+              <a:rPr lang="en-US" dirty="0">
+                <a:latin typeface="Arial" panose="020B0604020202020204" pitchFamily="34" charset="0"/>
+                <a:cs typeface="Arial" panose="020B0604020202020204" pitchFamily="34" charset="0"/>
+              </a:rPr>
+              <a:t> </a:t>
+            </a:r>
+            <a:r>
+              <a:rPr lang="en-US" dirty="0" err="1">
+                <a:latin typeface="Arial" panose="020B0604020202020204" pitchFamily="34" charset="0"/>
+                <a:cs typeface="Arial" panose="020B0604020202020204" pitchFamily="34" charset="0"/>
+              </a:rPr>
+              <a:t>các</a:t>
+            </a:r>
+            <a:r>
+              <a:rPr lang="en-US" dirty="0">
+                <a:latin typeface="Arial" panose="020B0604020202020204" pitchFamily="34" charset="0"/>
+                <a:cs typeface="Arial" panose="020B0604020202020204" pitchFamily="34" charset="0"/>
+              </a:rPr>
+              <a:t> Gaussian </a:t>
+            </a:r>
+            <a:r>
+              <a:rPr lang="en-US" dirty="0" err="1">
+                <a:latin typeface="Arial" panose="020B0604020202020204" pitchFamily="34" charset="0"/>
+                <a:cs typeface="Arial" panose="020B0604020202020204" pitchFamily="34" charset="0"/>
+              </a:rPr>
+              <a:t>chồng</a:t>
+            </a:r>
+            <a:r>
+              <a:rPr lang="en-US" dirty="0">
+                <a:latin typeface="Arial" panose="020B0604020202020204" pitchFamily="34" charset="0"/>
+                <a:cs typeface="Arial" panose="020B0604020202020204" pitchFamily="34" charset="0"/>
+              </a:rPr>
+              <a:t> </a:t>
+            </a:r>
+            <a:r>
+              <a:rPr lang="en-US" dirty="0" err="1">
+                <a:latin typeface="Arial" panose="020B0604020202020204" pitchFamily="34" charset="0"/>
+                <a:cs typeface="Arial" panose="020B0604020202020204" pitchFamily="34" charset="0"/>
+              </a:rPr>
+              <a:t>lên</a:t>
+            </a:r>
+            <a:r>
+              <a:rPr lang="en-US" dirty="0">
+                <a:latin typeface="Arial" panose="020B0604020202020204" pitchFamily="34" charset="0"/>
+                <a:cs typeface="Arial" panose="020B0604020202020204" pitchFamily="34" charset="0"/>
+              </a:rPr>
+              <a:t> </a:t>
+            </a:r>
+            <a:r>
+              <a:rPr lang="en-US" dirty="0" err="1">
+                <a:latin typeface="Arial" panose="020B0604020202020204" pitchFamily="34" charset="0"/>
+                <a:cs typeface="Arial" panose="020B0604020202020204" pitchFamily="34" charset="0"/>
+              </a:rPr>
+              <a:t>nhau</a:t>
+            </a:r>
+            <a:r>
+              <a:rPr lang="en-US" dirty="0">
+                <a:latin typeface="Arial" panose="020B0604020202020204" pitchFamily="34" charset="0"/>
+                <a:cs typeface="Arial" panose="020B0604020202020204" pitchFamily="34" charset="0"/>
+              </a:rPr>
+              <a:t> </a:t>
+            </a:r>
+            <a:r>
+              <a:rPr lang="en-US" dirty="0" err="1">
+                <a:latin typeface="Arial" panose="020B0604020202020204" pitchFamily="34" charset="0"/>
+                <a:cs typeface="Arial" panose="020B0604020202020204" pitchFamily="34" charset="0"/>
+              </a:rPr>
+              <a:t>nh</a:t>
+            </a:r>
+            <a:r>
+              <a:rPr lang="vi-VN" dirty="0">
+                <a:latin typeface="Arial" panose="020B0604020202020204" pitchFamily="34" charset="0"/>
+                <a:cs typeface="Arial" panose="020B0604020202020204" pitchFamily="34" charset="0"/>
+              </a:rPr>
+              <a:t>ư</a:t>
+            </a:r>
+            <a:r>
+              <a:rPr lang="en-US" dirty="0">
+                <a:latin typeface="Arial" panose="020B0604020202020204" pitchFamily="34" charset="0"/>
+                <a:cs typeface="Arial" panose="020B0604020202020204" pitchFamily="34" charset="0"/>
+              </a:rPr>
+              <a:t> </a:t>
+            </a:r>
+            <a:r>
+              <a:rPr lang="en-US" dirty="0" err="1">
+                <a:latin typeface="Arial" panose="020B0604020202020204" pitchFamily="34" charset="0"/>
+                <a:cs typeface="Arial" panose="020B0604020202020204" pitchFamily="34" charset="0"/>
+              </a:rPr>
+              <a:t>màu</a:t>
+            </a:r>
+            <a:r>
+              <a:rPr lang="en-US" dirty="0">
+                <a:latin typeface="Arial" panose="020B0604020202020204" pitchFamily="34" charset="0"/>
+                <a:cs typeface="Arial" panose="020B0604020202020204" pitchFamily="34" charset="0"/>
+              </a:rPr>
+              <a:t> “</a:t>
+            </a:r>
+            <a:r>
+              <a:rPr lang="en-US" dirty="0" err="1">
+                <a:latin typeface="Arial" panose="020B0604020202020204" pitchFamily="34" charset="0"/>
+                <a:cs typeface="Arial" panose="020B0604020202020204" pitchFamily="34" charset="0"/>
+              </a:rPr>
+              <a:t>trung</a:t>
+            </a:r>
+            <a:r>
+              <a:rPr lang="en-US" dirty="0">
+                <a:latin typeface="Arial" panose="020B0604020202020204" pitchFamily="34" charset="0"/>
+                <a:cs typeface="Arial" panose="020B0604020202020204" pitchFamily="34" charset="0"/>
+              </a:rPr>
+              <a:t> </a:t>
+            </a:r>
+            <a:r>
+              <a:rPr lang="en-US" dirty="0" err="1">
+                <a:latin typeface="Arial" panose="020B0604020202020204" pitchFamily="34" charset="0"/>
+                <a:cs typeface="Arial" panose="020B0604020202020204" pitchFamily="34" charset="0"/>
+              </a:rPr>
+              <a:t>bình</a:t>
+            </a:r>
+            <a:r>
+              <a:rPr lang="en-US" dirty="0">
+                <a:latin typeface="Arial" panose="020B0604020202020204" pitchFamily="34" charset="0"/>
+                <a:cs typeface="Arial" panose="020B0604020202020204" pitchFamily="34" charset="0"/>
+              </a:rPr>
+              <a:t>” </a:t>
+            </a:r>
+            <a:r>
+              <a:rPr lang="en-US" dirty="0" err="1">
+                <a:latin typeface="Arial" panose="020B0604020202020204" pitchFamily="34" charset="0"/>
+                <a:cs typeface="Arial" panose="020B0604020202020204" pitchFamily="34" charset="0"/>
+              </a:rPr>
+              <a:t>là</a:t>
+            </a:r>
+            <a:r>
+              <a:rPr lang="en-US" dirty="0">
+                <a:latin typeface="Arial" panose="020B0604020202020204" pitchFamily="34" charset="0"/>
+                <a:cs typeface="Arial" panose="020B0604020202020204" pitchFamily="34" charset="0"/>
+              </a:rPr>
+              <a:t> </a:t>
+            </a:r>
+            <a:r>
+              <a:rPr lang="en-US" dirty="0" err="1">
+                <a:latin typeface="Arial" panose="020B0604020202020204" pitchFamily="34" charset="0"/>
+                <a:cs typeface="Arial" panose="020B0604020202020204" pitchFamily="34" charset="0"/>
+              </a:rPr>
+              <a:t>một</a:t>
+            </a:r>
+            <a:r>
+              <a:rPr lang="en-US" dirty="0">
+                <a:latin typeface="Arial" panose="020B0604020202020204" pitchFamily="34" charset="0"/>
+                <a:cs typeface="Arial" panose="020B0604020202020204" pitchFamily="34" charset="0"/>
+              </a:rPr>
+              <a:t> </a:t>
+            </a:r>
+            <a:r>
+              <a:rPr lang="en-US" dirty="0" err="1">
+                <a:latin typeface="Arial" panose="020B0604020202020204" pitchFamily="34" charset="0"/>
+                <a:cs typeface="Arial" panose="020B0604020202020204" pitchFamily="34" charset="0"/>
+              </a:rPr>
+              <a:t>lựa</a:t>
+            </a:r>
+            <a:r>
+              <a:rPr lang="en-US" dirty="0">
+                <a:latin typeface="Arial" panose="020B0604020202020204" pitchFamily="34" charset="0"/>
+                <a:cs typeface="Arial" panose="020B0604020202020204" pitchFamily="34" charset="0"/>
+              </a:rPr>
+              <a:t> </a:t>
+            </a:r>
+            <a:r>
+              <a:rPr lang="en-US" dirty="0" err="1">
+                <a:latin typeface="Arial" panose="020B0604020202020204" pitchFamily="34" charset="0"/>
+                <a:cs typeface="Arial" panose="020B0604020202020204" pitchFamily="34" charset="0"/>
+              </a:rPr>
+              <a:t>chọn</a:t>
+            </a:r>
+            <a:r>
+              <a:rPr lang="en-US" dirty="0">
+                <a:latin typeface="Arial" panose="020B0604020202020204" pitchFamily="34" charset="0"/>
+                <a:cs typeface="Arial" panose="020B0604020202020204" pitchFamily="34" charset="0"/>
+              </a:rPr>
+              <a:t> </a:t>
+            </a:r>
+            <a:r>
+              <a:rPr lang="en-US" dirty="0" err="1">
+                <a:latin typeface="Arial" panose="020B0604020202020204" pitchFamily="34" charset="0"/>
+                <a:cs typeface="Arial" panose="020B0604020202020204" pitchFamily="34" charset="0"/>
+              </a:rPr>
+              <a:t>tốt</a:t>
+            </a:r>
+            <a:r>
+              <a:rPr lang="en-US" dirty="0">
+                <a:latin typeface="Arial" panose="020B0604020202020204" pitchFamily="34" charset="0"/>
+                <a:cs typeface="Arial" panose="020B0604020202020204" pitchFamily="34" charset="0"/>
+              </a:rPr>
+              <a:t> h</a:t>
+            </a:r>
+            <a:r>
+              <a:rPr lang="vi-VN" dirty="0">
+                <a:latin typeface="Arial" panose="020B0604020202020204" pitchFamily="34" charset="0"/>
+                <a:cs typeface="Arial" panose="020B0604020202020204" pitchFamily="34" charset="0"/>
+              </a:rPr>
+              <a:t>ơ</a:t>
+            </a:r>
+            <a:r>
+              <a:rPr lang="en-US" dirty="0">
+                <a:latin typeface="Arial" panose="020B0604020202020204" pitchFamily="34" charset="0"/>
+                <a:cs typeface="Arial" panose="020B0604020202020204" pitchFamily="34" charset="0"/>
+              </a:rPr>
+              <a:t>n </a:t>
+            </a:r>
+            <a:r>
+              <a:rPr lang="en-US" dirty="0" err="1">
+                <a:latin typeface="Arial" panose="020B0604020202020204" pitchFamily="34" charset="0"/>
+                <a:cs typeface="Arial" panose="020B0604020202020204" pitchFamily="34" charset="0"/>
+              </a:rPr>
+              <a:t>vì</a:t>
+            </a:r>
+            <a:r>
+              <a:rPr lang="en-US" dirty="0">
+                <a:latin typeface="Arial" panose="020B0604020202020204" pitchFamily="34" charset="0"/>
+                <a:cs typeface="Arial" panose="020B0604020202020204" pitchFamily="34" charset="0"/>
+              </a:rPr>
+              <a:t> </a:t>
+            </a:r>
+            <a:r>
+              <a:rPr lang="en-US" dirty="0" err="1">
+                <a:latin typeface="Arial" panose="020B0604020202020204" pitchFamily="34" charset="0"/>
+                <a:cs typeface="Arial" panose="020B0604020202020204" pitchFamily="34" charset="0"/>
+              </a:rPr>
+              <a:t>các</a:t>
+            </a:r>
+            <a:r>
+              <a:rPr lang="en-US" dirty="0">
+                <a:latin typeface="Arial" panose="020B0604020202020204" pitchFamily="34" charset="0"/>
+                <a:cs typeface="Arial" panose="020B0604020202020204" pitchFamily="34" charset="0"/>
+              </a:rPr>
+              <a:t> </a:t>
+            </a:r>
+            <a:r>
+              <a:rPr lang="en-US" dirty="0" err="1">
+                <a:latin typeface="Arial" panose="020B0604020202020204" pitchFamily="34" charset="0"/>
+                <a:cs typeface="Arial" panose="020B0604020202020204" pitchFamily="34" charset="0"/>
+              </a:rPr>
+              <a:t>cụm</a:t>
+            </a:r>
+            <a:r>
+              <a:rPr lang="en-US" dirty="0">
+                <a:latin typeface="Arial" panose="020B0604020202020204" pitchFamily="34" charset="0"/>
+                <a:cs typeface="Arial" panose="020B0604020202020204" pitchFamily="34" charset="0"/>
+              </a:rPr>
+              <a:t> </a:t>
+            </a:r>
+            <a:r>
+              <a:rPr lang="en-US" dirty="0" err="1">
+                <a:latin typeface="Arial" panose="020B0604020202020204" pitchFamily="34" charset="0"/>
+                <a:cs typeface="Arial" panose="020B0604020202020204" pitchFamily="34" charset="0"/>
+              </a:rPr>
+              <a:t>điểm</a:t>
+            </a:r>
+            <a:r>
+              <a:rPr lang="en-US" dirty="0">
+                <a:latin typeface="Arial" panose="020B0604020202020204" pitchFamily="34" charset="0"/>
+                <a:cs typeface="Arial" panose="020B0604020202020204" pitchFamily="34" charset="0"/>
+              </a:rPr>
+              <a:t> </a:t>
+            </a:r>
+            <a:r>
+              <a:rPr lang="en-US" dirty="0" err="1">
+                <a:latin typeface="Arial" panose="020B0604020202020204" pitchFamily="34" charset="0"/>
+                <a:cs typeface="Arial" panose="020B0604020202020204" pitchFamily="34" charset="0"/>
+              </a:rPr>
+              <a:t>trung</a:t>
+            </a:r>
+            <a:r>
+              <a:rPr lang="en-US" dirty="0">
+                <a:latin typeface="Arial" panose="020B0604020202020204" pitchFamily="34" charset="0"/>
+                <a:cs typeface="Arial" panose="020B0604020202020204" pitchFamily="34" charset="0"/>
+              </a:rPr>
+              <a:t> </a:t>
+            </a:r>
+            <a:r>
+              <a:rPr lang="en-US" dirty="0" err="1">
+                <a:latin typeface="Arial" panose="020B0604020202020204" pitchFamily="34" charset="0"/>
+                <a:cs typeface="Arial" panose="020B0604020202020204" pitchFamily="34" charset="0"/>
+              </a:rPr>
+              <a:t>tâm</a:t>
+            </a:r>
+            <a:r>
+              <a:rPr lang="en-US" dirty="0">
+                <a:latin typeface="Arial" panose="020B0604020202020204" pitchFamily="34" charset="0"/>
+                <a:cs typeface="Arial" panose="020B0604020202020204" pitchFamily="34" charset="0"/>
+              </a:rPr>
+              <a:t> </a:t>
+            </a:r>
+            <a:r>
+              <a:rPr lang="en-US" dirty="0" err="1">
+                <a:latin typeface="Arial" panose="020B0604020202020204" pitchFamily="34" charset="0"/>
+                <a:cs typeface="Arial" panose="020B0604020202020204" pitchFamily="34" charset="0"/>
+              </a:rPr>
+              <a:t>dành</a:t>
+            </a:r>
+            <a:r>
+              <a:rPr lang="en-US" dirty="0">
+                <a:latin typeface="Arial" panose="020B0604020202020204" pitchFamily="34" charset="0"/>
+                <a:cs typeface="Arial" panose="020B0604020202020204" pitchFamily="34" charset="0"/>
+              </a:rPr>
+              <a:t> </a:t>
+            </a:r>
+            <a:r>
+              <a:rPr lang="en-US" dirty="0" err="1">
+                <a:latin typeface="Arial" panose="020B0604020202020204" pitchFamily="34" charset="0"/>
+                <a:cs typeface="Arial" panose="020B0604020202020204" pitchFamily="34" charset="0"/>
+              </a:rPr>
+              <a:t>cho</a:t>
+            </a:r>
+            <a:r>
+              <a:rPr lang="en-US" dirty="0">
+                <a:latin typeface="Arial" panose="020B0604020202020204" pitchFamily="34" charset="0"/>
+                <a:cs typeface="Arial" panose="020B0604020202020204" pitchFamily="34" charset="0"/>
+              </a:rPr>
+              <a:t> </a:t>
+            </a:r>
+            <a:r>
+              <a:rPr lang="en-US" dirty="0" err="1">
+                <a:latin typeface="Arial" panose="020B0604020202020204" pitchFamily="34" charset="0"/>
+                <a:cs typeface="Arial" panose="020B0604020202020204" pitchFamily="34" charset="0"/>
+              </a:rPr>
+              <a:t>các</a:t>
+            </a:r>
+            <a:r>
+              <a:rPr lang="en-US" dirty="0">
+                <a:latin typeface="Arial" panose="020B0604020202020204" pitchFamily="34" charset="0"/>
+                <a:cs typeface="Arial" panose="020B0604020202020204" pitchFamily="34" charset="0"/>
+              </a:rPr>
+              <a:t> </a:t>
+            </a:r>
+            <a:r>
+              <a:rPr lang="en-US" dirty="0" err="1">
+                <a:latin typeface="Arial" panose="020B0604020202020204" pitchFamily="34" charset="0"/>
+                <a:cs typeface="Arial" panose="020B0604020202020204" pitchFamily="34" charset="0"/>
+              </a:rPr>
+              <a:t>màu</a:t>
+            </a:r>
+            <a:r>
+              <a:rPr lang="en-US" dirty="0">
+                <a:latin typeface="Arial" panose="020B0604020202020204" pitchFamily="34" charset="0"/>
+                <a:cs typeface="Arial" panose="020B0604020202020204" pitchFamily="34" charset="0"/>
+              </a:rPr>
+              <a:t> </a:t>
+            </a:r>
+            <a:r>
+              <a:rPr lang="en-US" dirty="0" err="1">
+                <a:latin typeface="Arial" panose="020B0604020202020204" pitchFamily="34" charset="0"/>
+                <a:cs typeface="Arial" panose="020B0604020202020204" pitchFamily="34" charset="0"/>
+              </a:rPr>
+              <a:t>hiếm</a:t>
+            </a:r>
+            <a:r>
+              <a:rPr lang="en-US" dirty="0">
+                <a:latin typeface="Arial" panose="020B0604020202020204" pitchFamily="34" charset="0"/>
+                <a:cs typeface="Arial" panose="020B0604020202020204" pitchFamily="34" charset="0"/>
+              </a:rPr>
+              <a:t> </a:t>
+            </a:r>
+            <a:r>
+              <a:rPr lang="en-US" dirty="0" err="1">
+                <a:latin typeface="Arial" panose="020B0604020202020204" pitchFamily="34" charset="0"/>
+                <a:cs typeface="Arial" panose="020B0604020202020204" pitchFamily="34" charset="0"/>
+              </a:rPr>
+              <a:t>sẽ</a:t>
+            </a:r>
+            <a:r>
+              <a:rPr lang="en-US" dirty="0">
+                <a:latin typeface="Arial" panose="020B0604020202020204" pitchFamily="34" charset="0"/>
+                <a:cs typeface="Arial" panose="020B0604020202020204" pitchFamily="34" charset="0"/>
+              </a:rPr>
+              <a:t> </a:t>
+            </a:r>
+            <a:r>
+              <a:rPr lang="en-US" dirty="0" err="1">
+                <a:latin typeface="Arial" panose="020B0604020202020204" pitchFamily="34" charset="0"/>
+                <a:cs typeface="Arial" panose="020B0604020202020204" pitchFamily="34" charset="0"/>
+              </a:rPr>
+              <a:t>ít</a:t>
+            </a:r>
+            <a:r>
+              <a:rPr lang="en-US" dirty="0">
+                <a:latin typeface="Arial" panose="020B0604020202020204" pitchFamily="34" charset="0"/>
+                <a:cs typeface="Arial" panose="020B0604020202020204" pitchFamily="34" charset="0"/>
+              </a:rPr>
+              <a:t> </a:t>
+            </a:r>
+            <a:r>
+              <a:rPr lang="en-US" dirty="0" err="1">
+                <a:latin typeface="Arial" panose="020B0604020202020204" pitchFamily="34" charset="0"/>
+                <a:cs typeface="Arial" panose="020B0604020202020204" pitchFamily="34" charset="0"/>
+              </a:rPr>
+              <a:t>ảnh</a:t>
+            </a:r>
+            <a:r>
+              <a:rPr lang="en-US" dirty="0">
+                <a:latin typeface="Arial" panose="020B0604020202020204" pitchFamily="34" charset="0"/>
+                <a:cs typeface="Arial" panose="020B0604020202020204" pitchFamily="34" charset="0"/>
+              </a:rPr>
+              <a:t> h</a:t>
+            </a:r>
+            <a:r>
+              <a:rPr lang="vi-VN" dirty="0">
+                <a:latin typeface="Arial" panose="020B0604020202020204" pitchFamily="34" charset="0"/>
+                <a:cs typeface="Arial" panose="020B0604020202020204" pitchFamily="34" charset="0"/>
+              </a:rPr>
+              <a:t>ư</a:t>
+            </a:r>
+            <a:r>
+              <a:rPr lang="en-US" dirty="0" err="1">
+                <a:latin typeface="Arial" panose="020B0604020202020204" pitchFamily="34" charset="0"/>
+                <a:cs typeface="Arial" panose="020B0604020202020204" pitchFamily="34" charset="0"/>
+              </a:rPr>
+              <a:t>ởng</a:t>
+            </a:r>
+            <a:r>
+              <a:rPr lang="en-US" dirty="0">
+                <a:latin typeface="Arial" panose="020B0604020202020204" pitchFamily="34" charset="0"/>
+                <a:cs typeface="Arial" panose="020B0604020202020204" pitchFamily="34" charset="0"/>
+              </a:rPr>
+              <a:t> </a:t>
+            </a:r>
+            <a:r>
+              <a:rPr lang="en-US" dirty="0" err="1">
+                <a:latin typeface="Arial" panose="020B0604020202020204" pitchFamily="34" charset="0"/>
+                <a:cs typeface="Arial" panose="020B0604020202020204" pitchFamily="34" charset="0"/>
+              </a:rPr>
+              <a:t>tới</a:t>
+            </a:r>
+            <a:r>
+              <a:rPr lang="en-US" dirty="0">
+                <a:latin typeface="Arial" panose="020B0604020202020204" pitchFamily="34" charset="0"/>
+                <a:cs typeface="Arial" panose="020B0604020202020204" pitchFamily="34" charset="0"/>
+              </a:rPr>
+              <a:t> </a:t>
+            </a:r>
+            <a:r>
+              <a:rPr lang="en-US" dirty="0" err="1">
+                <a:latin typeface="Arial" panose="020B0604020202020204" pitchFamily="34" charset="0"/>
+                <a:cs typeface="Arial" panose="020B0604020202020204" pitchFamily="34" charset="0"/>
+              </a:rPr>
+              <a:t>bảng</a:t>
+            </a:r>
+            <a:r>
+              <a:rPr lang="en-US" dirty="0">
+                <a:latin typeface="Arial" panose="020B0604020202020204" pitchFamily="34" charset="0"/>
+                <a:cs typeface="Arial" panose="020B0604020202020204" pitchFamily="34" charset="0"/>
+              </a:rPr>
+              <a:t> </a:t>
+            </a:r>
+            <a:r>
+              <a:rPr lang="en-US" dirty="0" err="1">
+                <a:latin typeface="Arial" panose="020B0604020202020204" pitchFamily="34" charset="0"/>
+                <a:cs typeface="Arial" panose="020B0604020202020204" pitchFamily="34" charset="0"/>
+              </a:rPr>
+              <a:t>màu</a:t>
+            </a:r>
+            <a:r>
+              <a:rPr lang="en-US" dirty="0">
+                <a:latin typeface="Arial" panose="020B0604020202020204" pitchFamily="34" charset="0"/>
+                <a:cs typeface="Arial" panose="020B0604020202020204" pitchFamily="34" charset="0"/>
+              </a:rPr>
+              <a:t> h</a:t>
+            </a:r>
+            <a:r>
+              <a:rPr lang="vi-VN" dirty="0">
+                <a:latin typeface="Arial" panose="020B0604020202020204" pitchFamily="34" charset="0"/>
+                <a:cs typeface="Arial" panose="020B0604020202020204" pitchFamily="34" charset="0"/>
+              </a:rPr>
+              <a:t>ơ</a:t>
+            </a:r>
+            <a:r>
+              <a:rPr lang="en-US" dirty="0">
+                <a:latin typeface="Arial" panose="020B0604020202020204" pitchFamily="34" charset="0"/>
+                <a:cs typeface="Arial" panose="020B0604020202020204" pitchFamily="34" charset="0"/>
+              </a:rPr>
+              <a:t>n do </a:t>
+            </a:r>
+            <a:r>
+              <a:rPr lang="en-US" dirty="0" err="1">
+                <a:latin typeface="Arial" panose="020B0604020202020204" pitchFamily="34" charset="0"/>
+                <a:cs typeface="Arial" panose="020B0604020202020204" pitchFamily="34" charset="0"/>
+              </a:rPr>
+              <a:t>hiệp</a:t>
+            </a:r>
+            <a:r>
+              <a:rPr lang="en-US" dirty="0">
+                <a:latin typeface="Arial" panose="020B0604020202020204" pitchFamily="34" charset="0"/>
+                <a:cs typeface="Arial" panose="020B0604020202020204" pitchFamily="34" charset="0"/>
+              </a:rPr>
+              <a:t> </a:t>
+            </a:r>
+            <a:r>
+              <a:rPr lang="en-US" dirty="0" err="1">
+                <a:latin typeface="Arial" panose="020B0604020202020204" pitchFamily="34" charset="0"/>
+                <a:cs typeface="Arial" panose="020B0604020202020204" pitchFamily="34" charset="0"/>
+              </a:rPr>
+              <a:t>ph</a:t>
+            </a:r>
+            <a:r>
+              <a:rPr lang="vi-VN" dirty="0">
+                <a:latin typeface="Arial" panose="020B0604020202020204" pitchFamily="34" charset="0"/>
+                <a:cs typeface="Arial" panose="020B0604020202020204" pitchFamily="34" charset="0"/>
+              </a:rPr>
+              <a:t>ư</a:t>
+            </a:r>
+            <a:r>
+              <a:rPr lang="en-US" dirty="0" err="1">
+                <a:latin typeface="Arial" panose="020B0604020202020204" pitchFamily="34" charset="0"/>
+                <a:cs typeface="Arial" panose="020B0604020202020204" pitchFamily="34" charset="0"/>
+              </a:rPr>
+              <a:t>ơng</a:t>
+            </a:r>
+            <a:r>
+              <a:rPr lang="en-US" dirty="0">
+                <a:latin typeface="Arial" panose="020B0604020202020204" pitchFamily="34" charset="0"/>
+                <a:cs typeface="Arial" panose="020B0604020202020204" pitchFamily="34" charset="0"/>
+              </a:rPr>
+              <a:t> </a:t>
+            </a:r>
+            <a:r>
+              <a:rPr lang="en-US" dirty="0" err="1">
+                <a:latin typeface="Arial" panose="020B0604020202020204" pitchFamily="34" charset="0"/>
+                <a:cs typeface="Arial" panose="020B0604020202020204" pitchFamily="34" charset="0"/>
+              </a:rPr>
+              <a:t>sai</a:t>
+            </a:r>
+            <a:r>
+              <a:rPr lang="en-US" dirty="0">
+                <a:latin typeface="Arial" panose="020B0604020202020204" pitchFamily="34" charset="0"/>
+                <a:cs typeface="Arial" panose="020B0604020202020204" pitchFamily="34" charset="0"/>
+              </a:rPr>
+              <a:t> </a:t>
+            </a:r>
+            <a:r>
+              <a:rPr lang="en-US" dirty="0" err="1">
+                <a:latin typeface="Arial" panose="020B0604020202020204" pitchFamily="34" charset="0"/>
+                <a:cs typeface="Arial" panose="020B0604020202020204" pitchFamily="34" charset="0"/>
+              </a:rPr>
+              <a:t>của</a:t>
+            </a:r>
+            <a:r>
+              <a:rPr lang="en-US" dirty="0">
+                <a:latin typeface="Arial" panose="020B0604020202020204" pitchFamily="34" charset="0"/>
+                <a:cs typeface="Arial" panose="020B0604020202020204" pitchFamily="34" charset="0"/>
+              </a:rPr>
+              <a:t> </a:t>
+            </a:r>
+            <a:r>
+              <a:rPr lang="en-US" dirty="0" err="1">
+                <a:latin typeface="Arial" panose="020B0604020202020204" pitchFamily="34" charset="0"/>
+                <a:cs typeface="Arial" panose="020B0604020202020204" pitchFamily="34" charset="0"/>
+              </a:rPr>
+              <a:t>chúng</a:t>
+            </a:r>
+            <a:r>
+              <a:rPr lang="en-US" dirty="0">
+                <a:latin typeface="Arial" panose="020B0604020202020204" pitchFamily="34" charset="0"/>
+                <a:cs typeface="Arial" panose="020B0604020202020204" pitchFamily="34" charset="0"/>
+              </a:rPr>
+              <a:t> </a:t>
+            </a:r>
+            <a:r>
+              <a:rPr lang="en-US" dirty="0" err="1">
+                <a:latin typeface="Arial" panose="020B0604020202020204" pitchFamily="34" charset="0"/>
+                <a:cs typeface="Arial" panose="020B0604020202020204" pitchFamily="34" charset="0"/>
+              </a:rPr>
+              <a:t>nhỏ</a:t>
+            </a:r>
+            <a:r>
+              <a:rPr lang="en-US" dirty="0">
+                <a:latin typeface="Arial" panose="020B0604020202020204" pitchFamily="34" charset="0"/>
+                <a:cs typeface="Arial" panose="020B0604020202020204" pitchFamily="34" charset="0"/>
+              </a:rPr>
+              <a:t> h</a:t>
+            </a:r>
+            <a:r>
+              <a:rPr lang="vi-VN" dirty="0">
+                <a:latin typeface="Arial" panose="020B0604020202020204" pitchFamily="34" charset="0"/>
+                <a:cs typeface="Arial" panose="020B0604020202020204" pitchFamily="34" charset="0"/>
+              </a:rPr>
+              <a:t>ơ</a:t>
+            </a:r>
+            <a:r>
+              <a:rPr lang="en-US" dirty="0">
+                <a:latin typeface="Arial" panose="020B0604020202020204" pitchFamily="34" charset="0"/>
+                <a:cs typeface="Arial" panose="020B0604020202020204" pitchFamily="34" charset="0"/>
+              </a:rPr>
+              <a:t>n (</a:t>
+            </a:r>
+            <a:r>
+              <a:rPr lang="en-US" dirty="0" err="1">
+                <a:latin typeface="Arial" panose="020B0604020202020204" pitchFamily="34" charset="0"/>
+                <a:cs typeface="Arial" panose="020B0604020202020204" pitchFamily="34" charset="0"/>
+              </a:rPr>
+              <a:t>cho</a:t>
+            </a:r>
+            <a:r>
+              <a:rPr lang="en-US" dirty="0">
+                <a:latin typeface="Arial" panose="020B0604020202020204" pitchFamily="34" charset="0"/>
+                <a:cs typeface="Arial" panose="020B0604020202020204" pitchFamily="34" charset="0"/>
+              </a:rPr>
+              <a:t> </a:t>
+            </a:r>
+            <a:r>
+              <a:rPr lang="en-US" dirty="0" err="1">
+                <a:latin typeface="Arial" panose="020B0604020202020204" pitchFamily="34" charset="0"/>
+                <a:cs typeface="Arial" panose="020B0604020202020204" pitchFamily="34" charset="0"/>
+              </a:rPr>
+              <a:t>phép</a:t>
+            </a:r>
+            <a:r>
+              <a:rPr lang="en-US" dirty="0">
+                <a:latin typeface="Arial" panose="020B0604020202020204" pitchFamily="34" charset="0"/>
+                <a:cs typeface="Arial" panose="020B0604020202020204" pitchFamily="34" charset="0"/>
+              </a:rPr>
+              <a:t> </a:t>
+            </a:r>
+            <a:r>
+              <a:rPr lang="en-US" dirty="0" err="1">
+                <a:latin typeface="Arial" panose="020B0604020202020204" pitchFamily="34" charset="0"/>
+                <a:cs typeface="Arial" panose="020B0604020202020204" pitchFamily="34" charset="0"/>
+              </a:rPr>
+              <a:t>những</a:t>
+            </a:r>
+            <a:r>
+              <a:rPr lang="en-US" dirty="0">
+                <a:latin typeface="Arial" panose="020B0604020202020204" pitchFamily="34" charset="0"/>
+                <a:cs typeface="Arial" panose="020B0604020202020204" pitchFamily="34" charset="0"/>
+              </a:rPr>
+              <a:t> Gaussian </a:t>
+            </a:r>
+            <a:r>
+              <a:rPr lang="en-US" dirty="0" err="1">
+                <a:latin typeface="Arial" panose="020B0604020202020204" pitchFamily="34" charset="0"/>
+                <a:cs typeface="Arial" panose="020B0604020202020204" pitchFamily="34" charset="0"/>
+              </a:rPr>
+              <a:t>có</a:t>
+            </a:r>
+            <a:r>
+              <a:rPr lang="en-US" dirty="0">
+                <a:latin typeface="Arial" panose="020B0604020202020204" pitchFamily="34" charset="0"/>
+                <a:cs typeface="Arial" panose="020B0604020202020204" pitchFamily="34" charset="0"/>
+              </a:rPr>
+              <a:t> </a:t>
+            </a:r>
+            <a:r>
+              <a:rPr lang="en-US" dirty="0" err="1">
+                <a:latin typeface="Arial" panose="020B0604020202020204" pitchFamily="34" charset="0"/>
+                <a:cs typeface="Arial" panose="020B0604020202020204" pitchFamily="34" charset="0"/>
+              </a:rPr>
+              <a:t>hiệp</a:t>
+            </a:r>
+            <a:r>
+              <a:rPr lang="en-US" dirty="0">
+                <a:latin typeface="Arial" panose="020B0604020202020204" pitchFamily="34" charset="0"/>
+                <a:cs typeface="Arial" panose="020B0604020202020204" pitchFamily="34" charset="0"/>
+              </a:rPr>
+              <a:t> </a:t>
+            </a:r>
+            <a:r>
+              <a:rPr lang="en-US" dirty="0" err="1">
+                <a:latin typeface="Arial" panose="020B0604020202020204" pitchFamily="34" charset="0"/>
+                <a:cs typeface="Arial" panose="020B0604020202020204" pitchFamily="34" charset="0"/>
+              </a:rPr>
+              <a:t>ph</a:t>
+            </a:r>
+            <a:r>
+              <a:rPr lang="vi-VN" dirty="0">
+                <a:latin typeface="Arial" panose="020B0604020202020204" pitchFamily="34" charset="0"/>
+                <a:cs typeface="Arial" panose="020B0604020202020204" pitchFamily="34" charset="0"/>
+              </a:rPr>
+              <a:t>ư</a:t>
+            </a:r>
+            <a:r>
+              <a:rPr lang="en-US" dirty="0" err="1">
+                <a:latin typeface="Arial" panose="020B0604020202020204" pitchFamily="34" charset="0"/>
+                <a:cs typeface="Arial" panose="020B0604020202020204" pitchFamily="34" charset="0"/>
+              </a:rPr>
+              <a:t>ơng</a:t>
+            </a:r>
+            <a:r>
+              <a:rPr lang="en-US" dirty="0">
+                <a:latin typeface="Arial" panose="020B0604020202020204" pitchFamily="34" charset="0"/>
+                <a:cs typeface="Arial" panose="020B0604020202020204" pitchFamily="34" charset="0"/>
+              </a:rPr>
+              <a:t> </a:t>
+            </a:r>
+            <a:r>
+              <a:rPr lang="en-US" dirty="0" err="1">
+                <a:latin typeface="Arial" panose="020B0604020202020204" pitchFamily="34" charset="0"/>
+                <a:cs typeface="Arial" panose="020B0604020202020204" pitchFamily="34" charset="0"/>
+              </a:rPr>
+              <a:t>sai</a:t>
+            </a:r>
+            <a:r>
+              <a:rPr lang="en-US" dirty="0">
+                <a:latin typeface="Arial" panose="020B0604020202020204" pitchFamily="34" charset="0"/>
+                <a:cs typeface="Arial" panose="020B0604020202020204" pitchFamily="34" charset="0"/>
+              </a:rPr>
+              <a:t> </a:t>
+            </a:r>
+            <a:r>
+              <a:rPr lang="en-US" dirty="0" err="1">
+                <a:latin typeface="Arial" panose="020B0604020202020204" pitchFamily="34" charset="0"/>
+                <a:cs typeface="Arial" panose="020B0604020202020204" pitchFamily="34" charset="0"/>
+              </a:rPr>
+              <a:t>lớn</a:t>
+            </a:r>
+            <a:r>
+              <a:rPr lang="en-US" dirty="0">
+                <a:latin typeface="Arial" panose="020B0604020202020204" pitchFamily="34" charset="0"/>
+                <a:cs typeface="Arial" panose="020B0604020202020204" pitchFamily="34" charset="0"/>
+              </a:rPr>
+              <a:t> h</a:t>
+            </a:r>
+            <a:r>
+              <a:rPr lang="vi-VN" dirty="0">
+                <a:latin typeface="Arial" panose="020B0604020202020204" pitchFamily="34" charset="0"/>
+                <a:cs typeface="Arial" panose="020B0604020202020204" pitchFamily="34" charset="0"/>
+              </a:rPr>
+              <a:t>ơ</a:t>
+            </a:r>
+            <a:r>
+              <a:rPr lang="en-US" dirty="0">
+                <a:latin typeface="Arial" panose="020B0604020202020204" pitchFamily="34" charset="0"/>
+                <a:cs typeface="Arial" panose="020B0604020202020204" pitchFamily="34" charset="0"/>
+              </a:rPr>
+              <a:t>n </a:t>
+            </a:r>
+            <a:r>
+              <a:rPr lang="en-US" dirty="0" err="1">
+                <a:latin typeface="Arial" panose="020B0604020202020204" pitchFamily="34" charset="0"/>
+                <a:cs typeface="Arial" panose="020B0604020202020204" pitchFamily="34" charset="0"/>
+              </a:rPr>
+              <a:t>gây</a:t>
+            </a:r>
+            <a:r>
+              <a:rPr lang="en-US" dirty="0">
+                <a:latin typeface="Arial" panose="020B0604020202020204" pitchFamily="34" charset="0"/>
+                <a:cs typeface="Arial" panose="020B0604020202020204" pitchFamily="34" charset="0"/>
+              </a:rPr>
+              <a:t> </a:t>
+            </a:r>
+            <a:r>
+              <a:rPr lang="en-US" dirty="0" err="1">
+                <a:latin typeface="Arial" panose="020B0604020202020204" pitchFamily="34" charset="0"/>
+                <a:cs typeface="Arial" panose="020B0604020202020204" pitchFamily="34" charset="0"/>
+              </a:rPr>
+              <a:t>ảnh</a:t>
+            </a:r>
+            <a:r>
+              <a:rPr lang="en-US" dirty="0">
+                <a:latin typeface="Arial" panose="020B0604020202020204" pitchFamily="34" charset="0"/>
+                <a:cs typeface="Arial" panose="020B0604020202020204" pitchFamily="34" charset="0"/>
+              </a:rPr>
+              <a:t> h</a:t>
+            </a:r>
+            <a:r>
+              <a:rPr lang="vi-VN" dirty="0">
+                <a:latin typeface="Arial" panose="020B0604020202020204" pitchFamily="34" charset="0"/>
+                <a:cs typeface="Arial" panose="020B0604020202020204" pitchFamily="34" charset="0"/>
+              </a:rPr>
+              <a:t>ư</a:t>
+            </a:r>
+            <a:r>
+              <a:rPr lang="en-US" dirty="0" err="1">
+                <a:latin typeface="Arial" panose="020B0604020202020204" pitchFamily="34" charset="0"/>
+                <a:cs typeface="Arial" panose="020B0604020202020204" pitchFamily="34" charset="0"/>
+              </a:rPr>
+              <a:t>ởng</a:t>
+            </a:r>
+            <a:r>
+              <a:rPr lang="en-US" dirty="0">
+                <a:latin typeface="Arial" panose="020B0604020202020204" pitchFamily="34" charset="0"/>
+                <a:cs typeface="Arial" panose="020B0604020202020204" pitchFamily="34" charset="0"/>
+              </a:rPr>
+              <a:t> </a:t>
+            </a:r>
+            <a:r>
+              <a:rPr lang="en-US" dirty="0" err="1">
+                <a:latin typeface="Arial" panose="020B0604020202020204" pitchFamily="34" charset="0"/>
+                <a:cs typeface="Arial" panose="020B0604020202020204" pitchFamily="34" charset="0"/>
+              </a:rPr>
+              <a:t>nhiều</a:t>
+            </a:r>
+            <a:r>
+              <a:rPr lang="en-US" dirty="0">
+                <a:latin typeface="Arial" panose="020B0604020202020204" pitchFamily="34" charset="0"/>
+                <a:cs typeface="Arial" panose="020B0604020202020204" pitchFamily="34" charset="0"/>
+              </a:rPr>
+              <a:t> h</a:t>
+            </a:r>
+            <a:r>
+              <a:rPr lang="vi-VN" dirty="0">
+                <a:latin typeface="Arial" panose="020B0604020202020204" pitchFamily="34" charset="0"/>
+                <a:cs typeface="Arial" panose="020B0604020202020204" pitchFamily="34" charset="0"/>
+              </a:rPr>
+              <a:t>ơ</a:t>
+            </a:r>
+            <a:r>
+              <a:rPr lang="en-US" dirty="0">
+                <a:latin typeface="Arial" panose="020B0604020202020204" pitchFamily="34" charset="0"/>
+                <a:cs typeface="Arial" panose="020B0604020202020204" pitchFamily="34" charset="0"/>
+              </a:rPr>
+              <a:t>n).</a:t>
+            </a:r>
+            <a:r>
+              <a:rPr lang="en-US" dirty="0" err="1">
+                <a:latin typeface="Arial" panose="020B0604020202020204" pitchFamily="34" charset="0"/>
+                <a:cs typeface="Arial" panose="020B0604020202020204" pitchFamily="34" charset="0"/>
+              </a:rPr>
+              <a:t>Vì</a:t>
+            </a:r>
+            <a:r>
+              <a:rPr lang="en-US" dirty="0">
+                <a:latin typeface="Arial" panose="020B0604020202020204" pitchFamily="34" charset="0"/>
+                <a:cs typeface="Arial" panose="020B0604020202020204" pitchFamily="34" charset="0"/>
+              </a:rPr>
+              <a:t> </a:t>
+            </a:r>
+            <a:r>
+              <a:rPr lang="en-US" dirty="0" err="1">
+                <a:latin typeface="Arial" panose="020B0604020202020204" pitchFamily="34" charset="0"/>
+                <a:cs typeface="Arial" panose="020B0604020202020204" pitchFamily="34" charset="0"/>
+              </a:rPr>
+              <a:t>nó</a:t>
+            </a:r>
+            <a:r>
+              <a:rPr lang="en-US" dirty="0">
+                <a:latin typeface="Arial" panose="020B0604020202020204" pitchFamily="34" charset="0"/>
+                <a:cs typeface="Arial" panose="020B0604020202020204" pitchFamily="34" charset="0"/>
+              </a:rPr>
+              <a:t> </a:t>
+            </a:r>
+            <a:r>
+              <a:rPr lang="en-US" dirty="0" err="1">
+                <a:latin typeface="Arial" panose="020B0604020202020204" pitchFamily="34" charset="0"/>
+                <a:cs typeface="Arial" panose="020B0604020202020204" pitchFamily="34" charset="0"/>
+              </a:rPr>
+              <a:t>cũng</a:t>
+            </a:r>
+            <a:r>
+              <a:rPr lang="en-US" dirty="0">
+                <a:latin typeface="Arial" panose="020B0604020202020204" pitchFamily="34" charset="0"/>
+                <a:cs typeface="Arial" panose="020B0604020202020204" pitchFamily="34" charset="0"/>
+              </a:rPr>
+              <a:t> đ</a:t>
+            </a:r>
+            <a:r>
+              <a:rPr lang="vi-VN" dirty="0">
+                <a:latin typeface="Arial" panose="020B0604020202020204" pitchFamily="34" charset="0"/>
+                <a:cs typeface="Arial" panose="020B0604020202020204" pitchFamily="34" charset="0"/>
+              </a:rPr>
+              <a:t>ư</a:t>
+            </a:r>
+            <a:r>
+              <a:rPr lang="en-US" dirty="0" err="1">
+                <a:latin typeface="Arial" panose="020B0604020202020204" pitchFamily="34" charset="0"/>
+                <a:cs typeface="Arial" panose="020B0604020202020204" pitchFamily="34" charset="0"/>
+              </a:rPr>
+              <a:t>ợc</a:t>
+            </a:r>
+            <a:r>
+              <a:rPr lang="en-US" dirty="0">
+                <a:latin typeface="Arial" panose="020B0604020202020204" pitchFamily="34" charset="0"/>
+                <a:cs typeface="Arial" panose="020B0604020202020204" pitchFamily="34" charset="0"/>
+              </a:rPr>
+              <a:t> </a:t>
+            </a:r>
+            <a:r>
+              <a:rPr lang="en-US" dirty="0" err="1">
+                <a:latin typeface="Arial" panose="020B0604020202020204" pitchFamily="34" charset="0"/>
+                <a:cs typeface="Arial" panose="020B0604020202020204" pitchFamily="34" charset="0"/>
+              </a:rPr>
+              <a:t>dùng</a:t>
+            </a:r>
+            <a:r>
+              <a:rPr lang="en-US" dirty="0">
+                <a:latin typeface="Arial" panose="020B0604020202020204" pitchFamily="34" charset="0"/>
+                <a:cs typeface="Arial" panose="020B0604020202020204" pitchFamily="34" charset="0"/>
+              </a:rPr>
+              <a:t> </a:t>
+            </a:r>
+            <a:r>
+              <a:rPr lang="en-US" dirty="0" err="1">
+                <a:latin typeface="Arial" panose="020B0604020202020204" pitchFamily="34" charset="0"/>
+                <a:cs typeface="Arial" panose="020B0604020202020204" pitchFamily="34" charset="0"/>
+              </a:rPr>
+              <a:t>để</a:t>
+            </a:r>
+            <a:r>
+              <a:rPr lang="en-US" dirty="0">
+                <a:latin typeface="Arial" panose="020B0604020202020204" pitchFamily="34" charset="0"/>
+                <a:cs typeface="Arial" panose="020B0604020202020204" pitchFamily="34" charset="0"/>
+              </a:rPr>
+              <a:t> </a:t>
+            </a:r>
+            <a:r>
+              <a:rPr lang="en-US" dirty="0" err="1">
+                <a:latin typeface="Arial" panose="020B0604020202020204" pitchFamily="34" charset="0"/>
+                <a:cs typeface="Arial" panose="020B0604020202020204" pitchFamily="34" charset="0"/>
+              </a:rPr>
+              <a:t>dự</a:t>
+            </a:r>
+            <a:r>
+              <a:rPr lang="en-US" dirty="0">
+                <a:latin typeface="Arial" panose="020B0604020202020204" pitchFamily="34" charset="0"/>
+                <a:cs typeface="Arial" panose="020B0604020202020204" pitchFamily="34" charset="0"/>
+              </a:rPr>
+              <a:t> </a:t>
+            </a:r>
+            <a:r>
+              <a:rPr lang="en-US" dirty="0" err="1">
+                <a:latin typeface="Arial" panose="020B0604020202020204" pitchFamily="34" charset="0"/>
+                <a:cs typeface="Arial" panose="020B0604020202020204" pitchFamily="34" charset="0"/>
+              </a:rPr>
+              <a:t>đoán</a:t>
+            </a:r>
+            <a:r>
+              <a:rPr lang="en-US" dirty="0">
+                <a:latin typeface="Arial" panose="020B0604020202020204" pitchFamily="34" charset="0"/>
+                <a:cs typeface="Arial" panose="020B0604020202020204" pitchFamily="34" charset="0"/>
+              </a:rPr>
+              <a:t> </a:t>
+            </a:r>
+            <a:r>
+              <a:rPr lang="en-US" dirty="0" err="1">
+                <a:latin typeface="Arial" panose="020B0604020202020204" pitchFamily="34" charset="0"/>
+                <a:cs typeface="Arial" panose="020B0604020202020204" pitchFamily="34" charset="0"/>
+              </a:rPr>
+              <a:t>xác</a:t>
+            </a:r>
+            <a:r>
+              <a:rPr lang="en-US" dirty="0">
+                <a:latin typeface="Arial" panose="020B0604020202020204" pitchFamily="34" charset="0"/>
+                <a:cs typeface="Arial" panose="020B0604020202020204" pitchFamily="34" charset="0"/>
+              </a:rPr>
+              <a:t> </a:t>
+            </a:r>
+            <a:r>
+              <a:rPr lang="en-US" dirty="0" err="1">
+                <a:latin typeface="Arial" panose="020B0604020202020204" pitchFamily="34" charset="0"/>
+                <a:cs typeface="Arial" panose="020B0604020202020204" pitchFamily="34" charset="0"/>
+              </a:rPr>
+              <a:t>xuất</a:t>
+            </a:r>
+            <a:r>
+              <a:rPr lang="en-US" dirty="0">
+                <a:latin typeface="Arial" panose="020B0604020202020204" pitchFamily="34" charset="0"/>
+                <a:cs typeface="Arial" panose="020B0604020202020204" pitchFamily="34" charset="0"/>
+              </a:rPr>
+              <a:t> </a:t>
+            </a:r>
+            <a:r>
+              <a:rPr lang="en-US" dirty="0" err="1">
+                <a:latin typeface="Arial" panose="020B0604020202020204" pitchFamily="34" charset="0"/>
+                <a:cs typeface="Arial" panose="020B0604020202020204" pitchFamily="34" charset="0"/>
+              </a:rPr>
+              <a:t>nên</a:t>
+            </a:r>
+            <a:r>
+              <a:rPr lang="en-US" dirty="0">
+                <a:latin typeface="Arial" panose="020B0604020202020204" pitchFamily="34" charset="0"/>
+                <a:cs typeface="Arial" panose="020B0604020202020204" pitchFamily="34" charset="0"/>
+              </a:rPr>
+              <a:t> </a:t>
+            </a:r>
+            <a:r>
+              <a:rPr lang="en-US" dirty="0" err="1">
+                <a:latin typeface="Arial" panose="020B0604020202020204" pitchFamily="34" charset="0"/>
+                <a:cs typeface="Arial" panose="020B0604020202020204" pitchFamily="34" charset="0"/>
+              </a:rPr>
+              <a:t>việc</a:t>
+            </a:r>
+            <a:r>
+              <a:rPr lang="en-US" dirty="0">
+                <a:latin typeface="Arial" panose="020B0604020202020204" pitchFamily="34" charset="0"/>
+                <a:cs typeface="Arial" panose="020B0604020202020204" pitchFamily="34" charset="0"/>
+              </a:rPr>
+              <a:t> </a:t>
+            </a:r>
+            <a:r>
+              <a:rPr lang="en-US" dirty="0" err="1">
+                <a:latin typeface="Arial" panose="020B0604020202020204" pitchFamily="34" charset="0"/>
+                <a:cs typeface="Arial" panose="020B0604020202020204" pitchFamily="34" charset="0"/>
+              </a:rPr>
+              <a:t>dò</a:t>
+            </a:r>
+            <a:r>
+              <a:rPr lang="en-US" dirty="0">
+                <a:latin typeface="Arial" panose="020B0604020202020204" pitchFamily="34" charset="0"/>
+                <a:cs typeface="Arial" panose="020B0604020202020204" pitchFamily="34" charset="0"/>
+              </a:rPr>
+              <a:t> </a:t>
+            </a:r>
+            <a:r>
+              <a:rPr lang="en-US" dirty="0" err="1">
+                <a:latin typeface="Arial" panose="020B0604020202020204" pitchFamily="34" charset="0"/>
+                <a:cs typeface="Arial" panose="020B0604020202020204" pitchFamily="34" charset="0"/>
+              </a:rPr>
+              <a:t>lặp</a:t>
+            </a:r>
+            <a:r>
+              <a:rPr lang="en-US" dirty="0">
+                <a:latin typeface="Arial" panose="020B0604020202020204" pitchFamily="34" charset="0"/>
+                <a:cs typeface="Arial" panose="020B0604020202020204" pitchFamily="34" charset="0"/>
+              </a:rPr>
+              <a:t> </a:t>
+            </a:r>
+            <a:r>
+              <a:rPr lang="en-US" dirty="0" err="1">
+                <a:latin typeface="Arial" panose="020B0604020202020204" pitchFamily="34" charset="0"/>
+                <a:cs typeface="Arial" panose="020B0604020202020204" pitchFamily="34" charset="0"/>
+              </a:rPr>
+              <a:t>đi</a:t>
+            </a:r>
+            <a:r>
+              <a:rPr lang="en-US" dirty="0">
+                <a:latin typeface="Arial" panose="020B0604020202020204" pitchFamily="34" charset="0"/>
+                <a:cs typeface="Arial" panose="020B0604020202020204" pitchFamily="34" charset="0"/>
+              </a:rPr>
+              <a:t> </a:t>
+            </a:r>
+            <a:r>
+              <a:rPr lang="en-US" dirty="0" err="1">
+                <a:latin typeface="Arial" panose="020B0604020202020204" pitchFamily="34" charset="0"/>
+                <a:cs typeface="Arial" panose="020B0604020202020204" pitchFamily="34" charset="0"/>
+              </a:rPr>
+              <a:t>lặp</a:t>
+            </a:r>
+            <a:r>
+              <a:rPr lang="en-US" dirty="0">
+                <a:latin typeface="Arial" panose="020B0604020202020204" pitchFamily="34" charset="0"/>
+                <a:cs typeface="Arial" panose="020B0604020202020204" pitchFamily="34" charset="0"/>
+              </a:rPr>
+              <a:t> </a:t>
+            </a:r>
+            <a:r>
+              <a:rPr lang="en-US" dirty="0" err="1">
+                <a:latin typeface="Arial" panose="020B0604020202020204" pitchFamily="34" charset="0"/>
+                <a:cs typeface="Arial" panose="020B0604020202020204" pitchFamily="34" charset="0"/>
+              </a:rPr>
+              <a:t>lại</a:t>
+            </a:r>
+            <a:r>
+              <a:rPr lang="en-US" dirty="0">
+                <a:latin typeface="Arial" panose="020B0604020202020204" pitchFamily="34" charset="0"/>
+                <a:cs typeface="Arial" panose="020B0604020202020204" pitchFamily="34" charset="0"/>
+              </a:rPr>
+              <a:t> </a:t>
+            </a:r>
+            <a:r>
+              <a:rPr lang="en-US" dirty="0" err="1">
+                <a:latin typeface="Arial" panose="020B0604020202020204" pitchFamily="34" charset="0"/>
+                <a:cs typeface="Arial" panose="020B0604020202020204" pitchFamily="34" charset="0"/>
+              </a:rPr>
+              <a:t>từ</a:t>
+            </a:r>
+            <a:r>
+              <a:rPr lang="en-US" dirty="0">
+                <a:latin typeface="Arial" panose="020B0604020202020204" pitchFamily="34" charset="0"/>
+                <a:cs typeface="Arial" panose="020B0604020202020204" pitchFamily="34" charset="0"/>
+              </a:rPr>
+              <a:t> </a:t>
+            </a:r>
+            <a:r>
+              <a:rPr lang="en-US" dirty="0" err="1">
+                <a:latin typeface="Arial" panose="020B0604020202020204" pitchFamily="34" charset="0"/>
+                <a:cs typeface="Arial" panose="020B0604020202020204" pitchFamily="34" charset="0"/>
+              </a:rPr>
+              <a:t>dự</a:t>
+            </a:r>
+            <a:r>
+              <a:rPr lang="en-US" dirty="0">
+                <a:latin typeface="Arial" panose="020B0604020202020204" pitchFamily="34" charset="0"/>
+                <a:cs typeface="Arial" panose="020B0604020202020204" pitchFamily="34" charset="0"/>
+              </a:rPr>
+              <a:t> </a:t>
+            </a:r>
+            <a:r>
+              <a:rPr lang="en-US" dirty="0" err="1">
+                <a:latin typeface="Arial" panose="020B0604020202020204" pitchFamily="34" charset="0"/>
+                <a:cs typeface="Arial" panose="020B0604020202020204" pitchFamily="34" charset="0"/>
+              </a:rPr>
+              <a:t>đoán</a:t>
+            </a:r>
+            <a:r>
+              <a:rPr lang="en-US" dirty="0">
+                <a:latin typeface="Arial" panose="020B0604020202020204" pitchFamily="34" charset="0"/>
+                <a:cs typeface="Arial" panose="020B0604020202020204" pitchFamily="34" charset="0"/>
+              </a:rPr>
+              <a:t> </a:t>
+            </a:r>
+            <a:r>
+              <a:rPr lang="en-US" dirty="0" err="1">
+                <a:latin typeface="Arial" panose="020B0604020202020204" pitchFamily="34" charset="0"/>
+                <a:cs typeface="Arial" panose="020B0604020202020204" pitchFamily="34" charset="0"/>
+              </a:rPr>
+              <a:t>tốt</a:t>
+            </a:r>
+            <a:r>
+              <a:rPr lang="en-US" dirty="0">
+                <a:latin typeface="Arial" panose="020B0604020202020204" pitchFamily="34" charset="0"/>
+                <a:cs typeface="Arial" panose="020B0604020202020204" pitchFamily="34" charset="0"/>
+              </a:rPr>
+              <a:t> </a:t>
+            </a:r>
+            <a:r>
+              <a:rPr lang="en-US" dirty="0" err="1">
+                <a:latin typeface="Arial" panose="020B0604020202020204" pitchFamily="34" charset="0"/>
+                <a:cs typeface="Arial" panose="020B0604020202020204" pitchFamily="34" charset="0"/>
+              </a:rPr>
+              <a:t>nhất</a:t>
+            </a:r>
+            <a:r>
+              <a:rPr lang="en-US" dirty="0">
+                <a:latin typeface="Arial" panose="020B0604020202020204" pitchFamily="34" charset="0"/>
+                <a:cs typeface="Arial" panose="020B0604020202020204" pitchFamily="34" charset="0"/>
+              </a:rPr>
+              <a:t> </a:t>
+            </a:r>
+            <a:r>
+              <a:rPr lang="en-US" dirty="0" err="1">
+                <a:latin typeface="Arial" panose="020B0604020202020204" pitchFamily="34" charset="0"/>
+                <a:cs typeface="Arial" panose="020B0604020202020204" pitchFamily="34" charset="0"/>
+              </a:rPr>
+              <a:t>cho</a:t>
+            </a:r>
+            <a:r>
+              <a:rPr lang="en-US" dirty="0">
+                <a:latin typeface="Arial" panose="020B0604020202020204" pitchFamily="34" charset="0"/>
+                <a:cs typeface="Arial" panose="020B0604020202020204" pitchFamily="34" charset="0"/>
+              </a:rPr>
+              <a:t> </a:t>
+            </a:r>
+            <a:r>
+              <a:rPr lang="en-US" dirty="0" err="1">
+                <a:latin typeface="Arial" panose="020B0604020202020204" pitchFamily="34" charset="0"/>
+                <a:cs typeface="Arial" panose="020B0604020202020204" pitchFamily="34" charset="0"/>
+              </a:rPr>
+              <a:t>tới</a:t>
+            </a:r>
+            <a:r>
+              <a:rPr lang="en-US" dirty="0">
+                <a:latin typeface="Arial" panose="020B0604020202020204" pitchFamily="34" charset="0"/>
+                <a:cs typeface="Arial" panose="020B0604020202020204" pitchFamily="34" charset="0"/>
+              </a:rPr>
+              <a:t> </a:t>
+            </a:r>
+            <a:r>
+              <a:rPr lang="en-US" dirty="0" err="1">
+                <a:latin typeface="Arial" panose="020B0604020202020204" pitchFamily="34" charset="0"/>
+                <a:cs typeface="Arial" panose="020B0604020202020204" pitchFamily="34" charset="0"/>
+              </a:rPr>
+              <a:t>tốt</a:t>
+            </a:r>
+            <a:r>
+              <a:rPr lang="en-US" dirty="0">
+                <a:latin typeface="Arial" panose="020B0604020202020204" pitchFamily="34" charset="0"/>
+                <a:cs typeface="Arial" panose="020B0604020202020204" pitchFamily="34" charset="0"/>
+              </a:rPr>
+              <a:t> </a:t>
+            </a:r>
+            <a:r>
+              <a:rPr lang="en-US" dirty="0" err="1">
+                <a:latin typeface="Arial" panose="020B0604020202020204" pitchFamily="34" charset="0"/>
+                <a:cs typeface="Arial" panose="020B0604020202020204" pitchFamily="34" charset="0"/>
+              </a:rPr>
+              <a:t>thứ</a:t>
+            </a:r>
+            <a:r>
+              <a:rPr lang="en-US" dirty="0">
+                <a:latin typeface="Arial" panose="020B0604020202020204" pitchFamily="34" charset="0"/>
+                <a:cs typeface="Arial" panose="020B0604020202020204" pitchFamily="34" charset="0"/>
+              </a:rPr>
+              <a:t> </a:t>
+            </a:r>
+            <a:r>
+              <a:rPr lang="en-US" dirty="0" err="1">
+                <a:latin typeface="Arial" panose="020B0604020202020204" pitchFamily="34" charset="0"/>
+                <a:cs typeface="Arial" panose="020B0604020202020204" pitchFamily="34" charset="0"/>
+              </a:rPr>
+              <a:t>hai</a:t>
+            </a:r>
+            <a:r>
+              <a:rPr lang="en-US" dirty="0">
+                <a:latin typeface="Arial" panose="020B0604020202020204" pitchFamily="34" charset="0"/>
+                <a:cs typeface="Arial" panose="020B0604020202020204" pitchFamily="34" charset="0"/>
+              </a:rPr>
+              <a:t> qua </a:t>
+            </a:r>
+            <a:r>
+              <a:rPr lang="en-US" dirty="0" err="1">
+                <a:latin typeface="Arial" panose="020B0604020202020204" pitchFamily="34" charset="0"/>
+                <a:cs typeface="Arial" panose="020B0604020202020204" pitchFamily="34" charset="0"/>
+              </a:rPr>
+              <a:t>một</a:t>
+            </a:r>
+            <a:r>
+              <a:rPr lang="en-US" dirty="0">
+                <a:latin typeface="Arial" panose="020B0604020202020204" pitchFamily="34" charset="0"/>
+                <a:cs typeface="Arial" panose="020B0604020202020204" pitchFamily="34" charset="0"/>
+              </a:rPr>
+              <a:t> </a:t>
+            </a:r>
+            <a:r>
+              <a:rPr lang="en-US" dirty="0" err="1">
+                <a:latin typeface="Arial" panose="020B0604020202020204" pitchFamily="34" charset="0"/>
+                <a:cs typeface="Arial" panose="020B0604020202020204" pitchFamily="34" charset="0"/>
+              </a:rPr>
+              <a:t>giới</a:t>
+            </a:r>
+            <a:r>
+              <a:rPr lang="en-US" dirty="0">
+                <a:latin typeface="Arial" panose="020B0604020202020204" pitchFamily="34" charset="0"/>
+                <a:cs typeface="Arial" panose="020B0604020202020204" pitchFamily="34" charset="0"/>
+              </a:rPr>
+              <a:t> </a:t>
+            </a:r>
+            <a:r>
+              <a:rPr lang="en-US" dirty="0" err="1">
+                <a:latin typeface="Arial" panose="020B0604020202020204" pitchFamily="34" charset="0"/>
+                <a:cs typeface="Arial" panose="020B0604020202020204" pitchFamily="34" charset="0"/>
+              </a:rPr>
+              <a:t>hạn</a:t>
+            </a:r>
+            <a:r>
+              <a:rPr lang="en-US" dirty="0">
+                <a:latin typeface="Arial" panose="020B0604020202020204" pitchFamily="34" charset="0"/>
+                <a:cs typeface="Arial" panose="020B0604020202020204" pitchFamily="34" charset="0"/>
+              </a:rPr>
+              <a:t> </a:t>
+            </a:r>
+            <a:r>
+              <a:rPr lang="en-US" dirty="0" err="1">
+                <a:latin typeface="Arial" panose="020B0604020202020204" pitchFamily="34" charset="0"/>
+                <a:cs typeface="Arial" panose="020B0604020202020204" pitchFamily="34" charset="0"/>
+              </a:rPr>
+              <a:t>nhất</a:t>
+            </a:r>
+            <a:r>
+              <a:rPr lang="en-US" dirty="0">
+                <a:latin typeface="Arial" panose="020B0604020202020204" pitchFamily="34" charset="0"/>
+                <a:cs typeface="Arial" panose="020B0604020202020204" pitchFamily="34" charset="0"/>
+              </a:rPr>
+              <a:t> </a:t>
+            </a:r>
+            <a:r>
+              <a:rPr lang="en-US" dirty="0" err="1">
+                <a:latin typeface="Arial" panose="020B0604020202020204" pitchFamily="34" charset="0"/>
+                <a:cs typeface="Arial" panose="020B0604020202020204" pitchFamily="34" charset="0"/>
+              </a:rPr>
+              <a:t>định</a:t>
+            </a:r>
+            <a:r>
+              <a:rPr lang="en-US" dirty="0">
+                <a:latin typeface="Arial" panose="020B0604020202020204" pitchFamily="34" charset="0"/>
+                <a:cs typeface="Arial" panose="020B0604020202020204" pitchFamily="34" charset="0"/>
+              </a:rPr>
+              <a:t> </a:t>
+            </a:r>
+            <a:r>
+              <a:rPr lang="en-US" dirty="0" err="1">
+                <a:latin typeface="Arial" panose="020B0604020202020204" pitchFamily="34" charset="0"/>
+                <a:cs typeface="Arial" panose="020B0604020202020204" pitchFamily="34" charset="0"/>
+              </a:rPr>
+              <a:t>cho</a:t>
+            </a:r>
+            <a:r>
+              <a:rPr lang="en-US" dirty="0">
+                <a:latin typeface="Arial" panose="020B0604020202020204" pitchFamily="34" charset="0"/>
+                <a:cs typeface="Arial" panose="020B0604020202020204" pitchFamily="34" charset="0"/>
+              </a:rPr>
+              <a:t> </a:t>
+            </a:r>
+            <a:r>
+              <a:rPr lang="en-US" dirty="0" err="1">
+                <a:latin typeface="Arial" panose="020B0604020202020204" pitchFamily="34" charset="0"/>
+                <a:cs typeface="Arial" panose="020B0604020202020204" pitchFamily="34" charset="0"/>
+              </a:rPr>
+              <a:t>phép</a:t>
+            </a:r>
+            <a:r>
+              <a:rPr lang="en-US" dirty="0">
+                <a:latin typeface="Arial" panose="020B0604020202020204" pitchFamily="34" charset="0"/>
+                <a:cs typeface="Arial" panose="020B0604020202020204" pitchFamily="34" charset="0"/>
+              </a:rPr>
+              <a:t> </a:t>
+            </a:r>
+            <a:r>
+              <a:rPr lang="en-US" dirty="0" err="1">
+                <a:latin typeface="Arial" panose="020B0604020202020204" pitchFamily="34" charset="0"/>
+                <a:cs typeface="Arial" panose="020B0604020202020204" pitchFamily="34" charset="0"/>
+              </a:rPr>
+              <a:t>việc</a:t>
+            </a:r>
+            <a:r>
+              <a:rPr lang="en-US" dirty="0">
+                <a:latin typeface="Arial" panose="020B0604020202020204" pitchFamily="34" charset="0"/>
+                <a:cs typeface="Arial" panose="020B0604020202020204" pitchFamily="34" charset="0"/>
+              </a:rPr>
+              <a:t> </a:t>
+            </a:r>
+            <a:r>
+              <a:rPr lang="en-US" dirty="0" err="1">
+                <a:latin typeface="Arial" panose="020B0604020202020204" pitchFamily="34" charset="0"/>
+                <a:cs typeface="Arial" panose="020B0604020202020204" pitchFamily="34" charset="0"/>
+              </a:rPr>
+              <a:t>phối</a:t>
+            </a:r>
+            <a:r>
+              <a:rPr lang="en-US" dirty="0">
+                <a:latin typeface="Arial" panose="020B0604020202020204" pitchFamily="34" charset="0"/>
+                <a:cs typeface="Arial" panose="020B0604020202020204" pitchFamily="34" charset="0"/>
+              </a:rPr>
+              <a:t> </a:t>
+            </a:r>
+            <a:r>
+              <a:rPr lang="en-US" dirty="0" err="1">
+                <a:latin typeface="Arial" panose="020B0604020202020204" pitchFamily="34" charset="0"/>
+                <a:cs typeface="Arial" panose="020B0604020202020204" pitchFamily="34" charset="0"/>
+              </a:rPr>
+              <a:t>màu</a:t>
+            </a:r>
+            <a:r>
+              <a:rPr lang="en-US" dirty="0">
+                <a:latin typeface="Arial" panose="020B0604020202020204" pitchFamily="34" charset="0"/>
+                <a:cs typeface="Arial" panose="020B0604020202020204" pitchFamily="34" charset="0"/>
+              </a:rPr>
+              <a:t> đ</a:t>
+            </a:r>
+            <a:r>
+              <a:rPr lang="vi-VN" dirty="0">
+                <a:latin typeface="Arial" panose="020B0604020202020204" pitchFamily="34" charset="0"/>
+                <a:cs typeface="Arial" panose="020B0604020202020204" pitchFamily="34" charset="0"/>
+              </a:rPr>
+              <a:t>ơ</a:t>
+            </a:r>
+            <a:r>
+              <a:rPr lang="en-US" dirty="0">
+                <a:latin typeface="Arial" panose="020B0604020202020204" pitchFamily="34" charset="0"/>
+                <a:cs typeface="Arial" panose="020B0604020202020204" pitchFamily="34" charset="0"/>
+              </a:rPr>
+              <a:t>n </a:t>
+            </a:r>
+            <a:r>
+              <a:rPr lang="en-US" dirty="0" err="1">
+                <a:latin typeface="Arial" panose="020B0604020202020204" pitchFamily="34" charset="0"/>
+                <a:cs typeface="Arial" panose="020B0604020202020204" pitchFamily="34" charset="0"/>
+              </a:rPr>
+              <a:t>giản</a:t>
+            </a:r>
+            <a:r>
+              <a:rPr lang="en-US" dirty="0">
+                <a:latin typeface="Arial" panose="020B0604020202020204" pitchFamily="34" charset="0"/>
+                <a:cs typeface="Arial" panose="020B0604020202020204" pitchFamily="34" charset="0"/>
+              </a:rPr>
+              <a:t> </a:t>
+            </a:r>
+            <a:r>
+              <a:rPr lang="en-US" dirty="0" err="1">
+                <a:latin typeface="Arial" panose="020B0604020202020204" pitchFamily="34" charset="0"/>
+                <a:cs typeface="Arial" panose="020B0604020202020204" pitchFamily="34" charset="0"/>
+              </a:rPr>
+              <a:t>xảy</a:t>
+            </a:r>
+            <a:r>
+              <a:rPr lang="en-US" dirty="0">
+                <a:latin typeface="Arial" panose="020B0604020202020204" pitchFamily="34" charset="0"/>
+                <a:cs typeface="Arial" panose="020B0604020202020204" pitchFamily="34" charset="0"/>
+              </a:rPr>
+              <a:t> ra. Phân phối Dirichlet cũng sẽ ít chú trọng vào các cụm không cần thiết.</a:t>
+            </a:r>
+          </a:p>
+        </p:txBody>
+      </p:sp>
+      <p:sp>
+        <p:nvSpPr>
+          <p:cNvPr id="28" name="TextBox 27">
             <a:extLst>
               <a:ext uri="{FF2B5EF4-FFF2-40B4-BE49-F238E27FC236}">
-                <a16:creationId xmlns:a16="http://schemas.microsoft.com/office/drawing/2014/main" id="{A69E5EA8-5AD5-44E1-9E98-4BBE358DEE2E}"/>
+                <a16:creationId xmlns:a16="http://schemas.microsoft.com/office/drawing/2014/main" id="{947A72C2-A7D6-4F48-AC53-C6F7BCFD9B23}"/>
               </a:ext>
             </a:extLst>
           </p:cNvPr>
@@ -4266,8 +6914,8 @@
         </p:nvSpPr>
         <p:spPr>
           <a:xfrm>
-            <a:off x="6654800" y="13368815"/>
-            <a:ext cx="2882900" cy="461665"/>
+            <a:off x="6719992" y="8630323"/>
+            <a:ext cx="7988300" cy="369332"/>
           </a:xfrm>
           <a:prstGeom prst="rect">
             <a:avLst/>
@@ -4280,21 +6928,286 @@
           </a:bodyPr>
           <a:lstStyle/>
           <a:p>
-            <a:r>
-              <a:rPr lang="en-US" sz="2400" b="1">
-                <a:latin typeface="+mj-lt"/>
-              </a:rPr>
-              <a:t>Kết luận</a:t>
-            </a:r>
+            <a:pPr algn="just"/>
+            <a:endParaRPr lang="en-US" dirty="0">
+              <a:latin typeface="Arial" panose="020B0604020202020204" pitchFamily="34" charset="0"/>
+              <a:cs typeface="Arial" panose="020B0604020202020204" pitchFamily="34" charset="0"/>
+            </a:endParaRPr>
+          </a:p>
+        </p:txBody>
+      </p:sp>
+      <p:sp>
+        <p:nvSpPr>
+          <p:cNvPr id="29" name="TextBox 28">
+            <a:extLst>
+              <a:ext uri="{FF2B5EF4-FFF2-40B4-BE49-F238E27FC236}">
+                <a16:creationId xmlns:a16="http://schemas.microsoft.com/office/drawing/2014/main" id="{8BB5C575-A3D3-4F33-839E-2E831F6B592E}"/>
+              </a:ext>
+            </a:extLst>
+          </p:cNvPr>
+          <p:cNvSpPr txBox="1"/>
+          <p:nvPr/>
+        </p:nvSpPr>
+        <p:spPr>
+          <a:xfrm>
+            <a:off x="6719992" y="11308977"/>
+            <a:ext cx="7988300" cy="1477328"/>
+          </a:xfrm>
+          <a:prstGeom prst="rect">
+            <a:avLst/>
+          </a:prstGeom>
+          <a:noFill/>
+        </p:spPr>
+        <p:txBody>
+          <a:bodyPr wrap="square" rtlCol="0">
+            <a:spAutoFit/>
+          </a:bodyPr>
+          <a:lstStyle/>
+          <a:p>
+            <a:pPr algn="just"/>
+            <a:r>
+              <a:rPr lang="en-US">
+                <a:latin typeface="Arial" panose="020B0604020202020204" pitchFamily="34" charset="0"/>
+                <a:cs typeface="Arial" panose="020B0604020202020204" pitchFamily="34" charset="0"/>
+              </a:rPr>
+              <a:t>Đây </a:t>
+            </a:r>
+            <a:r>
+              <a:rPr lang="en-US" dirty="0">
+                <a:latin typeface="Arial" panose="020B0604020202020204" pitchFamily="34" charset="0"/>
+                <a:cs typeface="Arial" panose="020B0604020202020204" pitchFamily="34" charset="0"/>
+              </a:rPr>
+              <a:t>là kết quả thử nghiệm khi thay đổi factor ở 3 số khác nhau.</a:t>
+            </a:r>
+          </a:p>
+          <a:p>
+            <a:pPr algn="just"/>
+            <a:endParaRPr lang="en-US" dirty="0">
+              <a:latin typeface="Arial" panose="020B0604020202020204" pitchFamily="34" charset="0"/>
+              <a:cs typeface="Arial" panose="020B0604020202020204" pitchFamily="34" charset="0"/>
+            </a:endParaRPr>
+          </a:p>
+          <a:p>
+            <a:pPr algn="just"/>
+            <a:r>
+              <a:rPr lang="en-US" dirty="0">
+                <a:latin typeface="Arial" panose="020B0604020202020204" pitchFamily="34" charset="0"/>
+                <a:cs typeface="Arial" panose="020B0604020202020204" pitchFamily="34" charset="0"/>
+              </a:rPr>
+              <a:t>Chạy thử trên demo của nhóm, đính kèm link </a:t>
+            </a:r>
+            <a:r>
+              <a:rPr lang="en-US" dirty="0" err="1">
+                <a:latin typeface="Arial" panose="020B0604020202020204" pitchFamily="34" charset="0"/>
+                <a:cs typeface="Arial" panose="020B0604020202020204" pitchFamily="34" charset="0"/>
+              </a:rPr>
+              <a:t>github</a:t>
+            </a:r>
+            <a:r>
+              <a:rPr lang="en-US" dirty="0">
+                <a:latin typeface="Arial" panose="020B0604020202020204" pitchFamily="34" charset="0"/>
+                <a:cs typeface="Arial" panose="020B0604020202020204" pitchFamily="34" charset="0"/>
+              </a:rPr>
+              <a:t> ở d</a:t>
+            </a:r>
+            <a:r>
+              <a:rPr lang="vi-VN" dirty="0" err="1">
+                <a:latin typeface="Arial" panose="020B0604020202020204" pitchFamily="34" charset="0"/>
+                <a:cs typeface="Arial" panose="020B0604020202020204" pitchFamily="34" charset="0"/>
+              </a:rPr>
+              <a:t>ưới</a:t>
+            </a:r>
+            <a:r>
+              <a:rPr lang="vi-VN" dirty="0">
+                <a:latin typeface="Arial" panose="020B0604020202020204" pitchFamily="34" charset="0"/>
+                <a:cs typeface="Arial" panose="020B0604020202020204" pitchFamily="34" charset="0"/>
+              </a:rPr>
+              <a:t>:</a:t>
+            </a:r>
+          </a:p>
+          <a:p>
+            <a:pPr algn="just"/>
+            <a:endParaRPr lang="vi-VN" dirty="0">
+              <a:latin typeface="Arial" panose="020B0604020202020204" pitchFamily="34" charset="0"/>
+              <a:cs typeface="Arial" panose="020B0604020202020204" pitchFamily="34" charset="0"/>
+            </a:endParaRPr>
+          </a:p>
+          <a:p>
+            <a:pPr algn="just"/>
+            <a:r>
+              <a:rPr lang="en-US" dirty="0">
+                <a:latin typeface="Arial" panose="020B0604020202020204" pitchFamily="34" charset="0"/>
+                <a:cs typeface="Arial" panose="020B0604020202020204" pitchFamily="34" charset="0"/>
+              </a:rPr>
+              <a:t>https://github.com/truongduchainguyen/Pixelate-Me</a:t>
+            </a:r>
+          </a:p>
+        </p:txBody>
+      </p:sp>
+      <p:sp>
+        <p:nvSpPr>
+          <p:cNvPr id="32" name="TextBox 31">
+            <a:extLst>
+              <a:ext uri="{FF2B5EF4-FFF2-40B4-BE49-F238E27FC236}">
+                <a16:creationId xmlns:a16="http://schemas.microsoft.com/office/drawing/2014/main" id="{5DADB8DC-8BEB-440F-A08F-02F2FDE29901}"/>
+              </a:ext>
+            </a:extLst>
+          </p:cNvPr>
+          <p:cNvSpPr txBox="1"/>
+          <p:nvPr/>
+        </p:nvSpPr>
+        <p:spPr>
+          <a:xfrm>
+            <a:off x="6654800" y="13886689"/>
+            <a:ext cx="7988300" cy="2862322"/>
+          </a:xfrm>
+          <a:prstGeom prst="rect">
+            <a:avLst/>
+          </a:prstGeom>
+          <a:noFill/>
+        </p:spPr>
+        <p:txBody>
+          <a:bodyPr wrap="square" rtlCol="0">
+            <a:spAutoFit/>
+          </a:bodyPr>
+          <a:lstStyle/>
+          <a:p>
+            <a:pPr algn="just"/>
+            <a:r>
+              <a:rPr lang="en-US" dirty="0">
+                <a:latin typeface="Arial" panose="020B0604020202020204" pitchFamily="34" charset="0"/>
+                <a:cs typeface="Arial" panose="020B0604020202020204" pitchFamily="34" charset="0"/>
+              </a:rPr>
+              <a:t>Bằng việc sử dụng </a:t>
+            </a:r>
+            <a:r>
+              <a:rPr lang="en-US" dirty="0" err="1">
+                <a:latin typeface="Arial" panose="020B0604020202020204" pitchFamily="34" charset="0"/>
+                <a:cs typeface="Arial" panose="020B0604020202020204" pitchFamily="34" charset="0"/>
+              </a:rPr>
+              <a:t>ph</a:t>
+            </a:r>
+            <a:r>
+              <a:rPr lang="vi-VN" dirty="0">
+                <a:latin typeface="Arial" panose="020B0604020202020204" pitchFamily="34" charset="0"/>
+                <a:cs typeface="Arial" panose="020B0604020202020204" pitchFamily="34" charset="0"/>
+              </a:rPr>
+              <a:t>ương pháp đã đề cập ở trên, về cơ bản đã hoàn thành được mục tiêu nhóm đề ra  ban đầu, đó là điểm ảnh hóa một ảnh bất kỳ bằng cách đổi màu của các nhóm điểm ảnh thành màu có cường độ giảm đi cùng với đó là </a:t>
+            </a:r>
+            <a:r>
+              <a:rPr lang="vi-VN" dirty="0" err="1">
+                <a:latin typeface="Arial" panose="020B0604020202020204" pitchFamily="34" charset="0"/>
+                <a:cs typeface="Arial" panose="020B0604020202020204" pitchFamily="34" charset="0"/>
+              </a:rPr>
+              <a:t>downsampling</a:t>
+            </a:r>
+            <a:r>
+              <a:rPr lang="vi-VN" dirty="0">
+                <a:latin typeface="Arial" panose="020B0604020202020204" pitchFamily="34" charset="0"/>
+                <a:cs typeface="Arial" panose="020B0604020202020204" pitchFamily="34" charset="0"/>
+              </a:rPr>
+              <a:t> các vùng ảnh bằng những tính toán dựa vào độ lớn và hướng </a:t>
+            </a:r>
+            <a:r>
+              <a:rPr lang="vi-VN" dirty="0" err="1">
+                <a:latin typeface="Arial" panose="020B0604020202020204" pitchFamily="34" charset="0"/>
+                <a:cs typeface="Arial" panose="020B0604020202020204" pitchFamily="34" charset="0"/>
+              </a:rPr>
+              <a:t>gradient</a:t>
+            </a:r>
+            <a:r>
+              <a:rPr lang="vi-VN" dirty="0">
+                <a:latin typeface="Arial" panose="020B0604020202020204" pitchFamily="34" charset="0"/>
+                <a:cs typeface="Arial" panose="020B0604020202020204" pitchFamily="34" charset="0"/>
+              </a:rPr>
+              <a:t> của những vùng đó.</a:t>
+            </a:r>
+          </a:p>
+          <a:p>
+            <a:pPr algn="just"/>
+            <a:endParaRPr lang="vi-VN" dirty="0">
+              <a:latin typeface="Arial" panose="020B0604020202020204" pitchFamily="34" charset="0"/>
+              <a:cs typeface="Arial" panose="020B0604020202020204" pitchFamily="34" charset="0"/>
+            </a:endParaRPr>
+          </a:p>
+          <a:p>
+            <a:pPr algn="just"/>
+            <a:r>
+              <a:rPr lang="vi-VN" dirty="0">
+                <a:latin typeface="Arial" panose="020B0604020202020204" pitchFamily="34" charset="0"/>
+                <a:cs typeface="Arial" panose="020B0604020202020204" pitchFamily="34" charset="0"/>
+              </a:rPr>
+              <a:t>Mục tiêu tiếp theo nhóm hướng tới chính là điểm ảnh hóa </a:t>
+            </a:r>
+            <a:r>
+              <a:rPr lang="vi-VN" dirty="0" err="1">
+                <a:latin typeface="Arial" panose="020B0604020202020204" pitchFamily="34" charset="0"/>
+                <a:cs typeface="Arial" panose="020B0604020202020204" pitchFamily="34" charset="0"/>
+              </a:rPr>
+              <a:t>video</a:t>
+            </a:r>
+            <a:r>
+              <a:rPr lang="vi-VN" dirty="0">
+                <a:latin typeface="Arial" panose="020B0604020202020204" pitchFamily="34" charset="0"/>
+                <a:cs typeface="Arial" panose="020B0604020202020204" pitchFamily="34" charset="0"/>
+              </a:rPr>
+              <a:t> hay xa hơn là xử lý thời gian thực thông qua việc điểm ảnh hóa </a:t>
+            </a:r>
+            <a:r>
+              <a:rPr lang="vi-VN" dirty="0" err="1">
+                <a:latin typeface="Arial" panose="020B0604020202020204" pitchFamily="34" charset="0"/>
+                <a:cs typeface="Arial" panose="020B0604020202020204" pitchFamily="34" charset="0"/>
+              </a:rPr>
+              <a:t>video</a:t>
+            </a:r>
+            <a:r>
+              <a:rPr lang="vi-VN" dirty="0">
+                <a:latin typeface="Arial" panose="020B0604020202020204" pitchFamily="34" charset="0"/>
+                <a:cs typeface="Arial" panose="020B0604020202020204" pitchFamily="34" charset="0"/>
+              </a:rPr>
+              <a:t> </a:t>
+            </a:r>
+            <a:r>
+              <a:rPr lang="vi-VN" dirty="0" err="1">
+                <a:latin typeface="Arial" panose="020B0604020202020204" pitchFamily="34" charset="0"/>
+                <a:cs typeface="Arial" panose="020B0604020202020204" pitchFamily="34" charset="0"/>
+              </a:rPr>
+              <a:t>livestream</a:t>
+            </a:r>
+            <a:r>
+              <a:rPr lang="vi-VN" dirty="0">
+                <a:latin typeface="Arial" panose="020B0604020202020204" pitchFamily="34" charset="0"/>
+                <a:cs typeface="Arial" panose="020B0604020202020204" pitchFamily="34" charset="0"/>
+              </a:rPr>
+              <a:t> nhằm tiếp tục đề tài cũng như là thỏa lòng đam mê của nhóm dành cho nghệ thuật </a:t>
+            </a:r>
+            <a:r>
+              <a:rPr lang="vi-VN">
+                <a:latin typeface="Arial" panose="020B0604020202020204" pitchFamily="34" charset="0"/>
+                <a:cs typeface="Arial" panose="020B0604020202020204" pitchFamily="34" charset="0"/>
+              </a:rPr>
+              <a:t>điểm ảnh</a:t>
+            </a:r>
+            <a:r>
+              <a:rPr lang="en-US">
+                <a:latin typeface="Arial" panose="020B0604020202020204" pitchFamily="34" charset="0"/>
+                <a:cs typeface="Arial" panose="020B0604020202020204" pitchFamily="34" charset="0"/>
+              </a:rPr>
+              <a:t>.</a:t>
+            </a:r>
+            <a:endParaRPr lang="en-US" dirty="0">
+              <a:latin typeface="Arial" panose="020B0604020202020204" pitchFamily="34" charset="0"/>
+              <a:cs typeface="Arial" panose="020B0604020202020204" pitchFamily="34" charset="0"/>
+            </a:endParaRPr>
           </a:p>
         </p:txBody>
       </p:sp>
       <p:pic>
         <p:nvPicPr>
-          <p:cNvPr id="18" name="Picture 17">
+          <p:cNvPr id="39" name="Picture 38">
             <a:extLst>
               <a:ext uri="{FF2B5EF4-FFF2-40B4-BE49-F238E27FC236}">
-                <a16:creationId xmlns:a16="http://schemas.microsoft.com/office/drawing/2014/main" id="{E36D9522-1A94-4E62-93A5-FEC907C5CE3F}"/>
+                <a16:creationId xmlns:a16="http://schemas.microsoft.com/office/drawing/2014/main" id="{E1D5C5C7-7118-4AFF-B6F8-65C6D953A4A2}"/>
               </a:ext>
             </a:extLst>
           </p:cNvPr>
@@ -4317,20 +7230,218 @@
         </p:blipFill>
         <p:spPr>
           <a:xfrm>
-            <a:off x="444503" y="18402747"/>
-            <a:ext cx="6563487" cy="2286000"/>
+            <a:off x="145536" y="18201867"/>
+            <a:ext cx="5843028" cy="2999238"/>
           </a:xfrm>
           <a:prstGeom prst="rect">
             <a:avLst/>
           </a:prstGeom>
         </p:spPr>
       </p:pic>
+      <p:sp>
+        <p:nvSpPr>
+          <p:cNvPr id="44" name="TextBox 43">
+            <a:extLst>
+              <a:ext uri="{FF2B5EF4-FFF2-40B4-BE49-F238E27FC236}">
+                <a16:creationId xmlns:a16="http://schemas.microsoft.com/office/drawing/2014/main" id="{2F204226-7393-4B9E-BA3D-1B85C7F76795}"/>
+              </a:ext>
+            </a:extLst>
+          </p:cNvPr>
+          <p:cNvSpPr txBox="1"/>
+          <p:nvPr/>
+        </p:nvSpPr>
+        <p:spPr>
+          <a:xfrm>
+            <a:off x="6654800" y="7944353"/>
+            <a:ext cx="2882900" cy="618507"/>
+          </a:xfrm>
+          <a:prstGeom prst="rect">
+            <a:avLst/>
+          </a:prstGeom>
+          <a:noFill/>
+        </p:spPr>
+        <p:txBody>
+          <a:bodyPr wrap="square" rtlCol="0" anchor="b">
+            <a:noAutofit/>
+          </a:bodyPr>
+          <a:lstStyle/>
+          <a:p>
+            <a:r>
+              <a:rPr lang="en-US" sz="2400" b="1">
+                <a:latin typeface="+mj-lt"/>
+              </a:rPr>
+              <a:t>Thử nghiệm</a:t>
+            </a:r>
+          </a:p>
+        </p:txBody>
+      </p:sp>
+      <p:sp>
+        <p:nvSpPr>
+          <p:cNvPr id="45" name="TextBox 44">
+            <a:extLst>
+              <a:ext uri="{FF2B5EF4-FFF2-40B4-BE49-F238E27FC236}">
+                <a16:creationId xmlns:a16="http://schemas.microsoft.com/office/drawing/2014/main" id="{1E75683C-0C7D-4F86-ACDA-5421614ECF5D}"/>
+              </a:ext>
+            </a:extLst>
+          </p:cNvPr>
+          <p:cNvSpPr txBox="1"/>
+          <p:nvPr/>
+        </p:nvSpPr>
+        <p:spPr>
+          <a:xfrm>
+            <a:off x="6654800" y="13216779"/>
+            <a:ext cx="2882900" cy="618507"/>
+          </a:xfrm>
+          <a:prstGeom prst="rect">
+            <a:avLst/>
+          </a:prstGeom>
+          <a:noFill/>
+        </p:spPr>
+        <p:txBody>
+          <a:bodyPr wrap="square" rtlCol="0" anchor="b">
+            <a:noAutofit/>
+          </a:bodyPr>
+          <a:lstStyle/>
+          <a:p>
+            <a:r>
+              <a:rPr lang="en-US" sz="2400" b="1">
+                <a:latin typeface="+mj-lt"/>
+              </a:rPr>
+              <a:t>Thử nghiệm</a:t>
+            </a:r>
+          </a:p>
+        </p:txBody>
+      </p:sp>
+      <p:sp>
+        <p:nvSpPr>
+          <p:cNvPr id="46" name="TextBox 45">
+            <a:extLst>
+              <a:ext uri="{FF2B5EF4-FFF2-40B4-BE49-F238E27FC236}">
+                <a16:creationId xmlns:a16="http://schemas.microsoft.com/office/drawing/2014/main" id="{889C7843-C443-4742-A71F-7349AAA213B5}"/>
+              </a:ext>
+            </a:extLst>
+          </p:cNvPr>
+          <p:cNvSpPr txBox="1"/>
+          <p:nvPr/>
+        </p:nvSpPr>
+        <p:spPr>
+          <a:xfrm>
+            <a:off x="6654800" y="17997925"/>
+            <a:ext cx="2882900" cy="618507"/>
+          </a:xfrm>
+          <a:prstGeom prst="rect">
+            <a:avLst/>
+          </a:prstGeom>
+          <a:noFill/>
+        </p:spPr>
+        <p:txBody>
+          <a:bodyPr wrap="square" rtlCol="0" anchor="b">
+            <a:noAutofit/>
+          </a:bodyPr>
+          <a:lstStyle/>
+          <a:p>
+            <a:r>
+              <a:rPr lang="en-US" sz="2400" b="1">
+                <a:latin typeface="+mj-lt"/>
+              </a:rPr>
+              <a:t>Tham khảo</a:t>
+            </a:r>
+          </a:p>
+        </p:txBody>
+      </p:sp>
+      <p:sp>
+        <p:nvSpPr>
+          <p:cNvPr id="47" name="TextBox 46">
+            <a:extLst>
+              <a:ext uri="{FF2B5EF4-FFF2-40B4-BE49-F238E27FC236}">
+                <a16:creationId xmlns:a16="http://schemas.microsoft.com/office/drawing/2014/main" id="{40D39574-19F6-4E2F-87EE-87E6B193A5F8}"/>
+              </a:ext>
+            </a:extLst>
+          </p:cNvPr>
+          <p:cNvSpPr txBox="1"/>
+          <p:nvPr/>
+        </p:nvSpPr>
+        <p:spPr>
+          <a:xfrm>
+            <a:off x="6654800" y="18631788"/>
+            <a:ext cx="7988300" cy="646331"/>
+          </a:xfrm>
+          <a:prstGeom prst="rect">
+            <a:avLst/>
+          </a:prstGeom>
+          <a:noFill/>
+        </p:spPr>
+        <p:txBody>
+          <a:bodyPr wrap="square" rtlCol="0">
+            <a:spAutoFit/>
+          </a:bodyPr>
+          <a:lstStyle/>
+          <a:p>
+            <a:r>
+              <a:rPr lang="en-US">
+                <a:hlinkClick r:id="rId7"/>
+              </a:rPr>
+              <a:t>Pyxelate: sedthh/pyxelate: Python class that generates pixel art from images (github.com)</a:t>
+            </a:r>
+            <a:endParaRPr lang="en-US"/>
+          </a:p>
+        </p:txBody>
+      </p:sp>
+      <p:sp>
+        <p:nvSpPr>
+          <p:cNvPr id="40" name="Rectangle 39">
+            <a:extLst>
+              <a:ext uri="{FF2B5EF4-FFF2-40B4-BE49-F238E27FC236}">
+                <a16:creationId xmlns:a16="http://schemas.microsoft.com/office/drawing/2014/main" id="{E6D1AB7F-C7EC-4830-B2D5-FF14F4594338}"/>
+              </a:ext>
+            </a:extLst>
+          </p:cNvPr>
+          <p:cNvSpPr/>
+          <p:nvPr/>
+        </p:nvSpPr>
+        <p:spPr>
+          <a:xfrm>
+            <a:off x="11983043" y="8884944"/>
+            <a:ext cx="219965" cy="219965"/>
+          </a:xfrm>
+          <a:prstGeom prst="rect">
+            <a:avLst/>
+          </a:prstGeom>
+          <a:solidFill>
+            <a:srgbClr val="505050"/>
+          </a:solidFill>
+        </p:spPr>
+        <p:style>
+          <a:lnRef idx="2">
+            <a:schemeClr val="accent1">
+              <a:shade val="50000"/>
+            </a:schemeClr>
+          </a:lnRef>
+          <a:fillRef idx="1">
+            <a:schemeClr val="accent1"/>
+          </a:fillRef>
+          <a:effectRef idx="0">
+            <a:schemeClr val="accent1"/>
+          </a:effectRef>
+          <a:fontRef idx="minor">
+            <a:schemeClr val="lt1"/>
+          </a:fontRef>
+        </p:style>
+        <p:txBody>
+          <a:bodyPr rtlCol="0" anchor="ctr"/>
+          <a:lstStyle/>
+          <a:p>
+            <a:pPr algn="ctr"/>
+            <a:endParaRPr lang="en-US"/>
+          </a:p>
+        </p:txBody>
+      </p:sp>
       <p:pic>
         <p:nvPicPr>
-          <p:cNvPr id="26" name="Picture 25" descr="A picture containing text&#10;&#10;Description automatically generated">
+          <p:cNvPr id="56" name="Picture 55">
             <a:extLst>
               <a:ext uri="{FF2B5EF4-FFF2-40B4-BE49-F238E27FC236}">
-                <a16:creationId xmlns:a16="http://schemas.microsoft.com/office/drawing/2014/main" id="{B9C92FC6-B1FB-461B-90C0-12B521345D25}"/>
+                <a16:creationId xmlns:a16="http://schemas.microsoft.com/office/drawing/2014/main" id="{D78DA027-704C-4771-A2F9-E5E4C39C5A62}"/>
               </a:ext>
             </a:extLst>
           </p:cNvPr>
@@ -4340,7 +7451,7 @@
           <p:nvPr/>
         </p:nvPicPr>
         <p:blipFill>
-          <a:blip r:embed="rId7">
+          <a:blip r:embed="rId8">
             <a:extLst>
               <a:ext uri="{28A0092B-C50C-407E-A947-70E740481C1C}">
                 <a14:useLocalDpi xmlns:a14="http://schemas.microsoft.com/office/drawing/2010/main" val="0"/>
@@ -4353,8 +7464,8 @@
         </p:blipFill>
         <p:spPr>
           <a:xfrm>
-            <a:off x="7784252" y="18402747"/>
-            <a:ext cx="6728606" cy="2286000"/>
+            <a:off x="6654800" y="8594394"/>
+            <a:ext cx="5027508" cy="2580629"/>
           </a:xfrm>
           <a:prstGeom prst="rect">
             <a:avLst/>
@@ -4363,3075 +7474,344 @@
       </p:pic>
       <p:sp>
         <p:nvSpPr>
-          <p:cNvPr id="27" name="TextBox 26">
+          <p:cNvPr id="60" name="Rectangle 59">
             <a:extLst>
               <a:ext uri="{FF2B5EF4-FFF2-40B4-BE49-F238E27FC236}">
-                <a16:creationId xmlns:a16="http://schemas.microsoft.com/office/drawing/2014/main" id="{58B133E6-CE55-4AFA-A5F7-0D6C002C662E}"/>
+                <a16:creationId xmlns:a16="http://schemas.microsoft.com/office/drawing/2014/main" id="{0346EAA8-2FBD-456B-907B-BBDB7E1BDBB2}"/>
               </a:ext>
             </a:extLst>
           </p:cNvPr>
-          <p:cNvSpPr txBox="1"/>
+          <p:cNvSpPr/>
           <p:nvPr/>
         </p:nvSpPr>
         <p:spPr>
           <a:xfrm>
-            <a:off x="6654800" y="3331264"/>
-            <a:ext cx="7988300" cy="4247317"/>
+            <a:off x="11983043" y="9105556"/>
+            <a:ext cx="219965" cy="219965"/>
           </a:xfrm>
           <a:prstGeom prst="rect">
             <a:avLst/>
           </a:prstGeom>
-          <a:noFill/>
+          <a:solidFill>
+            <a:srgbClr val="201820"/>
+          </a:solidFill>
         </p:spPr>
-        <p:txBody>
-          <a:bodyPr wrap="square" rtlCol="0">
-            <a:spAutoFit/>
-          </a:bodyPr>
+        <p:style>
+          <a:lnRef idx="2">
+            <a:schemeClr val="accent1">
+              <a:shade val="50000"/>
+            </a:schemeClr>
+          </a:lnRef>
+          <a:fillRef idx="1">
+            <a:schemeClr val="accent1"/>
+          </a:fillRef>
+          <a:effectRef idx="0">
+            <a:schemeClr val="accent1"/>
+          </a:effectRef>
+          <a:fontRef idx="minor">
+            <a:schemeClr val="lt1"/>
+          </a:fontRef>
+        </p:style>
+        <p:txBody>
+          <a:bodyPr rtlCol="0" anchor="ctr"/>
           <a:lstStyle/>
           <a:p>
-            <a:pPr algn="just"/>
-            <a:r>
-              <a:rPr lang="en-US" dirty="0" err="1">
-                <a:latin typeface="Arial" panose="020B0604020202020204" pitchFamily="34" charset="0"/>
-                <a:cs typeface="Arial" panose="020B0604020202020204" pitchFamily="34" charset="0"/>
-              </a:rPr>
-              <a:t>Bằng</a:t>
-            </a:r>
-            <a:r>
-              <a:rPr lang="en-US" dirty="0">
-                <a:latin typeface="Arial" panose="020B0604020202020204" pitchFamily="34" charset="0"/>
-                <a:cs typeface="Arial" panose="020B0604020202020204" pitchFamily="34" charset="0"/>
-              </a:rPr>
-              <a:t> </a:t>
-            </a:r>
-            <a:r>
-              <a:rPr lang="en-US" dirty="0" err="1">
-                <a:latin typeface="Arial" panose="020B0604020202020204" pitchFamily="34" charset="0"/>
-                <a:cs typeface="Arial" panose="020B0604020202020204" pitchFamily="34" charset="0"/>
-              </a:rPr>
-              <a:t>cách</a:t>
-            </a:r>
-            <a:r>
-              <a:rPr lang="en-US" dirty="0">
-                <a:latin typeface="Arial" panose="020B0604020202020204" pitchFamily="34" charset="0"/>
-                <a:cs typeface="Arial" panose="020B0604020202020204" pitchFamily="34" charset="0"/>
-              </a:rPr>
-              <a:t> </a:t>
-            </a:r>
-            <a:r>
-              <a:rPr lang="en-US" dirty="0" err="1">
-                <a:latin typeface="Arial" panose="020B0604020202020204" pitchFamily="34" charset="0"/>
-                <a:cs typeface="Arial" panose="020B0604020202020204" pitchFamily="34" charset="0"/>
-              </a:rPr>
-              <a:t>sử</a:t>
-            </a:r>
-            <a:r>
-              <a:rPr lang="en-US" dirty="0">
-                <a:latin typeface="Arial" panose="020B0604020202020204" pitchFamily="34" charset="0"/>
-                <a:cs typeface="Arial" panose="020B0604020202020204" pitchFamily="34" charset="0"/>
-              </a:rPr>
-              <a:t> </a:t>
-            </a:r>
-            <a:r>
-              <a:rPr lang="en-US" dirty="0" err="1">
-                <a:latin typeface="Arial" panose="020B0604020202020204" pitchFamily="34" charset="0"/>
-                <a:cs typeface="Arial" panose="020B0604020202020204" pitchFamily="34" charset="0"/>
-              </a:rPr>
-              <a:t>dụng</a:t>
-            </a:r>
-            <a:r>
-              <a:rPr lang="en-US" dirty="0">
-                <a:latin typeface="Arial" panose="020B0604020202020204" pitchFamily="34" charset="0"/>
-                <a:cs typeface="Arial" panose="020B0604020202020204" pitchFamily="34" charset="0"/>
-              </a:rPr>
-              <a:t> </a:t>
-            </a:r>
-            <a:r>
-              <a:rPr lang="en-US" dirty="0" err="1">
-                <a:latin typeface="Arial" panose="020B0604020202020204" pitchFamily="34" charset="0"/>
-                <a:cs typeface="Arial" panose="020B0604020202020204" pitchFamily="34" charset="0"/>
-              </a:rPr>
-              <a:t>các</a:t>
-            </a:r>
-            <a:r>
-              <a:rPr lang="en-US" dirty="0">
-                <a:latin typeface="Arial" panose="020B0604020202020204" pitchFamily="34" charset="0"/>
-                <a:cs typeface="Arial" panose="020B0604020202020204" pitchFamily="34" charset="0"/>
-              </a:rPr>
-              <a:t> </a:t>
-            </a:r>
-            <a:r>
-              <a:rPr lang="en-US" dirty="0" err="1">
-                <a:latin typeface="Arial" panose="020B0604020202020204" pitchFamily="34" charset="0"/>
-                <a:cs typeface="Arial" panose="020B0604020202020204" pitchFamily="34" charset="0"/>
-              </a:rPr>
-              <a:t>hàm</a:t>
-            </a:r>
-            <a:r>
-              <a:rPr lang="en-US" dirty="0">
-                <a:latin typeface="Arial" panose="020B0604020202020204" pitchFamily="34" charset="0"/>
-                <a:cs typeface="Arial" panose="020B0604020202020204" pitchFamily="34" charset="0"/>
-              </a:rPr>
-              <a:t> </a:t>
-            </a:r>
-            <a:r>
-              <a:rPr lang="en-US" dirty="0" err="1">
-                <a:latin typeface="Arial" panose="020B0604020202020204" pitchFamily="34" charset="0"/>
-                <a:cs typeface="Arial" panose="020B0604020202020204" pitchFamily="34" charset="0"/>
-              </a:rPr>
-              <a:t>Thị</a:t>
-            </a:r>
-            <a:r>
-              <a:rPr lang="en-US" dirty="0">
-                <a:latin typeface="Arial" panose="020B0604020202020204" pitchFamily="34" charset="0"/>
-                <a:cs typeface="Arial" panose="020B0604020202020204" pitchFamily="34" charset="0"/>
-              </a:rPr>
-              <a:t> </a:t>
-            </a:r>
-            <a:r>
-              <a:rPr lang="en-US" dirty="0" err="1">
-                <a:latin typeface="Arial" panose="020B0604020202020204" pitchFamily="34" charset="0"/>
-                <a:cs typeface="Arial" panose="020B0604020202020204" pitchFamily="34" charset="0"/>
-              </a:rPr>
-              <a:t>giác</a:t>
-            </a:r>
-            <a:r>
-              <a:rPr lang="en-US" dirty="0">
-                <a:latin typeface="Arial" panose="020B0604020202020204" pitchFamily="34" charset="0"/>
-                <a:cs typeface="Arial" panose="020B0604020202020204" pitchFamily="34" charset="0"/>
-              </a:rPr>
-              <a:t> </a:t>
-            </a:r>
-            <a:r>
-              <a:rPr lang="en-US" dirty="0" err="1">
-                <a:latin typeface="Arial" panose="020B0604020202020204" pitchFamily="34" charset="0"/>
-                <a:cs typeface="Arial" panose="020B0604020202020204" pitchFamily="34" charset="0"/>
-              </a:rPr>
-              <a:t>máy</a:t>
-            </a:r>
-            <a:r>
-              <a:rPr lang="en-US" dirty="0">
-                <a:latin typeface="Arial" panose="020B0604020202020204" pitchFamily="34" charset="0"/>
-                <a:cs typeface="Arial" panose="020B0604020202020204" pitchFamily="34" charset="0"/>
-              </a:rPr>
-              <a:t> </a:t>
-            </a:r>
-            <a:r>
-              <a:rPr lang="en-US" dirty="0" err="1">
-                <a:latin typeface="Arial" panose="020B0604020202020204" pitchFamily="34" charset="0"/>
-                <a:cs typeface="Arial" panose="020B0604020202020204" pitchFamily="34" charset="0"/>
-              </a:rPr>
-              <a:t>tính</a:t>
-            </a:r>
-            <a:r>
-              <a:rPr lang="en-US" dirty="0">
-                <a:latin typeface="Arial" panose="020B0604020202020204" pitchFamily="34" charset="0"/>
-                <a:cs typeface="Arial" panose="020B0604020202020204" pitchFamily="34" charset="0"/>
-              </a:rPr>
-              <a:t> c</a:t>
-            </a:r>
-            <a:r>
-              <a:rPr lang="vi-VN" dirty="0">
-                <a:latin typeface="Arial" panose="020B0604020202020204" pitchFamily="34" charset="0"/>
-                <a:cs typeface="Arial" panose="020B0604020202020204" pitchFamily="34" charset="0"/>
-              </a:rPr>
-              <a:t>ơ</a:t>
-            </a:r>
-            <a:r>
-              <a:rPr lang="en-US" dirty="0">
-                <a:latin typeface="Arial" panose="020B0604020202020204" pitchFamily="34" charset="0"/>
-                <a:cs typeface="Arial" panose="020B0604020202020204" pitchFamily="34" charset="0"/>
-              </a:rPr>
-              <a:t> </a:t>
-            </a:r>
-            <a:r>
-              <a:rPr lang="en-US" dirty="0" err="1">
-                <a:latin typeface="Arial" panose="020B0604020202020204" pitchFamily="34" charset="0"/>
-                <a:cs typeface="Arial" panose="020B0604020202020204" pitchFamily="34" charset="0"/>
-              </a:rPr>
-              <a:t>bản</a:t>
-            </a:r>
-            <a:r>
-              <a:rPr lang="en-US" dirty="0">
-                <a:latin typeface="Arial" panose="020B0604020202020204" pitchFamily="34" charset="0"/>
-                <a:cs typeface="Arial" panose="020B0604020202020204" pitchFamily="34" charset="0"/>
-              </a:rPr>
-              <a:t> </a:t>
-            </a:r>
-            <a:r>
-              <a:rPr lang="en-US" dirty="0" err="1">
-                <a:latin typeface="Arial" panose="020B0604020202020204" pitchFamily="34" charset="0"/>
-                <a:cs typeface="Arial" panose="020B0604020202020204" pitchFamily="34" charset="0"/>
-              </a:rPr>
-              <a:t>cho</a:t>
-            </a:r>
-            <a:r>
-              <a:rPr lang="en-US" dirty="0">
-                <a:latin typeface="Arial" panose="020B0604020202020204" pitchFamily="34" charset="0"/>
-                <a:cs typeface="Arial" panose="020B0604020202020204" pitchFamily="34" charset="0"/>
-              </a:rPr>
-              <a:t> </a:t>
-            </a:r>
-            <a:r>
-              <a:rPr lang="en-US" dirty="0" err="1">
-                <a:latin typeface="Arial" panose="020B0604020202020204" pitchFamily="34" charset="0"/>
-                <a:cs typeface="Arial" panose="020B0604020202020204" pitchFamily="34" charset="0"/>
-              </a:rPr>
-              <a:t>quá</a:t>
-            </a:r>
-            <a:r>
-              <a:rPr lang="en-US" dirty="0">
-                <a:latin typeface="Arial" panose="020B0604020202020204" pitchFamily="34" charset="0"/>
-                <a:cs typeface="Arial" panose="020B0604020202020204" pitchFamily="34" charset="0"/>
-              </a:rPr>
-              <a:t> </a:t>
-            </a:r>
-            <a:r>
-              <a:rPr lang="en-US" dirty="0" err="1">
-                <a:latin typeface="Arial" panose="020B0604020202020204" pitchFamily="34" charset="0"/>
-                <a:cs typeface="Arial" panose="020B0604020202020204" pitchFamily="34" charset="0"/>
-              </a:rPr>
-              <a:t>trình</a:t>
-            </a:r>
-            <a:r>
-              <a:rPr lang="en-US" dirty="0">
-                <a:latin typeface="Arial" panose="020B0604020202020204" pitchFamily="34" charset="0"/>
-                <a:cs typeface="Arial" panose="020B0604020202020204" pitchFamily="34" charset="0"/>
-              </a:rPr>
-              <a:t> </a:t>
-            </a:r>
-            <a:r>
-              <a:rPr lang="en-US" dirty="0" err="1">
-                <a:latin typeface="Arial" panose="020B0604020202020204" pitchFamily="34" charset="0"/>
-                <a:cs typeface="Arial" panose="020B0604020202020204" pitchFamily="34" charset="0"/>
-              </a:rPr>
-              <a:t>tiền</a:t>
-            </a:r>
-            <a:r>
-              <a:rPr lang="en-US" dirty="0">
-                <a:latin typeface="Arial" panose="020B0604020202020204" pitchFamily="34" charset="0"/>
-                <a:cs typeface="Arial" panose="020B0604020202020204" pitchFamily="34" charset="0"/>
-              </a:rPr>
-              <a:t> </a:t>
-            </a:r>
-            <a:r>
-              <a:rPr lang="en-US" dirty="0" err="1">
-                <a:latin typeface="Arial" panose="020B0604020202020204" pitchFamily="34" charset="0"/>
-                <a:cs typeface="Arial" panose="020B0604020202020204" pitchFamily="34" charset="0"/>
-              </a:rPr>
-              <a:t>xử</a:t>
-            </a:r>
-            <a:r>
-              <a:rPr lang="en-US" dirty="0">
-                <a:latin typeface="Arial" panose="020B0604020202020204" pitchFamily="34" charset="0"/>
-                <a:cs typeface="Arial" panose="020B0604020202020204" pitchFamily="34" charset="0"/>
-              </a:rPr>
-              <a:t> </a:t>
-            </a:r>
-            <a:r>
-              <a:rPr lang="en-US" dirty="0" err="1">
-                <a:latin typeface="Arial" panose="020B0604020202020204" pitchFamily="34" charset="0"/>
-                <a:cs typeface="Arial" panose="020B0604020202020204" pitchFamily="34" charset="0"/>
-              </a:rPr>
-              <a:t>lý</a:t>
-            </a:r>
-            <a:r>
-              <a:rPr lang="en-US" dirty="0">
-                <a:latin typeface="Arial" panose="020B0604020202020204" pitchFamily="34" charset="0"/>
-                <a:cs typeface="Arial" panose="020B0604020202020204" pitchFamily="34" charset="0"/>
-              </a:rPr>
-              <a:t> </a:t>
-            </a:r>
-            <a:r>
-              <a:rPr lang="en-US" dirty="0" err="1">
-                <a:latin typeface="Arial" panose="020B0604020202020204" pitchFamily="34" charset="0"/>
-                <a:cs typeface="Arial" panose="020B0604020202020204" pitchFamily="34" charset="0"/>
-              </a:rPr>
-              <a:t>cùng</a:t>
-            </a:r>
-            <a:r>
-              <a:rPr lang="en-US" dirty="0">
-                <a:latin typeface="Arial" panose="020B0604020202020204" pitchFamily="34" charset="0"/>
-                <a:cs typeface="Arial" panose="020B0604020202020204" pitchFamily="34" charset="0"/>
-              </a:rPr>
-              <a:t> </a:t>
-            </a:r>
-            <a:r>
-              <a:rPr lang="en-US" dirty="0" err="1">
-                <a:latin typeface="Arial" panose="020B0604020202020204" pitchFamily="34" charset="0"/>
-                <a:cs typeface="Arial" panose="020B0604020202020204" pitchFamily="34" charset="0"/>
-              </a:rPr>
-              <a:t>với</a:t>
-            </a:r>
-            <a:r>
-              <a:rPr lang="en-US" dirty="0">
-                <a:latin typeface="Arial" panose="020B0604020202020204" pitchFamily="34" charset="0"/>
-                <a:cs typeface="Arial" panose="020B0604020202020204" pitchFamily="34" charset="0"/>
-              </a:rPr>
-              <a:t> </a:t>
-            </a:r>
-            <a:r>
-              <a:rPr lang="en-US" dirty="0" err="1">
-                <a:latin typeface="Arial" panose="020B0604020202020204" pitchFamily="34" charset="0"/>
-                <a:cs typeface="Arial" panose="020B0604020202020204" pitchFamily="34" charset="0"/>
-              </a:rPr>
-              <a:t>sử</a:t>
-            </a:r>
-            <a:r>
-              <a:rPr lang="en-US" dirty="0">
-                <a:latin typeface="Arial" panose="020B0604020202020204" pitchFamily="34" charset="0"/>
-                <a:cs typeface="Arial" panose="020B0604020202020204" pitchFamily="34" charset="0"/>
-              </a:rPr>
-              <a:t> </a:t>
-            </a:r>
-            <a:r>
-              <a:rPr lang="en-US" dirty="0" err="1">
-                <a:latin typeface="Arial" panose="020B0604020202020204" pitchFamily="34" charset="0"/>
-                <a:cs typeface="Arial" panose="020B0604020202020204" pitchFamily="34" charset="0"/>
-              </a:rPr>
-              <a:t>dụng</a:t>
-            </a:r>
-            <a:r>
-              <a:rPr lang="en-US" dirty="0">
-                <a:latin typeface="Arial" panose="020B0604020202020204" pitchFamily="34" charset="0"/>
-                <a:cs typeface="Arial" panose="020B0604020202020204" pitchFamily="34" charset="0"/>
-              </a:rPr>
-              <a:t> </a:t>
-            </a:r>
-            <a:r>
-              <a:rPr lang="en-US" dirty="0" err="1">
-                <a:latin typeface="Arial" panose="020B0604020202020204" pitchFamily="34" charset="0"/>
-                <a:cs typeface="Arial" panose="020B0604020202020204" pitchFamily="34" charset="0"/>
-              </a:rPr>
-              <a:t>các</a:t>
-            </a:r>
-            <a:r>
-              <a:rPr lang="en-US" dirty="0">
-                <a:latin typeface="Arial" panose="020B0604020202020204" pitchFamily="34" charset="0"/>
-                <a:cs typeface="Arial" panose="020B0604020202020204" pitchFamily="34" charset="0"/>
-              </a:rPr>
-              <a:t> </a:t>
-            </a:r>
-            <a:r>
-              <a:rPr lang="en-US" dirty="0" err="1">
-                <a:latin typeface="Arial" panose="020B0604020202020204" pitchFamily="34" charset="0"/>
-                <a:cs typeface="Arial" panose="020B0604020202020204" pitchFamily="34" charset="0"/>
-              </a:rPr>
-              <a:t>tích</a:t>
-            </a:r>
-            <a:r>
-              <a:rPr lang="en-US" dirty="0">
-                <a:latin typeface="Arial" panose="020B0604020202020204" pitchFamily="34" charset="0"/>
-                <a:cs typeface="Arial" panose="020B0604020202020204" pitchFamily="34" charset="0"/>
-              </a:rPr>
-              <a:t> </a:t>
-            </a:r>
-            <a:r>
-              <a:rPr lang="en-US" dirty="0" err="1">
-                <a:latin typeface="Arial" panose="020B0604020202020204" pitchFamily="34" charset="0"/>
-                <a:cs typeface="Arial" panose="020B0604020202020204" pitchFamily="34" charset="0"/>
-              </a:rPr>
-              <a:t>chập</a:t>
-            </a:r>
-            <a:r>
-              <a:rPr lang="en-US" dirty="0">
-                <a:latin typeface="Arial" panose="020B0604020202020204" pitchFamily="34" charset="0"/>
-                <a:cs typeface="Arial" panose="020B0604020202020204" pitchFamily="34" charset="0"/>
-              </a:rPr>
-              <a:t> đ</a:t>
-            </a:r>
-            <a:r>
-              <a:rPr lang="vi-VN" dirty="0">
-                <a:latin typeface="Arial" panose="020B0604020202020204" pitchFamily="34" charset="0"/>
-                <a:cs typeface="Arial" panose="020B0604020202020204" pitchFamily="34" charset="0"/>
-              </a:rPr>
-              <a:t>ơ</a:t>
-            </a:r>
-            <a:r>
-              <a:rPr lang="en-US" dirty="0">
-                <a:latin typeface="Arial" panose="020B0604020202020204" pitchFamily="34" charset="0"/>
-                <a:cs typeface="Arial" panose="020B0604020202020204" pitchFamily="34" charset="0"/>
-              </a:rPr>
-              <a:t>n </a:t>
-            </a:r>
-            <a:r>
-              <a:rPr lang="en-US" dirty="0" err="1">
-                <a:latin typeface="Arial" panose="020B0604020202020204" pitchFamily="34" charset="0"/>
-                <a:cs typeface="Arial" panose="020B0604020202020204" pitchFamily="34" charset="0"/>
-              </a:rPr>
-              <a:t>giản</a:t>
-            </a:r>
-            <a:r>
-              <a:rPr lang="en-US" dirty="0">
-                <a:latin typeface="Arial" panose="020B0604020202020204" pitchFamily="34" charset="0"/>
-                <a:cs typeface="Arial" panose="020B0604020202020204" pitchFamily="34" charset="0"/>
-              </a:rPr>
-              <a:t> </a:t>
-            </a:r>
-            <a:r>
-              <a:rPr lang="en-US" dirty="0" err="1">
-                <a:latin typeface="Arial" panose="020B0604020202020204" pitchFamily="34" charset="0"/>
-                <a:cs typeface="Arial" panose="020B0604020202020204" pitchFamily="34" charset="0"/>
-              </a:rPr>
-              <a:t>cho</a:t>
-            </a:r>
-            <a:r>
-              <a:rPr lang="en-US" dirty="0">
-                <a:latin typeface="Arial" panose="020B0604020202020204" pitchFamily="34" charset="0"/>
-                <a:cs typeface="Arial" panose="020B0604020202020204" pitchFamily="34" charset="0"/>
-              </a:rPr>
-              <a:t> </a:t>
-            </a:r>
-            <a:r>
-              <a:rPr lang="en-US" dirty="0" err="1">
-                <a:latin typeface="Arial" panose="020B0604020202020204" pitchFamily="34" charset="0"/>
-                <a:cs typeface="Arial" panose="020B0604020202020204" pitchFamily="34" charset="0"/>
-              </a:rPr>
-              <a:t>ảnh</a:t>
-            </a:r>
-            <a:r>
-              <a:rPr lang="en-US" dirty="0">
-                <a:latin typeface="Arial" panose="020B0604020202020204" pitchFamily="34" charset="0"/>
-                <a:cs typeface="Arial" panose="020B0604020202020204" pitchFamily="34" charset="0"/>
-              </a:rPr>
-              <a:t>, </a:t>
-            </a:r>
-            <a:r>
-              <a:rPr lang="en-US" dirty="0" err="1">
-                <a:latin typeface="Arial" panose="020B0604020202020204" pitchFamily="34" charset="0"/>
-                <a:cs typeface="Arial" panose="020B0604020202020204" pitchFamily="34" charset="0"/>
-              </a:rPr>
-              <a:t>các</a:t>
-            </a:r>
-            <a:r>
-              <a:rPr lang="en-US" dirty="0">
-                <a:latin typeface="Arial" panose="020B0604020202020204" pitchFamily="34" charset="0"/>
-                <a:cs typeface="Arial" panose="020B0604020202020204" pitchFamily="34" charset="0"/>
-              </a:rPr>
-              <a:t> </a:t>
-            </a:r>
-            <a:r>
-              <a:rPr lang="en-US" dirty="0" err="1">
-                <a:latin typeface="Arial" panose="020B0604020202020204" pitchFamily="34" charset="0"/>
-                <a:cs typeface="Arial" panose="020B0604020202020204" pitchFamily="34" charset="0"/>
-              </a:rPr>
-              <a:t>vùng</a:t>
-            </a:r>
-            <a:r>
-              <a:rPr lang="en-US" dirty="0">
-                <a:latin typeface="Arial" panose="020B0604020202020204" pitchFamily="34" charset="0"/>
-                <a:cs typeface="Arial" panose="020B0604020202020204" pitchFamily="34" charset="0"/>
-              </a:rPr>
-              <a:t> đ</a:t>
-            </a:r>
-            <a:r>
-              <a:rPr lang="vi-VN" dirty="0">
-                <a:latin typeface="Arial" panose="020B0604020202020204" pitchFamily="34" charset="0"/>
-                <a:cs typeface="Arial" panose="020B0604020202020204" pitchFamily="34" charset="0"/>
-              </a:rPr>
-              <a:t>ư</a:t>
-            </a:r>
-            <a:r>
-              <a:rPr lang="en-US" dirty="0" err="1">
-                <a:latin typeface="Arial" panose="020B0604020202020204" pitchFamily="34" charset="0"/>
-                <a:cs typeface="Arial" panose="020B0604020202020204" pitchFamily="34" charset="0"/>
-              </a:rPr>
-              <a:t>ợc</a:t>
-            </a:r>
-            <a:r>
-              <a:rPr lang="en-US" dirty="0">
-                <a:latin typeface="Arial" panose="020B0604020202020204" pitchFamily="34" charset="0"/>
-                <a:cs typeface="Arial" panose="020B0604020202020204" pitchFamily="34" charset="0"/>
-              </a:rPr>
-              <a:t> </a:t>
-            </a:r>
-            <a:r>
-              <a:rPr lang="en-US" dirty="0" err="1">
-                <a:latin typeface="Arial" panose="020B0604020202020204" pitchFamily="34" charset="0"/>
-                <a:cs typeface="Arial" panose="020B0604020202020204" pitchFamily="34" charset="0"/>
-              </a:rPr>
-              <a:t>downsampled</a:t>
-            </a:r>
-            <a:r>
-              <a:rPr lang="en-US" dirty="0">
-                <a:latin typeface="Arial" panose="020B0604020202020204" pitchFamily="34" charset="0"/>
-                <a:cs typeface="Arial" panose="020B0604020202020204" pitchFamily="34" charset="0"/>
-              </a:rPr>
-              <a:t> đ</a:t>
-            </a:r>
-            <a:r>
-              <a:rPr lang="vi-VN" dirty="0">
-                <a:latin typeface="Arial" panose="020B0604020202020204" pitchFamily="34" charset="0"/>
-                <a:cs typeface="Arial" panose="020B0604020202020204" pitchFamily="34" charset="0"/>
-              </a:rPr>
-              <a:t>ư</a:t>
-            </a:r>
-            <a:r>
-              <a:rPr lang="en-US" dirty="0" err="1">
-                <a:latin typeface="Arial" panose="020B0604020202020204" pitchFamily="34" charset="0"/>
-                <a:cs typeface="Arial" panose="020B0604020202020204" pitchFamily="34" charset="0"/>
-              </a:rPr>
-              <a:t>ợc</a:t>
-            </a:r>
-            <a:r>
-              <a:rPr lang="en-US" dirty="0">
-                <a:latin typeface="Arial" panose="020B0604020202020204" pitchFamily="34" charset="0"/>
-                <a:cs typeface="Arial" panose="020B0604020202020204" pitchFamily="34" charset="0"/>
-              </a:rPr>
-              <a:t>  </a:t>
-            </a:r>
-            <a:r>
-              <a:rPr lang="en-US" dirty="0" err="1">
-                <a:latin typeface="Arial" panose="020B0604020202020204" pitchFamily="34" charset="0"/>
-                <a:cs typeface="Arial" panose="020B0604020202020204" pitchFamily="34" charset="0"/>
-              </a:rPr>
-              <a:t>tính</a:t>
-            </a:r>
-            <a:r>
-              <a:rPr lang="en-US" dirty="0">
-                <a:latin typeface="Arial" panose="020B0604020202020204" pitchFamily="34" charset="0"/>
-                <a:cs typeface="Arial" panose="020B0604020202020204" pitchFamily="34" charset="0"/>
-              </a:rPr>
-              <a:t> </a:t>
-            </a:r>
-            <a:r>
-              <a:rPr lang="en-US" dirty="0" err="1">
-                <a:latin typeface="Arial" panose="020B0604020202020204" pitchFamily="34" charset="0"/>
-                <a:cs typeface="Arial" panose="020B0604020202020204" pitchFamily="34" charset="0"/>
-              </a:rPr>
-              <a:t>toán</a:t>
-            </a:r>
-            <a:r>
-              <a:rPr lang="en-US" dirty="0">
-                <a:latin typeface="Arial" panose="020B0604020202020204" pitchFamily="34" charset="0"/>
-                <a:cs typeface="Arial" panose="020B0604020202020204" pitchFamily="34" charset="0"/>
-              </a:rPr>
-              <a:t> </a:t>
-            </a:r>
-            <a:r>
-              <a:rPr lang="en-US" dirty="0" err="1">
-                <a:latin typeface="Arial" panose="020B0604020202020204" pitchFamily="34" charset="0"/>
-                <a:cs typeface="Arial" panose="020B0604020202020204" pitchFamily="34" charset="0"/>
-              </a:rPr>
-              <a:t>dựa</a:t>
-            </a:r>
-            <a:r>
-              <a:rPr lang="en-US" dirty="0">
-                <a:latin typeface="Arial" panose="020B0604020202020204" pitchFamily="34" charset="0"/>
-                <a:cs typeface="Arial" panose="020B0604020202020204" pitchFamily="34" charset="0"/>
-              </a:rPr>
-              <a:t> </a:t>
-            </a:r>
-            <a:r>
-              <a:rPr lang="en-US" dirty="0" err="1">
-                <a:latin typeface="Arial" panose="020B0604020202020204" pitchFamily="34" charset="0"/>
-                <a:cs typeface="Arial" panose="020B0604020202020204" pitchFamily="34" charset="0"/>
-              </a:rPr>
-              <a:t>vào</a:t>
-            </a:r>
-            <a:r>
-              <a:rPr lang="en-US" dirty="0">
-                <a:latin typeface="Arial" panose="020B0604020202020204" pitchFamily="34" charset="0"/>
-                <a:cs typeface="Arial" panose="020B0604020202020204" pitchFamily="34" charset="0"/>
-              </a:rPr>
-              <a:t> </a:t>
-            </a:r>
-            <a:r>
-              <a:rPr lang="en-US" dirty="0" err="1">
-                <a:latin typeface="Arial" panose="020B0604020202020204" pitchFamily="34" charset="0"/>
-                <a:cs typeface="Arial" panose="020B0604020202020204" pitchFamily="34" charset="0"/>
-              </a:rPr>
-              <a:t>độ</a:t>
-            </a:r>
-            <a:r>
-              <a:rPr lang="en-US" dirty="0">
-                <a:latin typeface="Arial" panose="020B0604020202020204" pitchFamily="34" charset="0"/>
-                <a:cs typeface="Arial" panose="020B0604020202020204" pitchFamily="34" charset="0"/>
-              </a:rPr>
-              <a:t> </a:t>
-            </a:r>
-            <a:r>
-              <a:rPr lang="en-US" dirty="0" err="1">
-                <a:latin typeface="Arial" panose="020B0604020202020204" pitchFamily="34" charset="0"/>
-                <a:cs typeface="Arial" panose="020B0604020202020204" pitchFamily="34" charset="0"/>
-              </a:rPr>
-              <a:t>lớn</a:t>
-            </a:r>
-            <a:r>
-              <a:rPr lang="en-US" dirty="0">
-                <a:latin typeface="Arial" panose="020B0604020202020204" pitchFamily="34" charset="0"/>
-                <a:cs typeface="Arial" panose="020B0604020202020204" pitchFamily="34" charset="0"/>
-              </a:rPr>
-              <a:t> </a:t>
-            </a:r>
-            <a:r>
-              <a:rPr lang="en-US" dirty="0" err="1">
-                <a:latin typeface="Arial" panose="020B0604020202020204" pitchFamily="34" charset="0"/>
-                <a:cs typeface="Arial" panose="020B0604020202020204" pitchFamily="34" charset="0"/>
-              </a:rPr>
-              <a:t>và</a:t>
-            </a:r>
-            <a:r>
-              <a:rPr lang="en-US" dirty="0">
-                <a:latin typeface="Arial" panose="020B0604020202020204" pitchFamily="34" charset="0"/>
-                <a:cs typeface="Arial" panose="020B0604020202020204" pitchFamily="34" charset="0"/>
-              </a:rPr>
-              <a:t> h</a:t>
-            </a:r>
-            <a:r>
-              <a:rPr lang="vi-VN" dirty="0">
-                <a:latin typeface="Arial" panose="020B0604020202020204" pitchFamily="34" charset="0"/>
-                <a:cs typeface="Arial" panose="020B0604020202020204" pitchFamily="34" charset="0"/>
-              </a:rPr>
-              <a:t>ư</a:t>
-            </a:r>
-            <a:r>
-              <a:rPr lang="en-US" dirty="0" err="1">
-                <a:latin typeface="Arial" panose="020B0604020202020204" pitchFamily="34" charset="0"/>
-                <a:cs typeface="Arial" panose="020B0604020202020204" pitchFamily="34" charset="0"/>
-              </a:rPr>
-              <a:t>ớng</a:t>
-            </a:r>
-            <a:r>
-              <a:rPr lang="en-US" dirty="0">
-                <a:latin typeface="Arial" panose="020B0604020202020204" pitchFamily="34" charset="0"/>
-                <a:cs typeface="Arial" panose="020B0604020202020204" pitchFamily="34" charset="0"/>
-              </a:rPr>
-              <a:t> gradient </a:t>
-            </a:r>
-            <a:r>
-              <a:rPr lang="en-US" dirty="0" err="1">
-                <a:latin typeface="Arial" panose="020B0604020202020204" pitchFamily="34" charset="0"/>
-                <a:cs typeface="Arial" panose="020B0604020202020204" pitchFamily="34" charset="0"/>
-              </a:rPr>
-              <a:t>của</a:t>
-            </a:r>
-            <a:r>
-              <a:rPr lang="en-US" dirty="0">
-                <a:latin typeface="Arial" panose="020B0604020202020204" pitchFamily="34" charset="0"/>
-                <a:cs typeface="Arial" panose="020B0604020202020204" pitchFamily="34" charset="0"/>
-              </a:rPr>
-              <a:t> </a:t>
-            </a:r>
-            <a:r>
-              <a:rPr lang="en-US" dirty="0" err="1">
-                <a:latin typeface="Arial" panose="020B0604020202020204" pitchFamily="34" charset="0"/>
-                <a:cs typeface="Arial" panose="020B0604020202020204" pitchFamily="34" charset="0"/>
-              </a:rPr>
-              <a:t>chúng</a:t>
-            </a:r>
-            <a:r>
-              <a:rPr lang="en-US" dirty="0">
-                <a:latin typeface="Arial" panose="020B0604020202020204" pitchFamily="34" charset="0"/>
-                <a:cs typeface="Arial" panose="020B0604020202020204" pitchFamily="34" charset="0"/>
-              </a:rPr>
-              <a:t>.	 </a:t>
-            </a:r>
-            <a:r>
-              <a:rPr lang="en-US" dirty="0" err="1">
-                <a:latin typeface="Arial" panose="020B0604020202020204" pitchFamily="34" charset="0"/>
-                <a:cs typeface="Arial" panose="020B0604020202020204" pitchFamily="34" charset="0"/>
-              </a:rPr>
-              <a:t>Hàm</a:t>
-            </a:r>
-            <a:r>
-              <a:rPr lang="en-US" dirty="0">
-                <a:latin typeface="Arial" panose="020B0604020202020204" pitchFamily="34" charset="0"/>
-                <a:cs typeface="Arial" panose="020B0604020202020204" pitchFamily="34" charset="0"/>
-              </a:rPr>
-              <a:t> </a:t>
-            </a:r>
-            <a:r>
-              <a:rPr lang="en-US" dirty="0" err="1">
-                <a:latin typeface="Arial" panose="020B0604020202020204" pitchFamily="34" charset="0"/>
-                <a:cs typeface="Arial" panose="020B0604020202020204" pitchFamily="34" charset="0"/>
-              </a:rPr>
-              <a:t>này</a:t>
-            </a:r>
-            <a:r>
-              <a:rPr lang="en-US" dirty="0">
-                <a:latin typeface="Arial" panose="020B0604020202020204" pitchFamily="34" charset="0"/>
-                <a:cs typeface="Arial" panose="020B0604020202020204" pitchFamily="34" charset="0"/>
-              </a:rPr>
-              <a:t> đ</a:t>
-            </a:r>
-            <a:r>
-              <a:rPr lang="vi-VN" dirty="0">
-                <a:latin typeface="Arial" panose="020B0604020202020204" pitchFamily="34" charset="0"/>
-                <a:cs typeface="Arial" panose="020B0604020202020204" pitchFamily="34" charset="0"/>
-              </a:rPr>
-              <a:t>ư</a:t>
-            </a:r>
-            <a:r>
-              <a:rPr lang="en-US" dirty="0" err="1">
-                <a:latin typeface="Arial" panose="020B0604020202020204" pitchFamily="34" charset="0"/>
-                <a:cs typeface="Arial" panose="020B0604020202020204" pitchFamily="34" charset="0"/>
-              </a:rPr>
-              <a:t>ợc</a:t>
-            </a:r>
-            <a:r>
-              <a:rPr lang="en-US" dirty="0">
-                <a:latin typeface="Arial" panose="020B0604020202020204" pitchFamily="34" charset="0"/>
-                <a:cs typeface="Arial" panose="020B0604020202020204" pitchFamily="34" charset="0"/>
-              </a:rPr>
-              <a:t> </a:t>
-            </a:r>
-            <a:r>
-              <a:rPr lang="en-US" dirty="0" err="1">
-                <a:latin typeface="Arial" panose="020B0604020202020204" pitchFamily="34" charset="0"/>
-                <a:cs typeface="Arial" panose="020B0604020202020204" pitchFamily="34" charset="0"/>
-              </a:rPr>
-              <a:t>dựa</a:t>
-            </a:r>
-            <a:r>
-              <a:rPr lang="en-US" dirty="0">
-                <a:latin typeface="Arial" panose="020B0604020202020204" pitchFamily="34" charset="0"/>
-                <a:cs typeface="Arial" panose="020B0604020202020204" pitchFamily="34" charset="0"/>
-              </a:rPr>
-              <a:t> </a:t>
-            </a:r>
-            <a:r>
-              <a:rPr lang="en-US" dirty="0" err="1">
-                <a:latin typeface="Arial" panose="020B0604020202020204" pitchFamily="34" charset="0"/>
-                <a:cs typeface="Arial" panose="020B0604020202020204" pitchFamily="34" charset="0"/>
-              </a:rPr>
-              <a:t>trên</a:t>
-            </a:r>
-            <a:r>
-              <a:rPr lang="en-US" dirty="0">
-                <a:latin typeface="Arial" panose="020B0604020202020204" pitchFamily="34" charset="0"/>
-                <a:cs typeface="Arial" panose="020B0604020202020204" pitchFamily="34" charset="0"/>
-              </a:rPr>
-              <a:t> </a:t>
-            </a:r>
-            <a:r>
-              <a:rPr lang="en-US" dirty="0" err="1">
-                <a:latin typeface="Arial" panose="020B0604020202020204" pitchFamily="34" charset="0"/>
-                <a:cs typeface="Arial" panose="020B0604020202020204" pitchFamily="34" charset="0"/>
-              </a:rPr>
-              <a:t>ph</a:t>
-            </a:r>
-            <a:r>
-              <a:rPr lang="vi-VN" dirty="0">
-                <a:latin typeface="Arial" panose="020B0604020202020204" pitchFamily="34" charset="0"/>
-                <a:cs typeface="Arial" panose="020B0604020202020204" pitchFamily="34" charset="0"/>
-              </a:rPr>
-              <a:t>ư</a:t>
-            </a:r>
-            <a:r>
-              <a:rPr lang="en-US" dirty="0" err="1">
-                <a:latin typeface="Arial" panose="020B0604020202020204" pitchFamily="34" charset="0"/>
-                <a:cs typeface="Arial" panose="020B0604020202020204" pitchFamily="34" charset="0"/>
-              </a:rPr>
-              <a:t>ơng</a:t>
-            </a:r>
-            <a:r>
-              <a:rPr lang="en-US" dirty="0">
-                <a:latin typeface="Arial" panose="020B0604020202020204" pitchFamily="34" charset="0"/>
-                <a:cs typeface="Arial" panose="020B0604020202020204" pitchFamily="34" charset="0"/>
-              </a:rPr>
-              <a:t> </a:t>
-            </a:r>
-            <a:r>
-              <a:rPr lang="en-US" dirty="0" err="1">
-                <a:latin typeface="Arial" panose="020B0604020202020204" pitchFamily="34" charset="0"/>
-                <a:cs typeface="Arial" panose="020B0604020202020204" pitchFamily="34" charset="0"/>
-              </a:rPr>
-              <a:t>pháp</a:t>
-            </a:r>
-            <a:r>
-              <a:rPr lang="en-US" dirty="0">
-                <a:latin typeface="Arial" panose="020B0604020202020204" pitchFamily="34" charset="0"/>
-                <a:cs typeface="Arial" panose="020B0604020202020204" pitchFamily="34" charset="0"/>
-              </a:rPr>
-              <a:t> Histogram of Oriented Gradients (</a:t>
-            </a:r>
-            <a:r>
-              <a:rPr lang="en-US" dirty="0" err="1">
-                <a:latin typeface="Arial" panose="020B0604020202020204" pitchFamily="34" charset="0"/>
-                <a:cs typeface="Arial" panose="020B0604020202020204" pitchFamily="34" charset="0"/>
-              </a:rPr>
-              <a:t>tạm</a:t>
-            </a:r>
-            <a:r>
-              <a:rPr lang="en-US" dirty="0">
-                <a:latin typeface="Arial" panose="020B0604020202020204" pitchFamily="34" charset="0"/>
-                <a:cs typeface="Arial" panose="020B0604020202020204" pitchFamily="34" charset="0"/>
-              </a:rPr>
-              <a:t> </a:t>
-            </a:r>
-            <a:r>
-              <a:rPr lang="en-US" dirty="0" err="1">
-                <a:latin typeface="Arial" panose="020B0604020202020204" pitchFamily="34" charset="0"/>
-                <a:cs typeface="Arial" panose="020B0604020202020204" pitchFamily="34" charset="0"/>
-              </a:rPr>
-              <a:t>dịch</a:t>
-            </a:r>
-            <a:r>
-              <a:rPr lang="en-US" dirty="0">
-                <a:latin typeface="Arial" panose="020B0604020202020204" pitchFamily="34" charset="0"/>
-                <a:cs typeface="Arial" panose="020B0604020202020204" pitchFamily="34" charset="0"/>
-              </a:rPr>
-              <a:t>: </a:t>
-            </a:r>
-            <a:r>
-              <a:rPr lang="en-US" dirty="0" err="1">
-                <a:latin typeface="Arial" panose="020B0604020202020204" pitchFamily="34" charset="0"/>
-                <a:cs typeface="Arial" panose="020B0604020202020204" pitchFamily="34" charset="0"/>
-              </a:rPr>
-              <a:t>Biển</a:t>
-            </a:r>
-            <a:r>
-              <a:rPr lang="en-US" dirty="0">
-                <a:latin typeface="Arial" panose="020B0604020202020204" pitchFamily="34" charset="0"/>
-                <a:cs typeface="Arial" panose="020B0604020202020204" pitchFamily="34" charset="0"/>
-              </a:rPr>
-              <a:t> </a:t>
-            </a:r>
-            <a:r>
-              <a:rPr lang="en-US" dirty="0" err="1">
-                <a:latin typeface="Arial" panose="020B0604020202020204" pitchFamily="34" charset="0"/>
-                <a:cs typeface="Arial" panose="020B0604020202020204" pitchFamily="34" charset="0"/>
-              </a:rPr>
-              <a:t>đồ</a:t>
-            </a:r>
-            <a:r>
-              <a:rPr lang="en-US" dirty="0">
-                <a:latin typeface="Arial" panose="020B0604020202020204" pitchFamily="34" charset="0"/>
-                <a:cs typeface="Arial" panose="020B0604020202020204" pitchFamily="34" charset="0"/>
-              </a:rPr>
-              <a:t> Gradients </a:t>
-            </a:r>
-            <a:r>
-              <a:rPr lang="en-US" dirty="0" err="1">
-                <a:latin typeface="Arial" panose="020B0604020202020204" pitchFamily="34" charset="0"/>
-                <a:cs typeface="Arial" panose="020B0604020202020204" pitchFamily="34" charset="0"/>
-              </a:rPr>
-              <a:t>định</a:t>
-            </a:r>
-            <a:r>
-              <a:rPr lang="en-US" dirty="0">
-                <a:latin typeface="Arial" panose="020B0604020202020204" pitchFamily="34" charset="0"/>
-                <a:cs typeface="Arial" panose="020B0604020202020204" pitchFamily="34" charset="0"/>
-              </a:rPr>
-              <a:t> h</a:t>
-            </a:r>
-            <a:r>
-              <a:rPr lang="vi-VN" dirty="0">
-                <a:latin typeface="Arial" panose="020B0604020202020204" pitchFamily="34" charset="0"/>
-                <a:cs typeface="Arial" panose="020B0604020202020204" pitchFamily="34" charset="0"/>
-              </a:rPr>
-              <a:t>ư</a:t>
-            </a:r>
-            <a:r>
-              <a:rPr lang="en-US" dirty="0" err="1">
-                <a:latin typeface="Arial" panose="020B0604020202020204" pitchFamily="34" charset="0"/>
-                <a:cs typeface="Arial" panose="020B0604020202020204" pitchFamily="34" charset="0"/>
-              </a:rPr>
-              <a:t>ớng</a:t>
-            </a:r>
-            <a:r>
-              <a:rPr lang="en-US" dirty="0">
-                <a:latin typeface="Arial" panose="020B0604020202020204" pitchFamily="34" charset="0"/>
-                <a:cs typeface="Arial" panose="020B0604020202020204" pitchFamily="34" charset="0"/>
-              </a:rPr>
-              <a:t>). </a:t>
-            </a:r>
-            <a:r>
-              <a:rPr lang="en-US" dirty="0" err="1">
-                <a:latin typeface="Arial" panose="020B0604020202020204" pitchFamily="34" charset="0"/>
-                <a:cs typeface="Arial" panose="020B0604020202020204" pitchFamily="34" charset="0"/>
-              </a:rPr>
-              <a:t>Khi</a:t>
-            </a:r>
-            <a:r>
-              <a:rPr lang="en-US" dirty="0">
-                <a:latin typeface="Arial" panose="020B0604020202020204" pitchFamily="34" charset="0"/>
-                <a:cs typeface="Arial" panose="020B0604020202020204" pitchFamily="34" charset="0"/>
-              </a:rPr>
-              <a:t> </a:t>
-            </a:r>
-            <a:r>
-              <a:rPr lang="en-US" dirty="0" err="1">
-                <a:latin typeface="Arial" panose="020B0604020202020204" pitchFamily="34" charset="0"/>
-                <a:cs typeface="Arial" panose="020B0604020202020204" pitchFamily="34" charset="0"/>
-              </a:rPr>
-              <a:t>xử</a:t>
-            </a:r>
-            <a:r>
-              <a:rPr lang="en-US" dirty="0">
-                <a:latin typeface="Arial" panose="020B0604020202020204" pitchFamily="34" charset="0"/>
-                <a:cs typeface="Arial" panose="020B0604020202020204" pitchFamily="34" charset="0"/>
-              </a:rPr>
-              <a:t> </a:t>
-            </a:r>
-            <a:r>
-              <a:rPr lang="en-US" dirty="0" err="1">
-                <a:latin typeface="Arial" panose="020B0604020202020204" pitchFamily="34" charset="0"/>
-                <a:cs typeface="Arial" panose="020B0604020202020204" pitchFamily="34" charset="0"/>
-              </a:rPr>
-              <a:t>lý</a:t>
-            </a:r>
-            <a:r>
-              <a:rPr lang="en-US" dirty="0">
-                <a:latin typeface="Arial" panose="020B0604020202020204" pitchFamily="34" charset="0"/>
-                <a:cs typeface="Arial" panose="020B0604020202020204" pitchFamily="34" charset="0"/>
-              </a:rPr>
-              <a:t> </a:t>
-            </a:r>
-            <a:r>
-              <a:rPr lang="en-US" dirty="0" err="1">
-                <a:latin typeface="Arial" panose="020B0604020202020204" pitchFamily="34" charset="0"/>
-                <a:cs typeface="Arial" panose="020B0604020202020204" pitchFamily="34" charset="0"/>
-              </a:rPr>
-              <a:t>xong</a:t>
-            </a:r>
-            <a:r>
-              <a:rPr lang="en-US" dirty="0">
-                <a:latin typeface="Arial" panose="020B0604020202020204" pitchFamily="34" charset="0"/>
-                <a:cs typeface="Arial" panose="020B0604020202020204" pitchFamily="34" charset="0"/>
-              </a:rPr>
-              <a:t>, </a:t>
-            </a:r>
-            <a:r>
-              <a:rPr lang="en-US" dirty="0" err="1">
-                <a:latin typeface="Arial" panose="020B0604020202020204" pitchFamily="34" charset="0"/>
-                <a:cs typeface="Arial" panose="020B0604020202020204" pitchFamily="34" charset="0"/>
-              </a:rPr>
-              <a:t>một</a:t>
-            </a:r>
-            <a:r>
-              <a:rPr lang="en-US" dirty="0">
-                <a:latin typeface="Arial" panose="020B0604020202020204" pitchFamily="34" charset="0"/>
-                <a:cs typeface="Arial" panose="020B0604020202020204" pitchFamily="34" charset="0"/>
-              </a:rPr>
-              <a:t> model  Bayesian Gaussian Mixture (</a:t>
-            </a:r>
-            <a:r>
-              <a:rPr lang="en-US" dirty="0" err="1">
-                <a:latin typeface="Arial" panose="020B0604020202020204" pitchFamily="34" charset="0"/>
-                <a:cs typeface="Arial" panose="020B0604020202020204" pitchFamily="34" charset="0"/>
-              </a:rPr>
-              <a:t>thay</a:t>
-            </a:r>
-            <a:r>
-              <a:rPr lang="en-US" dirty="0">
-                <a:latin typeface="Arial" panose="020B0604020202020204" pitchFamily="34" charset="0"/>
-                <a:cs typeface="Arial" panose="020B0604020202020204" pitchFamily="34" charset="0"/>
-              </a:rPr>
-              <a:t> </a:t>
-            </a:r>
-            <a:r>
-              <a:rPr lang="en-US" dirty="0" err="1">
-                <a:latin typeface="Arial" panose="020B0604020202020204" pitchFamily="34" charset="0"/>
-                <a:cs typeface="Arial" panose="020B0604020202020204" pitchFamily="34" charset="0"/>
-              </a:rPr>
-              <a:t>vì</a:t>
-            </a:r>
-            <a:r>
-              <a:rPr lang="en-US" dirty="0">
-                <a:latin typeface="Arial" panose="020B0604020202020204" pitchFamily="34" charset="0"/>
-                <a:cs typeface="Arial" panose="020B0604020202020204" pitchFamily="34" charset="0"/>
-              </a:rPr>
-              <a:t> K-means </a:t>
-            </a:r>
-            <a:r>
-              <a:rPr lang="en-US" dirty="0" err="1">
-                <a:latin typeface="Arial" panose="020B0604020202020204" pitchFamily="34" charset="0"/>
-                <a:cs typeface="Arial" panose="020B0604020202020204" pitchFamily="34" charset="0"/>
-              </a:rPr>
-              <a:t>thông</a:t>
-            </a:r>
-            <a:r>
-              <a:rPr lang="en-US" dirty="0">
-                <a:latin typeface="Arial" panose="020B0604020202020204" pitchFamily="34" charset="0"/>
-                <a:cs typeface="Arial" panose="020B0604020202020204" pitchFamily="34" charset="0"/>
-              </a:rPr>
-              <a:t> </a:t>
-            </a:r>
-            <a:r>
-              <a:rPr lang="en-US" dirty="0" err="1">
-                <a:latin typeface="Arial" panose="020B0604020202020204" pitchFamily="34" charset="0"/>
-                <a:cs typeface="Arial" panose="020B0604020202020204" pitchFamily="34" charset="0"/>
-              </a:rPr>
-              <a:t>th</a:t>
-            </a:r>
-            <a:r>
-              <a:rPr lang="vi-VN" dirty="0">
-                <a:latin typeface="Arial" panose="020B0604020202020204" pitchFamily="34" charset="0"/>
-                <a:cs typeface="Arial" panose="020B0604020202020204" pitchFamily="34" charset="0"/>
-              </a:rPr>
-              <a:t>ư</a:t>
-            </a:r>
-            <a:r>
-              <a:rPr lang="en-US" dirty="0" err="1">
-                <a:latin typeface="Arial" panose="020B0604020202020204" pitchFamily="34" charset="0"/>
-                <a:cs typeface="Arial" panose="020B0604020202020204" pitchFamily="34" charset="0"/>
-              </a:rPr>
-              <a:t>ờng</a:t>
-            </a:r>
-            <a:r>
-              <a:rPr lang="en-US" dirty="0">
-                <a:latin typeface="Arial" panose="020B0604020202020204" pitchFamily="34" charset="0"/>
-                <a:cs typeface="Arial" panose="020B0604020202020204" pitchFamily="34" charset="0"/>
-              </a:rPr>
-              <a:t>) đ</a:t>
-            </a:r>
-            <a:r>
-              <a:rPr lang="vi-VN" dirty="0">
-                <a:latin typeface="Arial" panose="020B0604020202020204" pitchFamily="34" charset="0"/>
-                <a:cs typeface="Arial" panose="020B0604020202020204" pitchFamily="34" charset="0"/>
-              </a:rPr>
-              <a:t>ư</a:t>
-            </a:r>
-            <a:r>
-              <a:rPr lang="en-US" dirty="0" err="1">
-                <a:latin typeface="Arial" panose="020B0604020202020204" pitchFamily="34" charset="0"/>
-                <a:cs typeface="Arial" panose="020B0604020202020204" pitchFamily="34" charset="0"/>
-              </a:rPr>
-              <a:t>ợc</a:t>
-            </a:r>
-            <a:r>
-              <a:rPr lang="en-US" dirty="0">
-                <a:latin typeface="Arial" panose="020B0604020202020204" pitchFamily="34" charset="0"/>
-                <a:cs typeface="Arial" panose="020B0604020202020204" pitchFamily="34" charset="0"/>
-              </a:rPr>
-              <a:t> </a:t>
-            </a:r>
-            <a:r>
-              <a:rPr lang="en-US" dirty="0" err="1">
-                <a:latin typeface="Arial" panose="020B0604020202020204" pitchFamily="34" charset="0"/>
-                <a:cs typeface="Arial" panose="020B0604020202020204" pitchFamily="34" charset="0"/>
-              </a:rPr>
-              <a:t>điều</a:t>
-            </a:r>
-            <a:r>
-              <a:rPr lang="en-US" dirty="0">
-                <a:latin typeface="Arial" panose="020B0604020202020204" pitchFamily="34" charset="0"/>
-                <a:cs typeface="Arial" panose="020B0604020202020204" pitchFamily="34" charset="0"/>
-              </a:rPr>
-              <a:t> </a:t>
-            </a:r>
-            <a:r>
-              <a:rPr lang="en-US" dirty="0" err="1">
-                <a:latin typeface="Arial" panose="020B0604020202020204" pitchFamily="34" charset="0"/>
-                <a:cs typeface="Arial" panose="020B0604020202020204" pitchFamily="34" charset="0"/>
-              </a:rPr>
-              <a:t>chỉnh</a:t>
-            </a:r>
-            <a:r>
-              <a:rPr lang="en-US" dirty="0">
-                <a:latin typeface="Arial" panose="020B0604020202020204" pitchFamily="34" charset="0"/>
-                <a:cs typeface="Arial" panose="020B0604020202020204" pitchFamily="34" charset="0"/>
-              </a:rPr>
-              <a:t> </a:t>
-            </a:r>
-            <a:r>
-              <a:rPr lang="en-US" dirty="0" err="1">
-                <a:latin typeface="Arial" panose="020B0604020202020204" pitchFamily="34" charset="0"/>
-                <a:cs typeface="Arial" panose="020B0604020202020204" pitchFamily="34" charset="0"/>
-              </a:rPr>
-              <a:t>để</a:t>
-            </a:r>
-            <a:r>
-              <a:rPr lang="en-US" dirty="0">
-                <a:latin typeface="Arial" panose="020B0604020202020204" pitchFamily="34" charset="0"/>
-                <a:cs typeface="Arial" panose="020B0604020202020204" pitchFamily="34" charset="0"/>
-              </a:rPr>
-              <a:t> </a:t>
-            </a:r>
-            <a:r>
-              <a:rPr lang="en-US" dirty="0" err="1">
-                <a:latin typeface="Arial" panose="020B0604020202020204" pitchFamily="34" charset="0"/>
-                <a:cs typeface="Arial" panose="020B0604020202020204" pitchFamily="34" charset="0"/>
-              </a:rPr>
-              <a:t>tìm</a:t>
-            </a:r>
-            <a:r>
-              <a:rPr lang="en-US" dirty="0">
-                <a:latin typeface="Arial" panose="020B0604020202020204" pitchFamily="34" charset="0"/>
-                <a:cs typeface="Arial" panose="020B0604020202020204" pitchFamily="34" charset="0"/>
-              </a:rPr>
-              <a:t> </a:t>
-            </a:r>
-            <a:r>
-              <a:rPr lang="en-US" dirty="0" err="1">
-                <a:latin typeface="Arial" panose="020B0604020202020204" pitchFamily="34" charset="0"/>
-                <a:cs typeface="Arial" panose="020B0604020202020204" pitchFamily="34" charset="0"/>
-              </a:rPr>
-              <a:t>một</a:t>
-            </a:r>
-            <a:r>
-              <a:rPr lang="en-US" dirty="0">
-                <a:latin typeface="Arial" panose="020B0604020202020204" pitchFamily="34" charset="0"/>
-                <a:cs typeface="Arial" panose="020B0604020202020204" pitchFamily="34" charset="0"/>
-              </a:rPr>
-              <a:t> </a:t>
-            </a:r>
-            <a:r>
-              <a:rPr lang="en-US" dirty="0" err="1">
-                <a:latin typeface="Arial" panose="020B0604020202020204" pitchFamily="34" charset="0"/>
-                <a:cs typeface="Arial" panose="020B0604020202020204" pitchFamily="34" charset="0"/>
-              </a:rPr>
-              <a:t>bảng</a:t>
-            </a:r>
-            <a:r>
-              <a:rPr lang="en-US" dirty="0">
-                <a:latin typeface="Arial" panose="020B0604020202020204" pitchFamily="34" charset="0"/>
-                <a:cs typeface="Arial" panose="020B0604020202020204" pitchFamily="34" charset="0"/>
-              </a:rPr>
-              <a:t> </a:t>
-            </a:r>
-            <a:r>
-              <a:rPr lang="en-US" dirty="0" err="1">
-                <a:latin typeface="Arial" panose="020B0604020202020204" pitchFamily="34" charset="0"/>
-                <a:cs typeface="Arial" panose="020B0604020202020204" pitchFamily="34" charset="0"/>
-              </a:rPr>
-              <a:t>màu</a:t>
-            </a:r>
-            <a:r>
-              <a:rPr lang="en-US" dirty="0">
-                <a:latin typeface="Arial" panose="020B0604020202020204" pitchFamily="34" charset="0"/>
-                <a:cs typeface="Arial" panose="020B0604020202020204" pitchFamily="34" charset="0"/>
-              </a:rPr>
-              <a:t> t</a:t>
-            </a:r>
-            <a:r>
-              <a:rPr lang="vi-VN" dirty="0">
-                <a:latin typeface="Arial" panose="020B0604020202020204" pitchFamily="34" charset="0"/>
-                <a:cs typeface="Arial" panose="020B0604020202020204" pitchFamily="34" charset="0"/>
-              </a:rPr>
-              <a:t>ư</a:t>
-            </a:r>
-            <a:r>
-              <a:rPr lang="en-US" dirty="0" err="1">
-                <a:latin typeface="Arial" panose="020B0604020202020204" pitchFamily="34" charset="0"/>
-                <a:cs typeface="Arial" panose="020B0604020202020204" pitchFamily="34" charset="0"/>
-              </a:rPr>
-              <a:t>ơng</a:t>
-            </a:r>
-            <a:r>
-              <a:rPr lang="en-US" dirty="0">
-                <a:latin typeface="Arial" panose="020B0604020202020204" pitchFamily="34" charset="0"/>
-                <a:cs typeface="Arial" panose="020B0604020202020204" pitchFamily="34" charset="0"/>
-              </a:rPr>
-              <a:t> </a:t>
-            </a:r>
-            <a:r>
-              <a:rPr lang="en-US" dirty="0" err="1">
-                <a:latin typeface="Arial" panose="020B0604020202020204" pitchFamily="34" charset="0"/>
-                <a:cs typeface="Arial" panose="020B0604020202020204" pitchFamily="34" charset="0"/>
-              </a:rPr>
-              <a:t>ứng</a:t>
-            </a:r>
-            <a:r>
-              <a:rPr lang="en-US" dirty="0">
-                <a:latin typeface="Arial" panose="020B0604020202020204" pitchFamily="34" charset="0"/>
-                <a:cs typeface="Arial" panose="020B0604020202020204" pitchFamily="34" charset="0"/>
-              </a:rPr>
-              <a:t> </a:t>
-            </a:r>
-            <a:r>
-              <a:rPr lang="en-US" dirty="0" err="1">
-                <a:latin typeface="Arial" panose="020B0604020202020204" pitchFamily="34" charset="0"/>
-                <a:cs typeface="Arial" panose="020B0604020202020204" pitchFamily="34" charset="0"/>
-              </a:rPr>
-              <a:t>nh</a:t>
-            </a:r>
-            <a:r>
-              <a:rPr lang="vi-VN" dirty="0">
-                <a:latin typeface="Arial" panose="020B0604020202020204" pitchFamily="34" charset="0"/>
-                <a:cs typeface="Arial" panose="020B0604020202020204" pitchFamily="34" charset="0"/>
-              </a:rPr>
-              <a:t>ư</a:t>
-            </a:r>
-            <a:r>
-              <a:rPr lang="en-US" dirty="0">
-                <a:latin typeface="Arial" panose="020B0604020202020204" pitchFamily="34" charset="0"/>
-                <a:cs typeface="Arial" panose="020B0604020202020204" pitchFamily="34" charset="0"/>
-              </a:rPr>
-              <a:t>ng </a:t>
-            </a:r>
-            <a:r>
-              <a:rPr lang="en-US" dirty="0" err="1">
-                <a:latin typeface="Arial" panose="020B0604020202020204" pitchFamily="34" charset="0"/>
-                <a:cs typeface="Arial" panose="020B0604020202020204" pitchFamily="34" charset="0"/>
-              </a:rPr>
-              <a:t>có</a:t>
-            </a:r>
-            <a:r>
-              <a:rPr lang="en-US" dirty="0">
-                <a:latin typeface="Arial" panose="020B0604020202020204" pitchFamily="34" charset="0"/>
-                <a:cs typeface="Arial" panose="020B0604020202020204" pitchFamily="34" charset="0"/>
-              </a:rPr>
-              <a:t> c</a:t>
-            </a:r>
-            <a:r>
-              <a:rPr lang="vi-VN" dirty="0">
-                <a:latin typeface="Arial" panose="020B0604020202020204" pitchFamily="34" charset="0"/>
-                <a:cs typeface="Arial" panose="020B0604020202020204" pitchFamily="34" charset="0"/>
-              </a:rPr>
-              <a:t>ư</a:t>
-            </a:r>
-            <a:r>
-              <a:rPr lang="en-US" dirty="0" err="1">
-                <a:latin typeface="Arial" panose="020B0604020202020204" pitchFamily="34" charset="0"/>
-                <a:cs typeface="Arial" panose="020B0604020202020204" pitchFamily="34" charset="0"/>
-              </a:rPr>
-              <a:t>ờng</a:t>
-            </a:r>
-            <a:r>
-              <a:rPr lang="en-US" dirty="0">
-                <a:latin typeface="Arial" panose="020B0604020202020204" pitchFamily="34" charset="0"/>
-                <a:cs typeface="Arial" panose="020B0604020202020204" pitchFamily="34" charset="0"/>
-              </a:rPr>
-              <a:t> </a:t>
-            </a:r>
-            <a:r>
-              <a:rPr lang="en-US" dirty="0" err="1">
-                <a:latin typeface="Arial" panose="020B0604020202020204" pitchFamily="34" charset="0"/>
-                <a:cs typeface="Arial" panose="020B0604020202020204" pitchFamily="34" charset="0"/>
-              </a:rPr>
-              <a:t>độ</a:t>
-            </a:r>
-            <a:r>
-              <a:rPr lang="en-US" dirty="0">
-                <a:latin typeface="Arial" panose="020B0604020202020204" pitchFamily="34" charset="0"/>
-                <a:cs typeface="Arial" panose="020B0604020202020204" pitchFamily="34" charset="0"/>
-              </a:rPr>
-              <a:t> đ</a:t>
-            </a:r>
-            <a:r>
-              <a:rPr lang="vi-VN" dirty="0">
-                <a:latin typeface="Arial" panose="020B0604020202020204" pitchFamily="34" charset="0"/>
-                <a:cs typeface="Arial" panose="020B0604020202020204" pitchFamily="34" charset="0"/>
-              </a:rPr>
-              <a:t>ư</a:t>
-            </a:r>
-            <a:r>
-              <a:rPr lang="en-US" dirty="0" err="1">
-                <a:latin typeface="Arial" panose="020B0604020202020204" pitchFamily="34" charset="0"/>
-                <a:cs typeface="Arial" panose="020B0604020202020204" pitchFamily="34" charset="0"/>
-              </a:rPr>
-              <a:t>ợc</a:t>
-            </a:r>
-            <a:r>
-              <a:rPr lang="en-US" dirty="0">
-                <a:latin typeface="Arial" panose="020B0604020202020204" pitchFamily="34" charset="0"/>
-                <a:cs typeface="Arial" panose="020B0604020202020204" pitchFamily="34" charset="0"/>
-              </a:rPr>
-              <a:t> </a:t>
-            </a:r>
-            <a:r>
-              <a:rPr lang="en-US" dirty="0" err="1">
-                <a:latin typeface="Arial" panose="020B0604020202020204" pitchFamily="34" charset="0"/>
-                <a:cs typeface="Arial" panose="020B0604020202020204" pitchFamily="34" charset="0"/>
-              </a:rPr>
-              <a:t>giảm</a:t>
-            </a:r>
-            <a:r>
-              <a:rPr lang="en-US" dirty="0">
-                <a:latin typeface="Arial" panose="020B0604020202020204" pitchFamily="34" charset="0"/>
-                <a:cs typeface="Arial" panose="020B0604020202020204" pitchFamily="34" charset="0"/>
-              </a:rPr>
-              <a:t> </a:t>
-            </a:r>
-            <a:r>
-              <a:rPr lang="en-US" dirty="0" err="1">
-                <a:latin typeface="Arial" panose="020B0604020202020204" pitchFamily="34" charset="0"/>
-                <a:cs typeface="Arial" panose="020B0604020202020204" pitchFamily="34" charset="0"/>
-              </a:rPr>
-              <a:t>đi</a:t>
-            </a:r>
-            <a:r>
-              <a:rPr lang="en-US" dirty="0">
-                <a:latin typeface="Arial" panose="020B0604020202020204" pitchFamily="34" charset="0"/>
-                <a:cs typeface="Arial" panose="020B0604020202020204" pitchFamily="34" charset="0"/>
-              </a:rPr>
-              <a:t>. </a:t>
-            </a:r>
-            <a:r>
-              <a:rPr lang="en-US" dirty="0" err="1">
-                <a:latin typeface="Arial" panose="020B0604020202020204" pitchFamily="34" charset="0"/>
-                <a:cs typeface="Arial" panose="020B0604020202020204" pitchFamily="34" charset="0"/>
-              </a:rPr>
-              <a:t>Sử</a:t>
-            </a:r>
-            <a:r>
-              <a:rPr lang="en-US" dirty="0">
-                <a:latin typeface="Arial" panose="020B0604020202020204" pitchFamily="34" charset="0"/>
-                <a:cs typeface="Arial" panose="020B0604020202020204" pitchFamily="34" charset="0"/>
-              </a:rPr>
-              <a:t> </a:t>
-            </a:r>
-            <a:r>
-              <a:rPr lang="en-US" dirty="0" err="1">
-                <a:latin typeface="Arial" panose="020B0604020202020204" pitchFamily="34" charset="0"/>
-                <a:cs typeface="Arial" panose="020B0604020202020204" pitchFamily="34" charset="0"/>
-              </a:rPr>
-              <a:t>dụng</a:t>
-            </a:r>
-            <a:r>
-              <a:rPr lang="en-US" dirty="0">
-                <a:latin typeface="Arial" panose="020B0604020202020204" pitchFamily="34" charset="0"/>
-                <a:cs typeface="Arial" panose="020B0604020202020204" pitchFamily="34" charset="0"/>
-              </a:rPr>
-              <a:t> </a:t>
-            </a:r>
-            <a:r>
-              <a:rPr lang="en-US" dirty="0" err="1">
-                <a:latin typeface="Arial" panose="020B0604020202020204" pitchFamily="34" charset="0"/>
-                <a:cs typeface="Arial" panose="020B0604020202020204" pitchFamily="34" charset="0"/>
-              </a:rPr>
-              <a:t>các</a:t>
-            </a:r>
-            <a:r>
-              <a:rPr lang="en-US" dirty="0">
-                <a:latin typeface="Arial" panose="020B0604020202020204" pitchFamily="34" charset="0"/>
-                <a:cs typeface="Arial" panose="020B0604020202020204" pitchFamily="34" charset="0"/>
-              </a:rPr>
-              <a:t> </a:t>
-            </a:r>
-            <a:r>
-              <a:rPr lang="en-US" dirty="0" err="1">
-                <a:latin typeface="Arial" panose="020B0604020202020204" pitchFamily="34" charset="0"/>
-                <a:cs typeface="Arial" panose="020B0604020202020204" pitchFamily="34" charset="0"/>
-              </a:rPr>
-              <a:t>điểm</a:t>
-            </a:r>
-            <a:r>
-              <a:rPr lang="en-US" dirty="0">
-                <a:latin typeface="Arial" panose="020B0604020202020204" pitchFamily="34" charset="0"/>
-                <a:cs typeface="Arial" panose="020B0604020202020204" pitchFamily="34" charset="0"/>
-              </a:rPr>
-              <a:t> </a:t>
-            </a:r>
-            <a:r>
-              <a:rPr lang="en-US" dirty="0" err="1">
-                <a:latin typeface="Arial" panose="020B0604020202020204" pitchFamily="34" charset="0"/>
-                <a:cs typeface="Arial" panose="020B0604020202020204" pitchFamily="34" charset="0"/>
-              </a:rPr>
-              <a:t>trung</a:t>
-            </a:r>
-            <a:r>
-              <a:rPr lang="en-US" dirty="0">
-                <a:latin typeface="Arial" panose="020B0604020202020204" pitchFamily="34" charset="0"/>
-                <a:cs typeface="Arial" panose="020B0604020202020204" pitchFamily="34" charset="0"/>
-              </a:rPr>
-              <a:t> </a:t>
-            </a:r>
-            <a:r>
-              <a:rPr lang="en-US" dirty="0" err="1">
-                <a:latin typeface="Arial" panose="020B0604020202020204" pitchFamily="34" charset="0"/>
-                <a:cs typeface="Arial" panose="020B0604020202020204" pitchFamily="34" charset="0"/>
-              </a:rPr>
-              <a:t>tâm</a:t>
-            </a:r>
-            <a:r>
-              <a:rPr lang="en-US" dirty="0">
-                <a:latin typeface="Arial" panose="020B0604020202020204" pitchFamily="34" charset="0"/>
-                <a:cs typeface="Arial" panose="020B0604020202020204" pitchFamily="34" charset="0"/>
-              </a:rPr>
-              <a:t> </a:t>
-            </a:r>
-            <a:r>
-              <a:rPr lang="en-US" dirty="0" err="1">
-                <a:latin typeface="Arial" panose="020B0604020202020204" pitchFamily="34" charset="0"/>
-                <a:cs typeface="Arial" panose="020B0604020202020204" pitchFamily="34" charset="0"/>
-              </a:rPr>
-              <a:t>của</a:t>
-            </a:r>
-            <a:r>
-              <a:rPr lang="en-US" dirty="0">
-                <a:latin typeface="Arial" panose="020B0604020202020204" pitchFamily="34" charset="0"/>
-                <a:cs typeface="Arial" panose="020B0604020202020204" pitchFamily="34" charset="0"/>
-              </a:rPr>
-              <a:t> </a:t>
-            </a:r>
-            <a:r>
-              <a:rPr lang="en-US" dirty="0" err="1">
-                <a:latin typeface="Arial" panose="020B0604020202020204" pitchFamily="34" charset="0"/>
-                <a:cs typeface="Arial" panose="020B0604020202020204" pitchFamily="34" charset="0"/>
-              </a:rPr>
-              <a:t>các</a:t>
-            </a:r>
-            <a:r>
-              <a:rPr lang="en-US" dirty="0">
-                <a:latin typeface="Arial" panose="020B0604020202020204" pitchFamily="34" charset="0"/>
-                <a:cs typeface="Arial" panose="020B0604020202020204" pitchFamily="34" charset="0"/>
-              </a:rPr>
-              <a:t> Gaussian </a:t>
-            </a:r>
-            <a:r>
-              <a:rPr lang="en-US" dirty="0" err="1">
-                <a:latin typeface="Arial" panose="020B0604020202020204" pitchFamily="34" charset="0"/>
-                <a:cs typeface="Arial" panose="020B0604020202020204" pitchFamily="34" charset="0"/>
-              </a:rPr>
-              <a:t>chồng</a:t>
-            </a:r>
-            <a:r>
-              <a:rPr lang="en-US" dirty="0">
-                <a:latin typeface="Arial" panose="020B0604020202020204" pitchFamily="34" charset="0"/>
-                <a:cs typeface="Arial" panose="020B0604020202020204" pitchFamily="34" charset="0"/>
-              </a:rPr>
-              <a:t> </a:t>
-            </a:r>
-            <a:r>
-              <a:rPr lang="en-US" dirty="0" err="1">
-                <a:latin typeface="Arial" panose="020B0604020202020204" pitchFamily="34" charset="0"/>
-                <a:cs typeface="Arial" panose="020B0604020202020204" pitchFamily="34" charset="0"/>
-              </a:rPr>
-              <a:t>lên</a:t>
-            </a:r>
-            <a:r>
-              <a:rPr lang="en-US" dirty="0">
-                <a:latin typeface="Arial" panose="020B0604020202020204" pitchFamily="34" charset="0"/>
-                <a:cs typeface="Arial" panose="020B0604020202020204" pitchFamily="34" charset="0"/>
-              </a:rPr>
-              <a:t> </a:t>
-            </a:r>
-            <a:r>
-              <a:rPr lang="en-US" dirty="0" err="1">
-                <a:latin typeface="Arial" panose="020B0604020202020204" pitchFamily="34" charset="0"/>
-                <a:cs typeface="Arial" panose="020B0604020202020204" pitchFamily="34" charset="0"/>
-              </a:rPr>
-              <a:t>nhau</a:t>
-            </a:r>
-            <a:r>
-              <a:rPr lang="en-US" dirty="0">
-                <a:latin typeface="Arial" panose="020B0604020202020204" pitchFamily="34" charset="0"/>
-                <a:cs typeface="Arial" panose="020B0604020202020204" pitchFamily="34" charset="0"/>
-              </a:rPr>
-              <a:t> </a:t>
-            </a:r>
-            <a:r>
-              <a:rPr lang="en-US" dirty="0" err="1">
-                <a:latin typeface="Arial" panose="020B0604020202020204" pitchFamily="34" charset="0"/>
-                <a:cs typeface="Arial" panose="020B0604020202020204" pitchFamily="34" charset="0"/>
-              </a:rPr>
-              <a:t>nh</a:t>
-            </a:r>
-            <a:r>
-              <a:rPr lang="vi-VN" dirty="0">
-                <a:latin typeface="Arial" panose="020B0604020202020204" pitchFamily="34" charset="0"/>
-                <a:cs typeface="Arial" panose="020B0604020202020204" pitchFamily="34" charset="0"/>
-              </a:rPr>
-              <a:t>ư</a:t>
-            </a:r>
-            <a:r>
-              <a:rPr lang="en-US" dirty="0">
-                <a:latin typeface="Arial" panose="020B0604020202020204" pitchFamily="34" charset="0"/>
-                <a:cs typeface="Arial" panose="020B0604020202020204" pitchFamily="34" charset="0"/>
-              </a:rPr>
-              <a:t> </a:t>
-            </a:r>
-            <a:r>
-              <a:rPr lang="en-US" dirty="0" err="1">
-                <a:latin typeface="Arial" panose="020B0604020202020204" pitchFamily="34" charset="0"/>
-                <a:cs typeface="Arial" panose="020B0604020202020204" pitchFamily="34" charset="0"/>
-              </a:rPr>
-              <a:t>màu</a:t>
-            </a:r>
-            <a:r>
-              <a:rPr lang="en-US" dirty="0">
-                <a:latin typeface="Arial" panose="020B0604020202020204" pitchFamily="34" charset="0"/>
-                <a:cs typeface="Arial" panose="020B0604020202020204" pitchFamily="34" charset="0"/>
-              </a:rPr>
-              <a:t> “</a:t>
-            </a:r>
-            <a:r>
-              <a:rPr lang="en-US" dirty="0" err="1">
-                <a:latin typeface="Arial" panose="020B0604020202020204" pitchFamily="34" charset="0"/>
-                <a:cs typeface="Arial" panose="020B0604020202020204" pitchFamily="34" charset="0"/>
-              </a:rPr>
-              <a:t>trung</a:t>
-            </a:r>
-            <a:r>
-              <a:rPr lang="en-US" dirty="0">
-                <a:latin typeface="Arial" panose="020B0604020202020204" pitchFamily="34" charset="0"/>
-                <a:cs typeface="Arial" panose="020B0604020202020204" pitchFamily="34" charset="0"/>
-              </a:rPr>
-              <a:t> </a:t>
-            </a:r>
-            <a:r>
-              <a:rPr lang="en-US" dirty="0" err="1">
-                <a:latin typeface="Arial" panose="020B0604020202020204" pitchFamily="34" charset="0"/>
-                <a:cs typeface="Arial" panose="020B0604020202020204" pitchFamily="34" charset="0"/>
-              </a:rPr>
-              <a:t>bình</a:t>
-            </a:r>
-            <a:r>
-              <a:rPr lang="en-US" dirty="0">
-                <a:latin typeface="Arial" panose="020B0604020202020204" pitchFamily="34" charset="0"/>
-                <a:cs typeface="Arial" panose="020B0604020202020204" pitchFamily="34" charset="0"/>
-              </a:rPr>
-              <a:t>” </a:t>
-            </a:r>
-            <a:r>
-              <a:rPr lang="en-US" dirty="0" err="1">
-                <a:latin typeface="Arial" panose="020B0604020202020204" pitchFamily="34" charset="0"/>
-                <a:cs typeface="Arial" panose="020B0604020202020204" pitchFamily="34" charset="0"/>
-              </a:rPr>
-              <a:t>là</a:t>
-            </a:r>
-            <a:r>
-              <a:rPr lang="en-US" dirty="0">
-                <a:latin typeface="Arial" panose="020B0604020202020204" pitchFamily="34" charset="0"/>
-                <a:cs typeface="Arial" panose="020B0604020202020204" pitchFamily="34" charset="0"/>
-              </a:rPr>
-              <a:t> </a:t>
-            </a:r>
-            <a:r>
-              <a:rPr lang="en-US" dirty="0" err="1">
-                <a:latin typeface="Arial" panose="020B0604020202020204" pitchFamily="34" charset="0"/>
-                <a:cs typeface="Arial" panose="020B0604020202020204" pitchFamily="34" charset="0"/>
-              </a:rPr>
-              <a:t>một</a:t>
-            </a:r>
-            <a:r>
-              <a:rPr lang="en-US" dirty="0">
-                <a:latin typeface="Arial" panose="020B0604020202020204" pitchFamily="34" charset="0"/>
-                <a:cs typeface="Arial" panose="020B0604020202020204" pitchFamily="34" charset="0"/>
-              </a:rPr>
-              <a:t> </a:t>
-            </a:r>
-            <a:r>
-              <a:rPr lang="en-US" dirty="0" err="1">
-                <a:latin typeface="Arial" panose="020B0604020202020204" pitchFamily="34" charset="0"/>
-                <a:cs typeface="Arial" panose="020B0604020202020204" pitchFamily="34" charset="0"/>
-              </a:rPr>
-              <a:t>lựa</a:t>
-            </a:r>
-            <a:r>
-              <a:rPr lang="en-US" dirty="0">
-                <a:latin typeface="Arial" panose="020B0604020202020204" pitchFamily="34" charset="0"/>
-                <a:cs typeface="Arial" panose="020B0604020202020204" pitchFamily="34" charset="0"/>
-              </a:rPr>
-              <a:t> </a:t>
-            </a:r>
-            <a:r>
-              <a:rPr lang="en-US" dirty="0" err="1">
-                <a:latin typeface="Arial" panose="020B0604020202020204" pitchFamily="34" charset="0"/>
-                <a:cs typeface="Arial" panose="020B0604020202020204" pitchFamily="34" charset="0"/>
-              </a:rPr>
-              <a:t>chọn</a:t>
-            </a:r>
-            <a:r>
-              <a:rPr lang="en-US" dirty="0">
-                <a:latin typeface="Arial" panose="020B0604020202020204" pitchFamily="34" charset="0"/>
-                <a:cs typeface="Arial" panose="020B0604020202020204" pitchFamily="34" charset="0"/>
-              </a:rPr>
-              <a:t> </a:t>
-            </a:r>
-            <a:r>
-              <a:rPr lang="en-US" dirty="0" err="1">
-                <a:latin typeface="Arial" panose="020B0604020202020204" pitchFamily="34" charset="0"/>
-                <a:cs typeface="Arial" panose="020B0604020202020204" pitchFamily="34" charset="0"/>
-              </a:rPr>
-              <a:t>tốt</a:t>
-            </a:r>
-            <a:r>
-              <a:rPr lang="en-US" dirty="0">
-                <a:latin typeface="Arial" panose="020B0604020202020204" pitchFamily="34" charset="0"/>
-                <a:cs typeface="Arial" panose="020B0604020202020204" pitchFamily="34" charset="0"/>
-              </a:rPr>
-              <a:t> h</a:t>
-            </a:r>
-            <a:r>
-              <a:rPr lang="vi-VN" dirty="0">
-                <a:latin typeface="Arial" panose="020B0604020202020204" pitchFamily="34" charset="0"/>
-                <a:cs typeface="Arial" panose="020B0604020202020204" pitchFamily="34" charset="0"/>
-              </a:rPr>
-              <a:t>ơ</a:t>
-            </a:r>
-            <a:r>
-              <a:rPr lang="en-US" dirty="0">
-                <a:latin typeface="Arial" panose="020B0604020202020204" pitchFamily="34" charset="0"/>
-                <a:cs typeface="Arial" panose="020B0604020202020204" pitchFamily="34" charset="0"/>
-              </a:rPr>
-              <a:t>n </a:t>
-            </a:r>
-            <a:r>
-              <a:rPr lang="en-US" dirty="0" err="1">
-                <a:latin typeface="Arial" panose="020B0604020202020204" pitchFamily="34" charset="0"/>
-                <a:cs typeface="Arial" panose="020B0604020202020204" pitchFamily="34" charset="0"/>
-              </a:rPr>
-              <a:t>vì</a:t>
-            </a:r>
-            <a:r>
-              <a:rPr lang="en-US" dirty="0">
-                <a:latin typeface="Arial" panose="020B0604020202020204" pitchFamily="34" charset="0"/>
-                <a:cs typeface="Arial" panose="020B0604020202020204" pitchFamily="34" charset="0"/>
-              </a:rPr>
-              <a:t> </a:t>
-            </a:r>
-            <a:r>
-              <a:rPr lang="en-US" dirty="0" err="1">
-                <a:latin typeface="Arial" panose="020B0604020202020204" pitchFamily="34" charset="0"/>
-                <a:cs typeface="Arial" panose="020B0604020202020204" pitchFamily="34" charset="0"/>
-              </a:rPr>
-              <a:t>các</a:t>
-            </a:r>
-            <a:r>
-              <a:rPr lang="en-US" dirty="0">
-                <a:latin typeface="Arial" panose="020B0604020202020204" pitchFamily="34" charset="0"/>
-                <a:cs typeface="Arial" panose="020B0604020202020204" pitchFamily="34" charset="0"/>
-              </a:rPr>
-              <a:t> </a:t>
-            </a:r>
-            <a:r>
-              <a:rPr lang="en-US" dirty="0" err="1">
-                <a:latin typeface="Arial" panose="020B0604020202020204" pitchFamily="34" charset="0"/>
-                <a:cs typeface="Arial" panose="020B0604020202020204" pitchFamily="34" charset="0"/>
-              </a:rPr>
-              <a:t>cụm</a:t>
-            </a:r>
-            <a:r>
-              <a:rPr lang="en-US" dirty="0">
-                <a:latin typeface="Arial" panose="020B0604020202020204" pitchFamily="34" charset="0"/>
-                <a:cs typeface="Arial" panose="020B0604020202020204" pitchFamily="34" charset="0"/>
-              </a:rPr>
-              <a:t> </a:t>
-            </a:r>
-            <a:r>
-              <a:rPr lang="en-US" dirty="0" err="1">
-                <a:latin typeface="Arial" panose="020B0604020202020204" pitchFamily="34" charset="0"/>
-                <a:cs typeface="Arial" panose="020B0604020202020204" pitchFamily="34" charset="0"/>
-              </a:rPr>
-              <a:t>điểm</a:t>
-            </a:r>
-            <a:r>
-              <a:rPr lang="en-US" dirty="0">
-                <a:latin typeface="Arial" panose="020B0604020202020204" pitchFamily="34" charset="0"/>
-                <a:cs typeface="Arial" panose="020B0604020202020204" pitchFamily="34" charset="0"/>
-              </a:rPr>
-              <a:t> </a:t>
-            </a:r>
-            <a:r>
-              <a:rPr lang="en-US" dirty="0" err="1">
-                <a:latin typeface="Arial" panose="020B0604020202020204" pitchFamily="34" charset="0"/>
-                <a:cs typeface="Arial" panose="020B0604020202020204" pitchFamily="34" charset="0"/>
-              </a:rPr>
-              <a:t>trung</a:t>
-            </a:r>
-            <a:r>
-              <a:rPr lang="en-US" dirty="0">
-                <a:latin typeface="Arial" panose="020B0604020202020204" pitchFamily="34" charset="0"/>
-                <a:cs typeface="Arial" panose="020B0604020202020204" pitchFamily="34" charset="0"/>
-              </a:rPr>
-              <a:t> </a:t>
-            </a:r>
-            <a:r>
-              <a:rPr lang="en-US" dirty="0" err="1">
-                <a:latin typeface="Arial" panose="020B0604020202020204" pitchFamily="34" charset="0"/>
-                <a:cs typeface="Arial" panose="020B0604020202020204" pitchFamily="34" charset="0"/>
-              </a:rPr>
-              <a:t>tâm</a:t>
-            </a:r>
-            <a:r>
-              <a:rPr lang="en-US" dirty="0">
-                <a:latin typeface="Arial" panose="020B0604020202020204" pitchFamily="34" charset="0"/>
-                <a:cs typeface="Arial" panose="020B0604020202020204" pitchFamily="34" charset="0"/>
-              </a:rPr>
-              <a:t> </a:t>
-            </a:r>
-            <a:r>
-              <a:rPr lang="en-US" dirty="0" err="1">
-                <a:latin typeface="Arial" panose="020B0604020202020204" pitchFamily="34" charset="0"/>
-                <a:cs typeface="Arial" panose="020B0604020202020204" pitchFamily="34" charset="0"/>
-              </a:rPr>
-              <a:t>dành</a:t>
-            </a:r>
-            <a:r>
-              <a:rPr lang="en-US" dirty="0">
-                <a:latin typeface="Arial" panose="020B0604020202020204" pitchFamily="34" charset="0"/>
-                <a:cs typeface="Arial" panose="020B0604020202020204" pitchFamily="34" charset="0"/>
-              </a:rPr>
-              <a:t> </a:t>
-            </a:r>
-            <a:r>
-              <a:rPr lang="en-US" dirty="0" err="1">
-                <a:latin typeface="Arial" panose="020B0604020202020204" pitchFamily="34" charset="0"/>
-                <a:cs typeface="Arial" panose="020B0604020202020204" pitchFamily="34" charset="0"/>
-              </a:rPr>
-              <a:t>cho</a:t>
-            </a:r>
-            <a:r>
-              <a:rPr lang="en-US" dirty="0">
-                <a:latin typeface="Arial" panose="020B0604020202020204" pitchFamily="34" charset="0"/>
-                <a:cs typeface="Arial" panose="020B0604020202020204" pitchFamily="34" charset="0"/>
-              </a:rPr>
-              <a:t> </a:t>
-            </a:r>
-            <a:r>
-              <a:rPr lang="en-US" dirty="0" err="1">
-                <a:latin typeface="Arial" panose="020B0604020202020204" pitchFamily="34" charset="0"/>
-                <a:cs typeface="Arial" panose="020B0604020202020204" pitchFamily="34" charset="0"/>
-              </a:rPr>
-              <a:t>các</a:t>
-            </a:r>
-            <a:r>
-              <a:rPr lang="en-US" dirty="0">
-                <a:latin typeface="Arial" panose="020B0604020202020204" pitchFamily="34" charset="0"/>
-                <a:cs typeface="Arial" panose="020B0604020202020204" pitchFamily="34" charset="0"/>
-              </a:rPr>
-              <a:t> </a:t>
-            </a:r>
-            <a:r>
-              <a:rPr lang="en-US" dirty="0" err="1">
-                <a:latin typeface="Arial" panose="020B0604020202020204" pitchFamily="34" charset="0"/>
-                <a:cs typeface="Arial" panose="020B0604020202020204" pitchFamily="34" charset="0"/>
-              </a:rPr>
-              <a:t>màu</a:t>
-            </a:r>
-            <a:r>
-              <a:rPr lang="en-US" dirty="0">
-                <a:latin typeface="Arial" panose="020B0604020202020204" pitchFamily="34" charset="0"/>
-                <a:cs typeface="Arial" panose="020B0604020202020204" pitchFamily="34" charset="0"/>
-              </a:rPr>
-              <a:t> </a:t>
-            </a:r>
-            <a:r>
-              <a:rPr lang="en-US" dirty="0" err="1">
-                <a:latin typeface="Arial" panose="020B0604020202020204" pitchFamily="34" charset="0"/>
-                <a:cs typeface="Arial" panose="020B0604020202020204" pitchFamily="34" charset="0"/>
-              </a:rPr>
-              <a:t>hiếm</a:t>
-            </a:r>
-            <a:r>
-              <a:rPr lang="en-US" dirty="0">
-                <a:latin typeface="Arial" panose="020B0604020202020204" pitchFamily="34" charset="0"/>
-                <a:cs typeface="Arial" panose="020B0604020202020204" pitchFamily="34" charset="0"/>
-              </a:rPr>
-              <a:t> </a:t>
-            </a:r>
-            <a:r>
-              <a:rPr lang="en-US" dirty="0" err="1">
-                <a:latin typeface="Arial" panose="020B0604020202020204" pitchFamily="34" charset="0"/>
-                <a:cs typeface="Arial" panose="020B0604020202020204" pitchFamily="34" charset="0"/>
-              </a:rPr>
-              <a:t>sẽ</a:t>
-            </a:r>
-            <a:r>
-              <a:rPr lang="en-US" dirty="0">
-                <a:latin typeface="Arial" panose="020B0604020202020204" pitchFamily="34" charset="0"/>
-                <a:cs typeface="Arial" panose="020B0604020202020204" pitchFamily="34" charset="0"/>
-              </a:rPr>
-              <a:t> </a:t>
-            </a:r>
-            <a:r>
-              <a:rPr lang="en-US" dirty="0" err="1">
-                <a:latin typeface="Arial" panose="020B0604020202020204" pitchFamily="34" charset="0"/>
-                <a:cs typeface="Arial" panose="020B0604020202020204" pitchFamily="34" charset="0"/>
-              </a:rPr>
-              <a:t>ít</a:t>
-            </a:r>
-            <a:r>
-              <a:rPr lang="en-US" dirty="0">
-                <a:latin typeface="Arial" panose="020B0604020202020204" pitchFamily="34" charset="0"/>
-                <a:cs typeface="Arial" panose="020B0604020202020204" pitchFamily="34" charset="0"/>
-              </a:rPr>
-              <a:t> </a:t>
-            </a:r>
-            <a:r>
-              <a:rPr lang="en-US" dirty="0" err="1">
-                <a:latin typeface="Arial" panose="020B0604020202020204" pitchFamily="34" charset="0"/>
-                <a:cs typeface="Arial" panose="020B0604020202020204" pitchFamily="34" charset="0"/>
-              </a:rPr>
-              <a:t>ảnh</a:t>
-            </a:r>
-            <a:r>
-              <a:rPr lang="en-US" dirty="0">
-                <a:latin typeface="Arial" panose="020B0604020202020204" pitchFamily="34" charset="0"/>
-                <a:cs typeface="Arial" panose="020B0604020202020204" pitchFamily="34" charset="0"/>
-              </a:rPr>
-              <a:t> h</a:t>
-            </a:r>
-            <a:r>
-              <a:rPr lang="vi-VN" dirty="0">
-                <a:latin typeface="Arial" panose="020B0604020202020204" pitchFamily="34" charset="0"/>
-                <a:cs typeface="Arial" panose="020B0604020202020204" pitchFamily="34" charset="0"/>
-              </a:rPr>
-              <a:t>ư</a:t>
-            </a:r>
-            <a:r>
-              <a:rPr lang="en-US" dirty="0" err="1">
-                <a:latin typeface="Arial" panose="020B0604020202020204" pitchFamily="34" charset="0"/>
-                <a:cs typeface="Arial" panose="020B0604020202020204" pitchFamily="34" charset="0"/>
-              </a:rPr>
-              <a:t>ởng</a:t>
-            </a:r>
-            <a:r>
-              <a:rPr lang="en-US" dirty="0">
-                <a:latin typeface="Arial" panose="020B0604020202020204" pitchFamily="34" charset="0"/>
-                <a:cs typeface="Arial" panose="020B0604020202020204" pitchFamily="34" charset="0"/>
-              </a:rPr>
-              <a:t> </a:t>
-            </a:r>
-            <a:r>
-              <a:rPr lang="en-US" dirty="0" err="1">
-                <a:latin typeface="Arial" panose="020B0604020202020204" pitchFamily="34" charset="0"/>
-                <a:cs typeface="Arial" panose="020B0604020202020204" pitchFamily="34" charset="0"/>
-              </a:rPr>
-              <a:t>tới</a:t>
-            </a:r>
-            <a:r>
-              <a:rPr lang="en-US" dirty="0">
-                <a:latin typeface="Arial" panose="020B0604020202020204" pitchFamily="34" charset="0"/>
-                <a:cs typeface="Arial" panose="020B0604020202020204" pitchFamily="34" charset="0"/>
-              </a:rPr>
-              <a:t> </a:t>
-            </a:r>
-            <a:r>
-              <a:rPr lang="en-US" dirty="0" err="1">
-                <a:latin typeface="Arial" panose="020B0604020202020204" pitchFamily="34" charset="0"/>
-                <a:cs typeface="Arial" panose="020B0604020202020204" pitchFamily="34" charset="0"/>
-              </a:rPr>
-              <a:t>bảng</a:t>
-            </a:r>
-            <a:r>
-              <a:rPr lang="en-US" dirty="0">
-                <a:latin typeface="Arial" panose="020B0604020202020204" pitchFamily="34" charset="0"/>
-                <a:cs typeface="Arial" panose="020B0604020202020204" pitchFamily="34" charset="0"/>
-              </a:rPr>
-              <a:t> </a:t>
-            </a:r>
-            <a:r>
-              <a:rPr lang="en-US" dirty="0" err="1">
-                <a:latin typeface="Arial" panose="020B0604020202020204" pitchFamily="34" charset="0"/>
-                <a:cs typeface="Arial" panose="020B0604020202020204" pitchFamily="34" charset="0"/>
-              </a:rPr>
-              <a:t>màu</a:t>
-            </a:r>
-            <a:r>
-              <a:rPr lang="en-US" dirty="0">
-                <a:latin typeface="Arial" panose="020B0604020202020204" pitchFamily="34" charset="0"/>
-                <a:cs typeface="Arial" panose="020B0604020202020204" pitchFamily="34" charset="0"/>
-              </a:rPr>
-              <a:t> h</a:t>
-            </a:r>
-            <a:r>
-              <a:rPr lang="vi-VN" dirty="0">
-                <a:latin typeface="Arial" panose="020B0604020202020204" pitchFamily="34" charset="0"/>
-                <a:cs typeface="Arial" panose="020B0604020202020204" pitchFamily="34" charset="0"/>
-              </a:rPr>
-              <a:t>ơ</a:t>
-            </a:r>
-            <a:r>
-              <a:rPr lang="en-US" dirty="0">
-                <a:latin typeface="Arial" panose="020B0604020202020204" pitchFamily="34" charset="0"/>
-                <a:cs typeface="Arial" panose="020B0604020202020204" pitchFamily="34" charset="0"/>
-              </a:rPr>
-              <a:t>n do </a:t>
-            </a:r>
-            <a:r>
-              <a:rPr lang="en-US" dirty="0" err="1">
-                <a:latin typeface="Arial" panose="020B0604020202020204" pitchFamily="34" charset="0"/>
-                <a:cs typeface="Arial" panose="020B0604020202020204" pitchFamily="34" charset="0"/>
-              </a:rPr>
-              <a:t>hiệp</a:t>
-            </a:r>
-            <a:r>
-              <a:rPr lang="en-US" dirty="0">
-                <a:latin typeface="Arial" panose="020B0604020202020204" pitchFamily="34" charset="0"/>
-                <a:cs typeface="Arial" panose="020B0604020202020204" pitchFamily="34" charset="0"/>
-              </a:rPr>
-              <a:t> </a:t>
-            </a:r>
-            <a:r>
-              <a:rPr lang="en-US" dirty="0" err="1">
-                <a:latin typeface="Arial" panose="020B0604020202020204" pitchFamily="34" charset="0"/>
-                <a:cs typeface="Arial" panose="020B0604020202020204" pitchFamily="34" charset="0"/>
-              </a:rPr>
-              <a:t>ph</a:t>
-            </a:r>
-            <a:r>
-              <a:rPr lang="vi-VN" dirty="0">
-                <a:latin typeface="Arial" panose="020B0604020202020204" pitchFamily="34" charset="0"/>
-                <a:cs typeface="Arial" panose="020B0604020202020204" pitchFamily="34" charset="0"/>
-              </a:rPr>
-              <a:t>ư</a:t>
-            </a:r>
-            <a:r>
-              <a:rPr lang="en-US" dirty="0" err="1">
-                <a:latin typeface="Arial" panose="020B0604020202020204" pitchFamily="34" charset="0"/>
-                <a:cs typeface="Arial" panose="020B0604020202020204" pitchFamily="34" charset="0"/>
-              </a:rPr>
-              <a:t>ơng</a:t>
-            </a:r>
-            <a:r>
-              <a:rPr lang="en-US" dirty="0">
-                <a:latin typeface="Arial" panose="020B0604020202020204" pitchFamily="34" charset="0"/>
-                <a:cs typeface="Arial" panose="020B0604020202020204" pitchFamily="34" charset="0"/>
-              </a:rPr>
-              <a:t> </a:t>
-            </a:r>
-            <a:r>
-              <a:rPr lang="en-US" dirty="0" err="1">
-                <a:latin typeface="Arial" panose="020B0604020202020204" pitchFamily="34" charset="0"/>
-                <a:cs typeface="Arial" panose="020B0604020202020204" pitchFamily="34" charset="0"/>
-              </a:rPr>
-              <a:t>sai</a:t>
-            </a:r>
-            <a:r>
-              <a:rPr lang="en-US" dirty="0">
-                <a:latin typeface="Arial" panose="020B0604020202020204" pitchFamily="34" charset="0"/>
-                <a:cs typeface="Arial" panose="020B0604020202020204" pitchFamily="34" charset="0"/>
-              </a:rPr>
-              <a:t> </a:t>
-            </a:r>
-            <a:r>
-              <a:rPr lang="en-US" dirty="0" err="1">
-                <a:latin typeface="Arial" panose="020B0604020202020204" pitchFamily="34" charset="0"/>
-                <a:cs typeface="Arial" panose="020B0604020202020204" pitchFamily="34" charset="0"/>
-              </a:rPr>
-              <a:t>của</a:t>
-            </a:r>
-            <a:r>
-              <a:rPr lang="en-US" dirty="0">
-                <a:latin typeface="Arial" panose="020B0604020202020204" pitchFamily="34" charset="0"/>
-                <a:cs typeface="Arial" panose="020B0604020202020204" pitchFamily="34" charset="0"/>
-              </a:rPr>
-              <a:t> </a:t>
-            </a:r>
-            <a:r>
-              <a:rPr lang="en-US" dirty="0" err="1">
-                <a:latin typeface="Arial" panose="020B0604020202020204" pitchFamily="34" charset="0"/>
-                <a:cs typeface="Arial" panose="020B0604020202020204" pitchFamily="34" charset="0"/>
-              </a:rPr>
-              <a:t>chúng</a:t>
-            </a:r>
-            <a:r>
-              <a:rPr lang="en-US" dirty="0">
-                <a:latin typeface="Arial" panose="020B0604020202020204" pitchFamily="34" charset="0"/>
-                <a:cs typeface="Arial" panose="020B0604020202020204" pitchFamily="34" charset="0"/>
-              </a:rPr>
-              <a:t> </a:t>
-            </a:r>
-            <a:r>
-              <a:rPr lang="en-US" dirty="0" err="1">
-                <a:latin typeface="Arial" panose="020B0604020202020204" pitchFamily="34" charset="0"/>
-                <a:cs typeface="Arial" panose="020B0604020202020204" pitchFamily="34" charset="0"/>
-              </a:rPr>
-              <a:t>nhỏ</a:t>
-            </a:r>
-            <a:r>
-              <a:rPr lang="en-US" dirty="0">
-                <a:latin typeface="Arial" panose="020B0604020202020204" pitchFamily="34" charset="0"/>
-                <a:cs typeface="Arial" panose="020B0604020202020204" pitchFamily="34" charset="0"/>
-              </a:rPr>
-              <a:t> h</a:t>
-            </a:r>
-            <a:r>
-              <a:rPr lang="vi-VN" dirty="0">
-                <a:latin typeface="Arial" panose="020B0604020202020204" pitchFamily="34" charset="0"/>
-                <a:cs typeface="Arial" panose="020B0604020202020204" pitchFamily="34" charset="0"/>
-              </a:rPr>
-              <a:t>ơ</a:t>
-            </a:r>
-            <a:r>
-              <a:rPr lang="en-US" dirty="0">
-                <a:latin typeface="Arial" panose="020B0604020202020204" pitchFamily="34" charset="0"/>
-                <a:cs typeface="Arial" panose="020B0604020202020204" pitchFamily="34" charset="0"/>
-              </a:rPr>
-              <a:t>n (</a:t>
-            </a:r>
-            <a:r>
-              <a:rPr lang="en-US" dirty="0" err="1">
-                <a:latin typeface="Arial" panose="020B0604020202020204" pitchFamily="34" charset="0"/>
-                <a:cs typeface="Arial" panose="020B0604020202020204" pitchFamily="34" charset="0"/>
-              </a:rPr>
-              <a:t>cho</a:t>
-            </a:r>
-            <a:r>
-              <a:rPr lang="en-US" dirty="0">
-                <a:latin typeface="Arial" panose="020B0604020202020204" pitchFamily="34" charset="0"/>
-                <a:cs typeface="Arial" panose="020B0604020202020204" pitchFamily="34" charset="0"/>
-              </a:rPr>
-              <a:t> </a:t>
-            </a:r>
-            <a:r>
-              <a:rPr lang="en-US" dirty="0" err="1">
-                <a:latin typeface="Arial" panose="020B0604020202020204" pitchFamily="34" charset="0"/>
-                <a:cs typeface="Arial" panose="020B0604020202020204" pitchFamily="34" charset="0"/>
-              </a:rPr>
-              <a:t>phép</a:t>
-            </a:r>
-            <a:r>
-              <a:rPr lang="en-US" dirty="0">
-                <a:latin typeface="Arial" panose="020B0604020202020204" pitchFamily="34" charset="0"/>
-                <a:cs typeface="Arial" panose="020B0604020202020204" pitchFamily="34" charset="0"/>
-              </a:rPr>
-              <a:t> </a:t>
-            </a:r>
-            <a:r>
-              <a:rPr lang="en-US" dirty="0" err="1">
-                <a:latin typeface="Arial" panose="020B0604020202020204" pitchFamily="34" charset="0"/>
-                <a:cs typeface="Arial" panose="020B0604020202020204" pitchFamily="34" charset="0"/>
-              </a:rPr>
-              <a:t>những</a:t>
-            </a:r>
-            <a:r>
-              <a:rPr lang="en-US" dirty="0">
-                <a:latin typeface="Arial" panose="020B0604020202020204" pitchFamily="34" charset="0"/>
-                <a:cs typeface="Arial" panose="020B0604020202020204" pitchFamily="34" charset="0"/>
-              </a:rPr>
-              <a:t> Gaussian </a:t>
-            </a:r>
-            <a:r>
-              <a:rPr lang="en-US" dirty="0" err="1">
-                <a:latin typeface="Arial" panose="020B0604020202020204" pitchFamily="34" charset="0"/>
-                <a:cs typeface="Arial" panose="020B0604020202020204" pitchFamily="34" charset="0"/>
-              </a:rPr>
-              <a:t>có</a:t>
-            </a:r>
-            <a:r>
-              <a:rPr lang="en-US" dirty="0">
-                <a:latin typeface="Arial" panose="020B0604020202020204" pitchFamily="34" charset="0"/>
-                <a:cs typeface="Arial" panose="020B0604020202020204" pitchFamily="34" charset="0"/>
-              </a:rPr>
-              <a:t> </a:t>
-            </a:r>
-            <a:r>
-              <a:rPr lang="en-US" dirty="0" err="1">
-                <a:latin typeface="Arial" panose="020B0604020202020204" pitchFamily="34" charset="0"/>
-                <a:cs typeface="Arial" panose="020B0604020202020204" pitchFamily="34" charset="0"/>
-              </a:rPr>
-              <a:t>hiệp</a:t>
-            </a:r>
-            <a:r>
-              <a:rPr lang="en-US" dirty="0">
-                <a:latin typeface="Arial" panose="020B0604020202020204" pitchFamily="34" charset="0"/>
-                <a:cs typeface="Arial" panose="020B0604020202020204" pitchFamily="34" charset="0"/>
-              </a:rPr>
-              <a:t> </a:t>
-            </a:r>
-            <a:r>
-              <a:rPr lang="en-US" dirty="0" err="1">
-                <a:latin typeface="Arial" panose="020B0604020202020204" pitchFamily="34" charset="0"/>
-                <a:cs typeface="Arial" panose="020B0604020202020204" pitchFamily="34" charset="0"/>
-              </a:rPr>
-              <a:t>ph</a:t>
-            </a:r>
-            <a:r>
-              <a:rPr lang="vi-VN" dirty="0">
-                <a:latin typeface="Arial" panose="020B0604020202020204" pitchFamily="34" charset="0"/>
-                <a:cs typeface="Arial" panose="020B0604020202020204" pitchFamily="34" charset="0"/>
-              </a:rPr>
-              <a:t>ư</a:t>
-            </a:r>
-            <a:r>
-              <a:rPr lang="en-US" dirty="0" err="1">
-                <a:latin typeface="Arial" panose="020B0604020202020204" pitchFamily="34" charset="0"/>
-                <a:cs typeface="Arial" panose="020B0604020202020204" pitchFamily="34" charset="0"/>
-              </a:rPr>
-              <a:t>ơng</a:t>
-            </a:r>
-            <a:r>
-              <a:rPr lang="en-US" dirty="0">
-                <a:latin typeface="Arial" panose="020B0604020202020204" pitchFamily="34" charset="0"/>
-                <a:cs typeface="Arial" panose="020B0604020202020204" pitchFamily="34" charset="0"/>
-              </a:rPr>
-              <a:t> </a:t>
-            </a:r>
-            <a:r>
-              <a:rPr lang="en-US" dirty="0" err="1">
-                <a:latin typeface="Arial" panose="020B0604020202020204" pitchFamily="34" charset="0"/>
-                <a:cs typeface="Arial" panose="020B0604020202020204" pitchFamily="34" charset="0"/>
-              </a:rPr>
-              <a:t>sai</a:t>
-            </a:r>
-            <a:r>
-              <a:rPr lang="en-US" dirty="0">
-                <a:latin typeface="Arial" panose="020B0604020202020204" pitchFamily="34" charset="0"/>
-                <a:cs typeface="Arial" panose="020B0604020202020204" pitchFamily="34" charset="0"/>
-              </a:rPr>
-              <a:t> </a:t>
-            </a:r>
-            <a:r>
-              <a:rPr lang="en-US" dirty="0" err="1">
-                <a:latin typeface="Arial" panose="020B0604020202020204" pitchFamily="34" charset="0"/>
-                <a:cs typeface="Arial" panose="020B0604020202020204" pitchFamily="34" charset="0"/>
-              </a:rPr>
-              <a:t>lớn</a:t>
-            </a:r>
-            <a:r>
-              <a:rPr lang="en-US" dirty="0">
-                <a:latin typeface="Arial" panose="020B0604020202020204" pitchFamily="34" charset="0"/>
-                <a:cs typeface="Arial" panose="020B0604020202020204" pitchFamily="34" charset="0"/>
-              </a:rPr>
-              <a:t> h</a:t>
-            </a:r>
-            <a:r>
-              <a:rPr lang="vi-VN" dirty="0">
-                <a:latin typeface="Arial" panose="020B0604020202020204" pitchFamily="34" charset="0"/>
-                <a:cs typeface="Arial" panose="020B0604020202020204" pitchFamily="34" charset="0"/>
-              </a:rPr>
-              <a:t>ơ</a:t>
-            </a:r>
-            <a:r>
-              <a:rPr lang="en-US" dirty="0">
-                <a:latin typeface="Arial" panose="020B0604020202020204" pitchFamily="34" charset="0"/>
-                <a:cs typeface="Arial" panose="020B0604020202020204" pitchFamily="34" charset="0"/>
-              </a:rPr>
-              <a:t>n </a:t>
-            </a:r>
-            <a:r>
-              <a:rPr lang="en-US" dirty="0" err="1">
-                <a:latin typeface="Arial" panose="020B0604020202020204" pitchFamily="34" charset="0"/>
-                <a:cs typeface="Arial" panose="020B0604020202020204" pitchFamily="34" charset="0"/>
-              </a:rPr>
-              <a:t>gây</a:t>
-            </a:r>
-            <a:r>
-              <a:rPr lang="en-US" dirty="0">
-                <a:latin typeface="Arial" panose="020B0604020202020204" pitchFamily="34" charset="0"/>
-                <a:cs typeface="Arial" panose="020B0604020202020204" pitchFamily="34" charset="0"/>
-              </a:rPr>
-              <a:t> </a:t>
-            </a:r>
-            <a:r>
-              <a:rPr lang="en-US" dirty="0" err="1">
-                <a:latin typeface="Arial" panose="020B0604020202020204" pitchFamily="34" charset="0"/>
-                <a:cs typeface="Arial" panose="020B0604020202020204" pitchFamily="34" charset="0"/>
-              </a:rPr>
-              <a:t>ảnh</a:t>
-            </a:r>
-            <a:r>
-              <a:rPr lang="en-US" dirty="0">
-                <a:latin typeface="Arial" panose="020B0604020202020204" pitchFamily="34" charset="0"/>
-                <a:cs typeface="Arial" panose="020B0604020202020204" pitchFamily="34" charset="0"/>
-              </a:rPr>
-              <a:t> h</a:t>
-            </a:r>
-            <a:r>
-              <a:rPr lang="vi-VN" dirty="0">
-                <a:latin typeface="Arial" panose="020B0604020202020204" pitchFamily="34" charset="0"/>
-                <a:cs typeface="Arial" panose="020B0604020202020204" pitchFamily="34" charset="0"/>
-              </a:rPr>
-              <a:t>ư</a:t>
-            </a:r>
-            <a:r>
-              <a:rPr lang="en-US" dirty="0" err="1">
-                <a:latin typeface="Arial" panose="020B0604020202020204" pitchFamily="34" charset="0"/>
-                <a:cs typeface="Arial" panose="020B0604020202020204" pitchFamily="34" charset="0"/>
-              </a:rPr>
-              <a:t>ởng</a:t>
-            </a:r>
-            <a:r>
-              <a:rPr lang="en-US" dirty="0">
-                <a:latin typeface="Arial" panose="020B0604020202020204" pitchFamily="34" charset="0"/>
-                <a:cs typeface="Arial" panose="020B0604020202020204" pitchFamily="34" charset="0"/>
-              </a:rPr>
-              <a:t> </a:t>
-            </a:r>
-            <a:r>
-              <a:rPr lang="en-US" dirty="0" err="1">
-                <a:latin typeface="Arial" panose="020B0604020202020204" pitchFamily="34" charset="0"/>
-                <a:cs typeface="Arial" panose="020B0604020202020204" pitchFamily="34" charset="0"/>
-              </a:rPr>
-              <a:t>nhiều</a:t>
-            </a:r>
-            <a:r>
-              <a:rPr lang="en-US" dirty="0">
-                <a:latin typeface="Arial" panose="020B0604020202020204" pitchFamily="34" charset="0"/>
-                <a:cs typeface="Arial" panose="020B0604020202020204" pitchFamily="34" charset="0"/>
-              </a:rPr>
-              <a:t> h</a:t>
-            </a:r>
-            <a:r>
-              <a:rPr lang="vi-VN" dirty="0">
-                <a:latin typeface="Arial" panose="020B0604020202020204" pitchFamily="34" charset="0"/>
-                <a:cs typeface="Arial" panose="020B0604020202020204" pitchFamily="34" charset="0"/>
-              </a:rPr>
-              <a:t>ơ</a:t>
-            </a:r>
-            <a:r>
-              <a:rPr lang="en-US" dirty="0">
-                <a:latin typeface="Arial" panose="020B0604020202020204" pitchFamily="34" charset="0"/>
-                <a:cs typeface="Arial" panose="020B0604020202020204" pitchFamily="34" charset="0"/>
-              </a:rPr>
-              <a:t>n).</a:t>
-            </a:r>
-            <a:r>
-              <a:rPr lang="en-US" dirty="0" err="1">
-                <a:latin typeface="Arial" panose="020B0604020202020204" pitchFamily="34" charset="0"/>
-                <a:cs typeface="Arial" panose="020B0604020202020204" pitchFamily="34" charset="0"/>
-              </a:rPr>
-              <a:t>Vì</a:t>
-            </a:r>
-            <a:r>
-              <a:rPr lang="en-US" dirty="0">
-                <a:latin typeface="Arial" panose="020B0604020202020204" pitchFamily="34" charset="0"/>
-                <a:cs typeface="Arial" panose="020B0604020202020204" pitchFamily="34" charset="0"/>
-              </a:rPr>
-              <a:t> </a:t>
-            </a:r>
-            <a:r>
-              <a:rPr lang="en-US" dirty="0" err="1">
-                <a:latin typeface="Arial" panose="020B0604020202020204" pitchFamily="34" charset="0"/>
-                <a:cs typeface="Arial" panose="020B0604020202020204" pitchFamily="34" charset="0"/>
-              </a:rPr>
-              <a:t>nó</a:t>
-            </a:r>
-            <a:r>
-              <a:rPr lang="en-US" dirty="0">
-                <a:latin typeface="Arial" panose="020B0604020202020204" pitchFamily="34" charset="0"/>
-                <a:cs typeface="Arial" panose="020B0604020202020204" pitchFamily="34" charset="0"/>
-              </a:rPr>
-              <a:t> </a:t>
-            </a:r>
-            <a:r>
-              <a:rPr lang="en-US" dirty="0" err="1">
-                <a:latin typeface="Arial" panose="020B0604020202020204" pitchFamily="34" charset="0"/>
-                <a:cs typeface="Arial" panose="020B0604020202020204" pitchFamily="34" charset="0"/>
-              </a:rPr>
-              <a:t>cũng</a:t>
-            </a:r>
-            <a:r>
-              <a:rPr lang="en-US" dirty="0">
-                <a:latin typeface="Arial" panose="020B0604020202020204" pitchFamily="34" charset="0"/>
-                <a:cs typeface="Arial" panose="020B0604020202020204" pitchFamily="34" charset="0"/>
-              </a:rPr>
-              <a:t> đ</a:t>
-            </a:r>
-            <a:r>
-              <a:rPr lang="vi-VN" dirty="0">
-                <a:latin typeface="Arial" panose="020B0604020202020204" pitchFamily="34" charset="0"/>
-                <a:cs typeface="Arial" panose="020B0604020202020204" pitchFamily="34" charset="0"/>
-              </a:rPr>
-              <a:t>ư</a:t>
-            </a:r>
-            <a:r>
-              <a:rPr lang="en-US" dirty="0" err="1">
-                <a:latin typeface="Arial" panose="020B0604020202020204" pitchFamily="34" charset="0"/>
-                <a:cs typeface="Arial" panose="020B0604020202020204" pitchFamily="34" charset="0"/>
-              </a:rPr>
-              <a:t>ợc</a:t>
-            </a:r>
-            <a:r>
-              <a:rPr lang="en-US" dirty="0">
-                <a:latin typeface="Arial" panose="020B0604020202020204" pitchFamily="34" charset="0"/>
-                <a:cs typeface="Arial" panose="020B0604020202020204" pitchFamily="34" charset="0"/>
-              </a:rPr>
-              <a:t> </a:t>
-            </a:r>
-            <a:r>
-              <a:rPr lang="en-US" dirty="0" err="1">
-                <a:latin typeface="Arial" panose="020B0604020202020204" pitchFamily="34" charset="0"/>
-                <a:cs typeface="Arial" panose="020B0604020202020204" pitchFamily="34" charset="0"/>
-              </a:rPr>
-              <a:t>dùng</a:t>
-            </a:r>
-            <a:r>
-              <a:rPr lang="en-US" dirty="0">
-                <a:latin typeface="Arial" panose="020B0604020202020204" pitchFamily="34" charset="0"/>
-                <a:cs typeface="Arial" panose="020B0604020202020204" pitchFamily="34" charset="0"/>
-              </a:rPr>
-              <a:t> </a:t>
-            </a:r>
-            <a:r>
-              <a:rPr lang="en-US" dirty="0" err="1">
-                <a:latin typeface="Arial" panose="020B0604020202020204" pitchFamily="34" charset="0"/>
-                <a:cs typeface="Arial" panose="020B0604020202020204" pitchFamily="34" charset="0"/>
-              </a:rPr>
-              <a:t>để</a:t>
-            </a:r>
-            <a:r>
-              <a:rPr lang="en-US" dirty="0">
-                <a:latin typeface="Arial" panose="020B0604020202020204" pitchFamily="34" charset="0"/>
-                <a:cs typeface="Arial" panose="020B0604020202020204" pitchFamily="34" charset="0"/>
-              </a:rPr>
-              <a:t> </a:t>
-            </a:r>
-            <a:r>
-              <a:rPr lang="en-US" dirty="0" err="1">
-                <a:latin typeface="Arial" panose="020B0604020202020204" pitchFamily="34" charset="0"/>
-                <a:cs typeface="Arial" panose="020B0604020202020204" pitchFamily="34" charset="0"/>
-              </a:rPr>
-              <a:t>dự</a:t>
-            </a:r>
-            <a:r>
-              <a:rPr lang="en-US" dirty="0">
-                <a:latin typeface="Arial" panose="020B0604020202020204" pitchFamily="34" charset="0"/>
-                <a:cs typeface="Arial" panose="020B0604020202020204" pitchFamily="34" charset="0"/>
-              </a:rPr>
-              <a:t> </a:t>
-            </a:r>
-            <a:r>
-              <a:rPr lang="en-US" dirty="0" err="1">
-                <a:latin typeface="Arial" panose="020B0604020202020204" pitchFamily="34" charset="0"/>
-                <a:cs typeface="Arial" panose="020B0604020202020204" pitchFamily="34" charset="0"/>
-              </a:rPr>
-              <a:t>đoán</a:t>
-            </a:r>
-            <a:r>
-              <a:rPr lang="en-US" dirty="0">
-                <a:latin typeface="Arial" panose="020B0604020202020204" pitchFamily="34" charset="0"/>
-                <a:cs typeface="Arial" panose="020B0604020202020204" pitchFamily="34" charset="0"/>
-              </a:rPr>
-              <a:t> </a:t>
-            </a:r>
-            <a:r>
-              <a:rPr lang="en-US" dirty="0" err="1">
-                <a:latin typeface="Arial" panose="020B0604020202020204" pitchFamily="34" charset="0"/>
-                <a:cs typeface="Arial" panose="020B0604020202020204" pitchFamily="34" charset="0"/>
-              </a:rPr>
-              <a:t>xác</a:t>
-            </a:r>
-            <a:r>
-              <a:rPr lang="en-US" dirty="0">
-                <a:latin typeface="Arial" panose="020B0604020202020204" pitchFamily="34" charset="0"/>
-                <a:cs typeface="Arial" panose="020B0604020202020204" pitchFamily="34" charset="0"/>
-              </a:rPr>
-              <a:t> </a:t>
-            </a:r>
-            <a:r>
-              <a:rPr lang="en-US" dirty="0" err="1">
-                <a:latin typeface="Arial" panose="020B0604020202020204" pitchFamily="34" charset="0"/>
-                <a:cs typeface="Arial" panose="020B0604020202020204" pitchFamily="34" charset="0"/>
-              </a:rPr>
-              <a:t>xuất</a:t>
-            </a:r>
-            <a:r>
-              <a:rPr lang="en-US" dirty="0">
-                <a:latin typeface="Arial" panose="020B0604020202020204" pitchFamily="34" charset="0"/>
-                <a:cs typeface="Arial" panose="020B0604020202020204" pitchFamily="34" charset="0"/>
-              </a:rPr>
-              <a:t> </a:t>
-            </a:r>
-            <a:r>
-              <a:rPr lang="en-US" dirty="0" err="1">
-                <a:latin typeface="Arial" panose="020B0604020202020204" pitchFamily="34" charset="0"/>
-                <a:cs typeface="Arial" panose="020B0604020202020204" pitchFamily="34" charset="0"/>
-              </a:rPr>
-              <a:t>nên</a:t>
-            </a:r>
-            <a:r>
-              <a:rPr lang="en-US" dirty="0">
-                <a:latin typeface="Arial" panose="020B0604020202020204" pitchFamily="34" charset="0"/>
-                <a:cs typeface="Arial" panose="020B0604020202020204" pitchFamily="34" charset="0"/>
-              </a:rPr>
-              <a:t> </a:t>
-            </a:r>
-            <a:r>
-              <a:rPr lang="en-US" dirty="0" err="1">
-                <a:latin typeface="Arial" panose="020B0604020202020204" pitchFamily="34" charset="0"/>
-                <a:cs typeface="Arial" panose="020B0604020202020204" pitchFamily="34" charset="0"/>
-              </a:rPr>
-              <a:t>việc</a:t>
-            </a:r>
-            <a:r>
-              <a:rPr lang="en-US" dirty="0">
-                <a:latin typeface="Arial" panose="020B0604020202020204" pitchFamily="34" charset="0"/>
-                <a:cs typeface="Arial" panose="020B0604020202020204" pitchFamily="34" charset="0"/>
-              </a:rPr>
-              <a:t> </a:t>
-            </a:r>
-            <a:r>
-              <a:rPr lang="en-US" dirty="0" err="1">
-                <a:latin typeface="Arial" panose="020B0604020202020204" pitchFamily="34" charset="0"/>
-                <a:cs typeface="Arial" panose="020B0604020202020204" pitchFamily="34" charset="0"/>
-              </a:rPr>
-              <a:t>dò</a:t>
-            </a:r>
-            <a:r>
-              <a:rPr lang="en-US" dirty="0">
-                <a:latin typeface="Arial" panose="020B0604020202020204" pitchFamily="34" charset="0"/>
-                <a:cs typeface="Arial" panose="020B0604020202020204" pitchFamily="34" charset="0"/>
-              </a:rPr>
-              <a:t> </a:t>
-            </a:r>
-            <a:r>
-              <a:rPr lang="en-US" dirty="0" err="1">
-                <a:latin typeface="Arial" panose="020B0604020202020204" pitchFamily="34" charset="0"/>
-                <a:cs typeface="Arial" panose="020B0604020202020204" pitchFamily="34" charset="0"/>
-              </a:rPr>
-              <a:t>lặp</a:t>
-            </a:r>
-            <a:r>
-              <a:rPr lang="en-US" dirty="0">
-                <a:latin typeface="Arial" panose="020B0604020202020204" pitchFamily="34" charset="0"/>
-                <a:cs typeface="Arial" panose="020B0604020202020204" pitchFamily="34" charset="0"/>
-              </a:rPr>
-              <a:t> </a:t>
-            </a:r>
-            <a:r>
-              <a:rPr lang="en-US" dirty="0" err="1">
-                <a:latin typeface="Arial" panose="020B0604020202020204" pitchFamily="34" charset="0"/>
-                <a:cs typeface="Arial" panose="020B0604020202020204" pitchFamily="34" charset="0"/>
-              </a:rPr>
-              <a:t>đi</a:t>
-            </a:r>
-            <a:r>
-              <a:rPr lang="en-US" dirty="0">
-                <a:latin typeface="Arial" panose="020B0604020202020204" pitchFamily="34" charset="0"/>
-                <a:cs typeface="Arial" panose="020B0604020202020204" pitchFamily="34" charset="0"/>
-              </a:rPr>
-              <a:t> </a:t>
-            </a:r>
-            <a:r>
-              <a:rPr lang="en-US" dirty="0" err="1">
-                <a:latin typeface="Arial" panose="020B0604020202020204" pitchFamily="34" charset="0"/>
-                <a:cs typeface="Arial" panose="020B0604020202020204" pitchFamily="34" charset="0"/>
-              </a:rPr>
-              <a:t>lặp</a:t>
-            </a:r>
-            <a:r>
-              <a:rPr lang="en-US" dirty="0">
-                <a:latin typeface="Arial" panose="020B0604020202020204" pitchFamily="34" charset="0"/>
-                <a:cs typeface="Arial" panose="020B0604020202020204" pitchFamily="34" charset="0"/>
-              </a:rPr>
-              <a:t> </a:t>
-            </a:r>
-            <a:r>
-              <a:rPr lang="en-US" dirty="0" err="1">
-                <a:latin typeface="Arial" panose="020B0604020202020204" pitchFamily="34" charset="0"/>
-                <a:cs typeface="Arial" panose="020B0604020202020204" pitchFamily="34" charset="0"/>
-              </a:rPr>
-              <a:t>lại</a:t>
-            </a:r>
-            <a:r>
-              <a:rPr lang="en-US" dirty="0">
-                <a:latin typeface="Arial" panose="020B0604020202020204" pitchFamily="34" charset="0"/>
-                <a:cs typeface="Arial" panose="020B0604020202020204" pitchFamily="34" charset="0"/>
-              </a:rPr>
-              <a:t> </a:t>
-            </a:r>
-            <a:r>
-              <a:rPr lang="en-US" dirty="0" err="1">
-                <a:latin typeface="Arial" panose="020B0604020202020204" pitchFamily="34" charset="0"/>
-                <a:cs typeface="Arial" panose="020B0604020202020204" pitchFamily="34" charset="0"/>
-              </a:rPr>
-              <a:t>từ</a:t>
-            </a:r>
-            <a:r>
-              <a:rPr lang="en-US" dirty="0">
-                <a:latin typeface="Arial" panose="020B0604020202020204" pitchFamily="34" charset="0"/>
-                <a:cs typeface="Arial" panose="020B0604020202020204" pitchFamily="34" charset="0"/>
-              </a:rPr>
-              <a:t> </a:t>
-            </a:r>
-            <a:r>
-              <a:rPr lang="en-US" dirty="0" err="1">
-                <a:latin typeface="Arial" panose="020B0604020202020204" pitchFamily="34" charset="0"/>
-                <a:cs typeface="Arial" panose="020B0604020202020204" pitchFamily="34" charset="0"/>
-              </a:rPr>
-              <a:t>dự</a:t>
-            </a:r>
-            <a:r>
-              <a:rPr lang="en-US" dirty="0">
-                <a:latin typeface="Arial" panose="020B0604020202020204" pitchFamily="34" charset="0"/>
-                <a:cs typeface="Arial" panose="020B0604020202020204" pitchFamily="34" charset="0"/>
-              </a:rPr>
-              <a:t> </a:t>
-            </a:r>
-            <a:r>
-              <a:rPr lang="en-US" dirty="0" err="1">
-                <a:latin typeface="Arial" panose="020B0604020202020204" pitchFamily="34" charset="0"/>
-                <a:cs typeface="Arial" panose="020B0604020202020204" pitchFamily="34" charset="0"/>
-              </a:rPr>
-              <a:t>đoán</a:t>
-            </a:r>
-            <a:r>
-              <a:rPr lang="en-US" dirty="0">
-                <a:latin typeface="Arial" panose="020B0604020202020204" pitchFamily="34" charset="0"/>
-                <a:cs typeface="Arial" panose="020B0604020202020204" pitchFamily="34" charset="0"/>
-              </a:rPr>
-              <a:t> </a:t>
-            </a:r>
-            <a:r>
-              <a:rPr lang="en-US" dirty="0" err="1">
-                <a:latin typeface="Arial" panose="020B0604020202020204" pitchFamily="34" charset="0"/>
-                <a:cs typeface="Arial" panose="020B0604020202020204" pitchFamily="34" charset="0"/>
-              </a:rPr>
-              <a:t>tốt</a:t>
-            </a:r>
-            <a:r>
-              <a:rPr lang="en-US" dirty="0">
-                <a:latin typeface="Arial" panose="020B0604020202020204" pitchFamily="34" charset="0"/>
-                <a:cs typeface="Arial" panose="020B0604020202020204" pitchFamily="34" charset="0"/>
-              </a:rPr>
-              <a:t> </a:t>
-            </a:r>
-            <a:r>
-              <a:rPr lang="en-US" dirty="0" err="1">
-                <a:latin typeface="Arial" panose="020B0604020202020204" pitchFamily="34" charset="0"/>
-                <a:cs typeface="Arial" panose="020B0604020202020204" pitchFamily="34" charset="0"/>
-              </a:rPr>
-              <a:t>nhất</a:t>
-            </a:r>
-            <a:r>
-              <a:rPr lang="en-US" dirty="0">
-                <a:latin typeface="Arial" panose="020B0604020202020204" pitchFamily="34" charset="0"/>
-                <a:cs typeface="Arial" panose="020B0604020202020204" pitchFamily="34" charset="0"/>
-              </a:rPr>
-              <a:t> </a:t>
-            </a:r>
-            <a:r>
-              <a:rPr lang="en-US" dirty="0" err="1">
-                <a:latin typeface="Arial" panose="020B0604020202020204" pitchFamily="34" charset="0"/>
-                <a:cs typeface="Arial" panose="020B0604020202020204" pitchFamily="34" charset="0"/>
-              </a:rPr>
-              <a:t>cho</a:t>
-            </a:r>
-            <a:r>
-              <a:rPr lang="en-US" dirty="0">
-                <a:latin typeface="Arial" panose="020B0604020202020204" pitchFamily="34" charset="0"/>
-                <a:cs typeface="Arial" panose="020B0604020202020204" pitchFamily="34" charset="0"/>
-              </a:rPr>
-              <a:t> </a:t>
-            </a:r>
-            <a:r>
-              <a:rPr lang="en-US" dirty="0" err="1">
-                <a:latin typeface="Arial" panose="020B0604020202020204" pitchFamily="34" charset="0"/>
-                <a:cs typeface="Arial" panose="020B0604020202020204" pitchFamily="34" charset="0"/>
-              </a:rPr>
-              <a:t>tới</a:t>
-            </a:r>
-            <a:r>
-              <a:rPr lang="en-US" dirty="0">
-                <a:latin typeface="Arial" panose="020B0604020202020204" pitchFamily="34" charset="0"/>
-                <a:cs typeface="Arial" panose="020B0604020202020204" pitchFamily="34" charset="0"/>
-              </a:rPr>
-              <a:t> </a:t>
-            </a:r>
-            <a:r>
-              <a:rPr lang="en-US" dirty="0" err="1">
-                <a:latin typeface="Arial" panose="020B0604020202020204" pitchFamily="34" charset="0"/>
-                <a:cs typeface="Arial" panose="020B0604020202020204" pitchFamily="34" charset="0"/>
-              </a:rPr>
-              <a:t>tốt</a:t>
-            </a:r>
-            <a:r>
-              <a:rPr lang="en-US" dirty="0">
-                <a:latin typeface="Arial" panose="020B0604020202020204" pitchFamily="34" charset="0"/>
-                <a:cs typeface="Arial" panose="020B0604020202020204" pitchFamily="34" charset="0"/>
-              </a:rPr>
-              <a:t> </a:t>
-            </a:r>
-            <a:r>
-              <a:rPr lang="en-US" dirty="0" err="1">
-                <a:latin typeface="Arial" panose="020B0604020202020204" pitchFamily="34" charset="0"/>
-                <a:cs typeface="Arial" panose="020B0604020202020204" pitchFamily="34" charset="0"/>
-              </a:rPr>
-              <a:t>thứ</a:t>
-            </a:r>
-            <a:r>
-              <a:rPr lang="en-US" dirty="0">
-                <a:latin typeface="Arial" panose="020B0604020202020204" pitchFamily="34" charset="0"/>
-                <a:cs typeface="Arial" panose="020B0604020202020204" pitchFamily="34" charset="0"/>
-              </a:rPr>
-              <a:t> </a:t>
-            </a:r>
-            <a:r>
-              <a:rPr lang="en-US" dirty="0" err="1">
-                <a:latin typeface="Arial" panose="020B0604020202020204" pitchFamily="34" charset="0"/>
-                <a:cs typeface="Arial" panose="020B0604020202020204" pitchFamily="34" charset="0"/>
-              </a:rPr>
-              <a:t>hai</a:t>
-            </a:r>
-            <a:r>
-              <a:rPr lang="en-US" dirty="0">
-                <a:latin typeface="Arial" panose="020B0604020202020204" pitchFamily="34" charset="0"/>
-                <a:cs typeface="Arial" panose="020B0604020202020204" pitchFamily="34" charset="0"/>
-              </a:rPr>
-              <a:t> qua </a:t>
-            </a:r>
-            <a:r>
-              <a:rPr lang="en-US" dirty="0" err="1">
-                <a:latin typeface="Arial" panose="020B0604020202020204" pitchFamily="34" charset="0"/>
-                <a:cs typeface="Arial" panose="020B0604020202020204" pitchFamily="34" charset="0"/>
-              </a:rPr>
-              <a:t>một</a:t>
-            </a:r>
-            <a:r>
-              <a:rPr lang="en-US" dirty="0">
-                <a:latin typeface="Arial" panose="020B0604020202020204" pitchFamily="34" charset="0"/>
-                <a:cs typeface="Arial" panose="020B0604020202020204" pitchFamily="34" charset="0"/>
-              </a:rPr>
-              <a:t> </a:t>
-            </a:r>
-            <a:r>
-              <a:rPr lang="en-US" dirty="0" err="1">
-                <a:latin typeface="Arial" panose="020B0604020202020204" pitchFamily="34" charset="0"/>
-                <a:cs typeface="Arial" panose="020B0604020202020204" pitchFamily="34" charset="0"/>
-              </a:rPr>
-              <a:t>giới</a:t>
-            </a:r>
-            <a:r>
-              <a:rPr lang="en-US" dirty="0">
-                <a:latin typeface="Arial" panose="020B0604020202020204" pitchFamily="34" charset="0"/>
-                <a:cs typeface="Arial" panose="020B0604020202020204" pitchFamily="34" charset="0"/>
-              </a:rPr>
-              <a:t> </a:t>
-            </a:r>
-            <a:r>
-              <a:rPr lang="en-US" dirty="0" err="1">
-                <a:latin typeface="Arial" panose="020B0604020202020204" pitchFamily="34" charset="0"/>
-                <a:cs typeface="Arial" panose="020B0604020202020204" pitchFamily="34" charset="0"/>
-              </a:rPr>
-              <a:t>hạn</a:t>
-            </a:r>
-            <a:r>
-              <a:rPr lang="en-US" dirty="0">
-                <a:latin typeface="Arial" panose="020B0604020202020204" pitchFamily="34" charset="0"/>
-                <a:cs typeface="Arial" panose="020B0604020202020204" pitchFamily="34" charset="0"/>
-              </a:rPr>
-              <a:t> </a:t>
-            </a:r>
-            <a:r>
-              <a:rPr lang="en-US" dirty="0" err="1">
-                <a:latin typeface="Arial" panose="020B0604020202020204" pitchFamily="34" charset="0"/>
-                <a:cs typeface="Arial" panose="020B0604020202020204" pitchFamily="34" charset="0"/>
-              </a:rPr>
-              <a:t>nhất</a:t>
-            </a:r>
-            <a:r>
-              <a:rPr lang="en-US" dirty="0">
-                <a:latin typeface="Arial" panose="020B0604020202020204" pitchFamily="34" charset="0"/>
-                <a:cs typeface="Arial" panose="020B0604020202020204" pitchFamily="34" charset="0"/>
-              </a:rPr>
-              <a:t> </a:t>
-            </a:r>
-            <a:r>
-              <a:rPr lang="en-US" dirty="0" err="1">
-                <a:latin typeface="Arial" panose="020B0604020202020204" pitchFamily="34" charset="0"/>
-                <a:cs typeface="Arial" panose="020B0604020202020204" pitchFamily="34" charset="0"/>
-              </a:rPr>
-              <a:t>định</a:t>
-            </a:r>
-            <a:r>
-              <a:rPr lang="en-US" dirty="0">
-                <a:latin typeface="Arial" panose="020B0604020202020204" pitchFamily="34" charset="0"/>
-                <a:cs typeface="Arial" panose="020B0604020202020204" pitchFamily="34" charset="0"/>
-              </a:rPr>
-              <a:t> </a:t>
-            </a:r>
-            <a:r>
-              <a:rPr lang="en-US" dirty="0" err="1">
-                <a:latin typeface="Arial" panose="020B0604020202020204" pitchFamily="34" charset="0"/>
-                <a:cs typeface="Arial" panose="020B0604020202020204" pitchFamily="34" charset="0"/>
-              </a:rPr>
-              <a:t>cho</a:t>
-            </a:r>
-            <a:r>
-              <a:rPr lang="en-US" dirty="0">
-                <a:latin typeface="Arial" panose="020B0604020202020204" pitchFamily="34" charset="0"/>
-                <a:cs typeface="Arial" panose="020B0604020202020204" pitchFamily="34" charset="0"/>
-              </a:rPr>
-              <a:t> </a:t>
-            </a:r>
-            <a:r>
-              <a:rPr lang="en-US" dirty="0" err="1">
-                <a:latin typeface="Arial" panose="020B0604020202020204" pitchFamily="34" charset="0"/>
-                <a:cs typeface="Arial" panose="020B0604020202020204" pitchFamily="34" charset="0"/>
-              </a:rPr>
-              <a:t>phép</a:t>
-            </a:r>
-            <a:r>
-              <a:rPr lang="en-US" dirty="0">
-                <a:latin typeface="Arial" panose="020B0604020202020204" pitchFamily="34" charset="0"/>
-                <a:cs typeface="Arial" panose="020B0604020202020204" pitchFamily="34" charset="0"/>
-              </a:rPr>
-              <a:t> </a:t>
-            </a:r>
-            <a:r>
-              <a:rPr lang="en-US" dirty="0" err="1">
-                <a:latin typeface="Arial" panose="020B0604020202020204" pitchFamily="34" charset="0"/>
-                <a:cs typeface="Arial" panose="020B0604020202020204" pitchFamily="34" charset="0"/>
-              </a:rPr>
-              <a:t>việc</a:t>
-            </a:r>
-            <a:r>
-              <a:rPr lang="en-US" dirty="0">
-                <a:latin typeface="Arial" panose="020B0604020202020204" pitchFamily="34" charset="0"/>
-                <a:cs typeface="Arial" panose="020B0604020202020204" pitchFamily="34" charset="0"/>
-              </a:rPr>
-              <a:t> </a:t>
-            </a:r>
-            <a:r>
-              <a:rPr lang="en-US" dirty="0" err="1">
-                <a:latin typeface="Arial" panose="020B0604020202020204" pitchFamily="34" charset="0"/>
-                <a:cs typeface="Arial" panose="020B0604020202020204" pitchFamily="34" charset="0"/>
-              </a:rPr>
-              <a:t>phối</a:t>
-            </a:r>
-            <a:r>
-              <a:rPr lang="en-US" dirty="0">
-                <a:latin typeface="Arial" panose="020B0604020202020204" pitchFamily="34" charset="0"/>
-                <a:cs typeface="Arial" panose="020B0604020202020204" pitchFamily="34" charset="0"/>
-              </a:rPr>
-              <a:t> </a:t>
-            </a:r>
-            <a:r>
-              <a:rPr lang="en-US" dirty="0" err="1">
-                <a:latin typeface="Arial" panose="020B0604020202020204" pitchFamily="34" charset="0"/>
-                <a:cs typeface="Arial" panose="020B0604020202020204" pitchFamily="34" charset="0"/>
-              </a:rPr>
-              <a:t>màu</a:t>
-            </a:r>
-            <a:r>
-              <a:rPr lang="en-US" dirty="0">
-                <a:latin typeface="Arial" panose="020B0604020202020204" pitchFamily="34" charset="0"/>
-                <a:cs typeface="Arial" panose="020B0604020202020204" pitchFamily="34" charset="0"/>
-              </a:rPr>
-              <a:t> đ</a:t>
-            </a:r>
-            <a:r>
-              <a:rPr lang="vi-VN" dirty="0">
-                <a:latin typeface="Arial" panose="020B0604020202020204" pitchFamily="34" charset="0"/>
-                <a:cs typeface="Arial" panose="020B0604020202020204" pitchFamily="34" charset="0"/>
-              </a:rPr>
-              <a:t>ơ</a:t>
-            </a:r>
-            <a:r>
-              <a:rPr lang="en-US" dirty="0">
-                <a:latin typeface="Arial" panose="020B0604020202020204" pitchFamily="34" charset="0"/>
-                <a:cs typeface="Arial" panose="020B0604020202020204" pitchFamily="34" charset="0"/>
-              </a:rPr>
-              <a:t>n </a:t>
-            </a:r>
-            <a:r>
-              <a:rPr lang="en-US" dirty="0" err="1">
-                <a:latin typeface="Arial" panose="020B0604020202020204" pitchFamily="34" charset="0"/>
-                <a:cs typeface="Arial" panose="020B0604020202020204" pitchFamily="34" charset="0"/>
-              </a:rPr>
-              <a:t>giản</a:t>
-            </a:r>
-            <a:r>
-              <a:rPr lang="en-US" dirty="0">
-                <a:latin typeface="Arial" panose="020B0604020202020204" pitchFamily="34" charset="0"/>
-                <a:cs typeface="Arial" panose="020B0604020202020204" pitchFamily="34" charset="0"/>
-              </a:rPr>
-              <a:t> </a:t>
-            </a:r>
-            <a:r>
-              <a:rPr lang="en-US" dirty="0" err="1">
-                <a:latin typeface="Arial" panose="020B0604020202020204" pitchFamily="34" charset="0"/>
-                <a:cs typeface="Arial" panose="020B0604020202020204" pitchFamily="34" charset="0"/>
-              </a:rPr>
-              <a:t>xảy</a:t>
-            </a:r>
-            <a:r>
-              <a:rPr lang="en-US" dirty="0">
-                <a:latin typeface="Arial" panose="020B0604020202020204" pitchFamily="34" charset="0"/>
-                <a:cs typeface="Arial" panose="020B0604020202020204" pitchFamily="34" charset="0"/>
-              </a:rPr>
-              <a:t> ra. Phân phối Dirichlet cũng sẽ ít chú trọng vào các cụm không cần thiết.</a:t>
-            </a:r>
-          </a:p>
-        </p:txBody>
-      </p:sp>
-      <p:sp>
-        <p:nvSpPr>
-          <p:cNvPr id="28" name="TextBox 27">
+            <a:pPr algn="ctr"/>
+            <a:endParaRPr lang="en-US"/>
+          </a:p>
+        </p:txBody>
+      </p:sp>
+      <p:sp>
+        <p:nvSpPr>
+          <p:cNvPr id="61" name="Rectangle 60">
             <a:extLst>
               <a:ext uri="{FF2B5EF4-FFF2-40B4-BE49-F238E27FC236}">
-                <a16:creationId xmlns:a16="http://schemas.microsoft.com/office/drawing/2014/main" id="{947A72C2-A7D6-4F48-AC53-C6F7BCFD9B23}"/>
+                <a16:creationId xmlns:a16="http://schemas.microsoft.com/office/drawing/2014/main" id="{D6AC5806-93A2-4242-83FE-38515368AED6}"/>
               </a:ext>
             </a:extLst>
           </p:cNvPr>
-          <p:cNvSpPr txBox="1"/>
+          <p:cNvSpPr/>
           <p:nvPr/>
         </p:nvSpPr>
         <p:spPr>
           <a:xfrm>
-            <a:off x="6719992" y="8630323"/>
-            <a:ext cx="7988300" cy="369332"/>
+            <a:off x="11983043" y="9326168"/>
+            <a:ext cx="219965" cy="219965"/>
           </a:xfrm>
           <a:prstGeom prst="rect">
             <a:avLst/>
           </a:prstGeom>
-          <a:noFill/>
+          <a:solidFill>
+            <a:srgbClr val="C89080"/>
+          </a:solidFill>
         </p:spPr>
-        <p:txBody>
-          <a:bodyPr wrap="square" rtlCol="0">
-            <a:spAutoFit/>
-          </a:bodyPr>
+        <p:style>
+          <a:lnRef idx="2">
+            <a:schemeClr val="accent1">
+              <a:shade val="50000"/>
+            </a:schemeClr>
+          </a:lnRef>
+          <a:fillRef idx="1">
+            <a:schemeClr val="accent1"/>
+          </a:fillRef>
+          <a:effectRef idx="0">
+            <a:schemeClr val="accent1"/>
+          </a:effectRef>
+          <a:fontRef idx="minor">
+            <a:schemeClr val="lt1"/>
+          </a:fontRef>
+        </p:style>
+        <p:txBody>
+          <a:bodyPr rtlCol="0" anchor="ctr"/>
           <a:lstStyle/>
           <a:p>
-            <a:pPr algn="just"/>
-            <a:endParaRPr lang="en-US" dirty="0">
-              <a:latin typeface="Arial" panose="020B0604020202020204" pitchFamily="34" charset="0"/>
-              <a:cs typeface="Arial" panose="020B0604020202020204" pitchFamily="34" charset="0"/>
-            </a:endParaRPr>
-          </a:p>
-        </p:txBody>
-      </p:sp>
-      <p:sp>
-        <p:nvSpPr>
-          <p:cNvPr id="29" name="TextBox 28">
+            <a:pPr algn="ctr"/>
+            <a:endParaRPr lang="en-US"/>
+          </a:p>
+        </p:txBody>
+      </p:sp>
+      <p:sp>
+        <p:nvSpPr>
+          <p:cNvPr id="62" name="Rectangle 61">
             <a:extLst>
               <a:ext uri="{FF2B5EF4-FFF2-40B4-BE49-F238E27FC236}">
-                <a16:creationId xmlns:a16="http://schemas.microsoft.com/office/drawing/2014/main" id="{8BB5C575-A3D3-4F33-839E-2E831F6B592E}"/>
+                <a16:creationId xmlns:a16="http://schemas.microsoft.com/office/drawing/2014/main" id="{F1C06497-1A02-49ED-8A54-660324DEF928}"/>
               </a:ext>
             </a:extLst>
           </p:cNvPr>
-          <p:cNvSpPr txBox="1"/>
+          <p:cNvSpPr/>
           <p:nvPr/>
         </p:nvSpPr>
         <p:spPr>
           <a:xfrm>
-            <a:off x="6654800" y="8564474"/>
-            <a:ext cx="7988300" cy="2031325"/>
+            <a:off x="11983043" y="9546780"/>
+            <a:ext cx="219965" cy="219965"/>
           </a:xfrm>
           <a:prstGeom prst="rect">
             <a:avLst/>
           </a:prstGeom>
-          <a:noFill/>
+          <a:solidFill>
+            <a:srgbClr val="A86058"/>
+          </a:solidFill>
         </p:spPr>
-        <p:txBody>
-          <a:bodyPr wrap="square" rtlCol="0">
-            <a:spAutoFit/>
-          </a:bodyPr>
+        <p:style>
+          <a:lnRef idx="2">
+            <a:schemeClr val="accent1">
+              <a:shade val="50000"/>
+            </a:schemeClr>
+          </a:lnRef>
+          <a:fillRef idx="1">
+            <a:schemeClr val="accent1"/>
+          </a:fillRef>
+          <a:effectRef idx="0">
+            <a:schemeClr val="accent1"/>
+          </a:effectRef>
+          <a:fontRef idx="minor">
+            <a:schemeClr val="lt1"/>
+          </a:fontRef>
+        </p:style>
+        <p:txBody>
+          <a:bodyPr rtlCol="0" anchor="ctr"/>
           <a:lstStyle/>
           <a:p>
-            <a:pPr algn="just"/>
-            <a:r>
-              <a:rPr lang="en-US" dirty="0">
-                <a:latin typeface="Arial" panose="020B0604020202020204" pitchFamily="34" charset="0"/>
-                <a:cs typeface="Arial" panose="020B0604020202020204" pitchFamily="34" charset="0"/>
-              </a:rPr>
-              <a:t>Insert </a:t>
-            </a:r>
-            <a:r>
-              <a:rPr lang="en-US" dirty="0" err="1">
-                <a:latin typeface="Arial" panose="020B0604020202020204" pitchFamily="34" charset="0"/>
-                <a:cs typeface="Arial" panose="020B0604020202020204" pitchFamily="34" charset="0"/>
-              </a:rPr>
-              <a:t>img</a:t>
-            </a:r>
-            <a:r>
-              <a:rPr lang="en-US" dirty="0">
-                <a:latin typeface="Arial" panose="020B0604020202020204" pitchFamily="34" charset="0"/>
-                <a:cs typeface="Arial" panose="020B0604020202020204" pitchFamily="34" charset="0"/>
-              </a:rPr>
-              <a:t>-testing</a:t>
-            </a:r>
-          </a:p>
-          <a:p>
-            <a:pPr algn="just"/>
-            <a:endParaRPr lang="en-US" dirty="0">
-              <a:latin typeface="Arial" panose="020B0604020202020204" pitchFamily="34" charset="0"/>
-              <a:cs typeface="Arial" panose="020B0604020202020204" pitchFamily="34" charset="0"/>
-            </a:endParaRPr>
-          </a:p>
-          <a:p>
-            <a:pPr algn="just"/>
-            <a:r>
-              <a:rPr lang="en-US" dirty="0">
-                <a:latin typeface="Arial" panose="020B0604020202020204" pitchFamily="34" charset="0"/>
-                <a:cs typeface="Arial" panose="020B0604020202020204" pitchFamily="34" charset="0"/>
-              </a:rPr>
-              <a:t>Đây là kết quả thử nghiệm khi thay đổi factor ở 3 số khác nhau.</a:t>
-            </a:r>
-          </a:p>
-          <a:p>
-            <a:pPr algn="just"/>
-            <a:endParaRPr lang="en-US" dirty="0">
-              <a:latin typeface="Arial" panose="020B0604020202020204" pitchFamily="34" charset="0"/>
-              <a:cs typeface="Arial" panose="020B0604020202020204" pitchFamily="34" charset="0"/>
-            </a:endParaRPr>
-          </a:p>
-          <a:p>
-            <a:pPr algn="just"/>
-            <a:r>
-              <a:rPr lang="en-US" dirty="0">
-                <a:latin typeface="Arial" panose="020B0604020202020204" pitchFamily="34" charset="0"/>
-                <a:cs typeface="Arial" panose="020B0604020202020204" pitchFamily="34" charset="0"/>
-              </a:rPr>
-              <a:t>Chạy thử trên demo của nhóm, đính kèm link </a:t>
-            </a:r>
-            <a:r>
-              <a:rPr lang="en-US" dirty="0" err="1">
-                <a:latin typeface="Arial" panose="020B0604020202020204" pitchFamily="34" charset="0"/>
-                <a:cs typeface="Arial" panose="020B0604020202020204" pitchFamily="34" charset="0"/>
-              </a:rPr>
-              <a:t>github</a:t>
-            </a:r>
-            <a:r>
-              <a:rPr lang="en-US" dirty="0">
-                <a:latin typeface="Arial" panose="020B0604020202020204" pitchFamily="34" charset="0"/>
-                <a:cs typeface="Arial" panose="020B0604020202020204" pitchFamily="34" charset="0"/>
-              </a:rPr>
-              <a:t> ở d</a:t>
-            </a:r>
-            <a:r>
-              <a:rPr lang="vi-VN" dirty="0" err="1">
-                <a:latin typeface="Arial" panose="020B0604020202020204" pitchFamily="34" charset="0"/>
-                <a:cs typeface="Arial" panose="020B0604020202020204" pitchFamily="34" charset="0"/>
-              </a:rPr>
-              <a:t>ưới</a:t>
-            </a:r>
-            <a:r>
-              <a:rPr lang="vi-VN" dirty="0">
-                <a:latin typeface="Arial" panose="020B0604020202020204" pitchFamily="34" charset="0"/>
-                <a:cs typeface="Arial" panose="020B0604020202020204" pitchFamily="34" charset="0"/>
-              </a:rPr>
-              <a:t>:</a:t>
-            </a:r>
-          </a:p>
-          <a:p>
-            <a:pPr algn="just"/>
-            <a:endParaRPr lang="vi-VN" dirty="0">
-              <a:latin typeface="Arial" panose="020B0604020202020204" pitchFamily="34" charset="0"/>
-              <a:cs typeface="Arial" panose="020B0604020202020204" pitchFamily="34" charset="0"/>
-            </a:endParaRPr>
-          </a:p>
-          <a:p>
-            <a:pPr algn="just"/>
-            <a:r>
-              <a:rPr lang="en-US" dirty="0">
-                <a:latin typeface="Arial" panose="020B0604020202020204" pitchFamily="34" charset="0"/>
-                <a:cs typeface="Arial" panose="020B0604020202020204" pitchFamily="34" charset="0"/>
-              </a:rPr>
-              <a:t>https://github.com/truongduchainguyen/Pixelate-Me</a:t>
-            </a:r>
-          </a:p>
-        </p:txBody>
-      </p:sp>
-      <p:sp>
-        <p:nvSpPr>
-          <p:cNvPr id="32" name="TextBox 31">
+            <a:pPr algn="ctr"/>
+            <a:endParaRPr lang="en-US"/>
+          </a:p>
+        </p:txBody>
+      </p:sp>
+      <p:sp>
+        <p:nvSpPr>
+          <p:cNvPr id="63" name="Rectangle 62">
             <a:extLst>
               <a:ext uri="{FF2B5EF4-FFF2-40B4-BE49-F238E27FC236}">
-                <a16:creationId xmlns:a16="http://schemas.microsoft.com/office/drawing/2014/main" id="{5DADB8DC-8BEB-440F-A08F-02F2FDE29901}"/>
+                <a16:creationId xmlns:a16="http://schemas.microsoft.com/office/drawing/2014/main" id="{111EC0E8-DDF4-4E00-B950-9EEEE0ACB6D5}"/>
               </a:ext>
             </a:extLst>
           </p:cNvPr>
-          <p:cNvSpPr txBox="1"/>
+          <p:cNvSpPr/>
           <p:nvPr/>
         </p:nvSpPr>
         <p:spPr>
           <a:xfrm>
-            <a:off x="6654800" y="13886689"/>
-            <a:ext cx="7988300" cy="2862322"/>
+            <a:off x="11983043" y="9767392"/>
+            <a:ext cx="219965" cy="219965"/>
           </a:xfrm>
           <a:prstGeom prst="rect">
             <a:avLst/>
           </a:prstGeom>
-          <a:noFill/>
+          <a:solidFill>
+            <a:srgbClr val="C5C3C1"/>
+          </a:solidFill>
         </p:spPr>
-        <p:txBody>
-          <a:bodyPr wrap="square" rtlCol="0">
-            <a:spAutoFit/>
-          </a:bodyPr>
+        <p:style>
+          <a:lnRef idx="2">
+            <a:schemeClr val="accent1">
+              <a:shade val="50000"/>
+            </a:schemeClr>
+          </a:lnRef>
+          <a:fillRef idx="1">
+            <a:schemeClr val="accent1"/>
+          </a:fillRef>
+          <a:effectRef idx="0">
+            <a:schemeClr val="accent1"/>
+          </a:effectRef>
+          <a:fontRef idx="minor">
+            <a:schemeClr val="lt1"/>
+          </a:fontRef>
+        </p:style>
+        <p:txBody>
+          <a:bodyPr rtlCol="0" anchor="ctr"/>
           <a:lstStyle/>
           <a:p>
-            <a:pPr algn="just"/>
-            <a:r>
-              <a:rPr lang="en-US" dirty="0">
-                <a:latin typeface="Arial" panose="020B0604020202020204" pitchFamily="34" charset="0"/>
-                <a:cs typeface="Arial" panose="020B0604020202020204" pitchFamily="34" charset="0"/>
-              </a:rPr>
-              <a:t>Bằng việc sử dụng </a:t>
-            </a:r>
-            <a:r>
-              <a:rPr lang="en-US" dirty="0" err="1">
-                <a:latin typeface="Arial" panose="020B0604020202020204" pitchFamily="34" charset="0"/>
-                <a:cs typeface="Arial" panose="020B0604020202020204" pitchFamily="34" charset="0"/>
-              </a:rPr>
-              <a:t>ph</a:t>
-            </a:r>
-            <a:r>
-              <a:rPr lang="vi-VN" dirty="0">
-                <a:latin typeface="Arial" panose="020B0604020202020204" pitchFamily="34" charset="0"/>
-                <a:cs typeface="Arial" panose="020B0604020202020204" pitchFamily="34" charset="0"/>
-              </a:rPr>
-              <a:t>ương pháp đã đề cập ở trên, về cơ bản đã hoàn thành được mục tiêu nhóm đề ra  ban đầu, đó là điểm ảnh hóa một ảnh bất kỳ bằng cách đổi màu của các nhóm điểm ảnh thành màu có cường độ giảm đi cùng với đó là </a:t>
-            </a:r>
-            <a:r>
-              <a:rPr lang="vi-VN" dirty="0" err="1">
-                <a:latin typeface="Arial" panose="020B0604020202020204" pitchFamily="34" charset="0"/>
-                <a:cs typeface="Arial" panose="020B0604020202020204" pitchFamily="34" charset="0"/>
-              </a:rPr>
-              <a:t>downsampling</a:t>
-            </a:r>
-            <a:r>
-              <a:rPr lang="vi-VN" dirty="0">
-                <a:latin typeface="Arial" panose="020B0604020202020204" pitchFamily="34" charset="0"/>
-                <a:cs typeface="Arial" panose="020B0604020202020204" pitchFamily="34" charset="0"/>
-              </a:rPr>
-              <a:t> các vùng ảnh bằng những tính toán dựa vào độ lớn và hướng </a:t>
-            </a:r>
-            <a:r>
-              <a:rPr lang="vi-VN" dirty="0" err="1">
-                <a:latin typeface="Arial" panose="020B0604020202020204" pitchFamily="34" charset="0"/>
-                <a:cs typeface="Arial" panose="020B0604020202020204" pitchFamily="34" charset="0"/>
-              </a:rPr>
-              <a:t>gradient</a:t>
-            </a:r>
-            <a:r>
-              <a:rPr lang="vi-VN" dirty="0">
-                <a:latin typeface="Arial" panose="020B0604020202020204" pitchFamily="34" charset="0"/>
-                <a:cs typeface="Arial" panose="020B0604020202020204" pitchFamily="34" charset="0"/>
-              </a:rPr>
-              <a:t> của những vùng đó.</a:t>
-            </a:r>
-          </a:p>
-          <a:p>
-            <a:pPr algn="just"/>
-            <a:endParaRPr lang="vi-VN" dirty="0">
-              <a:latin typeface="Arial" panose="020B0604020202020204" pitchFamily="34" charset="0"/>
-              <a:cs typeface="Arial" panose="020B0604020202020204" pitchFamily="34" charset="0"/>
-            </a:endParaRPr>
-          </a:p>
-          <a:p>
-            <a:pPr algn="just"/>
-            <a:r>
-              <a:rPr lang="vi-VN" dirty="0">
-                <a:latin typeface="Arial" panose="020B0604020202020204" pitchFamily="34" charset="0"/>
-                <a:cs typeface="Arial" panose="020B0604020202020204" pitchFamily="34" charset="0"/>
-              </a:rPr>
-              <a:t>Mục tiêu tiếp theo nhóm hướng tới chính là điểm ảnh hóa </a:t>
-            </a:r>
-            <a:r>
-              <a:rPr lang="vi-VN" dirty="0" err="1">
-                <a:latin typeface="Arial" panose="020B0604020202020204" pitchFamily="34" charset="0"/>
-                <a:cs typeface="Arial" panose="020B0604020202020204" pitchFamily="34" charset="0"/>
-              </a:rPr>
-              <a:t>video</a:t>
-            </a:r>
-            <a:r>
-              <a:rPr lang="vi-VN" dirty="0">
-                <a:latin typeface="Arial" panose="020B0604020202020204" pitchFamily="34" charset="0"/>
-                <a:cs typeface="Arial" panose="020B0604020202020204" pitchFamily="34" charset="0"/>
-              </a:rPr>
-              <a:t> hay xa hơn là xử lý thời gian thực thông qua việc điểm ảnh hóa </a:t>
-            </a:r>
-            <a:r>
-              <a:rPr lang="vi-VN" dirty="0" err="1">
-                <a:latin typeface="Arial" panose="020B0604020202020204" pitchFamily="34" charset="0"/>
-                <a:cs typeface="Arial" panose="020B0604020202020204" pitchFamily="34" charset="0"/>
-              </a:rPr>
-              <a:t>video</a:t>
-            </a:r>
-            <a:r>
-              <a:rPr lang="vi-VN" dirty="0">
-                <a:latin typeface="Arial" panose="020B0604020202020204" pitchFamily="34" charset="0"/>
-                <a:cs typeface="Arial" panose="020B0604020202020204" pitchFamily="34" charset="0"/>
-              </a:rPr>
-              <a:t> </a:t>
-            </a:r>
-            <a:r>
-              <a:rPr lang="vi-VN" dirty="0" err="1">
-                <a:latin typeface="Arial" panose="020B0604020202020204" pitchFamily="34" charset="0"/>
-                <a:cs typeface="Arial" panose="020B0604020202020204" pitchFamily="34" charset="0"/>
-              </a:rPr>
-              <a:t>livestream</a:t>
-            </a:r>
-            <a:r>
-              <a:rPr lang="vi-VN" dirty="0">
-                <a:latin typeface="Arial" panose="020B0604020202020204" pitchFamily="34" charset="0"/>
-                <a:cs typeface="Arial" panose="020B0604020202020204" pitchFamily="34" charset="0"/>
-              </a:rPr>
-              <a:t> nhằm tiếp tục đề tài cũng như là thỏa lòng đam mê của nhóm dành cho nghệ thuật điểm ảnh</a:t>
-            </a:r>
-            <a:endParaRPr lang="en-US" dirty="0">
-              <a:latin typeface="Arial" panose="020B0604020202020204" pitchFamily="34" charset="0"/>
-              <a:cs typeface="Arial" panose="020B0604020202020204" pitchFamily="34" charset="0"/>
-            </a:endParaRPr>
+            <a:pPr algn="ctr"/>
+            <a:endParaRPr lang="en-US"/>
+          </a:p>
+        </p:txBody>
+      </p:sp>
+      <p:sp>
+        <p:nvSpPr>
+          <p:cNvPr id="64" name="Rectangle 63">
+            <a:extLst>
+              <a:ext uri="{FF2B5EF4-FFF2-40B4-BE49-F238E27FC236}">
+                <a16:creationId xmlns:a16="http://schemas.microsoft.com/office/drawing/2014/main" id="{AC0FBF60-EF1A-4687-A274-9F83952419B7}"/>
+              </a:ext>
+            </a:extLst>
+          </p:cNvPr>
+          <p:cNvSpPr/>
+          <p:nvPr/>
+        </p:nvSpPr>
+        <p:spPr>
+          <a:xfrm>
+            <a:off x="11983043" y="9988004"/>
+            <a:ext cx="219965" cy="219965"/>
+          </a:xfrm>
+          <a:prstGeom prst="rect">
+            <a:avLst/>
+          </a:prstGeom>
+          <a:solidFill>
+            <a:srgbClr val="A8A098"/>
+          </a:solidFill>
+        </p:spPr>
+        <p:style>
+          <a:lnRef idx="2">
+            <a:schemeClr val="accent1">
+              <a:shade val="50000"/>
+            </a:schemeClr>
+          </a:lnRef>
+          <a:fillRef idx="1">
+            <a:schemeClr val="accent1"/>
+          </a:fillRef>
+          <a:effectRef idx="0">
+            <a:schemeClr val="accent1"/>
+          </a:effectRef>
+          <a:fontRef idx="minor">
+            <a:schemeClr val="lt1"/>
+          </a:fontRef>
+        </p:style>
+        <p:txBody>
+          <a:bodyPr rtlCol="0" anchor="ctr"/>
+          <a:lstStyle/>
+          <a:p>
+            <a:pPr algn="ctr"/>
+            <a:endParaRPr lang="en-US"/>
+          </a:p>
+        </p:txBody>
+      </p:sp>
+      <p:sp>
+        <p:nvSpPr>
+          <p:cNvPr id="65" name="Rectangle 64">
+            <a:extLst>
+              <a:ext uri="{FF2B5EF4-FFF2-40B4-BE49-F238E27FC236}">
+                <a16:creationId xmlns:a16="http://schemas.microsoft.com/office/drawing/2014/main" id="{AEB49EC0-FF94-4D34-A4B2-BF5458FDB4FE}"/>
+              </a:ext>
+            </a:extLst>
+          </p:cNvPr>
+          <p:cNvSpPr/>
+          <p:nvPr/>
+        </p:nvSpPr>
+        <p:spPr>
+          <a:xfrm>
+            <a:off x="11983043" y="10208616"/>
+            <a:ext cx="219965" cy="219965"/>
+          </a:xfrm>
+          <a:prstGeom prst="rect">
+            <a:avLst/>
+          </a:prstGeom>
+          <a:solidFill>
+            <a:srgbClr val="704840"/>
+          </a:solidFill>
+        </p:spPr>
+        <p:style>
+          <a:lnRef idx="2">
+            <a:schemeClr val="accent1">
+              <a:shade val="50000"/>
+            </a:schemeClr>
+          </a:lnRef>
+          <a:fillRef idx="1">
+            <a:schemeClr val="accent1"/>
+          </a:fillRef>
+          <a:effectRef idx="0">
+            <a:schemeClr val="accent1"/>
+          </a:effectRef>
+          <a:fontRef idx="minor">
+            <a:schemeClr val="lt1"/>
+          </a:fontRef>
+        </p:style>
+        <p:txBody>
+          <a:bodyPr rtlCol="0" anchor="ctr"/>
+          <a:lstStyle/>
+          <a:p>
+            <a:pPr algn="ctr"/>
+            <a:endParaRPr lang="en-US"/>
+          </a:p>
+        </p:txBody>
+      </p:sp>
+      <p:sp>
+        <p:nvSpPr>
+          <p:cNvPr id="66" name="Rectangle 65">
+            <a:extLst>
+              <a:ext uri="{FF2B5EF4-FFF2-40B4-BE49-F238E27FC236}">
+                <a16:creationId xmlns:a16="http://schemas.microsoft.com/office/drawing/2014/main" id="{37777B43-BA37-4A62-91D2-9D8E309052B1}"/>
+              </a:ext>
+            </a:extLst>
+          </p:cNvPr>
+          <p:cNvSpPr/>
+          <p:nvPr/>
+        </p:nvSpPr>
+        <p:spPr>
+          <a:xfrm>
+            <a:off x="11983043" y="10429228"/>
+            <a:ext cx="219965" cy="219965"/>
+          </a:xfrm>
+          <a:prstGeom prst="rect">
+            <a:avLst/>
+          </a:prstGeom>
+          <a:solidFill>
+            <a:srgbClr val="201820"/>
+          </a:solidFill>
+        </p:spPr>
+        <p:style>
+          <a:lnRef idx="2">
+            <a:schemeClr val="accent1">
+              <a:shade val="50000"/>
+            </a:schemeClr>
+          </a:lnRef>
+          <a:fillRef idx="1">
+            <a:schemeClr val="accent1"/>
+          </a:fillRef>
+          <a:effectRef idx="0">
+            <a:schemeClr val="accent1"/>
+          </a:effectRef>
+          <a:fontRef idx="minor">
+            <a:schemeClr val="lt1"/>
+          </a:fontRef>
+        </p:style>
+        <p:txBody>
+          <a:bodyPr rtlCol="0" anchor="ctr"/>
+          <a:lstStyle/>
+          <a:p>
+            <a:pPr algn="ctr"/>
+            <a:endParaRPr lang="en-US"/>
           </a:p>
         </p:txBody>
       </p:sp>

--- a/papers/Poster.pptx
+++ b/papers/Poster.pptx
@@ -208,7 +208,7 @@
           <a:p>
             <a:fld id="{B5519E66-4E48-4C2D-8002-E9D322655BD1}" type="datetimeFigureOut">
               <a:rPr lang="en-US" smtClean="0"/>
-              <a:t>12/17/2020</a:t>
+              <a:t>12/18/2020</a:t>
             </a:fld>
             <a:endParaRPr lang="en-US"/>
           </a:p>
@@ -705,7 +705,7 @@
           <a:p>
             <a:fld id="{BE98FA34-C55B-42E0-BDDE-ECBEC87106F0}" type="datetimeFigureOut">
               <a:rPr lang="en-US" smtClean="0"/>
-              <a:t>12/17/2020</a:t>
+              <a:t>12/18/2020</a:t>
             </a:fld>
             <a:endParaRPr lang="en-US"/>
           </a:p>
@@ -875,7 +875,7 @@
           <a:p>
             <a:fld id="{BE98FA34-C55B-42E0-BDDE-ECBEC87106F0}" type="datetimeFigureOut">
               <a:rPr lang="en-US" smtClean="0"/>
-              <a:t>12/17/2020</a:t>
+              <a:t>12/18/2020</a:t>
             </a:fld>
             <a:endParaRPr lang="en-US"/>
           </a:p>
@@ -1055,7 +1055,7 @@
           <a:p>
             <a:fld id="{BE98FA34-C55B-42E0-BDDE-ECBEC87106F0}" type="datetimeFigureOut">
               <a:rPr lang="en-US" smtClean="0"/>
-              <a:t>12/17/2020</a:t>
+              <a:t>12/18/2020</a:t>
             </a:fld>
             <a:endParaRPr lang="en-US"/>
           </a:p>
@@ -1225,7 +1225,7 @@
           <a:p>
             <a:fld id="{BE98FA34-C55B-42E0-BDDE-ECBEC87106F0}" type="datetimeFigureOut">
               <a:rPr lang="en-US" smtClean="0"/>
-              <a:t>12/17/2020</a:t>
+              <a:t>12/18/2020</a:t>
             </a:fld>
             <a:endParaRPr lang="en-US"/>
           </a:p>
@@ -1469,7 +1469,7 @@
           <a:p>
             <a:fld id="{BE98FA34-C55B-42E0-BDDE-ECBEC87106F0}" type="datetimeFigureOut">
               <a:rPr lang="en-US" smtClean="0"/>
-              <a:t>12/17/2020</a:t>
+              <a:t>12/18/2020</a:t>
             </a:fld>
             <a:endParaRPr lang="en-US"/>
           </a:p>
@@ -1701,7 +1701,7 @@
           <a:p>
             <a:fld id="{BE98FA34-C55B-42E0-BDDE-ECBEC87106F0}" type="datetimeFigureOut">
               <a:rPr lang="en-US" smtClean="0"/>
-              <a:t>12/17/2020</a:t>
+              <a:t>12/18/2020</a:t>
             </a:fld>
             <a:endParaRPr lang="en-US"/>
           </a:p>
@@ -2068,7 +2068,7 @@
           <a:p>
             <a:fld id="{BE98FA34-C55B-42E0-BDDE-ECBEC87106F0}" type="datetimeFigureOut">
               <a:rPr lang="en-US" smtClean="0"/>
-              <a:t>12/17/2020</a:t>
+              <a:t>12/18/2020</a:t>
             </a:fld>
             <a:endParaRPr lang="en-US"/>
           </a:p>
@@ -2186,7 +2186,7 @@
           <a:p>
             <a:fld id="{BE98FA34-C55B-42E0-BDDE-ECBEC87106F0}" type="datetimeFigureOut">
               <a:rPr lang="en-US" smtClean="0"/>
-              <a:t>12/17/2020</a:t>
+              <a:t>12/18/2020</a:t>
             </a:fld>
             <a:endParaRPr lang="en-US"/>
           </a:p>
@@ -2281,7 +2281,7 @@
           <a:p>
             <a:fld id="{BE98FA34-C55B-42E0-BDDE-ECBEC87106F0}" type="datetimeFigureOut">
               <a:rPr lang="en-US" smtClean="0"/>
-              <a:t>12/17/2020</a:t>
+              <a:t>12/18/2020</a:t>
             </a:fld>
             <a:endParaRPr lang="en-US"/>
           </a:p>
@@ -2558,7 +2558,7 @@
           <a:p>
             <a:fld id="{BE98FA34-C55B-42E0-BDDE-ECBEC87106F0}" type="datetimeFigureOut">
               <a:rPr lang="en-US" smtClean="0"/>
-              <a:t>12/17/2020</a:t>
+              <a:t>12/18/2020</a:t>
             </a:fld>
             <a:endParaRPr lang="en-US"/>
           </a:p>
@@ -2815,7 +2815,7 @@
           <a:p>
             <a:fld id="{BE98FA34-C55B-42E0-BDDE-ECBEC87106F0}" type="datetimeFigureOut">
               <a:rPr lang="en-US" smtClean="0"/>
-              <a:t>12/17/2020</a:t>
+              <a:t>12/18/2020</a:t>
             </a:fld>
             <a:endParaRPr lang="en-US"/>
           </a:p>
@@ -3028,7 +3028,7 @@
           <a:p>
             <a:fld id="{BE98FA34-C55B-42E0-BDDE-ECBEC87106F0}" type="datetimeFigureOut">
               <a:rPr lang="en-US" smtClean="0"/>
-              <a:t>12/17/2020</a:t>
+              <a:t>12/18/2020</a:t>
             </a:fld>
             <a:endParaRPr lang="en-US"/>
           </a:p>
@@ -6902,42 +6902,6 @@
       </p:sp>
       <p:sp>
         <p:nvSpPr>
-          <p:cNvPr id="28" name="TextBox 27">
-            <a:extLst>
-              <a:ext uri="{FF2B5EF4-FFF2-40B4-BE49-F238E27FC236}">
-                <a16:creationId xmlns:a16="http://schemas.microsoft.com/office/drawing/2014/main" id="{947A72C2-A7D6-4F48-AC53-C6F7BCFD9B23}"/>
-              </a:ext>
-            </a:extLst>
-          </p:cNvPr>
-          <p:cNvSpPr txBox="1"/>
-          <p:nvPr/>
-        </p:nvSpPr>
-        <p:spPr>
-          <a:xfrm>
-            <a:off x="6719992" y="8630323"/>
-            <a:ext cx="7988300" cy="369332"/>
-          </a:xfrm>
-          <a:prstGeom prst="rect">
-            <a:avLst/>
-          </a:prstGeom>
-          <a:noFill/>
-        </p:spPr>
-        <p:txBody>
-          <a:bodyPr wrap="square" rtlCol="0">
-            <a:spAutoFit/>
-          </a:bodyPr>
-          <a:lstStyle/>
-          <a:p>
-            <a:pPr algn="just"/>
-            <a:endParaRPr lang="en-US" dirty="0">
-              <a:latin typeface="Arial" panose="020B0604020202020204" pitchFamily="34" charset="0"/>
-              <a:cs typeface="Arial" panose="020B0604020202020204" pitchFamily="34" charset="0"/>
-            </a:endParaRPr>
-          </a:p>
-        </p:txBody>
-      </p:sp>
-      <p:sp>
-        <p:nvSpPr>
           <p:cNvPr id="29" name="TextBox 28">
             <a:extLst>
               <a:ext uri="{FF2B5EF4-FFF2-40B4-BE49-F238E27FC236}">
@@ -7307,7 +7271,7 @@
               <a:rPr lang="en-US" sz="2400" b="1">
                 <a:latin typeface="+mj-lt"/>
               </a:rPr>
-              <a:t>Thử nghiệm</a:t>
+              <a:t>Kết luận</a:t>
             </a:r>
           </a:p>
         </p:txBody>
@@ -7383,55 +7347,6 @@
               </a:rPr>
               <a:t>Pyxelate: sedthh/pyxelate: Python class that generates pixel art from images (github.com)</a:t>
             </a:r>
-            <a:endParaRPr lang="en-US"/>
-          </a:p>
-        </p:txBody>
-      </p:sp>
-      <p:sp>
-        <p:nvSpPr>
-          <p:cNvPr id="40" name="Rectangle 39">
-            <a:extLst>
-              <a:ext uri="{FF2B5EF4-FFF2-40B4-BE49-F238E27FC236}">
-                <a16:creationId xmlns:a16="http://schemas.microsoft.com/office/drawing/2014/main" id="{E6D1AB7F-C7EC-4830-B2D5-FF14F4594338}"/>
-              </a:ext>
-            </a:extLst>
-          </p:cNvPr>
-          <p:cNvSpPr/>
-          <p:nvPr/>
-        </p:nvSpPr>
-        <p:spPr>
-          <a:xfrm>
-            <a:off x="11983043" y="8884944"/>
-            <a:ext cx="219965" cy="219965"/>
-          </a:xfrm>
-          <a:prstGeom prst="rect">
-            <a:avLst/>
-          </a:prstGeom>
-          <a:solidFill>
-            <a:srgbClr val="505050"/>
-          </a:solidFill>
-        </p:spPr>
-        <p:style>
-          <a:lnRef idx="2">
-            <a:schemeClr val="accent1">
-              <a:shade val="50000"/>
-            </a:schemeClr>
-          </a:lnRef>
-          <a:fillRef idx="1">
-            <a:schemeClr val="accent1"/>
-          </a:fillRef>
-          <a:effectRef idx="0">
-            <a:schemeClr val="accent1"/>
-          </a:effectRef>
-          <a:fontRef idx="minor">
-            <a:schemeClr val="lt1"/>
-          </a:fontRef>
-        </p:style>
-        <p:txBody>
-          <a:bodyPr rtlCol="0" anchor="ctr"/>
-          <a:lstStyle/>
-          <a:p>
-            <a:pPr algn="ctr"/>
             <a:endParaRPr lang="en-US"/>
           </a:p>
         </p:txBody>
@@ -7472,346 +7387,619 @@
           </a:prstGeom>
         </p:spPr>
       </p:pic>
-      <p:sp>
-        <p:nvSpPr>
-          <p:cNvPr id="60" name="Rectangle 59">
+      <p:grpSp>
+        <p:nvGrpSpPr>
+          <p:cNvPr id="6" name="Group 5">
             <a:extLst>
               <a:ext uri="{FF2B5EF4-FFF2-40B4-BE49-F238E27FC236}">
-                <a16:creationId xmlns:a16="http://schemas.microsoft.com/office/drawing/2014/main" id="{0346EAA8-2FBD-456B-907B-BBDB7E1BDBB2}"/>
+                <a16:creationId xmlns:a16="http://schemas.microsoft.com/office/drawing/2014/main" id="{97AFFE4D-43FB-4B18-8D1D-FE7DF0EDBA52}"/>
               </a:ext>
             </a:extLst>
           </p:cNvPr>
-          <p:cNvSpPr/>
+          <p:cNvGrpSpPr/>
           <p:nvPr/>
-        </p:nvSpPr>
+        </p:nvGrpSpPr>
+        <p:grpSpPr>
+          <a:xfrm>
+            <a:off x="11983043" y="9177938"/>
+            <a:ext cx="219965" cy="1764249"/>
+            <a:chOff x="11983043" y="8884944"/>
+            <a:chExt cx="219965" cy="1764249"/>
+          </a:xfrm>
+        </p:grpSpPr>
+        <p:sp>
+          <p:nvSpPr>
+            <p:cNvPr id="40" name="Rectangle 39">
+              <a:extLst>
+                <a:ext uri="{FF2B5EF4-FFF2-40B4-BE49-F238E27FC236}">
+                  <a16:creationId xmlns:a16="http://schemas.microsoft.com/office/drawing/2014/main" id="{E6D1AB7F-C7EC-4830-B2D5-FF14F4594338}"/>
+                </a:ext>
+              </a:extLst>
+            </p:cNvPr>
+            <p:cNvSpPr/>
+            <p:nvPr/>
+          </p:nvSpPr>
+          <p:spPr>
+            <a:xfrm>
+              <a:off x="11983043" y="8884944"/>
+              <a:ext cx="219965" cy="219965"/>
+            </a:xfrm>
+            <a:prstGeom prst="rect">
+              <a:avLst/>
+            </a:prstGeom>
+            <a:solidFill>
+              <a:srgbClr val="505050"/>
+            </a:solidFill>
+            <a:ln>
+              <a:noFill/>
+            </a:ln>
+          </p:spPr>
+          <p:style>
+            <a:lnRef idx="2">
+              <a:schemeClr val="accent1">
+                <a:shade val="50000"/>
+              </a:schemeClr>
+            </a:lnRef>
+            <a:fillRef idx="1">
+              <a:schemeClr val="accent1"/>
+            </a:fillRef>
+            <a:effectRef idx="0">
+              <a:schemeClr val="accent1"/>
+            </a:effectRef>
+            <a:fontRef idx="minor">
+              <a:schemeClr val="lt1"/>
+            </a:fontRef>
+          </p:style>
+          <p:txBody>
+            <a:bodyPr rtlCol="0" anchor="ctr"/>
+            <a:lstStyle/>
+            <a:p>
+              <a:pPr algn="ctr"/>
+              <a:endParaRPr lang="en-US"/>
+            </a:p>
+          </p:txBody>
+        </p:sp>
+        <p:sp>
+          <p:nvSpPr>
+            <p:cNvPr id="60" name="Rectangle 59">
+              <a:extLst>
+                <a:ext uri="{FF2B5EF4-FFF2-40B4-BE49-F238E27FC236}">
+                  <a16:creationId xmlns:a16="http://schemas.microsoft.com/office/drawing/2014/main" id="{0346EAA8-2FBD-456B-907B-BBDB7E1BDBB2}"/>
+                </a:ext>
+              </a:extLst>
+            </p:cNvPr>
+            <p:cNvSpPr/>
+            <p:nvPr/>
+          </p:nvSpPr>
+          <p:spPr>
+            <a:xfrm>
+              <a:off x="11983043" y="9105556"/>
+              <a:ext cx="219965" cy="219965"/>
+            </a:xfrm>
+            <a:prstGeom prst="rect">
+              <a:avLst/>
+            </a:prstGeom>
+            <a:solidFill>
+              <a:srgbClr val="201820"/>
+            </a:solidFill>
+            <a:ln>
+              <a:noFill/>
+            </a:ln>
+          </p:spPr>
+          <p:style>
+            <a:lnRef idx="2">
+              <a:schemeClr val="accent1">
+                <a:shade val="50000"/>
+              </a:schemeClr>
+            </a:lnRef>
+            <a:fillRef idx="1">
+              <a:schemeClr val="accent1"/>
+            </a:fillRef>
+            <a:effectRef idx="0">
+              <a:schemeClr val="accent1"/>
+            </a:effectRef>
+            <a:fontRef idx="minor">
+              <a:schemeClr val="lt1"/>
+            </a:fontRef>
+          </p:style>
+          <p:txBody>
+            <a:bodyPr rtlCol="0" anchor="ctr"/>
+            <a:lstStyle/>
+            <a:p>
+              <a:pPr algn="ctr"/>
+              <a:endParaRPr lang="en-US"/>
+            </a:p>
+          </p:txBody>
+        </p:sp>
+        <p:sp>
+          <p:nvSpPr>
+            <p:cNvPr id="61" name="Rectangle 60">
+              <a:extLst>
+                <a:ext uri="{FF2B5EF4-FFF2-40B4-BE49-F238E27FC236}">
+                  <a16:creationId xmlns:a16="http://schemas.microsoft.com/office/drawing/2014/main" id="{D6AC5806-93A2-4242-83FE-38515368AED6}"/>
+                </a:ext>
+              </a:extLst>
+            </p:cNvPr>
+            <p:cNvSpPr/>
+            <p:nvPr/>
+          </p:nvSpPr>
+          <p:spPr>
+            <a:xfrm>
+              <a:off x="11983043" y="9326168"/>
+              <a:ext cx="219965" cy="219965"/>
+            </a:xfrm>
+            <a:prstGeom prst="rect">
+              <a:avLst/>
+            </a:prstGeom>
+            <a:solidFill>
+              <a:srgbClr val="C89080"/>
+            </a:solidFill>
+            <a:ln>
+              <a:noFill/>
+            </a:ln>
+          </p:spPr>
+          <p:style>
+            <a:lnRef idx="2">
+              <a:schemeClr val="accent1">
+                <a:shade val="50000"/>
+              </a:schemeClr>
+            </a:lnRef>
+            <a:fillRef idx="1">
+              <a:schemeClr val="accent1"/>
+            </a:fillRef>
+            <a:effectRef idx="0">
+              <a:schemeClr val="accent1"/>
+            </a:effectRef>
+            <a:fontRef idx="minor">
+              <a:schemeClr val="lt1"/>
+            </a:fontRef>
+          </p:style>
+          <p:txBody>
+            <a:bodyPr rtlCol="0" anchor="ctr"/>
+            <a:lstStyle/>
+            <a:p>
+              <a:pPr algn="ctr"/>
+              <a:endParaRPr lang="en-US"/>
+            </a:p>
+          </p:txBody>
+        </p:sp>
+        <p:sp>
+          <p:nvSpPr>
+            <p:cNvPr id="62" name="Rectangle 61">
+              <a:extLst>
+                <a:ext uri="{FF2B5EF4-FFF2-40B4-BE49-F238E27FC236}">
+                  <a16:creationId xmlns:a16="http://schemas.microsoft.com/office/drawing/2014/main" id="{F1C06497-1A02-49ED-8A54-660324DEF928}"/>
+                </a:ext>
+              </a:extLst>
+            </p:cNvPr>
+            <p:cNvSpPr/>
+            <p:nvPr/>
+          </p:nvSpPr>
+          <p:spPr>
+            <a:xfrm>
+              <a:off x="11983043" y="9546780"/>
+              <a:ext cx="219965" cy="219965"/>
+            </a:xfrm>
+            <a:prstGeom prst="rect">
+              <a:avLst/>
+            </a:prstGeom>
+            <a:solidFill>
+              <a:srgbClr val="A86058"/>
+            </a:solidFill>
+            <a:ln>
+              <a:noFill/>
+            </a:ln>
+          </p:spPr>
+          <p:style>
+            <a:lnRef idx="2">
+              <a:schemeClr val="accent1">
+                <a:shade val="50000"/>
+              </a:schemeClr>
+            </a:lnRef>
+            <a:fillRef idx="1">
+              <a:schemeClr val="accent1"/>
+            </a:fillRef>
+            <a:effectRef idx="0">
+              <a:schemeClr val="accent1"/>
+            </a:effectRef>
+            <a:fontRef idx="minor">
+              <a:schemeClr val="lt1"/>
+            </a:fontRef>
+          </p:style>
+          <p:txBody>
+            <a:bodyPr rtlCol="0" anchor="ctr"/>
+            <a:lstStyle/>
+            <a:p>
+              <a:pPr algn="ctr"/>
+              <a:endParaRPr lang="en-US"/>
+            </a:p>
+          </p:txBody>
+        </p:sp>
+        <p:sp>
+          <p:nvSpPr>
+            <p:cNvPr id="63" name="Rectangle 62">
+              <a:extLst>
+                <a:ext uri="{FF2B5EF4-FFF2-40B4-BE49-F238E27FC236}">
+                  <a16:creationId xmlns:a16="http://schemas.microsoft.com/office/drawing/2014/main" id="{111EC0E8-DDF4-4E00-B950-9EEEE0ACB6D5}"/>
+                </a:ext>
+              </a:extLst>
+            </p:cNvPr>
+            <p:cNvSpPr/>
+            <p:nvPr/>
+          </p:nvSpPr>
+          <p:spPr>
+            <a:xfrm>
+              <a:off x="11983043" y="9767392"/>
+              <a:ext cx="219965" cy="219965"/>
+            </a:xfrm>
+            <a:prstGeom prst="rect">
+              <a:avLst/>
+            </a:prstGeom>
+            <a:solidFill>
+              <a:srgbClr val="C5C3C1"/>
+            </a:solidFill>
+            <a:ln>
+              <a:noFill/>
+            </a:ln>
+          </p:spPr>
+          <p:style>
+            <a:lnRef idx="2">
+              <a:schemeClr val="accent1">
+                <a:shade val="50000"/>
+              </a:schemeClr>
+            </a:lnRef>
+            <a:fillRef idx="1">
+              <a:schemeClr val="accent1"/>
+            </a:fillRef>
+            <a:effectRef idx="0">
+              <a:schemeClr val="accent1"/>
+            </a:effectRef>
+            <a:fontRef idx="minor">
+              <a:schemeClr val="lt1"/>
+            </a:fontRef>
+          </p:style>
+          <p:txBody>
+            <a:bodyPr rtlCol="0" anchor="ctr"/>
+            <a:lstStyle/>
+            <a:p>
+              <a:pPr algn="ctr"/>
+              <a:endParaRPr lang="en-US"/>
+            </a:p>
+          </p:txBody>
+        </p:sp>
+        <p:sp>
+          <p:nvSpPr>
+            <p:cNvPr id="64" name="Rectangle 63">
+              <a:extLst>
+                <a:ext uri="{FF2B5EF4-FFF2-40B4-BE49-F238E27FC236}">
+                  <a16:creationId xmlns:a16="http://schemas.microsoft.com/office/drawing/2014/main" id="{AC0FBF60-EF1A-4687-A274-9F83952419B7}"/>
+                </a:ext>
+              </a:extLst>
+            </p:cNvPr>
+            <p:cNvSpPr/>
+            <p:nvPr/>
+          </p:nvSpPr>
+          <p:spPr>
+            <a:xfrm>
+              <a:off x="11983043" y="9988004"/>
+              <a:ext cx="219965" cy="219965"/>
+            </a:xfrm>
+            <a:prstGeom prst="rect">
+              <a:avLst/>
+            </a:prstGeom>
+            <a:solidFill>
+              <a:srgbClr val="A8A098"/>
+            </a:solidFill>
+            <a:ln>
+              <a:noFill/>
+            </a:ln>
+          </p:spPr>
+          <p:style>
+            <a:lnRef idx="2">
+              <a:schemeClr val="accent1">
+                <a:shade val="50000"/>
+              </a:schemeClr>
+            </a:lnRef>
+            <a:fillRef idx="1">
+              <a:schemeClr val="accent1"/>
+            </a:fillRef>
+            <a:effectRef idx="0">
+              <a:schemeClr val="accent1"/>
+            </a:effectRef>
+            <a:fontRef idx="minor">
+              <a:schemeClr val="lt1"/>
+            </a:fontRef>
+          </p:style>
+          <p:txBody>
+            <a:bodyPr rtlCol="0" anchor="ctr"/>
+            <a:lstStyle/>
+            <a:p>
+              <a:pPr algn="ctr"/>
+              <a:endParaRPr lang="en-US"/>
+            </a:p>
+          </p:txBody>
+        </p:sp>
+        <p:sp>
+          <p:nvSpPr>
+            <p:cNvPr id="65" name="Rectangle 64">
+              <a:extLst>
+                <a:ext uri="{FF2B5EF4-FFF2-40B4-BE49-F238E27FC236}">
+                  <a16:creationId xmlns:a16="http://schemas.microsoft.com/office/drawing/2014/main" id="{AEB49EC0-FF94-4D34-A4B2-BF5458FDB4FE}"/>
+                </a:ext>
+              </a:extLst>
+            </p:cNvPr>
+            <p:cNvSpPr/>
+            <p:nvPr/>
+          </p:nvSpPr>
+          <p:spPr>
+            <a:xfrm>
+              <a:off x="11983043" y="10208616"/>
+              <a:ext cx="219965" cy="219965"/>
+            </a:xfrm>
+            <a:prstGeom prst="rect">
+              <a:avLst/>
+            </a:prstGeom>
+            <a:solidFill>
+              <a:srgbClr val="704840"/>
+            </a:solidFill>
+            <a:ln>
+              <a:noFill/>
+            </a:ln>
+          </p:spPr>
+          <p:style>
+            <a:lnRef idx="2">
+              <a:schemeClr val="accent1">
+                <a:shade val="50000"/>
+              </a:schemeClr>
+            </a:lnRef>
+            <a:fillRef idx="1">
+              <a:schemeClr val="accent1"/>
+            </a:fillRef>
+            <a:effectRef idx="0">
+              <a:schemeClr val="accent1"/>
+            </a:effectRef>
+            <a:fontRef idx="minor">
+              <a:schemeClr val="lt1"/>
+            </a:fontRef>
+          </p:style>
+          <p:txBody>
+            <a:bodyPr rtlCol="0" anchor="ctr"/>
+            <a:lstStyle/>
+            <a:p>
+              <a:pPr algn="ctr"/>
+              <a:endParaRPr lang="en-US"/>
+            </a:p>
+          </p:txBody>
+        </p:sp>
+        <p:sp>
+          <p:nvSpPr>
+            <p:cNvPr id="66" name="Rectangle 65">
+              <a:extLst>
+                <a:ext uri="{FF2B5EF4-FFF2-40B4-BE49-F238E27FC236}">
+                  <a16:creationId xmlns:a16="http://schemas.microsoft.com/office/drawing/2014/main" id="{37777B43-BA37-4A62-91D2-9D8E309052B1}"/>
+                </a:ext>
+              </a:extLst>
+            </p:cNvPr>
+            <p:cNvSpPr/>
+            <p:nvPr/>
+          </p:nvSpPr>
+          <p:spPr>
+            <a:xfrm>
+              <a:off x="11983043" y="10429228"/>
+              <a:ext cx="219965" cy="219965"/>
+            </a:xfrm>
+            <a:prstGeom prst="rect">
+              <a:avLst/>
+            </a:prstGeom>
+            <a:solidFill>
+              <a:srgbClr val="201820"/>
+            </a:solidFill>
+            <a:ln>
+              <a:noFill/>
+            </a:ln>
+          </p:spPr>
+          <p:style>
+            <a:lnRef idx="2">
+              <a:schemeClr val="accent1">
+                <a:shade val="50000"/>
+              </a:schemeClr>
+            </a:lnRef>
+            <a:fillRef idx="1">
+              <a:schemeClr val="accent1"/>
+            </a:fillRef>
+            <a:effectRef idx="0">
+              <a:schemeClr val="accent1"/>
+            </a:effectRef>
+            <a:fontRef idx="minor">
+              <a:schemeClr val="lt1"/>
+            </a:fontRef>
+          </p:style>
+          <p:txBody>
+            <a:bodyPr rtlCol="0" anchor="ctr"/>
+            <a:lstStyle/>
+            <a:p>
+              <a:pPr algn="ctr"/>
+              <a:endParaRPr lang="en-US"/>
+            </a:p>
+          </p:txBody>
+        </p:sp>
+      </p:grpSp>
+      <p:pic>
+        <p:nvPicPr>
+          <p:cNvPr id="5" name="Picture 4">
+            <a:extLst>
+              <a:ext uri="{FF2B5EF4-FFF2-40B4-BE49-F238E27FC236}">
+                <a16:creationId xmlns:a16="http://schemas.microsoft.com/office/drawing/2014/main" id="{122594D4-2232-47D1-9D96-6B48DBB6B952}"/>
+              </a:ext>
+            </a:extLst>
+          </p:cNvPr>
+          <p:cNvPicPr>
+            <a:picLocks noChangeAspect="1"/>
+          </p:cNvPicPr>
+          <p:nvPr/>
+        </p:nvPicPr>
+        <p:blipFill>
+          <a:blip r:embed="rId9">
+            <a:extLst>
+              <a:ext uri="{28A0092B-C50C-407E-A947-70E740481C1C}">
+                <a14:useLocalDpi xmlns:a14="http://schemas.microsoft.com/office/drawing/2010/main" val="0"/>
+              </a:ext>
+            </a:extLst>
+          </a:blip>
+          <a:srcRect/>
+          <a:stretch/>
+        </p:blipFill>
         <p:spPr>
           <a:xfrm>
-            <a:off x="11983043" y="9105556"/>
-            <a:ext cx="219965" cy="219965"/>
+            <a:off x="444500" y="8833208"/>
+            <a:ext cx="2258339" cy="7611439"/>
           </a:xfrm>
           <a:prstGeom prst="rect">
             <a:avLst/>
           </a:prstGeom>
-          <a:solidFill>
-            <a:srgbClr val="201820"/>
-          </a:solidFill>
         </p:spPr>
-        <p:style>
-          <a:lnRef idx="2">
-            <a:schemeClr val="accent1">
-              <a:shade val="50000"/>
-            </a:schemeClr>
-          </a:lnRef>
-          <a:fillRef idx="1">
-            <a:schemeClr val="accent1"/>
-          </a:fillRef>
-          <a:effectRef idx="0">
-            <a:schemeClr val="accent1"/>
-          </a:effectRef>
-          <a:fontRef idx="minor">
-            <a:schemeClr val="lt1"/>
-          </a:fontRef>
-        </p:style>
-        <p:txBody>
-          <a:bodyPr rtlCol="0" anchor="ctr"/>
-          <a:lstStyle/>
-          <a:p>
-            <a:pPr algn="ctr"/>
-            <a:endParaRPr lang="en-US"/>
-          </a:p>
-        </p:txBody>
-      </p:sp>
-      <p:sp>
-        <p:nvSpPr>
-          <p:cNvPr id="61" name="Rectangle 60">
+      </p:pic>
+      <p:sp>
+        <p:nvSpPr>
+          <p:cNvPr id="42" name="TextBox 41">
             <a:extLst>
               <a:ext uri="{FF2B5EF4-FFF2-40B4-BE49-F238E27FC236}">
-                <a16:creationId xmlns:a16="http://schemas.microsoft.com/office/drawing/2014/main" id="{D6AC5806-93A2-4242-83FE-38515368AED6}"/>
+                <a16:creationId xmlns:a16="http://schemas.microsoft.com/office/drawing/2014/main" id="{5E6CAF9E-EF89-4D2D-963A-C876648034C3}"/>
               </a:ext>
             </a:extLst>
           </p:cNvPr>
-          <p:cNvSpPr/>
+          <p:cNvSpPr txBox="1"/>
           <p:nvPr/>
         </p:nvSpPr>
         <p:spPr>
           <a:xfrm>
-            <a:off x="11983043" y="9326168"/>
-            <a:ext cx="219965" cy="219965"/>
+            <a:off x="444500" y="8142095"/>
+            <a:ext cx="5245100" cy="623782"/>
           </a:xfrm>
           <a:prstGeom prst="rect">
             <a:avLst/>
           </a:prstGeom>
-          <a:solidFill>
-            <a:srgbClr val="C89080"/>
-          </a:solidFill>
+          <a:noFill/>
         </p:spPr>
-        <p:style>
-          <a:lnRef idx="2">
-            <a:schemeClr val="accent1">
-              <a:shade val="50000"/>
-            </a:schemeClr>
-          </a:lnRef>
-          <a:fillRef idx="1">
-            <a:schemeClr val="accent1"/>
-          </a:fillRef>
-          <a:effectRef idx="0">
-            <a:schemeClr val="accent1"/>
-          </a:effectRef>
-          <a:fontRef idx="minor">
-            <a:schemeClr val="lt1"/>
-          </a:fontRef>
-        </p:style>
-        <p:txBody>
-          <a:bodyPr rtlCol="0" anchor="ctr"/>
+        <p:txBody>
+          <a:bodyPr wrap="square" rtlCol="0" anchor="b">
+            <a:noAutofit/>
+          </a:bodyPr>
           <a:lstStyle/>
           <a:p>
-            <a:pPr algn="ctr"/>
-            <a:endParaRPr lang="en-US"/>
-          </a:p>
-        </p:txBody>
-      </p:sp>
-      <p:sp>
-        <p:nvSpPr>
-          <p:cNvPr id="62" name="Rectangle 61">
+            <a:r>
+              <a:rPr lang="en-US" sz="2400" b="1">
+                <a:latin typeface="+mj-lt"/>
+              </a:rPr>
+              <a:t>Phương pháp thông thường </a:t>
+            </a:r>
+          </a:p>
+        </p:txBody>
+      </p:sp>
+      <p:sp>
+        <p:nvSpPr>
+          <p:cNvPr id="48" name="TextBox 47">
             <a:extLst>
               <a:ext uri="{FF2B5EF4-FFF2-40B4-BE49-F238E27FC236}">
-                <a16:creationId xmlns:a16="http://schemas.microsoft.com/office/drawing/2014/main" id="{F1C06497-1A02-49ED-8A54-660324DEF928}"/>
+                <a16:creationId xmlns:a16="http://schemas.microsoft.com/office/drawing/2014/main" id="{0C437740-B82A-453B-B8FD-6F974DB74C35}"/>
               </a:ext>
             </a:extLst>
           </p:cNvPr>
-          <p:cNvSpPr/>
+          <p:cNvSpPr txBox="1"/>
           <p:nvPr/>
         </p:nvSpPr>
         <p:spPr>
           <a:xfrm>
-            <a:off x="11983043" y="9546780"/>
-            <a:ext cx="219965" cy="219965"/>
+            <a:off x="2884592" y="9124950"/>
+            <a:ext cx="2805008" cy="7319699"/>
           </a:xfrm>
           <a:prstGeom prst="rect">
             <a:avLst/>
           </a:prstGeom>
-          <a:solidFill>
-            <a:srgbClr val="A86058"/>
-          </a:solidFill>
+          <a:noFill/>
         </p:spPr>
-        <p:style>
-          <a:lnRef idx="2">
-            <a:schemeClr val="accent1">
-              <a:shade val="50000"/>
-            </a:schemeClr>
-          </a:lnRef>
-          <a:fillRef idx="1">
-            <a:schemeClr val="accent1"/>
-          </a:fillRef>
-          <a:effectRef idx="0">
-            <a:schemeClr val="accent1"/>
-          </a:effectRef>
-          <a:fontRef idx="minor">
-            <a:schemeClr val="lt1"/>
-          </a:fontRef>
-        </p:style>
-        <p:txBody>
-          <a:bodyPr rtlCol="0" anchor="ctr"/>
+        <p:txBody>
+          <a:bodyPr wrap="square" rtlCol="0">
+            <a:noAutofit/>
+          </a:bodyPr>
           <a:lstStyle/>
           <a:p>
-            <a:pPr algn="ctr"/>
-            <a:endParaRPr lang="en-US"/>
-          </a:p>
-        </p:txBody>
-      </p:sp>
-      <p:sp>
-        <p:nvSpPr>
-          <p:cNvPr id="63" name="Rectangle 62">
-            <a:extLst>
-              <a:ext uri="{FF2B5EF4-FFF2-40B4-BE49-F238E27FC236}">
-                <a16:creationId xmlns:a16="http://schemas.microsoft.com/office/drawing/2014/main" id="{111EC0E8-DDF4-4E00-B950-9EEEE0ACB6D5}"/>
-              </a:ext>
-            </a:extLst>
-          </p:cNvPr>
-          <p:cNvSpPr/>
-          <p:nvPr/>
-        </p:nvSpPr>
-        <p:spPr>
-          <a:xfrm>
-            <a:off x="11983043" y="9767392"/>
-            <a:ext cx="219965" cy="219965"/>
-          </a:xfrm>
-          <a:prstGeom prst="rect">
-            <a:avLst/>
-          </a:prstGeom>
-          <a:solidFill>
-            <a:srgbClr val="C5C3C1"/>
-          </a:solidFill>
-        </p:spPr>
-        <p:style>
-          <a:lnRef idx="2">
-            <a:schemeClr val="accent1">
-              <a:shade val="50000"/>
-            </a:schemeClr>
-          </a:lnRef>
-          <a:fillRef idx="1">
-            <a:schemeClr val="accent1"/>
-          </a:fillRef>
-          <a:effectRef idx="0">
-            <a:schemeClr val="accent1"/>
-          </a:effectRef>
-          <a:fontRef idx="minor">
-            <a:schemeClr val="lt1"/>
-          </a:fontRef>
-        </p:style>
-        <p:txBody>
-          <a:bodyPr rtlCol="0" anchor="ctr"/>
-          <a:lstStyle/>
-          <a:p>
-            <a:pPr algn="ctr"/>
-            <a:endParaRPr lang="en-US"/>
-          </a:p>
-        </p:txBody>
-      </p:sp>
-      <p:sp>
-        <p:nvSpPr>
-          <p:cNvPr id="64" name="Rectangle 63">
-            <a:extLst>
-              <a:ext uri="{FF2B5EF4-FFF2-40B4-BE49-F238E27FC236}">
-                <a16:creationId xmlns:a16="http://schemas.microsoft.com/office/drawing/2014/main" id="{AC0FBF60-EF1A-4687-A274-9F83952419B7}"/>
-              </a:ext>
-            </a:extLst>
-          </p:cNvPr>
-          <p:cNvSpPr/>
-          <p:nvPr/>
-        </p:nvSpPr>
-        <p:spPr>
-          <a:xfrm>
-            <a:off x="11983043" y="9988004"/>
-            <a:ext cx="219965" cy="219965"/>
-          </a:xfrm>
-          <a:prstGeom prst="rect">
-            <a:avLst/>
-          </a:prstGeom>
-          <a:solidFill>
-            <a:srgbClr val="A8A098"/>
-          </a:solidFill>
-        </p:spPr>
-        <p:style>
-          <a:lnRef idx="2">
-            <a:schemeClr val="accent1">
-              <a:shade val="50000"/>
-            </a:schemeClr>
-          </a:lnRef>
-          <a:fillRef idx="1">
-            <a:schemeClr val="accent1"/>
-          </a:fillRef>
-          <a:effectRef idx="0">
-            <a:schemeClr val="accent1"/>
-          </a:effectRef>
-          <a:fontRef idx="minor">
-            <a:schemeClr val="lt1"/>
-          </a:fontRef>
-        </p:style>
-        <p:txBody>
-          <a:bodyPr rtlCol="0" anchor="ctr"/>
-          <a:lstStyle/>
-          <a:p>
-            <a:pPr algn="ctr"/>
-            <a:endParaRPr lang="en-US"/>
-          </a:p>
-        </p:txBody>
-      </p:sp>
-      <p:sp>
-        <p:nvSpPr>
-          <p:cNvPr id="65" name="Rectangle 64">
-            <a:extLst>
-              <a:ext uri="{FF2B5EF4-FFF2-40B4-BE49-F238E27FC236}">
-                <a16:creationId xmlns:a16="http://schemas.microsoft.com/office/drawing/2014/main" id="{AEB49EC0-FF94-4D34-A4B2-BF5458FDB4FE}"/>
-              </a:ext>
-            </a:extLst>
-          </p:cNvPr>
-          <p:cNvSpPr/>
-          <p:nvPr/>
-        </p:nvSpPr>
-        <p:spPr>
-          <a:xfrm>
-            <a:off x="11983043" y="10208616"/>
-            <a:ext cx="219965" cy="219965"/>
-          </a:xfrm>
-          <a:prstGeom prst="rect">
-            <a:avLst/>
-          </a:prstGeom>
-          <a:solidFill>
-            <a:srgbClr val="704840"/>
-          </a:solidFill>
-        </p:spPr>
-        <p:style>
-          <a:lnRef idx="2">
-            <a:schemeClr val="accent1">
-              <a:shade val="50000"/>
-            </a:schemeClr>
-          </a:lnRef>
-          <a:fillRef idx="1">
-            <a:schemeClr val="accent1"/>
-          </a:fillRef>
-          <a:effectRef idx="0">
-            <a:schemeClr val="accent1"/>
-          </a:effectRef>
-          <a:fontRef idx="minor">
-            <a:schemeClr val="lt1"/>
-          </a:fontRef>
-        </p:style>
-        <p:txBody>
-          <a:bodyPr rtlCol="0" anchor="ctr"/>
-          <a:lstStyle/>
-          <a:p>
-            <a:pPr algn="ctr"/>
-            <a:endParaRPr lang="en-US"/>
-          </a:p>
-        </p:txBody>
-      </p:sp>
-      <p:sp>
-        <p:nvSpPr>
-          <p:cNvPr id="66" name="Rectangle 65">
-            <a:extLst>
-              <a:ext uri="{FF2B5EF4-FFF2-40B4-BE49-F238E27FC236}">
-                <a16:creationId xmlns:a16="http://schemas.microsoft.com/office/drawing/2014/main" id="{37777B43-BA37-4A62-91D2-9D8E309052B1}"/>
-              </a:ext>
-            </a:extLst>
-          </p:cNvPr>
-          <p:cNvSpPr/>
-          <p:nvPr/>
-        </p:nvSpPr>
-        <p:spPr>
-          <a:xfrm>
-            <a:off x="11983043" y="10429228"/>
-            <a:ext cx="219965" cy="219965"/>
-          </a:xfrm>
-          <a:prstGeom prst="rect">
-            <a:avLst/>
-          </a:prstGeom>
-          <a:solidFill>
-            <a:srgbClr val="201820"/>
-          </a:solidFill>
-        </p:spPr>
-        <p:style>
-          <a:lnRef idx="2">
-            <a:schemeClr val="accent1">
-              <a:shade val="50000"/>
-            </a:schemeClr>
-          </a:lnRef>
-          <a:fillRef idx="1">
-            <a:schemeClr val="accent1"/>
-          </a:fillRef>
-          <a:effectRef idx="0">
-            <a:schemeClr val="accent1"/>
-          </a:effectRef>
-          <a:fontRef idx="minor">
-            <a:schemeClr val="lt1"/>
-          </a:fontRef>
-        </p:style>
-        <p:txBody>
-          <a:bodyPr rtlCol="0" anchor="ctr"/>
-          <a:lstStyle/>
-          <a:p>
-            <a:pPr algn="ctr"/>
-            <a:endParaRPr lang="en-US"/>
+            <a:pPr algn="just"/>
+            <a:r>
+              <a:rPr lang="en-US" sz="1600">
+                <a:solidFill>
+                  <a:srgbClr val="000000"/>
+                </a:solidFill>
+                <a:latin typeface="Arial" panose="020B0604020202020204" pitchFamily="34" charset="0"/>
+              </a:rPr>
+              <a:t>Để thỏa mãn tính hạn chế về màu sắc và kích thước của mỹ thuật điểm ảnh, ta cần phải giảm số màu của ảnh gốc theo một lượng nhất định và giảm kích thước sao cho các điểm ảnh có thể nhìn thấy được.</a:t>
+            </a:r>
+          </a:p>
+          <a:p>
+            <a:pPr algn="just"/>
+            <a:endParaRPr lang="en-US" sz="1600">
+              <a:solidFill>
+                <a:srgbClr val="000000"/>
+              </a:solidFill>
+              <a:latin typeface="Arial" panose="020B0604020202020204" pitchFamily="34" charset="0"/>
+            </a:endParaRPr>
+          </a:p>
+          <a:p>
+            <a:pPr algn="just"/>
+            <a:r>
+              <a:rPr lang="en-US" sz="1600">
+                <a:solidFill>
+                  <a:srgbClr val="000000"/>
+                </a:solidFill>
+                <a:latin typeface="Arial" panose="020B0604020202020204" pitchFamily="34" charset="0"/>
+              </a:rPr>
+              <a:t>Ta có thể khái quát quá trình đó theo 2 bước sau:</a:t>
+            </a:r>
+          </a:p>
+          <a:p>
+            <a:pPr marL="342900" indent="-342900" algn="just">
+              <a:buFont typeface="+mj-lt"/>
+              <a:buAutoNum type="arabicPeriod"/>
+            </a:pPr>
+            <a:r>
+              <a:rPr lang="en-US" sz="1600">
+                <a:solidFill>
+                  <a:srgbClr val="000000"/>
+                </a:solidFill>
+                <a:latin typeface="Arial" panose="020B0604020202020204" pitchFamily="34" charset="0"/>
+              </a:rPr>
+              <a:t>Lượng tử hóa số màu của ảnh gốc về một lượng nhất định,</a:t>
+            </a:r>
+          </a:p>
+          <a:p>
+            <a:pPr marL="342900" indent="-342900" algn="just">
+              <a:buFont typeface="+mj-lt"/>
+              <a:buAutoNum type="arabicPeriod"/>
+            </a:pPr>
+            <a:r>
+              <a:rPr lang="en-US" sz="1600">
+                <a:latin typeface="+mj-lt"/>
+              </a:rPr>
+              <a:t>Giảm kích thước của ảnh theo tỉ lệ cho tới khi ta thấy được điểm ảnh.</a:t>
+            </a:r>
+          </a:p>
+          <a:p>
+            <a:pPr algn="just"/>
+            <a:endParaRPr lang="en-US" sz="1600">
+              <a:latin typeface="+mj-lt"/>
+            </a:endParaRPr>
+          </a:p>
+          <a:p>
+            <a:pPr algn="just"/>
+            <a:r>
+              <a:rPr lang="en-US" sz="1600">
+                <a:latin typeface="+mj-lt"/>
+              </a:rPr>
+              <a:t>Hình bên trái sử dụng thuật toán K-means để giảm màu, sau đó giảm kích theo nội suy Nearest</a:t>
+            </a:r>
+            <a:endParaRPr lang="en-US" sz="1600" dirty="0">
+              <a:latin typeface="+mj-lt"/>
+            </a:endParaRPr>
           </a:p>
         </p:txBody>
       </p:sp>
